--- a/DOC/Tuan 1 - Tìm hiểu machine translation.pptx
+++ b/DOC/Tuan 1 - Tìm hiểu machine translation.pptx
@@ -19,8 +19,8 @@
     <p:sldId id="392" r:id="rId10"/>
     <p:sldId id="268" r:id="rId11"/>
     <p:sldId id="272" r:id="rId12"/>
-    <p:sldId id="270" r:id="rId13"/>
-    <p:sldId id="281" r:id="rId14"/>
+    <p:sldId id="281" r:id="rId13"/>
+    <p:sldId id="270" r:id="rId14"/>
     <p:sldId id="394" r:id="rId15"/>
     <p:sldId id="395" r:id="rId16"/>
     <p:sldId id="397" r:id="rId17"/>
@@ -172,7 +172,7 @@
           <p:cNvPr id="2" name="Header Placeholder 1">
             <a:extLst>
               <a:ext uri="{FF2B5EF4-FFF2-40B4-BE49-F238E27FC236}">
-                <a16:creationId xmlns="" xmlns:a16="http://schemas.microsoft.com/office/drawing/2014/main" id="{D1471C2C-1567-47F4-803E-468024209D92}"/>
+                <a16:creationId xmlns:a16="http://schemas.microsoft.com/office/drawing/2014/main" xmlns="" id="{D1471C2C-1567-47F4-803E-468024209D92}"/>
               </a:ext>
             </a:extLst>
           </p:cNvPr>
@@ -209,7 +209,7 @@
           <p:cNvPr id="3" name="Date Placeholder 2">
             <a:extLst>
               <a:ext uri="{FF2B5EF4-FFF2-40B4-BE49-F238E27FC236}">
-                <a16:creationId xmlns="" xmlns:a16="http://schemas.microsoft.com/office/drawing/2014/main" id="{058F5B09-2954-46C6-97BB-9E10649FE2C3}"/>
+                <a16:creationId xmlns:a16="http://schemas.microsoft.com/office/drawing/2014/main" xmlns="" id="{058F5B09-2954-46C6-97BB-9E10649FE2C3}"/>
               </a:ext>
             </a:extLst>
           </p:cNvPr>
@@ -250,7 +250,7 @@
           <p:cNvPr id="4" name="Footer Placeholder 3">
             <a:extLst>
               <a:ext uri="{FF2B5EF4-FFF2-40B4-BE49-F238E27FC236}">
-                <a16:creationId xmlns="" xmlns:a16="http://schemas.microsoft.com/office/drawing/2014/main" id="{E39A204B-EBA9-4C6D-BFB2-A104F00C8E26}"/>
+                <a16:creationId xmlns:a16="http://schemas.microsoft.com/office/drawing/2014/main" xmlns="" id="{E39A204B-EBA9-4C6D-BFB2-A104F00C8E26}"/>
               </a:ext>
             </a:extLst>
           </p:cNvPr>
@@ -287,7 +287,7 @@
           <p:cNvPr id="5" name="Slide Number Placeholder 4">
             <a:extLst>
               <a:ext uri="{FF2B5EF4-FFF2-40B4-BE49-F238E27FC236}">
-                <a16:creationId xmlns="" xmlns:a16="http://schemas.microsoft.com/office/drawing/2014/main" id="{855F72FC-4D2D-4E5B-A4DD-62E2C822FB1E}"/>
+                <a16:creationId xmlns:a16="http://schemas.microsoft.com/office/drawing/2014/main" xmlns="" id="{855F72FC-4D2D-4E5B-A4DD-62E2C822FB1E}"/>
               </a:ext>
             </a:extLst>
           </p:cNvPr>
@@ -1233,11 +1233,7 @@
           <a:p>
             <a:r>
               <a:rPr lang="vi-VN" dirty="0" smtClean="0"/>
-              <a:t>Ý tưởng về dịch máy sau đó đã xuất hiện vào thế kỷ 17. Năm 1629, René Descartes đề xuất một ngôn ngữ phổ quát, với những ý tưởng tương đương ở các thứ tiếng khác nhau có chung một ký hiệu</a:t>
-            </a:r>
-            <a:r>
-              <a:rPr lang="vi-VN" dirty="0" smtClean="0"/>
-              <a:t>.</a:t>
+              <a:t>Ý tưởng về dịch máy sau đó đã xuất hiện vào thế kỷ 17. Năm 1629, René Descartes đề xuất một ngôn ngữ phổ quát, với những ý tưởng tương đương ở các thứ tiếng khác nhau có chung một ký hiệu.</a:t>
             </a:r>
             <a:endParaRPr lang="en-US" dirty="0" smtClean="0"/>
           </a:p>
@@ -6060,97 +6056,384 @@
           <a:lstStyle/>
           <a:p>
             <a:r>
-              <a:rPr lang="en-US" b="1" dirty="0" smtClean="0"/>
-              <a:t>Rule-based machine translation : </a:t>
-            </a:r>
-            <a:r>
-              <a:rPr lang="vi-VN" b="0" dirty="0" smtClean="0"/>
-              <a:t>Hình thức sớm nhất của MT, MT dựa trên quy tắc, có một số nhược điểm nghiêm trọng bao gồm yêu cầu con người chỉnh sửa hậu kỳ rất nhiều, yêu cầu thêm ngôn ngữ theo cách thủ công và chất lượng nói chung thấp. Nó có một số cách sử dụng trong những tình huống rất cơ bản khi cần phải hiểu nhanh về nghĩa.</a:t>
-            </a:r>
-            <a:endParaRPr lang="en-US" b="0" dirty="0" smtClean="0"/>
-          </a:p>
-          <a:p>
-            <a:pPr marL="0" marR="0" indent="0" algn="l" defTabSz="914400" rtl="0" eaLnBrk="1" fontAlgn="auto" latinLnBrk="0" hangingPunct="1">
-              <a:lnSpc>
-                <a:spcPct val="100000"/>
-              </a:lnSpc>
-              <a:spcBef>
-                <a:spcPts val="0"/>
-              </a:spcBef>
-              <a:spcAft>
-                <a:spcPts val="0"/>
-              </a:spcAft>
-              <a:buClrTx/>
-              <a:buSzTx/>
-              <a:buFontTx/>
-              <a:buNone/>
-              <a:tabLst/>
-              <a:defRPr/>
-            </a:pPr>
-            <a:r>
-              <a:rPr lang="en-US" b="1" dirty="0" smtClean="0"/>
-              <a:t>Statistical machine translation (</a:t>
-            </a:r>
-            <a:r>
-              <a:rPr lang="en-US" b="1" dirty="0" err="1" smtClean="0"/>
-              <a:t>SMT</a:t>
-            </a:r>
-            <a:r>
-              <a:rPr lang="en-US" b="1" dirty="0" smtClean="0"/>
-              <a:t>) :</a:t>
-            </a:r>
-            <a:r>
-              <a:rPr lang="en-US" b="1" baseline="0" dirty="0" smtClean="0"/>
+              <a:rPr lang="en-US" dirty="0" err="1" smtClean="0"/>
+              <a:t>Dịch</a:t>
+            </a:r>
+            <a:r>
+              <a:rPr lang="en-US" baseline="0" dirty="0" smtClean="0"/>
               <a:t> </a:t>
             </a:r>
             <a:r>
-              <a:rPr lang="vi-VN" b="0" dirty="0" smtClean="0"/>
-              <a:t>xây dựng một mô hình thống kê về mối quan hệ giữa các từ, cụm từ và câu trong một văn bản. Nó áp dụng mô hình cho ngôn ngữ thứ hai để chuyển đổi các yếu tố đó sang ngôn ngữ mới. Qua đó, nó cải thiện trên MT dựa trên quy tắc nhưng có chung nhiều vấn đề.</a:t>
-            </a:r>
-            <a:endParaRPr lang="en-US" b="0" dirty="0" smtClean="0"/>
-          </a:p>
-          <a:p>
-            <a:pPr marL="0" marR="0" indent="0" algn="l" defTabSz="914400" rtl="0" eaLnBrk="1" fontAlgn="auto" latinLnBrk="0" hangingPunct="1">
-              <a:lnSpc>
-                <a:spcPct val="100000"/>
-              </a:lnSpc>
-              <a:spcBef>
-                <a:spcPts val="0"/>
-              </a:spcBef>
-              <a:spcAft>
-                <a:spcPts val="0"/>
-              </a:spcAft>
-              <a:buClrTx/>
-              <a:buSzTx/>
-              <a:buFontTx/>
-              <a:buNone/>
-              <a:tabLst/>
-              <a:defRPr/>
-            </a:pPr>
-            <a:r>
-              <a:rPr lang="en-US" b="1" dirty="0" smtClean="0"/>
-              <a:t>Neural machine translation (</a:t>
-            </a:r>
-            <a:r>
-              <a:rPr lang="en-US" b="1" dirty="0" err="1" smtClean="0"/>
-              <a:t>NMT</a:t>
-            </a:r>
-            <a:r>
-              <a:rPr lang="en-US" b="1" dirty="0" smtClean="0"/>
-              <a:t>)</a:t>
-            </a:r>
-            <a:r>
-              <a:rPr lang="en-US" b="1" baseline="0" dirty="0" smtClean="0"/>
-              <a:t> : </a:t>
-            </a:r>
-            <a:r>
-              <a:rPr lang="vi-VN" b="0" dirty="0" smtClean="0"/>
-              <a:t>mô hình MT thần kinh sử dụng trí thông minh nhân tạo để học ngôn ngữ và không ngừng nâng cao kiến thức đó, giống như mạng thần kinh trong não người. Nó chính xác hơn, dễ dàng hơn để thêm ngôn ngữ và nhanh hơn nhiều sau khi được đào tạo. Neural MT đang nhanh chóng trở thành tiêu chuẩn trong phát triển động cơ MT.</a:t>
-            </a:r>
-            <a:endParaRPr lang="en-US" b="0" dirty="0" smtClean="0"/>
-          </a:p>
-          <a:p>
-            <a:endParaRPr lang="en-US" b="0" dirty="0"/>
+              <a:rPr lang="en-US" baseline="0" dirty="0" err="1" smtClean="0"/>
+              <a:t>máy</a:t>
+            </a:r>
+            <a:r>
+              <a:rPr lang="en-US" baseline="0" dirty="0" smtClean="0"/>
+              <a:t> </a:t>
+            </a:r>
+            <a:r>
+              <a:rPr lang="en-US" baseline="0" dirty="0" err="1" smtClean="0"/>
+              <a:t>dùng</a:t>
+            </a:r>
+            <a:r>
+              <a:rPr lang="en-US" baseline="0" dirty="0" smtClean="0"/>
+              <a:t> </a:t>
+            </a:r>
+            <a:r>
+              <a:rPr lang="en-US" baseline="0" dirty="0" err="1" smtClean="0"/>
+              <a:t>ngôn</a:t>
+            </a:r>
+            <a:r>
+              <a:rPr lang="en-US" baseline="0" dirty="0" smtClean="0"/>
+              <a:t> </a:t>
+            </a:r>
+            <a:r>
+              <a:rPr lang="en-US" baseline="0" dirty="0" err="1" smtClean="0"/>
+              <a:t>ngữ</a:t>
+            </a:r>
+            <a:r>
+              <a:rPr lang="en-US" baseline="0" dirty="0" smtClean="0"/>
+              <a:t> </a:t>
+            </a:r>
+            <a:r>
+              <a:rPr lang="en-US" baseline="0" dirty="0" err="1" smtClean="0"/>
+              <a:t>trung</a:t>
+            </a:r>
+            <a:r>
+              <a:rPr lang="en-US" baseline="0" dirty="0" smtClean="0"/>
+              <a:t> </a:t>
+            </a:r>
+            <a:r>
+              <a:rPr lang="en-US" baseline="0" dirty="0" err="1" smtClean="0"/>
+              <a:t>gian</a:t>
+            </a:r>
+            <a:r>
+              <a:rPr lang="en-US" baseline="0" dirty="0" smtClean="0"/>
+              <a:t> (interlingua): </a:t>
+            </a:r>
+            <a:r>
+              <a:rPr lang="en-US" baseline="0" dirty="0" err="1" smtClean="0"/>
+              <a:t>từ</a:t>
+            </a:r>
+            <a:r>
+              <a:rPr lang="en-US" baseline="0" dirty="0" smtClean="0"/>
+              <a:t> </a:t>
+            </a:r>
+            <a:r>
+              <a:rPr lang="en-US" baseline="0" dirty="0" err="1" smtClean="0"/>
+              <a:t>ngôn</a:t>
+            </a:r>
+            <a:r>
+              <a:rPr lang="en-US" baseline="0" dirty="0" smtClean="0"/>
+              <a:t> </a:t>
+            </a:r>
+            <a:r>
+              <a:rPr lang="en-US" baseline="0" dirty="0" err="1" smtClean="0"/>
+              <a:t>ngữ</a:t>
+            </a:r>
+            <a:r>
+              <a:rPr lang="en-US" baseline="0" dirty="0" smtClean="0"/>
+              <a:t> </a:t>
+            </a:r>
+            <a:r>
+              <a:rPr lang="en-US" baseline="0" dirty="0" err="1" smtClean="0"/>
+              <a:t>nguồn</a:t>
+            </a:r>
+            <a:r>
+              <a:rPr lang="en-US" baseline="0" dirty="0" smtClean="0"/>
+              <a:t> -&gt; </a:t>
+            </a:r>
+            <a:r>
+              <a:rPr lang="en-US" baseline="0" dirty="0" err="1" smtClean="0"/>
+              <a:t>phân</a:t>
+            </a:r>
+            <a:r>
+              <a:rPr lang="en-US" baseline="0" dirty="0" smtClean="0"/>
+              <a:t> </a:t>
+            </a:r>
+            <a:r>
+              <a:rPr lang="en-US" baseline="0" dirty="0" err="1" smtClean="0"/>
+              <a:t>tích</a:t>
+            </a:r>
+            <a:r>
+              <a:rPr lang="en-US" baseline="0" dirty="0" smtClean="0"/>
+              <a:t> -&gt; </a:t>
+            </a:r>
+            <a:r>
+              <a:rPr lang="en-US" baseline="0" dirty="0" err="1" smtClean="0"/>
+              <a:t>dùng</a:t>
+            </a:r>
+            <a:r>
+              <a:rPr lang="en-US" baseline="0" dirty="0" smtClean="0"/>
+              <a:t> </a:t>
+            </a:r>
+            <a:r>
+              <a:rPr lang="en-US" baseline="0" dirty="0" err="1" smtClean="0"/>
+              <a:t>ngôn</a:t>
+            </a:r>
+            <a:r>
+              <a:rPr lang="en-US" baseline="0" dirty="0" smtClean="0"/>
+              <a:t> </a:t>
+            </a:r>
+            <a:r>
+              <a:rPr lang="en-US" baseline="0" dirty="0" err="1" smtClean="0"/>
+              <a:t>ngữ</a:t>
+            </a:r>
+            <a:r>
+              <a:rPr lang="en-US" baseline="0" dirty="0" smtClean="0"/>
+              <a:t> </a:t>
+            </a:r>
+            <a:r>
+              <a:rPr lang="en-US" baseline="0" dirty="0" err="1" smtClean="0"/>
+              <a:t>trung</a:t>
+            </a:r>
+            <a:r>
+              <a:rPr lang="en-US" baseline="0" dirty="0" smtClean="0"/>
+              <a:t> </a:t>
+            </a:r>
+            <a:r>
+              <a:rPr lang="en-US" baseline="0" dirty="0" err="1" smtClean="0"/>
+              <a:t>gian</a:t>
+            </a:r>
+            <a:r>
+              <a:rPr lang="en-US" baseline="0" dirty="0" smtClean="0"/>
+              <a:t> -&gt; </a:t>
+            </a:r>
+            <a:r>
+              <a:rPr lang="en-US" baseline="0" dirty="0" err="1" smtClean="0"/>
+              <a:t>sinh</a:t>
+            </a:r>
+            <a:r>
+              <a:rPr lang="en-US" baseline="0" dirty="0" smtClean="0"/>
+              <a:t> -&gt; </a:t>
+            </a:r>
+            <a:r>
+              <a:rPr lang="en-US" baseline="0" dirty="0" err="1" smtClean="0"/>
+              <a:t>ngôn</a:t>
+            </a:r>
+            <a:r>
+              <a:rPr lang="en-US" baseline="0" dirty="0" smtClean="0"/>
+              <a:t> </a:t>
+            </a:r>
+            <a:r>
+              <a:rPr lang="en-US" baseline="0" dirty="0" err="1" smtClean="0"/>
+              <a:t>ngữ</a:t>
+            </a:r>
+            <a:r>
+              <a:rPr lang="en-US" baseline="0" dirty="0" smtClean="0"/>
+              <a:t> </a:t>
+            </a:r>
+            <a:r>
+              <a:rPr lang="en-US" baseline="0" dirty="0" err="1" smtClean="0"/>
+              <a:t>đích</a:t>
+            </a:r>
+            <a:endParaRPr lang="en-US" baseline="0" dirty="0" smtClean="0"/>
+          </a:p>
+          <a:p>
+            <a:r>
+              <a:rPr lang="en-US" dirty="0" err="1" smtClean="0"/>
+              <a:t>Dịch</a:t>
+            </a:r>
+            <a:r>
+              <a:rPr lang="en-US" baseline="0" dirty="0" smtClean="0"/>
+              <a:t> </a:t>
+            </a:r>
+            <a:r>
+              <a:rPr lang="en-US" baseline="0" dirty="0" err="1" smtClean="0"/>
+              <a:t>máy</a:t>
+            </a:r>
+            <a:r>
+              <a:rPr lang="en-US" baseline="0" dirty="0" smtClean="0"/>
+              <a:t> </a:t>
+            </a:r>
+            <a:r>
+              <a:rPr lang="en-US" baseline="0" dirty="0" err="1" smtClean="0"/>
+              <a:t>chuyển</a:t>
+            </a:r>
+            <a:r>
+              <a:rPr lang="en-US" baseline="0" dirty="0" smtClean="0"/>
+              <a:t> </a:t>
+            </a:r>
+            <a:r>
+              <a:rPr lang="en-US" baseline="0" dirty="0" err="1" smtClean="0"/>
+              <a:t>đổi</a:t>
+            </a:r>
+            <a:r>
+              <a:rPr lang="en-US" baseline="0" dirty="0" smtClean="0"/>
+              <a:t> (transfer): ): </a:t>
+            </a:r>
+            <a:r>
+              <a:rPr lang="en-US" baseline="0" dirty="0" err="1" smtClean="0"/>
+              <a:t>từ</a:t>
+            </a:r>
+            <a:r>
+              <a:rPr lang="en-US" baseline="0" dirty="0" smtClean="0"/>
+              <a:t> </a:t>
+            </a:r>
+            <a:r>
+              <a:rPr lang="en-US" baseline="0" dirty="0" err="1" smtClean="0"/>
+              <a:t>ngôn</a:t>
+            </a:r>
+            <a:r>
+              <a:rPr lang="en-US" baseline="0" dirty="0" smtClean="0"/>
+              <a:t> </a:t>
+            </a:r>
+            <a:r>
+              <a:rPr lang="en-US" baseline="0" dirty="0" err="1" smtClean="0"/>
+              <a:t>ngữ</a:t>
+            </a:r>
+            <a:r>
+              <a:rPr lang="en-US" baseline="0" dirty="0" smtClean="0"/>
+              <a:t> </a:t>
+            </a:r>
+            <a:r>
+              <a:rPr lang="en-US" baseline="0" dirty="0" err="1" smtClean="0"/>
+              <a:t>nguồn</a:t>
+            </a:r>
+            <a:r>
+              <a:rPr lang="en-US" baseline="0" dirty="0" smtClean="0"/>
+              <a:t> -&gt; </a:t>
+            </a:r>
+            <a:r>
+              <a:rPr lang="en-US" baseline="0" dirty="0" err="1" smtClean="0"/>
+              <a:t>chuyển</a:t>
+            </a:r>
+            <a:r>
+              <a:rPr lang="en-US" baseline="0" dirty="0" smtClean="0"/>
+              <a:t> </a:t>
+            </a:r>
+            <a:r>
+              <a:rPr lang="en-US" baseline="0" dirty="0" err="1" smtClean="0"/>
+              <a:t>đổi</a:t>
+            </a:r>
+            <a:r>
+              <a:rPr lang="en-US" baseline="0" dirty="0" smtClean="0"/>
+              <a:t> -&gt; </a:t>
+            </a:r>
+            <a:r>
+              <a:rPr lang="en-US" baseline="0" dirty="0" err="1" smtClean="0"/>
+              <a:t>ngôn</a:t>
+            </a:r>
+            <a:r>
+              <a:rPr lang="en-US" baseline="0" dirty="0" smtClean="0"/>
+              <a:t> </a:t>
+            </a:r>
+            <a:r>
+              <a:rPr lang="en-US" baseline="0" dirty="0" err="1" smtClean="0"/>
+              <a:t>ngữ</a:t>
+            </a:r>
+            <a:r>
+              <a:rPr lang="en-US" baseline="0" dirty="0" smtClean="0"/>
+              <a:t> </a:t>
+            </a:r>
+            <a:r>
+              <a:rPr lang="en-US" baseline="0" dirty="0" err="1" smtClean="0"/>
+              <a:t>đích</a:t>
+            </a:r>
+            <a:endParaRPr lang="en-US" baseline="0" dirty="0" smtClean="0"/>
+          </a:p>
+          <a:p>
+            <a:r>
+              <a:rPr lang="en-US" baseline="0" dirty="0" err="1" smtClean="0"/>
+              <a:t>Dịch</a:t>
+            </a:r>
+            <a:r>
+              <a:rPr lang="en-US" baseline="0" dirty="0" smtClean="0"/>
+              <a:t> </a:t>
+            </a:r>
+            <a:r>
+              <a:rPr lang="en-US" baseline="0" dirty="0" err="1" smtClean="0"/>
+              <a:t>trực</a:t>
+            </a:r>
+            <a:r>
+              <a:rPr lang="en-US" baseline="0" dirty="0" smtClean="0"/>
+              <a:t> </a:t>
+            </a:r>
+            <a:r>
+              <a:rPr lang="en-US" baseline="0" dirty="0" err="1" smtClean="0"/>
+              <a:t>tiếp</a:t>
+            </a:r>
+            <a:r>
+              <a:rPr lang="en-US" baseline="0" dirty="0" smtClean="0"/>
+              <a:t>: </a:t>
+            </a:r>
+            <a:r>
+              <a:rPr lang="en-US" baseline="0" dirty="0" err="1" smtClean="0"/>
+              <a:t>ngôn</a:t>
+            </a:r>
+            <a:r>
+              <a:rPr lang="en-US" baseline="0" dirty="0" smtClean="0"/>
+              <a:t> </a:t>
+            </a:r>
+            <a:r>
+              <a:rPr lang="en-US" baseline="0" dirty="0" err="1" smtClean="0"/>
+              <a:t>ngữ</a:t>
+            </a:r>
+            <a:r>
+              <a:rPr lang="en-US" baseline="0" dirty="0" smtClean="0"/>
+              <a:t> </a:t>
+            </a:r>
+            <a:r>
+              <a:rPr lang="en-US" baseline="0" dirty="0" err="1" smtClean="0"/>
+              <a:t>nguồn</a:t>
+            </a:r>
+            <a:r>
+              <a:rPr lang="en-US" baseline="0" dirty="0" smtClean="0"/>
+              <a:t> -&gt; </a:t>
+            </a:r>
+            <a:r>
+              <a:rPr lang="en-US" baseline="0" dirty="0" err="1" smtClean="0"/>
+              <a:t>chuyển</a:t>
+            </a:r>
+            <a:r>
+              <a:rPr lang="en-US" baseline="0" dirty="0" smtClean="0"/>
+              <a:t> </a:t>
+            </a:r>
+            <a:r>
+              <a:rPr lang="en-US" baseline="0" dirty="0" err="1" smtClean="0"/>
+              <a:t>đổi</a:t>
+            </a:r>
+            <a:r>
+              <a:rPr lang="en-US" baseline="0" dirty="0" smtClean="0"/>
+              <a:t> </a:t>
+            </a:r>
+            <a:r>
+              <a:rPr lang="en-US" baseline="0" dirty="0" err="1" smtClean="0"/>
+              <a:t>trực</a:t>
+            </a:r>
+            <a:r>
+              <a:rPr lang="en-US" baseline="0" dirty="0" smtClean="0"/>
+              <a:t> </a:t>
+            </a:r>
+            <a:r>
+              <a:rPr lang="en-US" baseline="0" dirty="0" err="1" smtClean="0"/>
+              <a:t>tiếp</a:t>
+            </a:r>
+            <a:r>
+              <a:rPr lang="en-US" baseline="0" dirty="0" smtClean="0"/>
+              <a:t> -&gt; </a:t>
+            </a:r>
+            <a:r>
+              <a:rPr lang="en-US" baseline="0" dirty="0" err="1" smtClean="0"/>
+              <a:t>ngôn</a:t>
+            </a:r>
+            <a:r>
+              <a:rPr lang="en-US" baseline="0" dirty="0" smtClean="0"/>
+              <a:t> </a:t>
+            </a:r>
+            <a:r>
+              <a:rPr lang="en-US" baseline="0" dirty="0" err="1" smtClean="0"/>
+              <a:t>ngữ</a:t>
+            </a:r>
+            <a:r>
+              <a:rPr lang="en-US" baseline="0" dirty="0" smtClean="0"/>
+              <a:t> </a:t>
+            </a:r>
+            <a:r>
+              <a:rPr lang="en-US" baseline="0" dirty="0" err="1" smtClean="0"/>
+              <a:t>đích</a:t>
+            </a:r>
+            <a:endParaRPr lang="en-US" dirty="0"/>
           </a:p>
         </p:txBody>
       </p:sp>
@@ -6161,7 +6444,7 @@
             <a:spLocks noGrp="1"/>
           </p:cNvSpPr>
           <p:nvPr>
-            <p:ph type="sldNum" sz="quarter" idx="5"/>
+            <p:ph type="sldNum" sz="quarter" idx="10"/>
           </p:nvPr>
         </p:nvSpPr>
         <p:spPr/>
@@ -6169,7 +6452,7 @@
           <a:bodyPr/>
           <a:lstStyle/>
           <a:p>
-            <a:fld id="{1983A999-5E0E-42CA-8400-604AE921FF7C}" type="slidenum">
+            <a:fld id="{E7CCE34D-CFF1-4FFE-815B-D050E7ED2DFD}" type="slidenum">
               <a:rPr lang="en-US" smtClean="0"/>
               <a:t>9</a:t>
             </a:fld>
@@ -6180,7 +6463,7 @@
     </p:spTree>
     <p:extLst>
       <p:ext uri="{BB962C8B-B14F-4D97-AF65-F5344CB8AC3E}">
-        <p14:creationId xmlns:p14="http://schemas.microsoft.com/office/powerpoint/2010/main" val="404304175"/>
+        <p14:creationId xmlns:p14="http://schemas.microsoft.com/office/powerpoint/2010/main" val="2982993134"/>
       </p:ext>
     </p:extLst>
   </p:cSld>
@@ -6235,384 +6518,97 @@
           <a:lstStyle/>
           <a:p>
             <a:r>
-              <a:rPr lang="en-US" dirty="0" err="1" smtClean="0"/>
-              <a:t>Dịch</a:t>
-            </a:r>
-            <a:r>
-              <a:rPr lang="en-US" baseline="0" dirty="0" smtClean="0"/>
+              <a:rPr lang="en-US" b="1" dirty="0" smtClean="0"/>
+              <a:t>Rule-based machine translation : </a:t>
+            </a:r>
+            <a:r>
+              <a:rPr lang="vi-VN" b="0" dirty="0" smtClean="0"/>
+              <a:t>Hình thức sớm nhất của MT, MT dựa trên quy tắc, có một số nhược điểm nghiêm trọng bao gồm yêu cầu con người chỉnh sửa hậu kỳ rất nhiều, yêu cầu thêm ngôn ngữ theo cách thủ công và chất lượng nói chung thấp. Nó có một số cách sử dụng trong những tình huống rất cơ bản khi cần phải hiểu nhanh về nghĩa.</a:t>
+            </a:r>
+            <a:endParaRPr lang="en-US" b="0" dirty="0" smtClean="0"/>
+          </a:p>
+          <a:p>
+            <a:pPr marL="0" marR="0" indent="0" algn="l" defTabSz="914400" rtl="0" eaLnBrk="1" fontAlgn="auto" latinLnBrk="0" hangingPunct="1">
+              <a:lnSpc>
+                <a:spcPct val="100000"/>
+              </a:lnSpc>
+              <a:spcBef>
+                <a:spcPts val="0"/>
+              </a:spcBef>
+              <a:spcAft>
+                <a:spcPts val="0"/>
+              </a:spcAft>
+              <a:buClrTx/>
+              <a:buSzTx/>
+              <a:buFontTx/>
+              <a:buNone/>
+              <a:tabLst/>
+              <a:defRPr/>
+            </a:pPr>
+            <a:r>
+              <a:rPr lang="en-US" b="1" dirty="0" smtClean="0"/>
+              <a:t>Statistical machine translation (</a:t>
+            </a:r>
+            <a:r>
+              <a:rPr lang="en-US" b="1" dirty="0" err="1" smtClean="0"/>
+              <a:t>SMT</a:t>
+            </a:r>
+            <a:r>
+              <a:rPr lang="en-US" b="1" dirty="0" smtClean="0"/>
+              <a:t>) :</a:t>
+            </a:r>
+            <a:r>
+              <a:rPr lang="en-US" b="1" baseline="0" dirty="0" smtClean="0"/>
               <a:t> </a:t>
             </a:r>
             <a:r>
-              <a:rPr lang="en-US" baseline="0" dirty="0" err="1" smtClean="0"/>
-              <a:t>máy</a:t>
-            </a:r>
-            <a:r>
-              <a:rPr lang="en-US" baseline="0" dirty="0" smtClean="0"/>
-              <a:t> </a:t>
-            </a:r>
-            <a:r>
-              <a:rPr lang="en-US" baseline="0" dirty="0" err="1" smtClean="0"/>
-              <a:t>dùng</a:t>
-            </a:r>
-            <a:r>
-              <a:rPr lang="en-US" baseline="0" dirty="0" smtClean="0"/>
-              <a:t> </a:t>
-            </a:r>
-            <a:r>
-              <a:rPr lang="en-US" baseline="0" dirty="0" err="1" smtClean="0"/>
-              <a:t>ngôn</a:t>
-            </a:r>
-            <a:r>
-              <a:rPr lang="en-US" baseline="0" dirty="0" smtClean="0"/>
-              <a:t> </a:t>
-            </a:r>
-            <a:r>
-              <a:rPr lang="en-US" baseline="0" dirty="0" err="1" smtClean="0"/>
-              <a:t>ngữ</a:t>
-            </a:r>
-            <a:r>
-              <a:rPr lang="en-US" baseline="0" dirty="0" smtClean="0"/>
-              <a:t> </a:t>
-            </a:r>
-            <a:r>
-              <a:rPr lang="en-US" baseline="0" dirty="0" err="1" smtClean="0"/>
-              <a:t>trung</a:t>
-            </a:r>
-            <a:r>
-              <a:rPr lang="en-US" baseline="0" dirty="0" smtClean="0"/>
-              <a:t> </a:t>
-            </a:r>
-            <a:r>
-              <a:rPr lang="en-US" baseline="0" dirty="0" err="1" smtClean="0"/>
-              <a:t>gian</a:t>
-            </a:r>
-            <a:r>
-              <a:rPr lang="en-US" baseline="0" dirty="0" smtClean="0"/>
-              <a:t> (interlingua): </a:t>
-            </a:r>
-            <a:r>
-              <a:rPr lang="en-US" baseline="0" dirty="0" err="1" smtClean="0"/>
-              <a:t>từ</a:t>
-            </a:r>
-            <a:r>
-              <a:rPr lang="en-US" baseline="0" dirty="0" smtClean="0"/>
-              <a:t> </a:t>
-            </a:r>
-            <a:r>
-              <a:rPr lang="en-US" baseline="0" dirty="0" err="1" smtClean="0"/>
-              <a:t>ngôn</a:t>
-            </a:r>
-            <a:r>
-              <a:rPr lang="en-US" baseline="0" dirty="0" smtClean="0"/>
-              <a:t> </a:t>
-            </a:r>
-            <a:r>
-              <a:rPr lang="en-US" baseline="0" dirty="0" err="1" smtClean="0"/>
-              <a:t>ngữ</a:t>
-            </a:r>
-            <a:r>
-              <a:rPr lang="en-US" baseline="0" dirty="0" smtClean="0"/>
-              <a:t> </a:t>
-            </a:r>
-            <a:r>
-              <a:rPr lang="en-US" baseline="0" dirty="0" err="1" smtClean="0"/>
-              <a:t>nguồn</a:t>
-            </a:r>
-            <a:r>
-              <a:rPr lang="en-US" baseline="0" dirty="0" smtClean="0"/>
-              <a:t> -&gt; </a:t>
-            </a:r>
-            <a:r>
-              <a:rPr lang="en-US" baseline="0" dirty="0" err="1" smtClean="0"/>
-              <a:t>phân</a:t>
-            </a:r>
-            <a:r>
-              <a:rPr lang="en-US" baseline="0" dirty="0" smtClean="0"/>
-              <a:t> </a:t>
-            </a:r>
-            <a:r>
-              <a:rPr lang="en-US" baseline="0" dirty="0" err="1" smtClean="0"/>
-              <a:t>tích</a:t>
-            </a:r>
-            <a:r>
-              <a:rPr lang="en-US" baseline="0" dirty="0" smtClean="0"/>
-              <a:t> -&gt; </a:t>
-            </a:r>
-            <a:r>
-              <a:rPr lang="en-US" baseline="0" dirty="0" err="1" smtClean="0"/>
-              <a:t>dùng</a:t>
-            </a:r>
-            <a:r>
-              <a:rPr lang="en-US" baseline="0" dirty="0" smtClean="0"/>
-              <a:t> </a:t>
-            </a:r>
-            <a:r>
-              <a:rPr lang="en-US" baseline="0" dirty="0" err="1" smtClean="0"/>
-              <a:t>ngôn</a:t>
-            </a:r>
-            <a:r>
-              <a:rPr lang="en-US" baseline="0" dirty="0" smtClean="0"/>
-              <a:t> </a:t>
-            </a:r>
-            <a:r>
-              <a:rPr lang="en-US" baseline="0" dirty="0" err="1" smtClean="0"/>
-              <a:t>ngữ</a:t>
-            </a:r>
-            <a:r>
-              <a:rPr lang="en-US" baseline="0" dirty="0" smtClean="0"/>
-              <a:t> </a:t>
-            </a:r>
-            <a:r>
-              <a:rPr lang="en-US" baseline="0" dirty="0" err="1" smtClean="0"/>
-              <a:t>trung</a:t>
-            </a:r>
-            <a:r>
-              <a:rPr lang="en-US" baseline="0" dirty="0" smtClean="0"/>
-              <a:t> </a:t>
-            </a:r>
-            <a:r>
-              <a:rPr lang="en-US" baseline="0" dirty="0" err="1" smtClean="0"/>
-              <a:t>gian</a:t>
-            </a:r>
-            <a:r>
-              <a:rPr lang="en-US" baseline="0" dirty="0" smtClean="0"/>
-              <a:t> -&gt; </a:t>
-            </a:r>
-            <a:r>
-              <a:rPr lang="en-US" baseline="0" dirty="0" err="1" smtClean="0"/>
-              <a:t>sinh</a:t>
-            </a:r>
-            <a:r>
-              <a:rPr lang="en-US" baseline="0" dirty="0" smtClean="0"/>
-              <a:t> -&gt; </a:t>
-            </a:r>
-            <a:r>
-              <a:rPr lang="en-US" baseline="0" dirty="0" err="1" smtClean="0"/>
-              <a:t>ngôn</a:t>
-            </a:r>
-            <a:r>
-              <a:rPr lang="en-US" baseline="0" dirty="0" smtClean="0"/>
-              <a:t> </a:t>
-            </a:r>
-            <a:r>
-              <a:rPr lang="en-US" baseline="0" dirty="0" err="1" smtClean="0"/>
-              <a:t>ngữ</a:t>
-            </a:r>
-            <a:r>
-              <a:rPr lang="en-US" baseline="0" dirty="0" smtClean="0"/>
-              <a:t> </a:t>
-            </a:r>
-            <a:r>
-              <a:rPr lang="en-US" baseline="0" dirty="0" err="1" smtClean="0"/>
-              <a:t>đích</a:t>
-            </a:r>
-            <a:endParaRPr lang="en-US" baseline="0" dirty="0" smtClean="0"/>
-          </a:p>
-          <a:p>
-            <a:r>
-              <a:rPr lang="en-US" dirty="0" err="1" smtClean="0"/>
-              <a:t>Dịch</a:t>
-            </a:r>
-            <a:r>
-              <a:rPr lang="en-US" baseline="0" dirty="0" smtClean="0"/>
-              <a:t> </a:t>
-            </a:r>
-            <a:r>
-              <a:rPr lang="en-US" baseline="0" dirty="0" err="1" smtClean="0"/>
-              <a:t>máy</a:t>
-            </a:r>
-            <a:r>
-              <a:rPr lang="en-US" baseline="0" dirty="0" smtClean="0"/>
-              <a:t> </a:t>
-            </a:r>
-            <a:r>
-              <a:rPr lang="en-US" baseline="0" dirty="0" err="1" smtClean="0"/>
-              <a:t>chuyển</a:t>
-            </a:r>
-            <a:r>
-              <a:rPr lang="en-US" baseline="0" dirty="0" smtClean="0"/>
-              <a:t> </a:t>
-            </a:r>
-            <a:r>
-              <a:rPr lang="en-US" baseline="0" dirty="0" err="1" smtClean="0"/>
-              <a:t>đổi</a:t>
-            </a:r>
-            <a:r>
-              <a:rPr lang="en-US" baseline="0" dirty="0" smtClean="0"/>
-              <a:t> (transfer): ): </a:t>
-            </a:r>
-            <a:r>
-              <a:rPr lang="en-US" baseline="0" dirty="0" err="1" smtClean="0"/>
-              <a:t>từ</a:t>
-            </a:r>
-            <a:r>
-              <a:rPr lang="en-US" baseline="0" dirty="0" smtClean="0"/>
-              <a:t> </a:t>
-            </a:r>
-            <a:r>
-              <a:rPr lang="en-US" baseline="0" dirty="0" err="1" smtClean="0"/>
-              <a:t>ngôn</a:t>
-            </a:r>
-            <a:r>
-              <a:rPr lang="en-US" baseline="0" dirty="0" smtClean="0"/>
-              <a:t> </a:t>
-            </a:r>
-            <a:r>
-              <a:rPr lang="en-US" baseline="0" dirty="0" err="1" smtClean="0"/>
-              <a:t>ngữ</a:t>
-            </a:r>
-            <a:r>
-              <a:rPr lang="en-US" baseline="0" dirty="0" smtClean="0"/>
-              <a:t> </a:t>
-            </a:r>
-            <a:r>
-              <a:rPr lang="en-US" baseline="0" dirty="0" err="1" smtClean="0"/>
-              <a:t>nguồn</a:t>
-            </a:r>
-            <a:r>
-              <a:rPr lang="en-US" baseline="0" dirty="0" smtClean="0"/>
-              <a:t> -&gt; </a:t>
-            </a:r>
-            <a:r>
-              <a:rPr lang="en-US" baseline="0" dirty="0" err="1" smtClean="0"/>
-              <a:t>chuyển</a:t>
-            </a:r>
-            <a:r>
-              <a:rPr lang="en-US" baseline="0" dirty="0" smtClean="0"/>
-              <a:t> </a:t>
-            </a:r>
-            <a:r>
-              <a:rPr lang="en-US" baseline="0" dirty="0" err="1" smtClean="0"/>
-              <a:t>đổi</a:t>
-            </a:r>
-            <a:r>
-              <a:rPr lang="en-US" baseline="0" dirty="0" smtClean="0"/>
-              <a:t> -&gt; </a:t>
-            </a:r>
-            <a:r>
-              <a:rPr lang="en-US" baseline="0" dirty="0" err="1" smtClean="0"/>
-              <a:t>ngôn</a:t>
-            </a:r>
-            <a:r>
-              <a:rPr lang="en-US" baseline="0" dirty="0" smtClean="0"/>
-              <a:t> </a:t>
-            </a:r>
-            <a:r>
-              <a:rPr lang="en-US" baseline="0" dirty="0" err="1" smtClean="0"/>
-              <a:t>ngữ</a:t>
-            </a:r>
-            <a:r>
-              <a:rPr lang="en-US" baseline="0" dirty="0" smtClean="0"/>
-              <a:t> </a:t>
-            </a:r>
-            <a:r>
-              <a:rPr lang="en-US" baseline="0" dirty="0" err="1" smtClean="0"/>
-              <a:t>đích</a:t>
-            </a:r>
-            <a:endParaRPr lang="en-US" baseline="0" dirty="0" smtClean="0"/>
-          </a:p>
-          <a:p>
-            <a:r>
-              <a:rPr lang="en-US" baseline="0" dirty="0" err="1" smtClean="0"/>
-              <a:t>Dịch</a:t>
-            </a:r>
-            <a:r>
-              <a:rPr lang="en-US" baseline="0" dirty="0" smtClean="0"/>
-              <a:t> </a:t>
-            </a:r>
-            <a:r>
-              <a:rPr lang="en-US" baseline="0" dirty="0" err="1" smtClean="0"/>
-              <a:t>trực</a:t>
-            </a:r>
-            <a:r>
-              <a:rPr lang="en-US" baseline="0" dirty="0" smtClean="0"/>
-              <a:t> </a:t>
-            </a:r>
-            <a:r>
-              <a:rPr lang="en-US" baseline="0" dirty="0" err="1" smtClean="0"/>
-              <a:t>tiếp</a:t>
-            </a:r>
-            <a:r>
-              <a:rPr lang="en-US" baseline="0" dirty="0" smtClean="0"/>
-              <a:t>: </a:t>
-            </a:r>
-            <a:r>
-              <a:rPr lang="en-US" baseline="0" dirty="0" err="1" smtClean="0"/>
-              <a:t>ngôn</a:t>
-            </a:r>
-            <a:r>
-              <a:rPr lang="en-US" baseline="0" dirty="0" smtClean="0"/>
-              <a:t> </a:t>
-            </a:r>
-            <a:r>
-              <a:rPr lang="en-US" baseline="0" dirty="0" err="1" smtClean="0"/>
-              <a:t>ngữ</a:t>
-            </a:r>
-            <a:r>
-              <a:rPr lang="en-US" baseline="0" dirty="0" smtClean="0"/>
-              <a:t> </a:t>
-            </a:r>
-            <a:r>
-              <a:rPr lang="en-US" baseline="0" dirty="0" err="1" smtClean="0"/>
-              <a:t>nguồn</a:t>
-            </a:r>
-            <a:r>
-              <a:rPr lang="en-US" baseline="0" dirty="0" smtClean="0"/>
-              <a:t> -&gt; </a:t>
-            </a:r>
-            <a:r>
-              <a:rPr lang="en-US" baseline="0" dirty="0" err="1" smtClean="0"/>
-              <a:t>chuyển</a:t>
-            </a:r>
-            <a:r>
-              <a:rPr lang="en-US" baseline="0" dirty="0" smtClean="0"/>
-              <a:t> </a:t>
-            </a:r>
-            <a:r>
-              <a:rPr lang="en-US" baseline="0" dirty="0" err="1" smtClean="0"/>
-              <a:t>đổi</a:t>
-            </a:r>
-            <a:r>
-              <a:rPr lang="en-US" baseline="0" dirty="0" smtClean="0"/>
-              <a:t> </a:t>
-            </a:r>
-            <a:r>
-              <a:rPr lang="en-US" baseline="0" dirty="0" err="1" smtClean="0"/>
-              <a:t>trực</a:t>
-            </a:r>
-            <a:r>
-              <a:rPr lang="en-US" baseline="0" dirty="0" smtClean="0"/>
-              <a:t> </a:t>
-            </a:r>
-            <a:r>
-              <a:rPr lang="en-US" baseline="0" dirty="0" err="1" smtClean="0"/>
-              <a:t>tiếp</a:t>
-            </a:r>
-            <a:r>
-              <a:rPr lang="en-US" baseline="0" dirty="0" smtClean="0"/>
-              <a:t> -&gt; </a:t>
-            </a:r>
-            <a:r>
-              <a:rPr lang="en-US" baseline="0" dirty="0" err="1" smtClean="0"/>
-              <a:t>ngôn</a:t>
-            </a:r>
-            <a:r>
-              <a:rPr lang="en-US" baseline="0" dirty="0" smtClean="0"/>
-              <a:t> </a:t>
-            </a:r>
-            <a:r>
-              <a:rPr lang="en-US" baseline="0" dirty="0" err="1" smtClean="0"/>
-              <a:t>ngữ</a:t>
-            </a:r>
-            <a:r>
-              <a:rPr lang="en-US" baseline="0" dirty="0" smtClean="0"/>
-              <a:t> </a:t>
-            </a:r>
-            <a:r>
-              <a:rPr lang="en-US" baseline="0" dirty="0" err="1" smtClean="0"/>
-              <a:t>đích</a:t>
-            </a:r>
-            <a:endParaRPr lang="en-US" dirty="0"/>
+              <a:rPr lang="vi-VN" b="0" dirty="0" smtClean="0"/>
+              <a:t>xây dựng một mô hình thống kê về mối quan hệ giữa các từ, cụm từ và câu trong một văn bản. Nó áp dụng mô hình cho ngôn ngữ thứ hai để chuyển đổi các yếu tố đó sang ngôn ngữ mới. Qua đó, nó cải thiện trên MT dựa trên quy tắc nhưng có chung nhiều vấn đề.</a:t>
+            </a:r>
+            <a:endParaRPr lang="en-US" b="0" dirty="0" smtClean="0"/>
+          </a:p>
+          <a:p>
+            <a:pPr marL="0" marR="0" indent="0" algn="l" defTabSz="914400" rtl="0" eaLnBrk="1" fontAlgn="auto" latinLnBrk="0" hangingPunct="1">
+              <a:lnSpc>
+                <a:spcPct val="100000"/>
+              </a:lnSpc>
+              <a:spcBef>
+                <a:spcPts val="0"/>
+              </a:spcBef>
+              <a:spcAft>
+                <a:spcPts val="0"/>
+              </a:spcAft>
+              <a:buClrTx/>
+              <a:buSzTx/>
+              <a:buFontTx/>
+              <a:buNone/>
+              <a:tabLst/>
+              <a:defRPr/>
+            </a:pPr>
+            <a:r>
+              <a:rPr lang="en-US" b="1" dirty="0" smtClean="0"/>
+              <a:t>Neural machine translation (</a:t>
+            </a:r>
+            <a:r>
+              <a:rPr lang="en-US" b="1" dirty="0" err="1" smtClean="0"/>
+              <a:t>NMT</a:t>
+            </a:r>
+            <a:r>
+              <a:rPr lang="en-US" b="1" dirty="0" smtClean="0"/>
+              <a:t>)</a:t>
+            </a:r>
+            <a:r>
+              <a:rPr lang="en-US" b="1" baseline="0" dirty="0" smtClean="0"/>
+              <a:t> : </a:t>
+            </a:r>
+            <a:r>
+              <a:rPr lang="vi-VN" b="0" dirty="0" smtClean="0"/>
+              <a:t>mô hình MT thần kinh sử dụng trí thông minh nhân tạo để học ngôn ngữ và không ngừng nâng cao kiến thức đó, giống như mạng thần kinh trong não người. Nó chính xác hơn, dễ dàng hơn để thêm ngôn ngữ và nhanh hơn nhiều sau khi được đào tạo. Neural MT đang nhanh chóng trở thành tiêu chuẩn trong phát triển động cơ MT.</a:t>
+            </a:r>
+            <a:endParaRPr lang="en-US" b="0" dirty="0" smtClean="0"/>
+          </a:p>
+          <a:p>
+            <a:endParaRPr lang="en-US" b="0" dirty="0"/>
           </a:p>
         </p:txBody>
       </p:sp>
@@ -6623,7 +6619,7 @@
             <a:spLocks noGrp="1"/>
           </p:cNvSpPr>
           <p:nvPr>
-            <p:ph type="sldNum" sz="quarter" idx="10"/>
+            <p:ph type="sldNum" sz="quarter" idx="5"/>
           </p:nvPr>
         </p:nvSpPr>
         <p:spPr/>
@@ -6631,7 +6627,7 @@
           <a:bodyPr/>
           <a:lstStyle/>
           <a:p>
-            <a:fld id="{E7CCE34D-CFF1-4FFE-815B-D050E7ED2DFD}" type="slidenum">
+            <a:fld id="{1983A999-5E0E-42CA-8400-604AE921FF7C}" type="slidenum">
               <a:rPr lang="en-US" smtClean="0"/>
               <a:t>10</a:t>
             </a:fld>
@@ -6642,7 +6638,7 @@
     </p:spTree>
     <p:extLst>
       <p:ext uri="{BB962C8B-B14F-4D97-AF65-F5344CB8AC3E}">
-        <p14:creationId xmlns:p14="http://schemas.microsoft.com/office/powerpoint/2010/main" val="2982993134"/>
+        <p14:creationId xmlns:p14="http://schemas.microsoft.com/office/powerpoint/2010/main" val="404304175"/>
       </p:ext>
     </p:extLst>
   </p:cSld>
@@ -6674,7 +6670,7 @@
           <p:cNvPr id="6" name="Title 1">
             <a:extLst>
               <a:ext uri="{FF2B5EF4-FFF2-40B4-BE49-F238E27FC236}">
-                <a16:creationId xmlns="" xmlns:a16="http://schemas.microsoft.com/office/drawing/2014/main" id="{9E68F591-F3C7-4872-BBA0-0693794F4F11}"/>
+                <a16:creationId xmlns:a16="http://schemas.microsoft.com/office/drawing/2014/main" xmlns="" id="{9E68F591-F3C7-4872-BBA0-0693794F4F11}"/>
               </a:ext>
             </a:extLst>
           </p:cNvPr>
@@ -6709,7 +6705,7 @@
           <p:cNvPr id="14" name="Picture Placeholder 13">
             <a:extLst>
               <a:ext uri="{FF2B5EF4-FFF2-40B4-BE49-F238E27FC236}">
-                <a16:creationId xmlns="" xmlns:a16="http://schemas.microsoft.com/office/drawing/2014/main" id="{967766A8-18D5-4391-8DB7-7BFF6427636C}"/>
+                <a16:creationId xmlns:a16="http://schemas.microsoft.com/office/drawing/2014/main" xmlns="" id="{967766A8-18D5-4391-8DB7-7BFF6427636C}"/>
               </a:ext>
             </a:extLst>
           </p:cNvPr>
@@ -6747,10 +6743,10 @@
           <p:cNvPr id="8" name="Oval 7">
             <a:extLst>
               <a:ext uri="{FF2B5EF4-FFF2-40B4-BE49-F238E27FC236}">
-                <a16:creationId xmlns="" xmlns:a16="http://schemas.microsoft.com/office/drawing/2014/main" id="{938AD48E-7D67-4BE9-97B6-DB64DE5253B9}"/>
+                <a16:creationId xmlns:a16="http://schemas.microsoft.com/office/drawing/2014/main" xmlns="" id="{938AD48E-7D67-4BE9-97B6-DB64DE5253B9}"/>
               </a:ext>
               <a:ext uri="{C183D7F6-B498-43B3-948B-1728B52AA6E4}">
-                <adec:decorative xmlns="" xmlns:adec="http://schemas.microsoft.com/office/drawing/2017/decorative" val="1"/>
+                <adec:decorative xmlns:adec="http://schemas.microsoft.com/office/drawing/2017/decorative" xmlns="" val="1"/>
               </a:ext>
             </a:extLst>
           </p:cNvPr>
@@ -6833,10 +6829,10 @@
           <p:cNvPr id="9" name="Group 8">
             <a:extLst>
               <a:ext uri="{FF2B5EF4-FFF2-40B4-BE49-F238E27FC236}">
-                <a16:creationId xmlns="" xmlns:a16="http://schemas.microsoft.com/office/drawing/2014/main" id="{EB6FF8E2-165B-49EB-8120-14190F9491BC}"/>
+                <a16:creationId xmlns:a16="http://schemas.microsoft.com/office/drawing/2014/main" xmlns="" id="{EB6FF8E2-165B-49EB-8120-14190F9491BC}"/>
               </a:ext>
               <a:ext uri="{C183D7F6-B498-43B3-948B-1728B52AA6E4}">
-                <adec:decorative xmlns="" xmlns:adec="http://schemas.microsoft.com/office/drawing/2017/decorative" val="1"/>
+                <adec:decorative xmlns:adec="http://schemas.microsoft.com/office/drawing/2017/decorative" xmlns="" val="1"/>
               </a:ext>
             </a:extLst>
           </p:cNvPr>
@@ -6856,7 +6852,7 @@
             <p:cNvPr id="10" name="Freeform: Shape 9">
               <a:extLst>
                 <a:ext uri="{FF2B5EF4-FFF2-40B4-BE49-F238E27FC236}">
-                  <a16:creationId xmlns="" xmlns:a16="http://schemas.microsoft.com/office/drawing/2014/main" id="{79B763A7-EE7D-4306-8306-01E8C86E6350}"/>
+                  <a16:creationId xmlns:a16="http://schemas.microsoft.com/office/drawing/2014/main" xmlns="" id="{79B763A7-EE7D-4306-8306-01E8C86E6350}"/>
                 </a:ext>
               </a:extLst>
             </p:cNvPr>
@@ -7078,7 +7074,7 @@
             <p:cNvPr id="11" name="Oval 10">
               <a:extLst>
                 <a:ext uri="{FF2B5EF4-FFF2-40B4-BE49-F238E27FC236}">
-                  <a16:creationId xmlns="" xmlns:a16="http://schemas.microsoft.com/office/drawing/2014/main" id="{4B3A935F-6844-4FCE-B0AE-5492715A58F1}"/>
+                  <a16:creationId xmlns:a16="http://schemas.microsoft.com/office/drawing/2014/main" xmlns="" id="{4B3A935F-6844-4FCE-B0AE-5492715A58F1}"/>
                 </a:ext>
               </a:extLst>
             </p:cNvPr>
@@ -7148,7 +7144,7 @@
           <p:cNvPr id="3" name="Text Placeholder 2">
             <a:extLst>
               <a:ext uri="{FF2B5EF4-FFF2-40B4-BE49-F238E27FC236}">
-                <a16:creationId xmlns="" xmlns:a16="http://schemas.microsoft.com/office/drawing/2014/main" id="{5B16EB97-6E8A-4B50-8701-7CB158044DCA}"/>
+                <a16:creationId xmlns:a16="http://schemas.microsoft.com/office/drawing/2014/main" xmlns="" id="{5B16EB97-6E8A-4B50-8701-7CB158044DCA}"/>
               </a:ext>
             </a:extLst>
           </p:cNvPr>
@@ -7235,10 +7231,10 @@
           <p:cNvPr id="34" name="Group 33">
             <a:extLst>
               <a:ext uri="{FF2B5EF4-FFF2-40B4-BE49-F238E27FC236}">
-                <a16:creationId xmlns="" xmlns:a16="http://schemas.microsoft.com/office/drawing/2014/main" id="{79DE9FAB-6BBA-4CFE-B67D-77B47F01ECA4}"/>
+                <a16:creationId xmlns:a16="http://schemas.microsoft.com/office/drawing/2014/main" xmlns="" id="{79DE9FAB-6BBA-4CFE-B67D-77B47F01ECA4}"/>
               </a:ext>
               <a:ext uri="{C183D7F6-B498-43B3-948B-1728B52AA6E4}">
-                <adec:decorative xmlns="" xmlns:adec="http://schemas.microsoft.com/office/drawing/2017/decorative" val="1"/>
+                <adec:decorative xmlns:adec="http://schemas.microsoft.com/office/drawing/2017/decorative" xmlns="" val="1"/>
               </a:ext>
             </a:extLst>
           </p:cNvPr>
@@ -7258,7 +7254,7 @@
             <p:cNvPr id="35" name="Freeform: Shape 34">
               <a:extLst>
                 <a:ext uri="{FF2B5EF4-FFF2-40B4-BE49-F238E27FC236}">
-                  <a16:creationId xmlns="" xmlns:a16="http://schemas.microsoft.com/office/drawing/2014/main" id="{79FAC916-D9BB-4794-81B4-7C47C67E850D}"/>
+                  <a16:creationId xmlns:a16="http://schemas.microsoft.com/office/drawing/2014/main" xmlns="" id="{79FAC916-D9BB-4794-81B4-7C47C67E850D}"/>
                 </a:ext>
               </a:extLst>
             </p:cNvPr>
@@ -7398,7 +7394,7 @@
             <p:cNvPr id="36" name="Freeform: Shape 35">
               <a:extLst>
                 <a:ext uri="{FF2B5EF4-FFF2-40B4-BE49-F238E27FC236}">
-                  <a16:creationId xmlns="" xmlns:a16="http://schemas.microsoft.com/office/drawing/2014/main" id="{B5CA2231-7A65-4D16-8400-A210CC41DB73}"/>
+                  <a16:creationId xmlns:a16="http://schemas.microsoft.com/office/drawing/2014/main" xmlns="" id="{B5CA2231-7A65-4D16-8400-A210CC41DB73}"/>
                 </a:ext>
               </a:extLst>
             </p:cNvPr>
@@ -7540,7 +7536,7 @@
             <p:cNvPr id="37" name="Oval 36">
               <a:extLst>
                 <a:ext uri="{FF2B5EF4-FFF2-40B4-BE49-F238E27FC236}">
-                  <a16:creationId xmlns="" xmlns:a16="http://schemas.microsoft.com/office/drawing/2014/main" id="{4B089C8C-B82B-4704-88E2-E857A5E21529}"/>
+                  <a16:creationId xmlns:a16="http://schemas.microsoft.com/office/drawing/2014/main" xmlns="" id="{4B089C8C-B82B-4704-88E2-E857A5E21529}"/>
                 </a:ext>
               </a:extLst>
             </p:cNvPr>
@@ -7609,7 +7605,7 @@
             <p:cNvPr id="38" name="Oval 37">
               <a:extLst>
                 <a:ext uri="{FF2B5EF4-FFF2-40B4-BE49-F238E27FC236}">
-                  <a16:creationId xmlns="" xmlns:a16="http://schemas.microsoft.com/office/drawing/2014/main" id="{434B90C8-5B4D-456E-AD99-80EF748FDD72}"/>
+                  <a16:creationId xmlns:a16="http://schemas.microsoft.com/office/drawing/2014/main" xmlns="" id="{434B90C8-5B4D-456E-AD99-80EF748FDD72}"/>
                 </a:ext>
               </a:extLst>
             </p:cNvPr>
@@ -7679,10 +7675,10 @@
           <p:cNvPr id="19" name="Freeform: Shape 18">
             <a:extLst>
               <a:ext uri="{FF2B5EF4-FFF2-40B4-BE49-F238E27FC236}">
-                <a16:creationId xmlns="" xmlns:a16="http://schemas.microsoft.com/office/drawing/2014/main" id="{82184FF4-7029-4ED7-813A-192E60608764}"/>
+                <a16:creationId xmlns:a16="http://schemas.microsoft.com/office/drawing/2014/main" xmlns="" id="{82184FF4-7029-4ED7-813A-192E60608764}"/>
               </a:ext>
               <a:ext uri="{C183D7F6-B498-43B3-948B-1728B52AA6E4}">
-                <adec:decorative xmlns="" xmlns:adec="http://schemas.microsoft.com/office/drawing/2017/decorative" val="1"/>
+                <adec:decorative xmlns:adec="http://schemas.microsoft.com/office/drawing/2017/decorative" xmlns="" val="1"/>
               </a:ext>
             </a:extLst>
           </p:cNvPr>
@@ -7904,10 +7900,10 @@
           <p:cNvPr id="20" name="Oval 19">
             <a:extLst>
               <a:ext uri="{FF2B5EF4-FFF2-40B4-BE49-F238E27FC236}">
-                <a16:creationId xmlns="" xmlns:a16="http://schemas.microsoft.com/office/drawing/2014/main" id="{AAA7AB09-557C-41AD-9113-FF9F68FA1035}"/>
+                <a16:creationId xmlns:a16="http://schemas.microsoft.com/office/drawing/2014/main" xmlns="" id="{AAA7AB09-557C-41AD-9113-FF9F68FA1035}"/>
               </a:ext>
               <a:ext uri="{C183D7F6-B498-43B3-948B-1728B52AA6E4}">
-                <adec:decorative xmlns="" xmlns:adec="http://schemas.microsoft.com/office/drawing/2017/decorative" val="1"/>
+                <adec:decorative xmlns:adec="http://schemas.microsoft.com/office/drawing/2017/decorative" xmlns="" val="1"/>
               </a:ext>
             </a:extLst>
           </p:cNvPr>
@@ -7987,10 +7983,10 @@
           <p:cNvPr id="25" name="Oval 24">
             <a:extLst>
               <a:ext uri="{FF2B5EF4-FFF2-40B4-BE49-F238E27FC236}">
-                <a16:creationId xmlns="" xmlns:a16="http://schemas.microsoft.com/office/drawing/2014/main" id="{EF99ECAA-1F11-4937-BBA6-51935AB44C9D}"/>
+                <a16:creationId xmlns:a16="http://schemas.microsoft.com/office/drawing/2014/main" xmlns="" id="{EF99ECAA-1F11-4937-BBA6-51935AB44C9D}"/>
               </a:ext>
               <a:ext uri="{C183D7F6-B498-43B3-948B-1728B52AA6E4}">
-                <adec:decorative xmlns="" xmlns:adec="http://schemas.microsoft.com/office/drawing/2017/decorative" val="1"/>
+                <adec:decorative xmlns:adec="http://schemas.microsoft.com/office/drawing/2017/decorative" xmlns="" val="1"/>
               </a:ext>
             </a:extLst>
           </p:cNvPr>
@@ -8073,7 +8069,7 @@
           <p:cNvPr id="15" name="Title 1">
             <a:extLst>
               <a:ext uri="{FF2B5EF4-FFF2-40B4-BE49-F238E27FC236}">
-                <a16:creationId xmlns="" xmlns:a16="http://schemas.microsoft.com/office/drawing/2014/main" id="{EBCCE83C-72C8-4181-8D03-7CFB23A6FF2D}"/>
+                <a16:creationId xmlns:a16="http://schemas.microsoft.com/office/drawing/2014/main" xmlns="" id="{EBCCE83C-72C8-4181-8D03-7CFB23A6FF2D}"/>
               </a:ext>
             </a:extLst>
           </p:cNvPr>
@@ -8118,7 +8114,7 @@
           <p:cNvPr id="16" name="Text Placeholder 2">
             <a:extLst>
               <a:ext uri="{FF2B5EF4-FFF2-40B4-BE49-F238E27FC236}">
-                <a16:creationId xmlns="" xmlns:a16="http://schemas.microsoft.com/office/drawing/2014/main" id="{C6FCDFCC-38D1-43A4-918F-491DBA6B2CF6}"/>
+                <a16:creationId xmlns:a16="http://schemas.microsoft.com/office/drawing/2014/main" xmlns="" id="{C6FCDFCC-38D1-43A4-918F-491DBA6B2CF6}"/>
               </a:ext>
             </a:extLst>
           </p:cNvPr>
@@ -8196,7 +8192,7 @@
           <p:cNvPr id="17" name="Content Placeholder 3">
             <a:extLst>
               <a:ext uri="{FF2B5EF4-FFF2-40B4-BE49-F238E27FC236}">
-                <a16:creationId xmlns="" xmlns:a16="http://schemas.microsoft.com/office/drawing/2014/main" id="{8A9CB740-8581-4D62-8481-7ECBBEDA7219}"/>
+                <a16:creationId xmlns:a16="http://schemas.microsoft.com/office/drawing/2014/main" xmlns="" id="{8A9CB740-8581-4D62-8481-7ECBBEDA7219}"/>
               </a:ext>
             </a:extLst>
           </p:cNvPr>
@@ -8277,7 +8273,7 @@
           <p:cNvPr id="22" name="Text Placeholder 4">
             <a:extLst>
               <a:ext uri="{FF2B5EF4-FFF2-40B4-BE49-F238E27FC236}">
-                <a16:creationId xmlns="" xmlns:a16="http://schemas.microsoft.com/office/drawing/2014/main" id="{AB16E493-D962-46EC-BBB8-D7E68A640438}"/>
+                <a16:creationId xmlns:a16="http://schemas.microsoft.com/office/drawing/2014/main" xmlns="" id="{AB16E493-D962-46EC-BBB8-D7E68A640438}"/>
               </a:ext>
             </a:extLst>
           </p:cNvPr>
@@ -8322,7 +8318,7 @@
           <p:cNvPr id="23" name="Content Placeholder 5">
             <a:extLst>
               <a:ext uri="{FF2B5EF4-FFF2-40B4-BE49-F238E27FC236}">
-                <a16:creationId xmlns="" xmlns:a16="http://schemas.microsoft.com/office/drawing/2014/main" id="{88CC7C67-1BA6-42A6-B9D3-8EDF70A3DB38}"/>
+                <a16:creationId xmlns:a16="http://schemas.microsoft.com/office/drawing/2014/main" xmlns="" id="{88CC7C67-1BA6-42A6-B9D3-8EDF70A3DB38}"/>
               </a:ext>
             </a:extLst>
           </p:cNvPr>
@@ -8403,7 +8399,7 @@
           <p:cNvPr id="18" name="Text Placeholder 4">
             <a:extLst>
               <a:ext uri="{FF2B5EF4-FFF2-40B4-BE49-F238E27FC236}">
-                <a16:creationId xmlns="" xmlns:a16="http://schemas.microsoft.com/office/drawing/2014/main" id="{C17092A6-D0E6-4EF2-B3B8-AE35438D4D77}"/>
+                <a16:creationId xmlns:a16="http://schemas.microsoft.com/office/drawing/2014/main" xmlns="" id="{C17092A6-D0E6-4EF2-B3B8-AE35438D4D77}"/>
               </a:ext>
             </a:extLst>
           </p:cNvPr>
@@ -8448,7 +8444,7 @@
           <p:cNvPr id="21" name="Content Placeholder 5">
             <a:extLst>
               <a:ext uri="{FF2B5EF4-FFF2-40B4-BE49-F238E27FC236}">
-                <a16:creationId xmlns="" xmlns:a16="http://schemas.microsoft.com/office/drawing/2014/main" id="{4534254A-2561-400F-87CB-18A8D3538124}"/>
+                <a16:creationId xmlns:a16="http://schemas.microsoft.com/office/drawing/2014/main" xmlns="" id="{4534254A-2561-400F-87CB-18A8D3538124}"/>
               </a:ext>
             </a:extLst>
           </p:cNvPr>
@@ -8529,7 +8525,7 @@
           <p:cNvPr id="4" name="Date Placeholder 3">
             <a:extLst>
               <a:ext uri="{FF2B5EF4-FFF2-40B4-BE49-F238E27FC236}">
-                <a16:creationId xmlns="" xmlns:a16="http://schemas.microsoft.com/office/drawing/2014/main" id="{8B1BC074-1090-47AF-BDE8-3859BF574BA6}"/>
+                <a16:creationId xmlns:a16="http://schemas.microsoft.com/office/drawing/2014/main" xmlns="" id="{8B1BC074-1090-47AF-BDE8-3859BF574BA6}"/>
               </a:ext>
             </a:extLst>
           </p:cNvPr>
@@ -8560,7 +8556,7 @@
           <p:cNvPr id="5" name="Footer Placeholder 4">
             <a:extLst>
               <a:ext uri="{FF2B5EF4-FFF2-40B4-BE49-F238E27FC236}">
-                <a16:creationId xmlns="" xmlns:a16="http://schemas.microsoft.com/office/drawing/2014/main" id="{F1D6522F-D41A-4734-8BD1-BD6E5A37D04C}"/>
+                <a16:creationId xmlns:a16="http://schemas.microsoft.com/office/drawing/2014/main" xmlns="" id="{F1D6522F-D41A-4734-8BD1-BD6E5A37D04C}"/>
               </a:ext>
             </a:extLst>
           </p:cNvPr>
@@ -8590,7 +8586,7 @@
           <p:cNvPr id="6" name="Slide Number Placeholder 5">
             <a:extLst>
               <a:ext uri="{FF2B5EF4-FFF2-40B4-BE49-F238E27FC236}">
-                <a16:creationId xmlns="" xmlns:a16="http://schemas.microsoft.com/office/drawing/2014/main" id="{D74D4206-406C-42A3-BBD4-44C043180931}"/>
+                <a16:creationId xmlns:a16="http://schemas.microsoft.com/office/drawing/2014/main" xmlns="" id="{D74D4206-406C-42A3-BBD4-44C043180931}"/>
               </a:ext>
             </a:extLst>
           </p:cNvPr>
@@ -8651,7 +8647,7 @@
           <p:cNvPr id="5" name="Title 1">
             <a:extLst>
               <a:ext uri="{FF2B5EF4-FFF2-40B4-BE49-F238E27FC236}">
-                <a16:creationId xmlns="" xmlns:a16="http://schemas.microsoft.com/office/drawing/2014/main" id="{E949202B-67AE-417A-A336-DF5257FFDCF0}"/>
+                <a16:creationId xmlns:a16="http://schemas.microsoft.com/office/drawing/2014/main" xmlns="" id="{E949202B-67AE-417A-A336-DF5257FFDCF0}"/>
               </a:ext>
             </a:extLst>
           </p:cNvPr>
@@ -8686,7 +8682,7 @@
           <p:cNvPr id="10" name="Picture Placeholder 9">
             <a:extLst>
               <a:ext uri="{FF2B5EF4-FFF2-40B4-BE49-F238E27FC236}">
-                <a16:creationId xmlns="" xmlns:a16="http://schemas.microsoft.com/office/drawing/2014/main" id="{1786D546-2834-435F-950F-DCEFE654B3B1}"/>
+                <a16:creationId xmlns:a16="http://schemas.microsoft.com/office/drawing/2014/main" xmlns="" id="{1786D546-2834-435F-950F-DCEFE654B3B1}"/>
               </a:ext>
             </a:extLst>
           </p:cNvPr>
@@ -8724,7 +8720,7 @@
           <p:cNvPr id="7" name="Content Placeholder 6">
             <a:extLst>
               <a:ext uri="{FF2B5EF4-FFF2-40B4-BE49-F238E27FC236}">
-                <a16:creationId xmlns="" xmlns:a16="http://schemas.microsoft.com/office/drawing/2014/main" id="{3BD763BD-EAC5-4DB8-81AF-9743BB6A9576}"/>
+                <a16:creationId xmlns:a16="http://schemas.microsoft.com/office/drawing/2014/main" xmlns="" id="{3BD763BD-EAC5-4DB8-81AF-9743BB6A9576}"/>
               </a:ext>
             </a:extLst>
           </p:cNvPr>
@@ -8781,7 +8777,7 @@
           <p:cNvPr id="2" name="Date Placeholder 1">
             <a:extLst>
               <a:ext uri="{FF2B5EF4-FFF2-40B4-BE49-F238E27FC236}">
-                <a16:creationId xmlns="" xmlns:a16="http://schemas.microsoft.com/office/drawing/2014/main" id="{AB81B449-7B97-41DC-B23F-65EDCBD316A6}"/>
+                <a16:creationId xmlns:a16="http://schemas.microsoft.com/office/drawing/2014/main" xmlns="" id="{AB81B449-7B97-41DC-B23F-65EDCBD316A6}"/>
               </a:ext>
             </a:extLst>
           </p:cNvPr>
@@ -8811,7 +8807,7 @@
           <p:cNvPr id="3" name="Footer Placeholder 2">
             <a:extLst>
               <a:ext uri="{FF2B5EF4-FFF2-40B4-BE49-F238E27FC236}">
-                <a16:creationId xmlns="" xmlns:a16="http://schemas.microsoft.com/office/drawing/2014/main" id="{7C6B46D5-337B-4906-8412-4EEA3884FA7E}"/>
+                <a16:creationId xmlns:a16="http://schemas.microsoft.com/office/drawing/2014/main" xmlns="" id="{7C6B46D5-337B-4906-8412-4EEA3884FA7E}"/>
               </a:ext>
             </a:extLst>
           </p:cNvPr>
@@ -8841,7 +8837,7 @@
           <p:cNvPr id="4" name="Slide Number Placeholder 3">
             <a:extLst>
               <a:ext uri="{FF2B5EF4-FFF2-40B4-BE49-F238E27FC236}">
-                <a16:creationId xmlns="" xmlns:a16="http://schemas.microsoft.com/office/drawing/2014/main" id="{E436F230-C9A7-407A-B923-873839C8D8A0}"/>
+                <a16:creationId xmlns:a16="http://schemas.microsoft.com/office/drawing/2014/main" xmlns="" id="{E436F230-C9A7-407A-B923-873839C8D8A0}"/>
               </a:ext>
             </a:extLst>
           </p:cNvPr>
@@ -8872,10 +8868,10 @@
           <p:cNvPr id="8" name="Oval 7">
             <a:extLst>
               <a:ext uri="{FF2B5EF4-FFF2-40B4-BE49-F238E27FC236}">
-                <a16:creationId xmlns="" xmlns:a16="http://schemas.microsoft.com/office/drawing/2014/main" id="{446AF837-10C6-44A5-B8D6-960A57487B43}"/>
+                <a16:creationId xmlns:a16="http://schemas.microsoft.com/office/drawing/2014/main" xmlns="" id="{446AF837-10C6-44A5-B8D6-960A57487B43}"/>
               </a:ext>
               <a:ext uri="{C183D7F6-B498-43B3-948B-1728B52AA6E4}">
-                <adec:decorative xmlns="" xmlns:adec="http://schemas.microsoft.com/office/drawing/2017/decorative" val="1"/>
+                <adec:decorative xmlns:adec="http://schemas.microsoft.com/office/drawing/2017/decorative" xmlns="" val="1"/>
               </a:ext>
             </a:extLst>
           </p:cNvPr>
@@ -8988,7 +8984,7 @@
           <p:cNvPr id="28" name="Title 1">
             <a:extLst>
               <a:ext uri="{FF2B5EF4-FFF2-40B4-BE49-F238E27FC236}">
-                <a16:creationId xmlns="" xmlns:a16="http://schemas.microsoft.com/office/drawing/2014/main" id="{97246E34-E6EE-4BF3-A0D3-A20868B5A594}"/>
+                <a16:creationId xmlns:a16="http://schemas.microsoft.com/office/drawing/2014/main" xmlns="" id="{97246E34-E6EE-4BF3-A0D3-A20868B5A594}"/>
               </a:ext>
             </a:extLst>
           </p:cNvPr>
@@ -9024,7 +9020,7 @@
           <p:cNvPr id="31" name="Subtitle 2">
             <a:extLst>
               <a:ext uri="{FF2B5EF4-FFF2-40B4-BE49-F238E27FC236}">
-                <a16:creationId xmlns="" xmlns:a16="http://schemas.microsoft.com/office/drawing/2014/main" id="{45BE5FFB-47D1-4474-B6CA-C3C936DF285E}"/>
+                <a16:creationId xmlns:a16="http://schemas.microsoft.com/office/drawing/2014/main" xmlns="" id="{45BE5FFB-47D1-4474-B6CA-C3C936DF285E}"/>
               </a:ext>
             </a:extLst>
           </p:cNvPr>
@@ -9077,7 +9073,7 @@
           <p:cNvPr id="40" name="Picture Placeholder 39">
             <a:extLst>
               <a:ext uri="{FF2B5EF4-FFF2-40B4-BE49-F238E27FC236}">
-                <a16:creationId xmlns="" xmlns:a16="http://schemas.microsoft.com/office/drawing/2014/main" id="{008D9209-1A62-4AC3-BF92-94348A9BC06B}"/>
+                <a16:creationId xmlns:a16="http://schemas.microsoft.com/office/drawing/2014/main" xmlns="" id="{008D9209-1A62-4AC3-BF92-94348A9BC06B}"/>
               </a:ext>
             </a:extLst>
           </p:cNvPr>
@@ -9116,7 +9112,7 @@
           <p:cNvPr id="42" name="Picture Placeholder 41">
             <a:extLst>
               <a:ext uri="{FF2B5EF4-FFF2-40B4-BE49-F238E27FC236}">
-                <a16:creationId xmlns="" xmlns:a16="http://schemas.microsoft.com/office/drawing/2014/main" id="{FADBFB6B-1787-4549-91B6-D748C66B13C6}"/>
+                <a16:creationId xmlns:a16="http://schemas.microsoft.com/office/drawing/2014/main" xmlns="" id="{FADBFB6B-1787-4549-91B6-D748C66B13C6}"/>
               </a:ext>
             </a:extLst>
           </p:cNvPr>
@@ -9154,10 +9150,10 @@
           <p:cNvPr id="43" name="Group 42">
             <a:extLst>
               <a:ext uri="{FF2B5EF4-FFF2-40B4-BE49-F238E27FC236}">
-                <a16:creationId xmlns="" xmlns:a16="http://schemas.microsoft.com/office/drawing/2014/main" id="{06966E3E-9B30-4375-AC9A-23256CC87D25}"/>
+                <a16:creationId xmlns:a16="http://schemas.microsoft.com/office/drawing/2014/main" xmlns="" id="{06966E3E-9B30-4375-AC9A-23256CC87D25}"/>
               </a:ext>
               <a:ext uri="{C183D7F6-B498-43B3-948B-1728B52AA6E4}">
-                <adec:decorative xmlns="" xmlns:adec="http://schemas.microsoft.com/office/drawing/2017/decorative" val="1"/>
+                <adec:decorative xmlns:adec="http://schemas.microsoft.com/office/drawing/2017/decorative" xmlns="" val="1"/>
               </a:ext>
             </a:extLst>
           </p:cNvPr>
@@ -9177,7 +9173,7 @@
             <p:cNvPr id="44" name="Freeform: Shape 43">
               <a:extLst>
                 <a:ext uri="{FF2B5EF4-FFF2-40B4-BE49-F238E27FC236}">
-                  <a16:creationId xmlns="" xmlns:a16="http://schemas.microsoft.com/office/drawing/2014/main" id="{4EBBC5A2-A37E-47DF-9230-9A75067F1883}"/>
+                  <a16:creationId xmlns:a16="http://schemas.microsoft.com/office/drawing/2014/main" xmlns="" id="{4EBBC5A2-A37E-47DF-9230-9A75067F1883}"/>
                 </a:ext>
               </a:extLst>
             </p:cNvPr>
@@ -9337,7 +9333,7 @@
             <p:cNvPr id="45" name="Oval 44">
               <a:extLst>
                 <a:ext uri="{FF2B5EF4-FFF2-40B4-BE49-F238E27FC236}">
-                  <a16:creationId xmlns="" xmlns:a16="http://schemas.microsoft.com/office/drawing/2014/main" id="{11781B9A-C230-4FFC-90A8-E0571B1DEDA7}"/>
+                  <a16:creationId xmlns:a16="http://schemas.microsoft.com/office/drawing/2014/main" xmlns="" id="{11781B9A-C230-4FFC-90A8-E0571B1DEDA7}"/>
                 </a:ext>
               </a:extLst>
             </p:cNvPr>
@@ -9403,7 +9399,7 @@
             <p:cNvPr id="46" name="Freeform: Shape 45">
               <a:extLst>
                 <a:ext uri="{FF2B5EF4-FFF2-40B4-BE49-F238E27FC236}">
-                  <a16:creationId xmlns="" xmlns:a16="http://schemas.microsoft.com/office/drawing/2014/main" id="{3295925C-3570-40F1-B3CE-07D947ED4643}"/>
+                  <a16:creationId xmlns:a16="http://schemas.microsoft.com/office/drawing/2014/main" xmlns="" id="{3295925C-3570-40F1-B3CE-07D947ED4643}"/>
                 </a:ext>
               </a:extLst>
             </p:cNvPr>
@@ -9562,10 +9558,10 @@
           <p:cNvPr id="15" name="Group 14">
             <a:extLst>
               <a:ext uri="{FF2B5EF4-FFF2-40B4-BE49-F238E27FC236}">
-                <a16:creationId xmlns="" xmlns:a16="http://schemas.microsoft.com/office/drawing/2014/main" id="{394664AE-6DC5-428F-9AC4-5A8F67571F72}"/>
+                <a16:creationId xmlns:a16="http://schemas.microsoft.com/office/drawing/2014/main" xmlns="" id="{394664AE-6DC5-428F-9AC4-5A8F67571F72}"/>
               </a:ext>
               <a:ext uri="{C183D7F6-B498-43B3-948B-1728B52AA6E4}">
-                <adec:decorative xmlns="" xmlns:adec="http://schemas.microsoft.com/office/drawing/2017/decorative" val="1"/>
+                <adec:decorative xmlns:adec="http://schemas.microsoft.com/office/drawing/2017/decorative" xmlns="" val="1"/>
               </a:ext>
             </a:extLst>
           </p:cNvPr>
@@ -9585,7 +9581,7 @@
             <p:cNvPr id="16" name="Freeform: Shape 15">
               <a:extLst>
                 <a:ext uri="{FF2B5EF4-FFF2-40B4-BE49-F238E27FC236}">
-                  <a16:creationId xmlns="" xmlns:a16="http://schemas.microsoft.com/office/drawing/2014/main" id="{8288F304-7DF7-42FB-BD6F-D575128A1DDE}"/>
+                  <a16:creationId xmlns:a16="http://schemas.microsoft.com/office/drawing/2014/main" xmlns="" id="{8288F304-7DF7-42FB-BD6F-D575128A1DDE}"/>
                 </a:ext>
               </a:extLst>
             </p:cNvPr>
@@ -9807,7 +9803,7 @@
             <p:cNvPr id="21" name="Oval 20">
               <a:extLst>
                 <a:ext uri="{FF2B5EF4-FFF2-40B4-BE49-F238E27FC236}">
-                  <a16:creationId xmlns="" xmlns:a16="http://schemas.microsoft.com/office/drawing/2014/main" id="{104835D9-7DE9-4DDD-A6C2-1C526822700A}"/>
+                  <a16:creationId xmlns:a16="http://schemas.microsoft.com/office/drawing/2014/main" xmlns="" id="{104835D9-7DE9-4DDD-A6C2-1C526822700A}"/>
                 </a:ext>
               </a:extLst>
             </p:cNvPr>
@@ -9877,7 +9873,7 @@
           <p:cNvPr id="5" name="Date Placeholder 4">
             <a:extLst>
               <a:ext uri="{FF2B5EF4-FFF2-40B4-BE49-F238E27FC236}">
-                <a16:creationId xmlns="" xmlns:a16="http://schemas.microsoft.com/office/drawing/2014/main" id="{E57D2D6F-49E8-4217-A908-2D9E43583589}"/>
+                <a16:creationId xmlns:a16="http://schemas.microsoft.com/office/drawing/2014/main" xmlns="" id="{E57D2D6F-49E8-4217-A908-2D9E43583589}"/>
               </a:ext>
             </a:extLst>
           </p:cNvPr>
@@ -9907,7 +9903,7 @@
           <p:cNvPr id="6" name="Footer Placeholder 5">
             <a:extLst>
               <a:ext uri="{FF2B5EF4-FFF2-40B4-BE49-F238E27FC236}">
-                <a16:creationId xmlns="" xmlns:a16="http://schemas.microsoft.com/office/drawing/2014/main" id="{591C4440-6B8D-4A24-A807-8B1302A3DFAF}"/>
+                <a16:creationId xmlns:a16="http://schemas.microsoft.com/office/drawing/2014/main" xmlns="" id="{591C4440-6B8D-4A24-A807-8B1302A3DFAF}"/>
               </a:ext>
             </a:extLst>
           </p:cNvPr>
@@ -9937,7 +9933,7 @@
           <p:cNvPr id="7" name="Slide Number Placeholder 6">
             <a:extLst>
               <a:ext uri="{FF2B5EF4-FFF2-40B4-BE49-F238E27FC236}">
-                <a16:creationId xmlns="" xmlns:a16="http://schemas.microsoft.com/office/drawing/2014/main" id="{76CFE189-E20B-4108-B290-244424336512}"/>
+                <a16:creationId xmlns:a16="http://schemas.microsoft.com/office/drawing/2014/main" xmlns="" id="{76CFE189-E20B-4108-B290-244424336512}"/>
               </a:ext>
             </a:extLst>
           </p:cNvPr>
@@ -9968,10 +9964,10 @@
           <p:cNvPr id="17" name="Oval 16">
             <a:extLst>
               <a:ext uri="{FF2B5EF4-FFF2-40B4-BE49-F238E27FC236}">
-                <a16:creationId xmlns="" xmlns:a16="http://schemas.microsoft.com/office/drawing/2014/main" id="{83C43C1C-00B3-40E0-B073-B8C56206D07D}"/>
+                <a16:creationId xmlns:a16="http://schemas.microsoft.com/office/drawing/2014/main" xmlns="" id="{83C43C1C-00B3-40E0-B073-B8C56206D07D}"/>
               </a:ext>
               <a:ext uri="{C183D7F6-B498-43B3-948B-1728B52AA6E4}">
-                <adec:decorative xmlns="" xmlns:adec="http://schemas.microsoft.com/office/drawing/2017/decorative" val="1"/>
+                <adec:decorative xmlns:adec="http://schemas.microsoft.com/office/drawing/2017/decorative" xmlns="" val="1"/>
               </a:ext>
             </a:extLst>
           </p:cNvPr>
@@ -10086,7 +10082,7 @@
           <p:cNvPr id="2" name="Title 1">
             <a:extLst>
               <a:ext uri="{FF2B5EF4-FFF2-40B4-BE49-F238E27FC236}">
-                <a16:creationId xmlns="" xmlns:a16="http://schemas.microsoft.com/office/drawing/2014/main" id="{AB577394-0A20-4CF6-9066-CFC2C1C9D30F}"/>
+                <a16:creationId xmlns:a16="http://schemas.microsoft.com/office/drawing/2014/main" xmlns="" id="{AB577394-0A20-4CF6-9066-CFC2C1C9D30F}"/>
               </a:ext>
             </a:extLst>
           </p:cNvPr>
@@ -10129,7 +10125,7 @@
           <p:cNvPr id="3" name="Subtitle 2">
             <a:extLst>
               <a:ext uri="{FF2B5EF4-FFF2-40B4-BE49-F238E27FC236}">
-                <a16:creationId xmlns="" xmlns:a16="http://schemas.microsoft.com/office/drawing/2014/main" id="{3F10971F-8922-4B23-9C80-0643D7E35026}"/>
+                <a16:creationId xmlns:a16="http://schemas.microsoft.com/office/drawing/2014/main" xmlns="" id="{3F10971F-8922-4B23-9C80-0643D7E35026}"/>
               </a:ext>
             </a:extLst>
           </p:cNvPr>
@@ -10211,7 +10207,7 @@
           <p:cNvPr id="4" name="Date Placeholder 3">
             <a:extLst>
               <a:ext uri="{FF2B5EF4-FFF2-40B4-BE49-F238E27FC236}">
-                <a16:creationId xmlns="" xmlns:a16="http://schemas.microsoft.com/office/drawing/2014/main" id="{8B1BC074-1090-47AF-BDE8-3859BF574BA6}"/>
+                <a16:creationId xmlns:a16="http://schemas.microsoft.com/office/drawing/2014/main" xmlns="" id="{8B1BC074-1090-47AF-BDE8-3859BF574BA6}"/>
               </a:ext>
             </a:extLst>
           </p:cNvPr>
@@ -10242,7 +10238,7 @@
           <p:cNvPr id="5" name="Footer Placeholder 4">
             <a:extLst>
               <a:ext uri="{FF2B5EF4-FFF2-40B4-BE49-F238E27FC236}">
-                <a16:creationId xmlns="" xmlns:a16="http://schemas.microsoft.com/office/drawing/2014/main" id="{F1D6522F-D41A-4734-8BD1-BD6E5A37D04C}"/>
+                <a16:creationId xmlns:a16="http://schemas.microsoft.com/office/drawing/2014/main" xmlns="" id="{F1D6522F-D41A-4734-8BD1-BD6E5A37D04C}"/>
               </a:ext>
             </a:extLst>
           </p:cNvPr>
@@ -10272,7 +10268,7 @@
           <p:cNvPr id="6" name="Slide Number Placeholder 5">
             <a:extLst>
               <a:ext uri="{FF2B5EF4-FFF2-40B4-BE49-F238E27FC236}">
-                <a16:creationId xmlns="" xmlns:a16="http://schemas.microsoft.com/office/drawing/2014/main" id="{D74D4206-406C-42A3-BBD4-44C043180931}"/>
+                <a16:creationId xmlns:a16="http://schemas.microsoft.com/office/drawing/2014/main" xmlns="" id="{D74D4206-406C-42A3-BBD4-44C043180931}"/>
               </a:ext>
             </a:extLst>
           </p:cNvPr>
@@ -10303,7 +10299,7 @@
           <p:cNvPr id="19" name="Freeform: Shape 18">
             <a:extLst>
               <a:ext uri="{FF2B5EF4-FFF2-40B4-BE49-F238E27FC236}">
-                <a16:creationId xmlns="" xmlns:a16="http://schemas.microsoft.com/office/drawing/2014/main" id="{82184FF4-7029-4ED7-813A-192E60608764}"/>
+                <a16:creationId xmlns:a16="http://schemas.microsoft.com/office/drawing/2014/main" xmlns="" id="{82184FF4-7029-4ED7-813A-192E60608764}"/>
               </a:ext>
             </a:extLst>
           </p:cNvPr>
@@ -10525,7 +10521,7 @@
           <p:cNvPr id="20" name="Oval 19">
             <a:extLst>
               <a:ext uri="{FF2B5EF4-FFF2-40B4-BE49-F238E27FC236}">
-                <a16:creationId xmlns="" xmlns:a16="http://schemas.microsoft.com/office/drawing/2014/main" id="{AAA7AB09-557C-41AD-9113-FF9F68FA1035}"/>
+                <a16:creationId xmlns:a16="http://schemas.microsoft.com/office/drawing/2014/main" xmlns="" id="{AAA7AB09-557C-41AD-9113-FF9F68FA1035}"/>
               </a:ext>
             </a:extLst>
           </p:cNvPr>
@@ -10605,7 +10601,7 @@
           <p:cNvPr id="25" name="Oval 24">
             <a:extLst>
               <a:ext uri="{FF2B5EF4-FFF2-40B4-BE49-F238E27FC236}">
-                <a16:creationId xmlns="" xmlns:a16="http://schemas.microsoft.com/office/drawing/2014/main" id="{EF99ECAA-1F11-4937-BBA6-51935AB44C9D}"/>
+                <a16:creationId xmlns:a16="http://schemas.microsoft.com/office/drawing/2014/main" xmlns="" id="{EF99ECAA-1F11-4937-BBA6-51935AB44C9D}"/>
               </a:ext>
             </a:extLst>
           </p:cNvPr>
@@ -10688,7 +10684,7 @@
           <p:cNvPr id="34" name="Group 33">
             <a:extLst>
               <a:ext uri="{FF2B5EF4-FFF2-40B4-BE49-F238E27FC236}">
-                <a16:creationId xmlns="" xmlns:a16="http://schemas.microsoft.com/office/drawing/2014/main" id="{79DE9FAB-6BBA-4CFE-B67D-77B47F01ECA4}"/>
+                <a16:creationId xmlns:a16="http://schemas.microsoft.com/office/drawing/2014/main" xmlns="" id="{79DE9FAB-6BBA-4CFE-B67D-77B47F01ECA4}"/>
               </a:ext>
             </a:extLst>
           </p:cNvPr>
@@ -10708,7 +10704,7 @@
             <p:cNvPr id="35" name="Freeform: Shape 34">
               <a:extLst>
                 <a:ext uri="{FF2B5EF4-FFF2-40B4-BE49-F238E27FC236}">
-                  <a16:creationId xmlns="" xmlns:a16="http://schemas.microsoft.com/office/drawing/2014/main" id="{79FAC916-D9BB-4794-81B4-7C47C67E850D}"/>
+                  <a16:creationId xmlns:a16="http://schemas.microsoft.com/office/drawing/2014/main" xmlns="" id="{79FAC916-D9BB-4794-81B4-7C47C67E850D}"/>
                 </a:ext>
               </a:extLst>
             </p:cNvPr>
@@ -10848,7 +10844,7 @@
             <p:cNvPr id="36" name="Freeform: Shape 35">
               <a:extLst>
                 <a:ext uri="{FF2B5EF4-FFF2-40B4-BE49-F238E27FC236}">
-                  <a16:creationId xmlns="" xmlns:a16="http://schemas.microsoft.com/office/drawing/2014/main" id="{B5CA2231-7A65-4D16-8400-A210CC41DB73}"/>
+                  <a16:creationId xmlns:a16="http://schemas.microsoft.com/office/drawing/2014/main" xmlns="" id="{B5CA2231-7A65-4D16-8400-A210CC41DB73}"/>
                 </a:ext>
               </a:extLst>
             </p:cNvPr>
@@ -10990,7 +10986,7 @@
             <p:cNvPr id="37" name="Oval 36">
               <a:extLst>
                 <a:ext uri="{FF2B5EF4-FFF2-40B4-BE49-F238E27FC236}">
-                  <a16:creationId xmlns="" xmlns:a16="http://schemas.microsoft.com/office/drawing/2014/main" id="{4B089C8C-B82B-4704-88E2-E857A5E21529}"/>
+                  <a16:creationId xmlns:a16="http://schemas.microsoft.com/office/drawing/2014/main" xmlns="" id="{4B089C8C-B82B-4704-88E2-E857A5E21529}"/>
                 </a:ext>
               </a:extLst>
             </p:cNvPr>
@@ -11059,7 +11055,7 @@
             <p:cNvPr id="38" name="Oval 37">
               <a:extLst>
                 <a:ext uri="{FF2B5EF4-FFF2-40B4-BE49-F238E27FC236}">
-                  <a16:creationId xmlns="" xmlns:a16="http://schemas.microsoft.com/office/drawing/2014/main" id="{434B90C8-5B4D-456E-AD99-80EF748FDD72}"/>
+                  <a16:creationId xmlns:a16="http://schemas.microsoft.com/office/drawing/2014/main" xmlns="" id="{434B90C8-5B4D-456E-AD99-80EF748FDD72}"/>
                 </a:ext>
               </a:extLst>
             </p:cNvPr>
@@ -11159,7 +11155,7 @@
           <p:cNvPr id="22" name="Oval 21">
             <a:extLst>
               <a:ext uri="{FF2B5EF4-FFF2-40B4-BE49-F238E27FC236}">
-                <a16:creationId xmlns="" xmlns:a16="http://schemas.microsoft.com/office/drawing/2014/main" id="{94729CA3-91C4-4A89-9448-A2F0E409177A}"/>
+                <a16:creationId xmlns:a16="http://schemas.microsoft.com/office/drawing/2014/main" xmlns="" id="{94729CA3-91C4-4A89-9448-A2F0E409177A}"/>
               </a:ext>
             </a:extLst>
           </p:cNvPr>
@@ -11242,7 +11238,7 @@
           <p:cNvPr id="13" name="Group 12">
             <a:extLst>
               <a:ext uri="{FF2B5EF4-FFF2-40B4-BE49-F238E27FC236}">
-                <a16:creationId xmlns="" xmlns:a16="http://schemas.microsoft.com/office/drawing/2014/main" id="{168347B7-45FA-4A01-924D-DC385B720B3E}"/>
+                <a16:creationId xmlns:a16="http://schemas.microsoft.com/office/drawing/2014/main" xmlns="" id="{168347B7-45FA-4A01-924D-DC385B720B3E}"/>
               </a:ext>
             </a:extLst>
           </p:cNvPr>
@@ -11262,7 +11258,7 @@
             <p:cNvPr id="20" name="Freeform: Shape 19">
               <a:extLst>
                 <a:ext uri="{FF2B5EF4-FFF2-40B4-BE49-F238E27FC236}">
-                  <a16:creationId xmlns="" xmlns:a16="http://schemas.microsoft.com/office/drawing/2014/main" id="{31167DA1-25D1-4E60-A62E-42B6F56A96EC}"/>
+                  <a16:creationId xmlns:a16="http://schemas.microsoft.com/office/drawing/2014/main" xmlns="" id="{31167DA1-25D1-4E60-A62E-42B6F56A96EC}"/>
                 </a:ext>
               </a:extLst>
             </p:cNvPr>
@@ -11484,7 +11480,7 @@
             <p:cNvPr id="21" name="Oval 20">
               <a:extLst>
                 <a:ext uri="{FF2B5EF4-FFF2-40B4-BE49-F238E27FC236}">
-                  <a16:creationId xmlns="" xmlns:a16="http://schemas.microsoft.com/office/drawing/2014/main" id="{6B7B7215-A661-477E-91D0-CDBE5564D2B9}"/>
+                  <a16:creationId xmlns:a16="http://schemas.microsoft.com/office/drawing/2014/main" xmlns="" id="{6B7B7215-A661-477E-91D0-CDBE5564D2B9}"/>
                 </a:ext>
               </a:extLst>
             </p:cNvPr>
@@ -11565,7 +11561,7 @@
           <p:cNvPr id="2" name="Title 1">
             <a:extLst>
               <a:ext uri="{FF2B5EF4-FFF2-40B4-BE49-F238E27FC236}">
-                <a16:creationId xmlns="" xmlns:a16="http://schemas.microsoft.com/office/drawing/2014/main" id="{8978E540-142B-4A82-9C3F-E61BC190AEED}"/>
+                <a16:creationId xmlns:a16="http://schemas.microsoft.com/office/drawing/2014/main" xmlns="" id="{8978E540-142B-4A82-9C3F-E61BC190AEED}"/>
               </a:ext>
             </a:extLst>
           </p:cNvPr>
@@ -11608,7 +11604,7 @@
           <p:cNvPr id="3" name="Content Placeholder 2">
             <a:extLst>
               <a:ext uri="{FF2B5EF4-FFF2-40B4-BE49-F238E27FC236}">
-                <a16:creationId xmlns="" xmlns:a16="http://schemas.microsoft.com/office/drawing/2014/main" id="{02C6BF36-D4F5-4363-B440-BDAE50BBD4B6}"/>
+                <a16:creationId xmlns:a16="http://schemas.microsoft.com/office/drawing/2014/main" xmlns="" id="{02C6BF36-D4F5-4363-B440-BDAE50BBD4B6}"/>
               </a:ext>
             </a:extLst>
           </p:cNvPr>
@@ -11673,7 +11669,7 @@
           <p:cNvPr id="4" name="Content Placeholder 3">
             <a:extLst>
               <a:ext uri="{FF2B5EF4-FFF2-40B4-BE49-F238E27FC236}">
-                <a16:creationId xmlns="" xmlns:a16="http://schemas.microsoft.com/office/drawing/2014/main" id="{F8362910-87AA-4E67-992D-8D4822FD89FE}"/>
+                <a16:creationId xmlns:a16="http://schemas.microsoft.com/office/drawing/2014/main" xmlns="" id="{F8362910-87AA-4E67-992D-8D4822FD89FE}"/>
               </a:ext>
             </a:extLst>
           </p:cNvPr>
@@ -11738,7 +11734,7 @@
           <p:cNvPr id="5" name="Date Placeholder 4">
             <a:extLst>
               <a:ext uri="{FF2B5EF4-FFF2-40B4-BE49-F238E27FC236}">
-                <a16:creationId xmlns="" xmlns:a16="http://schemas.microsoft.com/office/drawing/2014/main" id="{BB99A8AF-0998-4613-B1D8-C14ECBFFDF67}"/>
+                <a16:creationId xmlns:a16="http://schemas.microsoft.com/office/drawing/2014/main" xmlns="" id="{BB99A8AF-0998-4613-B1D8-C14ECBFFDF67}"/>
               </a:ext>
             </a:extLst>
           </p:cNvPr>
@@ -11768,7 +11764,7 @@
           <p:cNvPr id="6" name="Footer Placeholder 5">
             <a:extLst>
               <a:ext uri="{FF2B5EF4-FFF2-40B4-BE49-F238E27FC236}">
-                <a16:creationId xmlns="" xmlns:a16="http://schemas.microsoft.com/office/drawing/2014/main" id="{66E44EAA-B8A9-4428-A9DF-1174DA940990}"/>
+                <a16:creationId xmlns:a16="http://schemas.microsoft.com/office/drawing/2014/main" xmlns="" id="{66E44EAA-B8A9-4428-A9DF-1174DA940990}"/>
               </a:ext>
             </a:extLst>
           </p:cNvPr>
@@ -11798,7 +11794,7 @@
           <p:cNvPr id="7" name="Slide Number Placeholder 6">
             <a:extLst>
               <a:ext uri="{FF2B5EF4-FFF2-40B4-BE49-F238E27FC236}">
-                <a16:creationId xmlns="" xmlns:a16="http://schemas.microsoft.com/office/drawing/2014/main" id="{19E5C381-C899-4BF9-B584-2D78074D1CB2}"/>
+                <a16:creationId xmlns:a16="http://schemas.microsoft.com/office/drawing/2014/main" xmlns="" id="{19E5C381-C899-4BF9-B584-2D78074D1CB2}"/>
               </a:ext>
             </a:extLst>
           </p:cNvPr>
@@ -11859,7 +11855,7 @@
           <p:cNvPr id="2" name="Date Placeholder 1">
             <a:extLst>
               <a:ext uri="{FF2B5EF4-FFF2-40B4-BE49-F238E27FC236}">
-                <a16:creationId xmlns="" xmlns:a16="http://schemas.microsoft.com/office/drawing/2014/main" id="{AB81B449-7B97-41DC-B23F-65EDCBD316A6}"/>
+                <a16:creationId xmlns:a16="http://schemas.microsoft.com/office/drawing/2014/main" xmlns="" id="{AB81B449-7B97-41DC-B23F-65EDCBD316A6}"/>
               </a:ext>
             </a:extLst>
           </p:cNvPr>
@@ -11889,7 +11885,7 @@
           <p:cNvPr id="3" name="Footer Placeholder 2">
             <a:extLst>
               <a:ext uri="{FF2B5EF4-FFF2-40B4-BE49-F238E27FC236}">
-                <a16:creationId xmlns="" xmlns:a16="http://schemas.microsoft.com/office/drawing/2014/main" id="{7C6B46D5-337B-4906-8412-4EEA3884FA7E}"/>
+                <a16:creationId xmlns:a16="http://schemas.microsoft.com/office/drawing/2014/main" xmlns="" id="{7C6B46D5-337B-4906-8412-4EEA3884FA7E}"/>
               </a:ext>
             </a:extLst>
           </p:cNvPr>
@@ -11919,7 +11915,7 @@
           <p:cNvPr id="4" name="Slide Number Placeholder 3">
             <a:extLst>
               <a:ext uri="{FF2B5EF4-FFF2-40B4-BE49-F238E27FC236}">
-                <a16:creationId xmlns="" xmlns:a16="http://schemas.microsoft.com/office/drawing/2014/main" id="{E436F230-C9A7-407A-B923-873839C8D8A0}"/>
+                <a16:creationId xmlns:a16="http://schemas.microsoft.com/office/drawing/2014/main" xmlns="" id="{E436F230-C9A7-407A-B923-873839C8D8A0}"/>
               </a:ext>
             </a:extLst>
           </p:cNvPr>
@@ -11980,7 +11976,7 @@
           <p:cNvPr id="8" name="Group 7">
             <a:extLst>
               <a:ext uri="{FF2B5EF4-FFF2-40B4-BE49-F238E27FC236}">
-                <a16:creationId xmlns="" xmlns:a16="http://schemas.microsoft.com/office/drawing/2014/main" id="{778B0BE9-88B0-4883-9BA9-CD594C400EC1}"/>
+                <a16:creationId xmlns:a16="http://schemas.microsoft.com/office/drawing/2014/main" xmlns="" id="{778B0BE9-88B0-4883-9BA9-CD594C400EC1}"/>
               </a:ext>
             </a:extLst>
           </p:cNvPr>
@@ -12000,7 +11996,7 @@
             <p:cNvPr id="11" name="Freeform: Shape 10">
               <a:extLst>
                 <a:ext uri="{FF2B5EF4-FFF2-40B4-BE49-F238E27FC236}">
-                  <a16:creationId xmlns="" xmlns:a16="http://schemas.microsoft.com/office/drawing/2014/main" id="{C59DCBF3-7AFA-4CD1-A918-BC6DDE674E6C}"/>
+                  <a16:creationId xmlns:a16="http://schemas.microsoft.com/office/drawing/2014/main" xmlns="" id="{C59DCBF3-7AFA-4CD1-A918-BC6DDE674E6C}"/>
                 </a:ext>
               </a:extLst>
             </p:cNvPr>
@@ -12222,7 +12218,7 @@
             <p:cNvPr id="12" name="Oval 11">
               <a:extLst>
                 <a:ext uri="{FF2B5EF4-FFF2-40B4-BE49-F238E27FC236}">
-                  <a16:creationId xmlns="" xmlns:a16="http://schemas.microsoft.com/office/drawing/2014/main" id="{06964A02-96E1-4654-9187-DDDE7409F75B}"/>
+                  <a16:creationId xmlns:a16="http://schemas.microsoft.com/office/drawing/2014/main" xmlns="" id="{06964A02-96E1-4654-9187-DDDE7409F75B}"/>
                 </a:ext>
               </a:extLst>
             </p:cNvPr>
@@ -12303,7 +12299,7 @@
           <p:cNvPr id="2" name="Title 1">
             <a:extLst>
               <a:ext uri="{FF2B5EF4-FFF2-40B4-BE49-F238E27FC236}">
-                <a16:creationId xmlns="" xmlns:a16="http://schemas.microsoft.com/office/drawing/2014/main" id="{BF3FF76C-A012-4CDA-8AE7-E9413955716A}"/>
+                <a16:creationId xmlns:a16="http://schemas.microsoft.com/office/drawing/2014/main" xmlns="" id="{BF3FF76C-A012-4CDA-8AE7-E9413955716A}"/>
               </a:ext>
             </a:extLst>
           </p:cNvPr>
@@ -12346,7 +12342,7 @@
           <p:cNvPr id="3" name="Content Placeholder 2">
             <a:extLst>
               <a:ext uri="{FF2B5EF4-FFF2-40B4-BE49-F238E27FC236}">
-                <a16:creationId xmlns="" xmlns:a16="http://schemas.microsoft.com/office/drawing/2014/main" id="{611A4C80-DC38-4641-924F-90D6078CF592}"/>
+                <a16:creationId xmlns:a16="http://schemas.microsoft.com/office/drawing/2014/main" xmlns="" id="{611A4C80-DC38-4641-924F-90D6078CF592}"/>
               </a:ext>
             </a:extLst>
           </p:cNvPr>
@@ -12439,7 +12435,7 @@
           <p:cNvPr id="4" name="Text Placeholder 3">
             <a:extLst>
               <a:ext uri="{FF2B5EF4-FFF2-40B4-BE49-F238E27FC236}">
-                <a16:creationId xmlns="" xmlns:a16="http://schemas.microsoft.com/office/drawing/2014/main" id="{82C42771-D3A7-4072-85DC-B7C5E530E8AA}"/>
+                <a16:creationId xmlns:a16="http://schemas.microsoft.com/office/drawing/2014/main" xmlns="" id="{82C42771-D3A7-4072-85DC-B7C5E530E8AA}"/>
               </a:ext>
             </a:extLst>
           </p:cNvPr>
@@ -12512,7 +12508,7 @@
           <p:cNvPr id="5" name="Date Placeholder 4">
             <a:extLst>
               <a:ext uri="{FF2B5EF4-FFF2-40B4-BE49-F238E27FC236}">
-                <a16:creationId xmlns="" xmlns:a16="http://schemas.microsoft.com/office/drawing/2014/main" id="{EBD47AB1-6EB5-4E2C-B4A7-42DC643E9FF9}"/>
+                <a16:creationId xmlns:a16="http://schemas.microsoft.com/office/drawing/2014/main" xmlns="" id="{EBD47AB1-6EB5-4E2C-B4A7-42DC643E9FF9}"/>
               </a:ext>
             </a:extLst>
           </p:cNvPr>
@@ -12542,7 +12538,7 @@
           <p:cNvPr id="6" name="Footer Placeholder 5">
             <a:extLst>
               <a:ext uri="{FF2B5EF4-FFF2-40B4-BE49-F238E27FC236}">
-                <a16:creationId xmlns="" xmlns:a16="http://schemas.microsoft.com/office/drawing/2014/main" id="{5BA9D15F-B6ED-46E1-9840-0B625880EE4B}"/>
+                <a16:creationId xmlns:a16="http://schemas.microsoft.com/office/drawing/2014/main" xmlns="" id="{5BA9D15F-B6ED-46E1-9840-0B625880EE4B}"/>
               </a:ext>
             </a:extLst>
           </p:cNvPr>
@@ -12572,7 +12568,7 @@
           <p:cNvPr id="7" name="Slide Number Placeholder 6">
             <a:extLst>
               <a:ext uri="{FF2B5EF4-FFF2-40B4-BE49-F238E27FC236}">
-                <a16:creationId xmlns="" xmlns:a16="http://schemas.microsoft.com/office/drawing/2014/main" id="{CDAEB023-7A5E-4087-B75E-A38A80EE5D01}"/>
+                <a16:creationId xmlns:a16="http://schemas.microsoft.com/office/drawing/2014/main" xmlns="" id="{CDAEB023-7A5E-4087-B75E-A38A80EE5D01}"/>
               </a:ext>
             </a:extLst>
           </p:cNvPr>
@@ -12633,7 +12629,7 @@
           <p:cNvPr id="5" name="Title 1">
             <a:extLst>
               <a:ext uri="{FF2B5EF4-FFF2-40B4-BE49-F238E27FC236}">
-                <a16:creationId xmlns="" xmlns:a16="http://schemas.microsoft.com/office/drawing/2014/main" id="{C0923D16-1EC5-4C17-ABA8-B13A1256B36F}"/>
+                <a16:creationId xmlns:a16="http://schemas.microsoft.com/office/drawing/2014/main" xmlns="" id="{C0923D16-1EC5-4C17-ABA8-B13A1256B36F}"/>
               </a:ext>
             </a:extLst>
           </p:cNvPr>
@@ -12672,7 +12668,7 @@
           <p:cNvPr id="7" name="Content Placeholder 2">
             <a:extLst>
               <a:ext uri="{FF2B5EF4-FFF2-40B4-BE49-F238E27FC236}">
-                <a16:creationId xmlns="" xmlns:a16="http://schemas.microsoft.com/office/drawing/2014/main" id="{50294D8B-CF64-4C26-8C78-57A375E7D33B}"/>
+                <a16:creationId xmlns:a16="http://schemas.microsoft.com/office/drawing/2014/main" xmlns="" id="{50294D8B-CF64-4C26-8C78-57A375E7D33B}"/>
               </a:ext>
             </a:extLst>
           </p:cNvPr>
@@ -12717,7 +12713,7 @@
           <p:cNvPr id="17" name="Picture Placeholder 16">
             <a:extLst>
               <a:ext uri="{FF2B5EF4-FFF2-40B4-BE49-F238E27FC236}">
-                <a16:creationId xmlns="" xmlns:a16="http://schemas.microsoft.com/office/drawing/2014/main" id="{67BCF456-426F-435B-8DF0-A32A44F5A889}"/>
+                <a16:creationId xmlns:a16="http://schemas.microsoft.com/office/drawing/2014/main" xmlns="" id="{67BCF456-426F-435B-8DF0-A32A44F5A889}"/>
               </a:ext>
             </a:extLst>
           </p:cNvPr>
@@ -12817,7 +12813,7 @@
           <p:cNvPr id="22" name="Picture Placeholder 21">
             <a:extLst>
               <a:ext uri="{FF2B5EF4-FFF2-40B4-BE49-F238E27FC236}">
-                <a16:creationId xmlns="" xmlns:a16="http://schemas.microsoft.com/office/drawing/2014/main" id="{4813A609-7079-46D5-9C1D-52004ABDAC9D}"/>
+                <a16:creationId xmlns:a16="http://schemas.microsoft.com/office/drawing/2014/main" xmlns="" id="{4813A609-7079-46D5-9C1D-52004ABDAC9D}"/>
               </a:ext>
             </a:extLst>
           </p:cNvPr>
@@ -12917,7 +12913,7 @@
           <p:cNvPr id="25" name="Picture Placeholder 24">
             <a:extLst>
               <a:ext uri="{FF2B5EF4-FFF2-40B4-BE49-F238E27FC236}">
-                <a16:creationId xmlns="" xmlns:a16="http://schemas.microsoft.com/office/drawing/2014/main" id="{A14F21DF-D5E0-4C6C-BA2C-D69D65DBB18E}"/>
+                <a16:creationId xmlns:a16="http://schemas.microsoft.com/office/drawing/2014/main" xmlns="" id="{A14F21DF-D5E0-4C6C-BA2C-D69D65DBB18E}"/>
               </a:ext>
             </a:extLst>
           </p:cNvPr>
@@ -13017,7 +13013,7 @@
           <p:cNvPr id="2" name="Date Placeholder 1">
             <a:extLst>
               <a:ext uri="{FF2B5EF4-FFF2-40B4-BE49-F238E27FC236}">
-                <a16:creationId xmlns="" xmlns:a16="http://schemas.microsoft.com/office/drawing/2014/main" id="{AB81B449-7B97-41DC-B23F-65EDCBD316A6}"/>
+                <a16:creationId xmlns:a16="http://schemas.microsoft.com/office/drawing/2014/main" xmlns="" id="{AB81B449-7B97-41DC-B23F-65EDCBD316A6}"/>
               </a:ext>
             </a:extLst>
           </p:cNvPr>
@@ -13047,7 +13043,7 @@
           <p:cNvPr id="3" name="Footer Placeholder 2">
             <a:extLst>
               <a:ext uri="{FF2B5EF4-FFF2-40B4-BE49-F238E27FC236}">
-                <a16:creationId xmlns="" xmlns:a16="http://schemas.microsoft.com/office/drawing/2014/main" id="{7C6B46D5-337B-4906-8412-4EEA3884FA7E}"/>
+                <a16:creationId xmlns:a16="http://schemas.microsoft.com/office/drawing/2014/main" xmlns="" id="{7C6B46D5-337B-4906-8412-4EEA3884FA7E}"/>
               </a:ext>
             </a:extLst>
           </p:cNvPr>
@@ -13077,7 +13073,7 @@
           <p:cNvPr id="4" name="Slide Number Placeholder 3">
             <a:extLst>
               <a:ext uri="{FF2B5EF4-FFF2-40B4-BE49-F238E27FC236}">
-                <a16:creationId xmlns="" xmlns:a16="http://schemas.microsoft.com/office/drawing/2014/main" id="{E436F230-C9A7-407A-B923-873839C8D8A0}"/>
+                <a16:creationId xmlns:a16="http://schemas.microsoft.com/office/drawing/2014/main" xmlns="" id="{E436F230-C9A7-407A-B923-873839C8D8A0}"/>
               </a:ext>
             </a:extLst>
           </p:cNvPr>
@@ -13108,10 +13104,10 @@
           <p:cNvPr id="6" name="Oval 5">
             <a:extLst>
               <a:ext uri="{FF2B5EF4-FFF2-40B4-BE49-F238E27FC236}">
-                <a16:creationId xmlns="" xmlns:a16="http://schemas.microsoft.com/office/drawing/2014/main" id="{92FF63B4-C261-4597-9EE0-811D250B9D21}"/>
+                <a16:creationId xmlns:a16="http://schemas.microsoft.com/office/drawing/2014/main" xmlns="" id="{92FF63B4-C261-4597-9EE0-811D250B9D21}"/>
               </a:ext>
               <a:ext uri="{C183D7F6-B498-43B3-948B-1728B52AA6E4}">
-                <adec:decorative xmlns="" xmlns:adec="http://schemas.microsoft.com/office/drawing/2017/decorative" val="1"/>
+                <adec:decorative xmlns:adec="http://schemas.microsoft.com/office/drawing/2017/decorative" xmlns="" val="1"/>
               </a:ext>
             </a:extLst>
           </p:cNvPr>
@@ -13194,10 +13190,10 @@
           <p:cNvPr id="10" name="Group 9">
             <a:extLst>
               <a:ext uri="{FF2B5EF4-FFF2-40B4-BE49-F238E27FC236}">
-                <a16:creationId xmlns="" xmlns:a16="http://schemas.microsoft.com/office/drawing/2014/main" id="{F92CF088-7F97-4A11-8A81-0EF641F6986F}"/>
+                <a16:creationId xmlns:a16="http://schemas.microsoft.com/office/drawing/2014/main" xmlns="" id="{F92CF088-7F97-4A11-8A81-0EF641F6986F}"/>
               </a:ext>
               <a:ext uri="{C183D7F6-B498-43B3-948B-1728B52AA6E4}">
-                <adec:decorative xmlns="" xmlns:adec="http://schemas.microsoft.com/office/drawing/2017/decorative" val="1"/>
+                <adec:decorative xmlns:adec="http://schemas.microsoft.com/office/drawing/2017/decorative" xmlns="" val="1"/>
               </a:ext>
             </a:extLst>
           </p:cNvPr>
@@ -13217,7 +13213,7 @@
             <p:cNvPr id="11" name="Freeform: Shape 10">
               <a:extLst>
                 <a:ext uri="{FF2B5EF4-FFF2-40B4-BE49-F238E27FC236}">
-                  <a16:creationId xmlns="" xmlns:a16="http://schemas.microsoft.com/office/drawing/2014/main" id="{165B23B7-CE74-4974-ABD8-BFA31D583416}"/>
+                  <a16:creationId xmlns:a16="http://schemas.microsoft.com/office/drawing/2014/main" xmlns="" id="{165B23B7-CE74-4974-ABD8-BFA31D583416}"/>
                 </a:ext>
               </a:extLst>
             </p:cNvPr>
@@ -13439,7 +13435,7 @@
             <p:cNvPr id="12" name="Oval 11">
               <a:extLst>
                 <a:ext uri="{FF2B5EF4-FFF2-40B4-BE49-F238E27FC236}">
-                  <a16:creationId xmlns="" xmlns:a16="http://schemas.microsoft.com/office/drawing/2014/main" id="{FF99BB1F-6C9D-4972-9EF4-98ACD7BE71E5}"/>
+                  <a16:creationId xmlns:a16="http://schemas.microsoft.com/office/drawing/2014/main" xmlns="" id="{FF99BB1F-6C9D-4972-9EF4-98ACD7BE71E5}"/>
                 </a:ext>
               </a:extLst>
             </p:cNvPr>
@@ -13552,7 +13548,7 @@
           <p:cNvPr id="9" name="Title 1">
             <a:extLst>
               <a:ext uri="{FF2B5EF4-FFF2-40B4-BE49-F238E27FC236}">
-                <a16:creationId xmlns="" xmlns:a16="http://schemas.microsoft.com/office/drawing/2014/main" id="{A458B3A1-C77D-4AFC-B2C8-79520B53C452}"/>
+                <a16:creationId xmlns:a16="http://schemas.microsoft.com/office/drawing/2014/main" xmlns="" id="{A458B3A1-C77D-4AFC-B2C8-79520B53C452}"/>
               </a:ext>
             </a:extLst>
           </p:cNvPr>
@@ -13588,7 +13584,7 @@
           <p:cNvPr id="12" name="Picture Placeholder 11">
             <a:extLst>
               <a:ext uri="{FF2B5EF4-FFF2-40B4-BE49-F238E27FC236}">
-                <a16:creationId xmlns="" xmlns:a16="http://schemas.microsoft.com/office/drawing/2014/main" id="{F551DA26-B267-4F28-B4D0-65B3EF6E1112}"/>
+                <a16:creationId xmlns:a16="http://schemas.microsoft.com/office/drawing/2014/main" xmlns="" id="{F551DA26-B267-4F28-B4D0-65B3EF6E1112}"/>
               </a:ext>
             </a:extLst>
           </p:cNvPr>
@@ -13626,7 +13622,7 @@
           <p:cNvPr id="18" name="Picture Placeholder 11">
             <a:extLst>
               <a:ext uri="{FF2B5EF4-FFF2-40B4-BE49-F238E27FC236}">
-                <a16:creationId xmlns="" xmlns:a16="http://schemas.microsoft.com/office/drawing/2014/main" id="{95544A62-DA23-4840-99DE-09AFC8F4DC48}"/>
+                <a16:creationId xmlns:a16="http://schemas.microsoft.com/office/drawing/2014/main" xmlns="" id="{95544A62-DA23-4840-99DE-09AFC8F4DC48}"/>
               </a:ext>
             </a:extLst>
           </p:cNvPr>
@@ -13664,7 +13660,7 @@
           <p:cNvPr id="19" name="Picture Placeholder 11">
             <a:extLst>
               <a:ext uri="{FF2B5EF4-FFF2-40B4-BE49-F238E27FC236}">
-                <a16:creationId xmlns="" xmlns:a16="http://schemas.microsoft.com/office/drawing/2014/main" id="{0C91AF30-C5BB-4601-BDEB-E60C93A16933}"/>
+                <a16:creationId xmlns:a16="http://schemas.microsoft.com/office/drawing/2014/main" xmlns="" id="{0C91AF30-C5BB-4601-BDEB-E60C93A16933}"/>
               </a:ext>
             </a:extLst>
           </p:cNvPr>
@@ -13702,7 +13698,7 @@
           <p:cNvPr id="20" name="Picture Placeholder 11">
             <a:extLst>
               <a:ext uri="{FF2B5EF4-FFF2-40B4-BE49-F238E27FC236}">
-                <a16:creationId xmlns="" xmlns:a16="http://schemas.microsoft.com/office/drawing/2014/main" id="{5B625AA5-EA5B-4115-A461-DA2C7087D83E}"/>
+                <a16:creationId xmlns:a16="http://schemas.microsoft.com/office/drawing/2014/main" xmlns="" id="{5B625AA5-EA5B-4115-A461-DA2C7087D83E}"/>
               </a:ext>
             </a:extLst>
           </p:cNvPr>
@@ -13740,7 +13736,7 @@
           <p:cNvPr id="2" name="Date Placeholder 1">
             <a:extLst>
               <a:ext uri="{FF2B5EF4-FFF2-40B4-BE49-F238E27FC236}">
-                <a16:creationId xmlns="" xmlns:a16="http://schemas.microsoft.com/office/drawing/2014/main" id="{AB81B449-7B97-41DC-B23F-65EDCBD316A6}"/>
+                <a16:creationId xmlns:a16="http://schemas.microsoft.com/office/drawing/2014/main" xmlns="" id="{AB81B449-7B97-41DC-B23F-65EDCBD316A6}"/>
               </a:ext>
             </a:extLst>
           </p:cNvPr>
@@ -13770,7 +13766,7 @@
           <p:cNvPr id="3" name="Footer Placeholder 2">
             <a:extLst>
               <a:ext uri="{FF2B5EF4-FFF2-40B4-BE49-F238E27FC236}">
-                <a16:creationId xmlns="" xmlns:a16="http://schemas.microsoft.com/office/drawing/2014/main" id="{7C6B46D5-337B-4906-8412-4EEA3884FA7E}"/>
+                <a16:creationId xmlns:a16="http://schemas.microsoft.com/office/drawing/2014/main" xmlns="" id="{7C6B46D5-337B-4906-8412-4EEA3884FA7E}"/>
               </a:ext>
             </a:extLst>
           </p:cNvPr>
@@ -13800,7 +13796,7 @@
           <p:cNvPr id="4" name="Slide Number Placeholder 3">
             <a:extLst>
               <a:ext uri="{FF2B5EF4-FFF2-40B4-BE49-F238E27FC236}">
-                <a16:creationId xmlns="" xmlns:a16="http://schemas.microsoft.com/office/drawing/2014/main" id="{E436F230-C9A7-407A-B923-873839C8D8A0}"/>
+                <a16:creationId xmlns:a16="http://schemas.microsoft.com/office/drawing/2014/main" xmlns="" id="{E436F230-C9A7-407A-B923-873839C8D8A0}"/>
               </a:ext>
             </a:extLst>
           </p:cNvPr>
@@ -13831,7 +13827,7 @@
           <p:cNvPr id="11" name="Content Placeholder 6">
             <a:extLst>
               <a:ext uri="{FF2B5EF4-FFF2-40B4-BE49-F238E27FC236}">
-                <a16:creationId xmlns="" xmlns:a16="http://schemas.microsoft.com/office/drawing/2014/main" id="{1B1AE41C-3196-4E6F-A3A8-313A92677FF3}"/>
+                <a16:creationId xmlns:a16="http://schemas.microsoft.com/office/drawing/2014/main" xmlns="" id="{1B1AE41C-3196-4E6F-A3A8-313A92677FF3}"/>
               </a:ext>
             </a:extLst>
           </p:cNvPr>
@@ -13927,7 +13923,7 @@
           <p:cNvPr id="8" name="Picture Placeholder 7">
             <a:extLst>
               <a:ext uri="{FF2B5EF4-FFF2-40B4-BE49-F238E27FC236}">
-                <a16:creationId xmlns="" xmlns:a16="http://schemas.microsoft.com/office/drawing/2014/main" id="{F75B2FBE-0C5C-48AA-8D7F-9D5B7373CC9A}"/>
+                <a16:creationId xmlns:a16="http://schemas.microsoft.com/office/drawing/2014/main" xmlns="" id="{F75B2FBE-0C5C-48AA-8D7F-9D5B7373CC9A}"/>
               </a:ext>
             </a:extLst>
           </p:cNvPr>
@@ -13963,7 +13959,7 @@
           <p:cNvPr id="4" name="Date Placeholder 3">
             <a:extLst>
               <a:ext uri="{FF2B5EF4-FFF2-40B4-BE49-F238E27FC236}">
-                <a16:creationId xmlns="" xmlns:a16="http://schemas.microsoft.com/office/drawing/2014/main" id="{56403DDF-462A-45CE-931B-010AB4F73C3F}"/>
+                <a16:creationId xmlns:a16="http://schemas.microsoft.com/office/drawing/2014/main" xmlns="" id="{56403DDF-462A-45CE-931B-010AB4F73C3F}"/>
               </a:ext>
             </a:extLst>
           </p:cNvPr>
@@ -13991,7 +13987,7 @@
           <p:cNvPr id="5" name="Footer Placeholder 4">
             <a:extLst>
               <a:ext uri="{FF2B5EF4-FFF2-40B4-BE49-F238E27FC236}">
-                <a16:creationId xmlns="" xmlns:a16="http://schemas.microsoft.com/office/drawing/2014/main" id="{39E10702-2ACF-4768-9E91-8CB87B89594D}"/>
+                <a16:creationId xmlns:a16="http://schemas.microsoft.com/office/drawing/2014/main" xmlns="" id="{39E10702-2ACF-4768-9E91-8CB87B89594D}"/>
               </a:ext>
             </a:extLst>
           </p:cNvPr>
@@ -14019,7 +14015,7 @@
           <p:cNvPr id="6" name="Slide Number Placeholder 5">
             <a:extLst>
               <a:ext uri="{FF2B5EF4-FFF2-40B4-BE49-F238E27FC236}">
-                <a16:creationId xmlns="" xmlns:a16="http://schemas.microsoft.com/office/drawing/2014/main" id="{E8DFA722-391E-4FCF-8E15-0D7E2EC02B63}"/>
+                <a16:creationId xmlns:a16="http://schemas.microsoft.com/office/drawing/2014/main" xmlns="" id="{E8DFA722-391E-4FCF-8E15-0D7E2EC02B63}"/>
               </a:ext>
             </a:extLst>
           </p:cNvPr>
@@ -14048,10 +14044,10 @@
           <p:cNvPr id="13" name="Rectangle 12">
             <a:extLst>
               <a:ext uri="{FF2B5EF4-FFF2-40B4-BE49-F238E27FC236}">
-                <a16:creationId xmlns="" xmlns:a16="http://schemas.microsoft.com/office/drawing/2014/main" id="{80517979-166D-4AAA-ABBC-0C3E5C2ECF37}"/>
+                <a16:creationId xmlns:a16="http://schemas.microsoft.com/office/drawing/2014/main" xmlns="" id="{80517979-166D-4AAA-ABBC-0C3E5C2ECF37}"/>
               </a:ext>
               <a:ext uri="{C183D7F6-B498-43B3-948B-1728B52AA6E4}">
-                <adec:decorative xmlns="" xmlns:adec="http://schemas.microsoft.com/office/drawing/2017/decorative" val="1"/>
+                <adec:decorative xmlns:adec="http://schemas.microsoft.com/office/drawing/2017/decorative" xmlns="" val="1"/>
               </a:ext>
             </a:extLst>
           </p:cNvPr>
@@ -14116,7 +14112,7 @@
           <p:cNvPr id="14" name="Rectangle 13">
             <a:extLst>
               <a:ext uri="{FF2B5EF4-FFF2-40B4-BE49-F238E27FC236}">
-                <a16:creationId xmlns="" xmlns:a16="http://schemas.microsoft.com/office/drawing/2014/main" id="{4E111559-B769-4E2A-A891-97B3C4AA6BAC}"/>
+                <a16:creationId xmlns:a16="http://schemas.microsoft.com/office/drawing/2014/main" xmlns="" id="{4E111559-B769-4E2A-A891-97B3C4AA6BAC}"/>
               </a:ext>
             </a:extLst>
           </p:cNvPr>
@@ -14181,7 +14177,7 @@
           <p:cNvPr id="15" name="Title 1">
             <a:extLst>
               <a:ext uri="{FF2B5EF4-FFF2-40B4-BE49-F238E27FC236}">
-                <a16:creationId xmlns="" xmlns:a16="http://schemas.microsoft.com/office/drawing/2014/main" id="{754E1219-253E-4FEF-A576-83857F44BA01}"/>
+                <a16:creationId xmlns:a16="http://schemas.microsoft.com/office/drawing/2014/main" xmlns="" id="{754E1219-253E-4FEF-A576-83857F44BA01}"/>
               </a:ext>
             </a:extLst>
           </p:cNvPr>
@@ -14221,7 +14217,7 @@
           <p:cNvPr id="16" name="Subtitle 2">
             <a:extLst>
               <a:ext uri="{FF2B5EF4-FFF2-40B4-BE49-F238E27FC236}">
-                <a16:creationId xmlns="" xmlns:a16="http://schemas.microsoft.com/office/drawing/2014/main" id="{93411FC5-0B5A-4566-9984-827485AF9265}"/>
+                <a16:creationId xmlns:a16="http://schemas.microsoft.com/office/drawing/2014/main" xmlns="" id="{93411FC5-0B5A-4566-9984-827485AF9265}"/>
               </a:ext>
             </a:extLst>
           </p:cNvPr>
@@ -14309,7 +14305,7 @@
           <p:cNvPr id="8" name="Picture Placeholder 7">
             <a:extLst>
               <a:ext uri="{FF2B5EF4-FFF2-40B4-BE49-F238E27FC236}">
-                <a16:creationId xmlns="" xmlns:a16="http://schemas.microsoft.com/office/drawing/2014/main" id="{F75B2FBE-0C5C-48AA-8D7F-9D5B7373CC9A}"/>
+                <a16:creationId xmlns:a16="http://schemas.microsoft.com/office/drawing/2014/main" xmlns="" id="{F75B2FBE-0C5C-48AA-8D7F-9D5B7373CC9A}"/>
               </a:ext>
             </a:extLst>
           </p:cNvPr>
@@ -14345,7 +14341,7 @@
           <p:cNvPr id="16" name="Subtitle 2">
             <a:extLst>
               <a:ext uri="{FF2B5EF4-FFF2-40B4-BE49-F238E27FC236}">
-                <a16:creationId xmlns="" xmlns:a16="http://schemas.microsoft.com/office/drawing/2014/main" id="{93411FC5-0B5A-4566-9984-827485AF9265}"/>
+                <a16:creationId xmlns:a16="http://schemas.microsoft.com/office/drawing/2014/main" xmlns="" id="{93411FC5-0B5A-4566-9984-827485AF9265}"/>
               </a:ext>
             </a:extLst>
           </p:cNvPr>
@@ -14416,7 +14412,7 @@
           <p:cNvPr id="15" name="Title 1">
             <a:extLst>
               <a:ext uri="{FF2B5EF4-FFF2-40B4-BE49-F238E27FC236}">
-                <a16:creationId xmlns="" xmlns:a16="http://schemas.microsoft.com/office/drawing/2014/main" id="{754E1219-253E-4FEF-A576-83857F44BA01}"/>
+                <a16:creationId xmlns:a16="http://schemas.microsoft.com/office/drawing/2014/main" xmlns="" id="{754E1219-253E-4FEF-A576-83857F44BA01}"/>
               </a:ext>
             </a:extLst>
           </p:cNvPr>
@@ -14505,7 +14501,7 @@
           <p:cNvPr id="12" name="Group 11">
             <a:extLst>
               <a:ext uri="{FF2B5EF4-FFF2-40B4-BE49-F238E27FC236}">
-                <a16:creationId xmlns="" xmlns:a16="http://schemas.microsoft.com/office/drawing/2014/main" id="{3BDBC526-6DCD-4FF6-8395-D8C22E46E527}"/>
+                <a16:creationId xmlns:a16="http://schemas.microsoft.com/office/drawing/2014/main" xmlns="" id="{3BDBC526-6DCD-4FF6-8395-D8C22E46E527}"/>
               </a:ext>
             </a:extLst>
           </p:cNvPr>
@@ -14525,7 +14521,7 @@
             <p:cNvPr id="13" name="Freeform: Shape 12">
               <a:extLst>
                 <a:ext uri="{FF2B5EF4-FFF2-40B4-BE49-F238E27FC236}">
-                  <a16:creationId xmlns="" xmlns:a16="http://schemas.microsoft.com/office/drawing/2014/main" id="{02ECB475-568C-47AC-B16D-2E202DEB2DE0}"/>
+                  <a16:creationId xmlns:a16="http://schemas.microsoft.com/office/drawing/2014/main" xmlns="" id="{02ECB475-568C-47AC-B16D-2E202DEB2DE0}"/>
                 </a:ext>
               </a:extLst>
             </p:cNvPr>
@@ -14669,7 +14665,7 @@
             <p:cNvPr id="14" name="Oval 13">
               <a:extLst>
                 <a:ext uri="{FF2B5EF4-FFF2-40B4-BE49-F238E27FC236}">
-                  <a16:creationId xmlns="" xmlns:a16="http://schemas.microsoft.com/office/drawing/2014/main" id="{080D8764-525A-441E-B58F-068E82F09714}"/>
+                  <a16:creationId xmlns:a16="http://schemas.microsoft.com/office/drawing/2014/main" xmlns="" id="{080D8764-525A-441E-B58F-068E82F09714}"/>
                 </a:ext>
               </a:extLst>
             </p:cNvPr>
@@ -14738,7 +14734,7 @@
             <p:cNvPr id="15" name="Oval 14">
               <a:extLst>
                 <a:ext uri="{FF2B5EF4-FFF2-40B4-BE49-F238E27FC236}">
-                  <a16:creationId xmlns="" xmlns:a16="http://schemas.microsoft.com/office/drawing/2014/main" id="{11196109-6F2B-4738-B2FC-2CCC753AABD4}"/>
+                  <a16:creationId xmlns:a16="http://schemas.microsoft.com/office/drawing/2014/main" xmlns="" id="{11196109-6F2B-4738-B2FC-2CCC753AABD4}"/>
                 </a:ext>
               </a:extLst>
             </p:cNvPr>
@@ -14807,7 +14803,7 @@
             <p:cNvPr id="16" name="Freeform: Shape 15">
               <a:extLst>
                 <a:ext uri="{FF2B5EF4-FFF2-40B4-BE49-F238E27FC236}">
-                  <a16:creationId xmlns="" xmlns:a16="http://schemas.microsoft.com/office/drawing/2014/main" id="{F7E468C2-69B8-470B-85E3-801A3CB1D7E2}"/>
+                  <a16:creationId xmlns:a16="http://schemas.microsoft.com/office/drawing/2014/main" xmlns="" id="{F7E468C2-69B8-470B-85E3-801A3CB1D7E2}"/>
                 </a:ext>
               </a:extLst>
             </p:cNvPr>
@@ -14950,7 +14946,7 @@
           <p:cNvPr id="2" name="Title 1">
             <a:extLst>
               <a:ext uri="{FF2B5EF4-FFF2-40B4-BE49-F238E27FC236}">
-                <a16:creationId xmlns="" xmlns:a16="http://schemas.microsoft.com/office/drawing/2014/main" id="{B1A4B040-51E3-4DA0-B21D-EEE173E7536F}"/>
+                <a16:creationId xmlns:a16="http://schemas.microsoft.com/office/drawing/2014/main" xmlns="" id="{B1A4B040-51E3-4DA0-B21D-EEE173E7536F}"/>
               </a:ext>
             </a:extLst>
           </p:cNvPr>
@@ -14995,7 +14991,7 @@
           <p:cNvPr id="3" name="Content Placeholder 2">
             <a:extLst>
               <a:ext uri="{FF2B5EF4-FFF2-40B4-BE49-F238E27FC236}">
-                <a16:creationId xmlns="" xmlns:a16="http://schemas.microsoft.com/office/drawing/2014/main" id="{F8A2CD90-429B-4A55-B6C8-DD6CE6994118}"/>
+                <a16:creationId xmlns:a16="http://schemas.microsoft.com/office/drawing/2014/main" xmlns="" id="{F8A2CD90-429B-4A55-B6C8-DD6CE6994118}"/>
               </a:ext>
             </a:extLst>
           </p:cNvPr>
@@ -15060,7 +15056,7 @@
           <p:cNvPr id="4" name="Date Placeholder 3">
             <a:extLst>
               <a:ext uri="{FF2B5EF4-FFF2-40B4-BE49-F238E27FC236}">
-                <a16:creationId xmlns="" xmlns:a16="http://schemas.microsoft.com/office/drawing/2014/main" id="{4D4EE704-5DCA-484E-85E0-0E3A7B1C5046}"/>
+                <a16:creationId xmlns:a16="http://schemas.microsoft.com/office/drawing/2014/main" xmlns="" id="{4D4EE704-5DCA-484E-85E0-0E3A7B1C5046}"/>
               </a:ext>
             </a:extLst>
           </p:cNvPr>
@@ -15090,7 +15086,7 @@
           <p:cNvPr id="5" name="Footer Placeholder 4">
             <a:extLst>
               <a:ext uri="{FF2B5EF4-FFF2-40B4-BE49-F238E27FC236}">
-                <a16:creationId xmlns="" xmlns:a16="http://schemas.microsoft.com/office/drawing/2014/main" id="{4CA69B66-1C18-44A2-93F7-97DED26F24AB}"/>
+                <a16:creationId xmlns:a16="http://schemas.microsoft.com/office/drawing/2014/main" xmlns="" id="{4CA69B66-1C18-44A2-93F7-97DED26F24AB}"/>
               </a:ext>
             </a:extLst>
           </p:cNvPr>
@@ -15120,7 +15116,7 @@
           <p:cNvPr id="6" name="Slide Number Placeholder 5">
             <a:extLst>
               <a:ext uri="{FF2B5EF4-FFF2-40B4-BE49-F238E27FC236}">
-                <a16:creationId xmlns="" xmlns:a16="http://schemas.microsoft.com/office/drawing/2014/main" id="{7E44B5A0-66FA-433A-8DC5-C097C63B4DFC}"/>
+                <a16:creationId xmlns:a16="http://schemas.microsoft.com/office/drawing/2014/main" xmlns="" id="{7E44B5A0-66FA-433A-8DC5-C097C63B4DFC}"/>
               </a:ext>
             </a:extLst>
           </p:cNvPr>
@@ -15181,7 +15177,7 @@
           <p:cNvPr id="5" name="Title 1">
             <a:extLst>
               <a:ext uri="{FF2B5EF4-FFF2-40B4-BE49-F238E27FC236}">
-                <a16:creationId xmlns="" xmlns:a16="http://schemas.microsoft.com/office/drawing/2014/main" id="{7062BF5C-3876-4161-B4FF-14CA94D326C6}"/>
+                <a16:creationId xmlns:a16="http://schemas.microsoft.com/office/drawing/2014/main" xmlns="" id="{7062BF5C-3876-4161-B4FF-14CA94D326C6}"/>
               </a:ext>
             </a:extLst>
           </p:cNvPr>
@@ -15221,10 +15217,10 @@
           <p:cNvPr id="8" name="Group 7">
             <a:extLst>
               <a:ext uri="{FF2B5EF4-FFF2-40B4-BE49-F238E27FC236}">
-                <a16:creationId xmlns="" xmlns:a16="http://schemas.microsoft.com/office/drawing/2014/main" id="{B17C5C60-EC4D-410B-9997-0B73289605FD}"/>
+                <a16:creationId xmlns:a16="http://schemas.microsoft.com/office/drawing/2014/main" xmlns="" id="{B17C5C60-EC4D-410B-9997-0B73289605FD}"/>
               </a:ext>
               <a:ext uri="{C183D7F6-B498-43B3-948B-1728B52AA6E4}">
-                <adec:decorative xmlns="" xmlns:adec="http://schemas.microsoft.com/office/drawing/2017/decorative" val="1"/>
+                <adec:decorative xmlns:adec="http://schemas.microsoft.com/office/drawing/2017/decorative" xmlns="" val="1"/>
               </a:ext>
             </a:extLst>
           </p:cNvPr>
@@ -15244,7 +15240,7 @@
             <p:cNvPr id="9" name="Freeform 5">
               <a:extLst>
                 <a:ext uri="{FF2B5EF4-FFF2-40B4-BE49-F238E27FC236}">
-                  <a16:creationId xmlns="" xmlns:a16="http://schemas.microsoft.com/office/drawing/2014/main" id="{0573155C-3428-4F4F-AE66-A519D777EAAE}"/>
+                  <a16:creationId xmlns:a16="http://schemas.microsoft.com/office/drawing/2014/main" xmlns="" id="{0573155C-3428-4F4F-AE66-A519D777EAAE}"/>
                 </a:ext>
               </a:extLst>
             </p:cNvPr>
@@ -15379,7 +15375,7 @@
             <p:cNvPr id="10" name="Freeform 6">
               <a:extLst>
                 <a:ext uri="{FF2B5EF4-FFF2-40B4-BE49-F238E27FC236}">
-                  <a16:creationId xmlns="" xmlns:a16="http://schemas.microsoft.com/office/drawing/2014/main" id="{1853496C-159E-4D47-94B5-0835FB6511BA}"/>
+                  <a16:creationId xmlns:a16="http://schemas.microsoft.com/office/drawing/2014/main" xmlns="" id="{1853496C-159E-4D47-94B5-0835FB6511BA}"/>
                 </a:ext>
               </a:extLst>
             </p:cNvPr>
@@ -15530,7 +15526,7 @@
             <p:cNvPr id="11" name="Freeform 8">
               <a:extLst>
                 <a:ext uri="{FF2B5EF4-FFF2-40B4-BE49-F238E27FC236}">
-                  <a16:creationId xmlns="" xmlns:a16="http://schemas.microsoft.com/office/drawing/2014/main" id="{CE93E330-715B-44E8-84D9-CE166D428DAB}"/>
+                  <a16:creationId xmlns:a16="http://schemas.microsoft.com/office/drawing/2014/main" xmlns="" id="{CE93E330-715B-44E8-84D9-CE166D428DAB}"/>
                 </a:ext>
               </a:extLst>
             </p:cNvPr>
@@ -15683,10 +15679,10 @@
           <p:cNvPr id="12" name="Oval 11">
             <a:extLst>
               <a:ext uri="{FF2B5EF4-FFF2-40B4-BE49-F238E27FC236}">
-                <a16:creationId xmlns="" xmlns:a16="http://schemas.microsoft.com/office/drawing/2014/main" id="{80A2FA6F-99B7-4984-A80C-570644889F02}"/>
+                <a16:creationId xmlns:a16="http://schemas.microsoft.com/office/drawing/2014/main" xmlns="" id="{80A2FA6F-99B7-4984-A80C-570644889F02}"/>
               </a:ext>
               <a:ext uri="{C183D7F6-B498-43B3-948B-1728B52AA6E4}">
-                <adec:decorative xmlns="" xmlns:adec="http://schemas.microsoft.com/office/drawing/2017/decorative" val="1"/>
+                <adec:decorative xmlns:adec="http://schemas.microsoft.com/office/drawing/2017/decorative" xmlns="" val="1"/>
               </a:ext>
             </a:extLst>
           </p:cNvPr>
@@ -15771,7 +15767,7 @@
           <p:cNvPr id="17" name="Content Placeholder 16">
             <a:extLst>
               <a:ext uri="{FF2B5EF4-FFF2-40B4-BE49-F238E27FC236}">
-                <a16:creationId xmlns="" xmlns:a16="http://schemas.microsoft.com/office/drawing/2014/main" id="{439C8C03-81B3-4DE8-B96A-78258E4467CC}"/>
+                <a16:creationId xmlns:a16="http://schemas.microsoft.com/office/drawing/2014/main" xmlns="" id="{439C8C03-81B3-4DE8-B96A-78258E4467CC}"/>
               </a:ext>
             </a:extLst>
           </p:cNvPr>
@@ -15824,7 +15820,7 @@
           <p:cNvPr id="15" name="Picture Placeholder 14">
             <a:extLst>
               <a:ext uri="{FF2B5EF4-FFF2-40B4-BE49-F238E27FC236}">
-                <a16:creationId xmlns="" xmlns:a16="http://schemas.microsoft.com/office/drawing/2014/main" id="{C1FBB56D-C8B1-4ED9-A5DB-72BA636DADF3}"/>
+                <a16:creationId xmlns:a16="http://schemas.microsoft.com/office/drawing/2014/main" xmlns="" id="{C1FBB56D-C8B1-4ED9-A5DB-72BA636DADF3}"/>
               </a:ext>
             </a:extLst>
           </p:cNvPr>
@@ -15924,7 +15920,7 @@
           <p:cNvPr id="2" name="Date Placeholder 1">
             <a:extLst>
               <a:ext uri="{FF2B5EF4-FFF2-40B4-BE49-F238E27FC236}">
-                <a16:creationId xmlns="" xmlns:a16="http://schemas.microsoft.com/office/drawing/2014/main" id="{AB81B449-7B97-41DC-B23F-65EDCBD316A6}"/>
+                <a16:creationId xmlns:a16="http://schemas.microsoft.com/office/drawing/2014/main" xmlns="" id="{AB81B449-7B97-41DC-B23F-65EDCBD316A6}"/>
               </a:ext>
             </a:extLst>
           </p:cNvPr>
@@ -15954,7 +15950,7 @@
           <p:cNvPr id="3" name="Footer Placeholder 2">
             <a:extLst>
               <a:ext uri="{FF2B5EF4-FFF2-40B4-BE49-F238E27FC236}">
-                <a16:creationId xmlns="" xmlns:a16="http://schemas.microsoft.com/office/drawing/2014/main" id="{7C6B46D5-337B-4906-8412-4EEA3884FA7E}"/>
+                <a16:creationId xmlns:a16="http://schemas.microsoft.com/office/drawing/2014/main" xmlns="" id="{7C6B46D5-337B-4906-8412-4EEA3884FA7E}"/>
               </a:ext>
             </a:extLst>
           </p:cNvPr>
@@ -15984,7 +15980,7 @@
           <p:cNvPr id="4" name="Slide Number Placeholder 3">
             <a:extLst>
               <a:ext uri="{FF2B5EF4-FFF2-40B4-BE49-F238E27FC236}">
-                <a16:creationId xmlns="" xmlns:a16="http://schemas.microsoft.com/office/drawing/2014/main" id="{E436F230-C9A7-407A-B923-873839C8D8A0}"/>
+                <a16:creationId xmlns:a16="http://schemas.microsoft.com/office/drawing/2014/main" xmlns="" id="{E436F230-C9A7-407A-B923-873839C8D8A0}"/>
               </a:ext>
             </a:extLst>
           </p:cNvPr>
@@ -16045,10 +16041,10 @@
           <p:cNvPr id="16" name="Rectangle 15">
             <a:extLst>
               <a:ext uri="{FF2B5EF4-FFF2-40B4-BE49-F238E27FC236}">
-                <a16:creationId xmlns="" xmlns:a16="http://schemas.microsoft.com/office/drawing/2014/main" id="{E38C6F9E-A74F-4F54-9409-B6B93DF8CE78}"/>
+                <a16:creationId xmlns:a16="http://schemas.microsoft.com/office/drawing/2014/main" xmlns="" id="{E38C6F9E-A74F-4F54-9409-B6B93DF8CE78}"/>
               </a:ext>
               <a:ext uri="{C183D7F6-B498-43B3-948B-1728B52AA6E4}">
-                <adec:decorative xmlns="" xmlns:adec="http://schemas.microsoft.com/office/drawing/2017/decorative" val="1"/>
+                <adec:decorative xmlns:adec="http://schemas.microsoft.com/office/drawing/2017/decorative" xmlns="" val="1"/>
               </a:ext>
             </a:extLst>
           </p:cNvPr>
@@ -16115,10 +16111,10 @@
           <p:cNvPr id="34" name="Oval 33">
             <a:extLst>
               <a:ext uri="{FF2B5EF4-FFF2-40B4-BE49-F238E27FC236}">
-                <a16:creationId xmlns="" xmlns:a16="http://schemas.microsoft.com/office/drawing/2014/main" id="{6F0F71C5-78A4-4793-9BD4-3DF0EE3E3EB7}"/>
+                <a16:creationId xmlns:a16="http://schemas.microsoft.com/office/drawing/2014/main" xmlns="" id="{6F0F71C5-78A4-4793-9BD4-3DF0EE3E3EB7}"/>
               </a:ext>
               <a:ext uri="{C183D7F6-B498-43B3-948B-1728B52AA6E4}">
-                <adec:decorative xmlns="" xmlns:adec="http://schemas.microsoft.com/office/drawing/2017/decorative" val="1"/>
+                <adec:decorative xmlns:adec="http://schemas.microsoft.com/office/drawing/2017/decorative" xmlns="" val="1"/>
               </a:ext>
             </a:extLst>
           </p:cNvPr>
@@ -16203,7 +16199,7 @@
           <p:cNvPr id="40" name="Title 5">
             <a:extLst>
               <a:ext uri="{FF2B5EF4-FFF2-40B4-BE49-F238E27FC236}">
-                <a16:creationId xmlns="" xmlns:a16="http://schemas.microsoft.com/office/drawing/2014/main" id="{36F60F77-4CC9-4F86-B70A-85012C6588A0}"/>
+                <a16:creationId xmlns:a16="http://schemas.microsoft.com/office/drawing/2014/main" xmlns="" id="{36F60F77-4CC9-4F86-B70A-85012C6588A0}"/>
               </a:ext>
             </a:extLst>
           </p:cNvPr>
@@ -16238,10 +16234,10 @@
           <p:cNvPr id="51" name="Group 50">
             <a:extLst>
               <a:ext uri="{FF2B5EF4-FFF2-40B4-BE49-F238E27FC236}">
-                <a16:creationId xmlns="" xmlns:a16="http://schemas.microsoft.com/office/drawing/2014/main" id="{E6093F87-C1F6-4FAB-B891-6F7D7FC20751}"/>
+                <a16:creationId xmlns:a16="http://schemas.microsoft.com/office/drawing/2014/main" xmlns="" id="{E6093F87-C1F6-4FAB-B891-6F7D7FC20751}"/>
               </a:ext>
               <a:ext uri="{C183D7F6-B498-43B3-948B-1728B52AA6E4}">
-                <adec:decorative xmlns="" xmlns:adec="http://schemas.microsoft.com/office/drawing/2017/decorative" val="1"/>
+                <adec:decorative xmlns:adec="http://schemas.microsoft.com/office/drawing/2017/decorative" xmlns="" val="1"/>
               </a:ext>
             </a:extLst>
           </p:cNvPr>
@@ -16261,7 +16257,7 @@
             <p:cNvPr id="52" name="Freeform: Shape 51">
               <a:extLst>
                 <a:ext uri="{FF2B5EF4-FFF2-40B4-BE49-F238E27FC236}">
-                  <a16:creationId xmlns="" xmlns:a16="http://schemas.microsoft.com/office/drawing/2014/main" id="{E1A4FD5C-1E5B-46D1-BA9D-99928D19AF04}"/>
+                  <a16:creationId xmlns:a16="http://schemas.microsoft.com/office/drawing/2014/main" xmlns="" id="{E1A4FD5C-1E5B-46D1-BA9D-99928D19AF04}"/>
                 </a:ext>
               </a:extLst>
             </p:cNvPr>
@@ -16401,7 +16397,7 @@
             <p:cNvPr id="53" name="Freeform: Shape 52">
               <a:extLst>
                 <a:ext uri="{FF2B5EF4-FFF2-40B4-BE49-F238E27FC236}">
-                  <a16:creationId xmlns="" xmlns:a16="http://schemas.microsoft.com/office/drawing/2014/main" id="{B7DF0ED5-A971-408F-A055-C7E5D7A623CD}"/>
+                  <a16:creationId xmlns:a16="http://schemas.microsoft.com/office/drawing/2014/main" xmlns="" id="{B7DF0ED5-A971-408F-A055-C7E5D7A623CD}"/>
                 </a:ext>
               </a:extLst>
             </p:cNvPr>
@@ -16543,7 +16539,7 @@
             <p:cNvPr id="54" name="Oval 53">
               <a:extLst>
                 <a:ext uri="{FF2B5EF4-FFF2-40B4-BE49-F238E27FC236}">
-                  <a16:creationId xmlns="" xmlns:a16="http://schemas.microsoft.com/office/drawing/2014/main" id="{AA81F353-4C5B-4A37-9846-2C1E2D0FC25F}"/>
+                  <a16:creationId xmlns:a16="http://schemas.microsoft.com/office/drawing/2014/main" xmlns="" id="{AA81F353-4C5B-4A37-9846-2C1E2D0FC25F}"/>
                 </a:ext>
               </a:extLst>
             </p:cNvPr>
@@ -16612,7 +16608,7 @@
             <p:cNvPr id="55" name="Oval 54">
               <a:extLst>
                 <a:ext uri="{FF2B5EF4-FFF2-40B4-BE49-F238E27FC236}">
-                  <a16:creationId xmlns="" xmlns:a16="http://schemas.microsoft.com/office/drawing/2014/main" id="{42B74EA3-11CE-4D3F-99AD-162563447653}"/>
+                  <a16:creationId xmlns:a16="http://schemas.microsoft.com/office/drawing/2014/main" xmlns="" id="{42B74EA3-11CE-4D3F-99AD-162563447653}"/>
                 </a:ext>
               </a:extLst>
             </p:cNvPr>
@@ -16682,7 +16678,7 @@
           <p:cNvPr id="56" name="Picture Placeholder 55">
             <a:extLst>
               <a:ext uri="{FF2B5EF4-FFF2-40B4-BE49-F238E27FC236}">
-                <a16:creationId xmlns="" xmlns:a16="http://schemas.microsoft.com/office/drawing/2014/main" id="{8F41896B-6DDA-4F82-9F74-3EBF93A3CD58}"/>
+                <a16:creationId xmlns:a16="http://schemas.microsoft.com/office/drawing/2014/main" xmlns="" id="{8F41896B-6DDA-4F82-9F74-3EBF93A3CD58}"/>
               </a:ext>
             </a:extLst>
           </p:cNvPr>
@@ -16720,7 +16716,7 @@
           <p:cNvPr id="57" name="Picture Placeholder 55">
             <a:extLst>
               <a:ext uri="{FF2B5EF4-FFF2-40B4-BE49-F238E27FC236}">
-                <a16:creationId xmlns="" xmlns:a16="http://schemas.microsoft.com/office/drawing/2014/main" id="{EF85499B-C29A-4C8B-922C-7CE4771E352C}"/>
+                <a16:creationId xmlns:a16="http://schemas.microsoft.com/office/drawing/2014/main" xmlns="" id="{EF85499B-C29A-4C8B-922C-7CE4771E352C}"/>
               </a:ext>
             </a:extLst>
           </p:cNvPr>
@@ -16758,7 +16754,7 @@
           <p:cNvPr id="58" name="Picture Placeholder 55">
             <a:extLst>
               <a:ext uri="{FF2B5EF4-FFF2-40B4-BE49-F238E27FC236}">
-                <a16:creationId xmlns="" xmlns:a16="http://schemas.microsoft.com/office/drawing/2014/main" id="{F82A1DB8-0AE7-4E17-B07B-FCF45B85EE17}"/>
+                <a16:creationId xmlns:a16="http://schemas.microsoft.com/office/drawing/2014/main" xmlns="" id="{F82A1DB8-0AE7-4E17-B07B-FCF45B85EE17}"/>
               </a:ext>
             </a:extLst>
           </p:cNvPr>
@@ -16797,7 +16793,7 @@
           <p:cNvPr id="59" name="Picture Placeholder 55">
             <a:extLst>
               <a:ext uri="{FF2B5EF4-FFF2-40B4-BE49-F238E27FC236}">
-                <a16:creationId xmlns="" xmlns:a16="http://schemas.microsoft.com/office/drawing/2014/main" id="{A83EEB6C-83B7-471D-B5A4-4071534048D2}"/>
+                <a16:creationId xmlns:a16="http://schemas.microsoft.com/office/drawing/2014/main" xmlns="" id="{A83EEB6C-83B7-471D-B5A4-4071534048D2}"/>
               </a:ext>
             </a:extLst>
           </p:cNvPr>
@@ -16835,7 +16831,7 @@
           <p:cNvPr id="63" name="Text Placeholder 62">
             <a:extLst>
               <a:ext uri="{FF2B5EF4-FFF2-40B4-BE49-F238E27FC236}">
-                <a16:creationId xmlns="" xmlns:a16="http://schemas.microsoft.com/office/drawing/2014/main" id="{17A96A8C-F792-485A-9BB9-4DEDCA0CE6B8}"/>
+                <a16:creationId xmlns:a16="http://schemas.microsoft.com/office/drawing/2014/main" xmlns="" id="{17A96A8C-F792-485A-9BB9-4DEDCA0CE6B8}"/>
               </a:ext>
             </a:extLst>
           </p:cNvPr>
@@ -16876,7 +16872,7 @@
           <p:cNvPr id="61" name="Text Placeholder 60">
             <a:extLst>
               <a:ext uri="{FF2B5EF4-FFF2-40B4-BE49-F238E27FC236}">
-                <a16:creationId xmlns="" xmlns:a16="http://schemas.microsoft.com/office/drawing/2014/main" id="{6C65AE07-519E-4E3B-8521-621C8343914D}"/>
+                <a16:creationId xmlns:a16="http://schemas.microsoft.com/office/drawing/2014/main" xmlns="" id="{6C65AE07-519E-4E3B-8521-621C8343914D}"/>
               </a:ext>
             </a:extLst>
           </p:cNvPr>
@@ -16917,7 +16913,7 @@
           <p:cNvPr id="65" name="Text Placeholder 62">
             <a:extLst>
               <a:ext uri="{FF2B5EF4-FFF2-40B4-BE49-F238E27FC236}">
-                <a16:creationId xmlns="" xmlns:a16="http://schemas.microsoft.com/office/drawing/2014/main" id="{FB878318-C287-428B-8105-429BC4B03F55}"/>
+                <a16:creationId xmlns:a16="http://schemas.microsoft.com/office/drawing/2014/main" xmlns="" id="{FB878318-C287-428B-8105-429BC4B03F55}"/>
               </a:ext>
             </a:extLst>
           </p:cNvPr>
@@ -16958,7 +16954,7 @@
           <p:cNvPr id="64" name="Text Placeholder 60">
             <a:extLst>
               <a:ext uri="{FF2B5EF4-FFF2-40B4-BE49-F238E27FC236}">
-                <a16:creationId xmlns="" xmlns:a16="http://schemas.microsoft.com/office/drawing/2014/main" id="{1465E516-2CEF-4F9E-9375-7D41DCFCBB41}"/>
+                <a16:creationId xmlns:a16="http://schemas.microsoft.com/office/drawing/2014/main" xmlns="" id="{1465E516-2CEF-4F9E-9375-7D41DCFCBB41}"/>
               </a:ext>
             </a:extLst>
           </p:cNvPr>
@@ -16999,7 +16995,7 @@
           <p:cNvPr id="67" name="Text Placeholder 62">
             <a:extLst>
               <a:ext uri="{FF2B5EF4-FFF2-40B4-BE49-F238E27FC236}">
-                <a16:creationId xmlns="" xmlns:a16="http://schemas.microsoft.com/office/drawing/2014/main" id="{FE012CE3-36AA-4016-A88E-27BCFFEFD69F}"/>
+                <a16:creationId xmlns:a16="http://schemas.microsoft.com/office/drawing/2014/main" xmlns="" id="{FE012CE3-36AA-4016-A88E-27BCFFEFD69F}"/>
               </a:ext>
             </a:extLst>
           </p:cNvPr>
@@ -17040,7 +17036,7 @@
           <p:cNvPr id="66" name="Text Placeholder 60">
             <a:extLst>
               <a:ext uri="{FF2B5EF4-FFF2-40B4-BE49-F238E27FC236}">
-                <a16:creationId xmlns="" xmlns:a16="http://schemas.microsoft.com/office/drawing/2014/main" id="{8D5671AF-0137-4226-8A84-2784817E519C}"/>
+                <a16:creationId xmlns:a16="http://schemas.microsoft.com/office/drawing/2014/main" xmlns="" id="{8D5671AF-0137-4226-8A84-2784817E519C}"/>
               </a:ext>
             </a:extLst>
           </p:cNvPr>
@@ -17081,7 +17077,7 @@
           <p:cNvPr id="69" name="Text Placeholder 62">
             <a:extLst>
               <a:ext uri="{FF2B5EF4-FFF2-40B4-BE49-F238E27FC236}">
-                <a16:creationId xmlns="" xmlns:a16="http://schemas.microsoft.com/office/drawing/2014/main" id="{DA1587F0-23BF-4FB8-B06C-2B0AA928E931}"/>
+                <a16:creationId xmlns:a16="http://schemas.microsoft.com/office/drawing/2014/main" xmlns="" id="{DA1587F0-23BF-4FB8-B06C-2B0AA928E931}"/>
               </a:ext>
             </a:extLst>
           </p:cNvPr>
@@ -17122,7 +17118,7 @@
           <p:cNvPr id="68" name="Text Placeholder 60">
             <a:extLst>
               <a:ext uri="{FF2B5EF4-FFF2-40B4-BE49-F238E27FC236}">
-                <a16:creationId xmlns="" xmlns:a16="http://schemas.microsoft.com/office/drawing/2014/main" id="{565C0B22-B5E7-44BB-A17C-7FB5BB5D82BB}"/>
+                <a16:creationId xmlns:a16="http://schemas.microsoft.com/office/drawing/2014/main" xmlns="" id="{565C0B22-B5E7-44BB-A17C-7FB5BB5D82BB}"/>
               </a:ext>
             </a:extLst>
           </p:cNvPr>
@@ -17163,7 +17159,7 @@
           <p:cNvPr id="4" name="Date Placeholder 3">
             <a:extLst>
               <a:ext uri="{FF2B5EF4-FFF2-40B4-BE49-F238E27FC236}">
-                <a16:creationId xmlns="" xmlns:a16="http://schemas.microsoft.com/office/drawing/2014/main" id="{D8661572-1A59-4E3B-BA65-3329E9468C69}"/>
+                <a16:creationId xmlns:a16="http://schemas.microsoft.com/office/drawing/2014/main" xmlns="" id="{D8661572-1A59-4E3B-BA65-3329E9468C69}"/>
               </a:ext>
             </a:extLst>
           </p:cNvPr>
@@ -17194,7 +17190,7 @@
           <p:cNvPr id="5" name="Footer Placeholder 4">
             <a:extLst>
               <a:ext uri="{FF2B5EF4-FFF2-40B4-BE49-F238E27FC236}">
-                <a16:creationId xmlns="" xmlns:a16="http://schemas.microsoft.com/office/drawing/2014/main" id="{AFEF84F1-99FE-4F0B-9E76-F581C2C1B6D9}"/>
+                <a16:creationId xmlns:a16="http://schemas.microsoft.com/office/drawing/2014/main" xmlns="" id="{AFEF84F1-99FE-4F0B-9E76-F581C2C1B6D9}"/>
               </a:ext>
             </a:extLst>
           </p:cNvPr>
@@ -17224,7 +17220,7 @@
           <p:cNvPr id="6" name="Slide Number Placeholder 5">
             <a:extLst>
               <a:ext uri="{FF2B5EF4-FFF2-40B4-BE49-F238E27FC236}">
-                <a16:creationId xmlns="" xmlns:a16="http://schemas.microsoft.com/office/drawing/2014/main" id="{97B2D769-16B1-43C4-BF14-3175533511ED}"/>
+                <a16:creationId xmlns:a16="http://schemas.microsoft.com/office/drawing/2014/main" xmlns="" id="{97B2D769-16B1-43C4-BF14-3175533511ED}"/>
               </a:ext>
             </a:extLst>
           </p:cNvPr>
@@ -17285,7 +17281,7 @@
           <p:cNvPr id="12" name="Oval 11">
             <a:extLst>
               <a:ext uri="{FF2B5EF4-FFF2-40B4-BE49-F238E27FC236}">
-                <a16:creationId xmlns="" xmlns:a16="http://schemas.microsoft.com/office/drawing/2014/main" id="{FD65A50E-2F73-4426-8586-9731AFA2D2E0}"/>
+                <a16:creationId xmlns:a16="http://schemas.microsoft.com/office/drawing/2014/main" xmlns="" id="{FD65A50E-2F73-4426-8586-9731AFA2D2E0}"/>
               </a:ext>
             </a:extLst>
           </p:cNvPr>
@@ -17368,7 +17364,7 @@
           <p:cNvPr id="11" name="Rectangle 10">
             <a:extLst>
               <a:ext uri="{FF2B5EF4-FFF2-40B4-BE49-F238E27FC236}">
-                <a16:creationId xmlns="" xmlns:a16="http://schemas.microsoft.com/office/drawing/2014/main" id="{EB89C080-4102-49AE-BDA9-59A4A67E2486}"/>
+                <a16:creationId xmlns:a16="http://schemas.microsoft.com/office/drawing/2014/main" xmlns="" id="{EB89C080-4102-49AE-BDA9-59A4A67E2486}"/>
               </a:ext>
             </a:extLst>
           </p:cNvPr>
@@ -17424,7 +17420,7 @@
           <p:cNvPr id="2" name="Title 1">
             <a:extLst>
               <a:ext uri="{FF2B5EF4-FFF2-40B4-BE49-F238E27FC236}">
-                <a16:creationId xmlns="" xmlns:a16="http://schemas.microsoft.com/office/drawing/2014/main" id="{DDE62014-F04C-495A-964E-6B888D49CDE9}"/>
+                <a16:creationId xmlns:a16="http://schemas.microsoft.com/office/drawing/2014/main" xmlns="" id="{DDE62014-F04C-495A-964E-6B888D49CDE9}"/>
               </a:ext>
             </a:extLst>
           </p:cNvPr>
@@ -17469,7 +17465,7 @@
           <p:cNvPr id="3" name="Text Placeholder 2">
             <a:extLst>
               <a:ext uri="{FF2B5EF4-FFF2-40B4-BE49-F238E27FC236}">
-                <a16:creationId xmlns="" xmlns:a16="http://schemas.microsoft.com/office/drawing/2014/main" id="{555DF027-E633-44EE-ACA0-C205930AA93E}"/>
+                <a16:creationId xmlns:a16="http://schemas.microsoft.com/office/drawing/2014/main" xmlns="" id="{555DF027-E633-44EE-ACA0-C205930AA93E}"/>
               </a:ext>
             </a:extLst>
           </p:cNvPr>
@@ -17547,7 +17543,7 @@
           <p:cNvPr id="4" name="Content Placeholder 3">
             <a:extLst>
               <a:ext uri="{FF2B5EF4-FFF2-40B4-BE49-F238E27FC236}">
-                <a16:creationId xmlns="" xmlns:a16="http://schemas.microsoft.com/office/drawing/2014/main" id="{9BA4F363-FEEF-4CD2-A18E-17AE8D485171}"/>
+                <a16:creationId xmlns:a16="http://schemas.microsoft.com/office/drawing/2014/main" xmlns="" id="{9BA4F363-FEEF-4CD2-A18E-17AE8D485171}"/>
               </a:ext>
             </a:extLst>
           </p:cNvPr>
@@ -17628,7 +17624,7 @@
           <p:cNvPr id="5" name="Text Placeholder 4">
             <a:extLst>
               <a:ext uri="{FF2B5EF4-FFF2-40B4-BE49-F238E27FC236}">
-                <a16:creationId xmlns="" xmlns:a16="http://schemas.microsoft.com/office/drawing/2014/main" id="{34E50F8C-4D64-40FD-AE8C-6A1F3C2A84ED}"/>
+                <a16:creationId xmlns:a16="http://schemas.microsoft.com/office/drawing/2014/main" xmlns="" id="{34E50F8C-4D64-40FD-AE8C-6A1F3C2A84ED}"/>
               </a:ext>
             </a:extLst>
           </p:cNvPr>
@@ -17673,7 +17669,7 @@
           <p:cNvPr id="6" name="Content Placeholder 5">
             <a:extLst>
               <a:ext uri="{FF2B5EF4-FFF2-40B4-BE49-F238E27FC236}">
-                <a16:creationId xmlns="" xmlns:a16="http://schemas.microsoft.com/office/drawing/2014/main" id="{A7AC943E-DB2B-40E0-907F-8EA1404791DE}"/>
+                <a16:creationId xmlns:a16="http://schemas.microsoft.com/office/drawing/2014/main" xmlns="" id="{A7AC943E-DB2B-40E0-907F-8EA1404791DE}"/>
               </a:ext>
             </a:extLst>
           </p:cNvPr>
@@ -17753,7 +17749,7 @@
           <p:cNvPr id="7" name="Date Placeholder 6">
             <a:extLst>
               <a:ext uri="{FF2B5EF4-FFF2-40B4-BE49-F238E27FC236}">
-                <a16:creationId xmlns="" xmlns:a16="http://schemas.microsoft.com/office/drawing/2014/main" id="{DDCDCD5B-3F26-4AFA-8BD4-E5D8DD2AF494}"/>
+                <a16:creationId xmlns:a16="http://schemas.microsoft.com/office/drawing/2014/main" xmlns="" id="{DDCDCD5B-3F26-4AFA-8BD4-E5D8DD2AF494}"/>
               </a:ext>
             </a:extLst>
           </p:cNvPr>
@@ -17783,7 +17779,7 @@
           <p:cNvPr id="8" name="Footer Placeholder 7">
             <a:extLst>
               <a:ext uri="{FF2B5EF4-FFF2-40B4-BE49-F238E27FC236}">
-                <a16:creationId xmlns="" xmlns:a16="http://schemas.microsoft.com/office/drawing/2014/main" id="{3D10D1EE-83A0-4FB5-9B25-8A73DE891A87}"/>
+                <a16:creationId xmlns:a16="http://schemas.microsoft.com/office/drawing/2014/main" xmlns="" id="{3D10D1EE-83A0-4FB5-9B25-8A73DE891A87}"/>
               </a:ext>
             </a:extLst>
           </p:cNvPr>
@@ -17813,7 +17809,7 @@
           <p:cNvPr id="9" name="Slide Number Placeholder 8">
             <a:extLst>
               <a:ext uri="{FF2B5EF4-FFF2-40B4-BE49-F238E27FC236}">
-                <a16:creationId xmlns="" xmlns:a16="http://schemas.microsoft.com/office/drawing/2014/main" id="{03031C35-2E5B-491D-85ED-DB42A4FE1623}"/>
+                <a16:creationId xmlns:a16="http://schemas.microsoft.com/office/drawing/2014/main" xmlns="" id="{03031C35-2E5B-491D-85ED-DB42A4FE1623}"/>
               </a:ext>
             </a:extLst>
           </p:cNvPr>
@@ -17879,7 +17875,7 @@
           <p:cNvPr id="2" name="Title Placeholder 1">
             <a:extLst>
               <a:ext uri="{FF2B5EF4-FFF2-40B4-BE49-F238E27FC236}">
-                <a16:creationId xmlns="" xmlns:a16="http://schemas.microsoft.com/office/drawing/2014/main" id="{A8028302-E866-455D-8898-53623027543F}"/>
+                <a16:creationId xmlns:a16="http://schemas.microsoft.com/office/drawing/2014/main" xmlns="" id="{A8028302-E866-455D-8898-53623027543F}"/>
               </a:ext>
             </a:extLst>
           </p:cNvPr>
@@ -17923,7 +17919,7 @@
           <p:cNvPr id="3" name="Text Placeholder 2">
             <a:extLst>
               <a:ext uri="{FF2B5EF4-FFF2-40B4-BE49-F238E27FC236}">
-                <a16:creationId xmlns="" xmlns:a16="http://schemas.microsoft.com/office/drawing/2014/main" id="{BC94E72B-F0CF-4BC4-B509-A1C4508BE435}"/>
+                <a16:creationId xmlns:a16="http://schemas.microsoft.com/office/drawing/2014/main" xmlns="" id="{BC94E72B-F0CF-4BC4-B509-A1C4508BE435}"/>
               </a:ext>
             </a:extLst>
           </p:cNvPr>
@@ -17991,7 +17987,7 @@
           <p:cNvPr id="4" name="Date Placeholder 3">
             <a:extLst>
               <a:ext uri="{FF2B5EF4-FFF2-40B4-BE49-F238E27FC236}">
-                <a16:creationId xmlns="" xmlns:a16="http://schemas.microsoft.com/office/drawing/2014/main" id="{34ACE49D-C22F-4540-AC09-E421D2A2EDBE}"/>
+                <a16:creationId xmlns:a16="http://schemas.microsoft.com/office/drawing/2014/main" xmlns="" id="{34ACE49D-C22F-4540-AC09-E421D2A2EDBE}"/>
               </a:ext>
             </a:extLst>
           </p:cNvPr>
@@ -18041,7 +18037,7 @@
           <p:cNvPr id="5" name="Footer Placeholder 4">
             <a:extLst>
               <a:ext uri="{FF2B5EF4-FFF2-40B4-BE49-F238E27FC236}">
-                <a16:creationId xmlns="" xmlns:a16="http://schemas.microsoft.com/office/drawing/2014/main" id="{ACD5C3BE-317E-49E8-82B5-C8A7EC9C8A7E}"/>
+                <a16:creationId xmlns:a16="http://schemas.microsoft.com/office/drawing/2014/main" xmlns="" id="{ACD5C3BE-317E-49E8-82B5-C8A7EC9C8A7E}"/>
               </a:ext>
             </a:extLst>
           </p:cNvPr>
@@ -18091,7 +18087,7 @@
           <p:cNvPr id="6" name="Slide Number Placeholder 5">
             <a:extLst>
               <a:ext uri="{FF2B5EF4-FFF2-40B4-BE49-F238E27FC236}">
-                <a16:creationId xmlns="" xmlns:a16="http://schemas.microsoft.com/office/drawing/2014/main" id="{45574E12-6C16-431F-B2CE-E4B15916BA05}"/>
+                <a16:creationId xmlns:a16="http://schemas.microsoft.com/office/drawing/2014/main" xmlns="" id="{45574E12-6C16-431F-B2CE-E4B15916BA05}"/>
               </a:ext>
             </a:extLst>
           </p:cNvPr>
@@ -18695,7 +18691,7 @@
           <p:cNvPr id="2" name="Title 1">
             <a:extLst>
               <a:ext uri="{FF2B5EF4-FFF2-40B4-BE49-F238E27FC236}">
-                <a16:creationId xmlns="" xmlns:a16="http://schemas.microsoft.com/office/drawing/2014/main" id="{286E938C-9D94-4B05-979A-D39FFC457291}"/>
+                <a16:creationId xmlns:a16="http://schemas.microsoft.com/office/drawing/2014/main" xmlns="" id="{286E938C-9D94-4B05-979A-D39FFC457291}"/>
               </a:ext>
             </a:extLst>
           </p:cNvPr>
@@ -18733,7 +18729,7 @@
           <p:cNvPr id="14" name="Picture Placeholder 13" descr="Data Points Digital background">
             <a:extLst>
               <a:ext uri="{FF2B5EF4-FFF2-40B4-BE49-F238E27FC236}">
-                <a16:creationId xmlns="" xmlns:a16="http://schemas.microsoft.com/office/drawing/2014/main" id="{9A8AD548-922D-4E1D-B19C-5F6E808B8160}"/>
+                <a16:creationId xmlns:a16="http://schemas.microsoft.com/office/drawing/2014/main" xmlns="" id="{9A8AD548-922D-4E1D-B19C-5F6E808B8160}"/>
               </a:ext>
             </a:extLst>
           </p:cNvPr>
@@ -18767,7 +18763,7 @@
           <p:cNvPr id="3" name="Subtitle 2">
             <a:extLst>
               <a:ext uri="{FF2B5EF4-FFF2-40B4-BE49-F238E27FC236}">
-                <a16:creationId xmlns="" xmlns:a16="http://schemas.microsoft.com/office/drawing/2014/main" id="{D9A11267-FC52-4990-8D98-010AFABA5544}"/>
+                <a16:creationId xmlns:a16="http://schemas.microsoft.com/office/drawing/2014/main" xmlns="" id="{D9A11267-FC52-4990-8D98-010AFABA5544}"/>
               </a:ext>
             </a:extLst>
           </p:cNvPr>
@@ -18905,12 +18901,340 @@
           <a:chExt cx="0" cy="0"/>
         </a:xfrm>
       </p:grpSpPr>
+      <p:grpSp>
+        <p:nvGrpSpPr>
+          <p:cNvPr id="25" name="Group 24">
+            <a:extLst>
+              <a:ext uri="{FF2B5EF4-FFF2-40B4-BE49-F238E27FC236}">
+                <a16:creationId xmlns:a16="http://schemas.microsoft.com/office/drawing/2014/main" xmlns="" id="{D10F3D66-0109-4903-90B9-66D0E288F721}"/>
+              </a:ext>
+              <a:ext uri="{C183D7F6-B498-43B3-948B-1728B52AA6E4}">
+                <adec:decorative xmlns:adec="http://schemas.microsoft.com/office/drawing/2017/decorative" xmlns="" val="1"/>
+              </a:ext>
+            </a:extLst>
+          </p:cNvPr>
+          <p:cNvGrpSpPr/>
+          <p:nvPr/>
+        </p:nvGrpSpPr>
+        <p:grpSpPr>
+          <a:xfrm>
+            <a:off x="10379261" y="2030035"/>
+            <a:ext cx="1335600" cy="1262947"/>
+            <a:chOff x="10145015" y="2343978"/>
+            <a:chExt cx="1335600" cy="1262947"/>
+          </a:xfrm>
+        </p:grpSpPr>
+        <p:sp>
+          <p:nvSpPr>
+            <p:cNvPr id="26" name="Freeform: Shape 25">
+              <a:extLst>
+                <a:ext uri="{FF2B5EF4-FFF2-40B4-BE49-F238E27FC236}">
+                  <a16:creationId xmlns:a16="http://schemas.microsoft.com/office/drawing/2014/main" xmlns="" id="{57DAB968-9B52-4EFF-AD39-7657DFEA6E48}"/>
+                </a:ext>
+              </a:extLst>
+            </p:cNvPr>
+            <p:cNvSpPr>
+              <a:spLocks noChangeAspect="1"/>
+            </p:cNvSpPr>
+            <p:nvPr/>
+          </p:nvSpPr>
+          <p:spPr>
+            <a:xfrm rot="8100000">
+              <a:off x="10400615" y="2343978"/>
+              <a:ext cx="1080000" cy="1262947"/>
+            </a:xfrm>
+            <a:custGeom>
+              <a:avLst/>
+              <a:gdLst>
+                <a:gd name="connsiteX0" fmla="*/ 540000 w 1080000"/>
+                <a:gd name="connsiteY0" fmla="*/ 0 h 1262947"/>
+                <a:gd name="connsiteX1" fmla="*/ 1080000 w 1080000"/>
+                <a:gd name="connsiteY1" fmla="*/ 931034 h 1262947"/>
+                <a:gd name="connsiteX2" fmla="*/ 1064374 w 1080000"/>
+                <a:gd name="connsiteY2" fmla="*/ 931034 h 1262947"/>
+                <a:gd name="connsiteX3" fmla="*/ 1069029 w 1080000"/>
+                <a:gd name="connsiteY3" fmla="*/ 938533 h 1262947"/>
+                <a:gd name="connsiteX4" fmla="*/ 1080000 w 1080000"/>
+                <a:gd name="connsiteY4" fmla="*/ 992947 h 1262947"/>
+                <a:gd name="connsiteX5" fmla="*/ 540000 w 1080000"/>
+                <a:gd name="connsiteY5" fmla="*/ 1262947 h 1262947"/>
+                <a:gd name="connsiteX6" fmla="*/ 0 w 1080000"/>
+                <a:gd name="connsiteY6" fmla="*/ 992947 h 1262947"/>
+                <a:gd name="connsiteX7" fmla="*/ 10971 w 1080000"/>
+                <a:gd name="connsiteY7" fmla="*/ 938533 h 1262947"/>
+                <a:gd name="connsiteX8" fmla="*/ 15626 w 1080000"/>
+                <a:gd name="connsiteY8" fmla="*/ 931034 h 1262947"/>
+                <a:gd name="connsiteX9" fmla="*/ 0 w 1080000"/>
+                <a:gd name="connsiteY9" fmla="*/ 931034 h 1262947"/>
+                <a:gd name="connsiteX0" fmla="*/ 540000 w 1080000"/>
+                <a:gd name="connsiteY0" fmla="*/ 0 h 1262947"/>
+                <a:gd name="connsiteX1" fmla="*/ 1080000 w 1080000"/>
+                <a:gd name="connsiteY1" fmla="*/ 931034 h 1262947"/>
+                <a:gd name="connsiteX2" fmla="*/ 1064374 w 1080000"/>
+                <a:gd name="connsiteY2" fmla="*/ 931034 h 1262947"/>
+                <a:gd name="connsiteX3" fmla="*/ 1069029 w 1080000"/>
+                <a:gd name="connsiteY3" fmla="*/ 938533 h 1262947"/>
+                <a:gd name="connsiteX4" fmla="*/ 1080000 w 1080000"/>
+                <a:gd name="connsiteY4" fmla="*/ 992947 h 1262947"/>
+                <a:gd name="connsiteX5" fmla="*/ 540000 w 1080000"/>
+                <a:gd name="connsiteY5" fmla="*/ 1262947 h 1262947"/>
+                <a:gd name="connsiteX6" fmla="*/ 0 w 1080000"/>
+                <a:gd name="connsiteY6" fmla="*/ 992947 h 1262947"/>
+                <a:gd name="connsiteX7" fmla="*/ 10971 w 1080000"/>
+                <a:gd name="connsiteY7" fmla="*/ 938533 h 1262947"/>
+                <a:gd name="connsiteX8" fmla="*/ 15626 w 1080000"/>
+                <a:gd name="connsiteY8" fmla="*/ 931034 h 1262947"/>
+                <a:gd name="connsiteX9" fmla="*/ 540000 w 1080000"/>
+                <a:gd name="connsiteY9" fmla="*/ 0 h 1262947"/>
+                <a:gd name="connsiteX0" fmla="*/ 540000 w 1080000"/>
+                <a:gd name="connsiteY0" fmla="*/ 0 h 1262947"/>
+                <a:gd name="connsiteX1" fmla="*/ 1064374 w 1080000"/>
+                <a:gd name="connsiteY1" fmla="*/ 931034 h 1262947"/>
+                <a:gd name="connsiteX2" fmla="*/ 1069029 w 1080000"/>
+                <a:gd name="connsiteY2" fmla="*/ 938533 h 1262947"/>
+                <a:gd name="connsiteX3" fmla="*/ 1080000 w 1080000"/>
+                <a:gd name="connsiteY3" fmla="*/ 992947 h 1262947"/>
+                <a:gd name="connsiteX4" fmla="*/ 540000 w 1080000"/>
+                <a:gd name="connsiteY4" fmla="*/ 1262947 h 1262947"/>
+                <a:gd name="connsiteX5" fmla="*/ 0 w 1080000"/>
+                <a:gd name="connsiteY5" fmla="*/ 992947 h 1262947"/>
+                <a:gd name="connsiteX6" fmla="*/ 10971 w 1080000"/>
+                <a:gd name="connsiteY6" fmla="*/ 938533 h 1262947"/>
+                <a:gd name="connsiteX7" fmla="*/ 15626 w 1080000"/>
+                <a:gd name="connsiteY7" fmla="*/ 931034 h 1262947"/>
+                <a:gd name="connsiteX8" fmla="*/ 540000 w 1080000"/>
+                <a:gd name="connsiteY8" fmla="*/ 0 h 1262947"/>
+              </a:gdLst>
+              <a:ahLst/>
+              <a:cxnLst>
+                <a:cxn ang="0">
+                  <a:pos x="connsiteX0" y="connsiteY0"/>
+                </a:cxn>
+                <a:cxn ang="0">
+                  <a:pos x="connsiteX1" y="connsiteY1"/>
+                </a:cxn>
+                <a:cxn ang="0">
+                  <a:pos x="connsiteX2" y="connsiteY2"/>
+                </a:cxn>
+                <a:cxn ang="0">
+                  <a:pos x="connsiteX3" y="connsiteY3"/>
+                </a:cxn>
+                <a:cxn ang="0">
+                  <a:pos x="connsiteX4" y="connsiteY4"/>
+                </a:cxn>
+                <a:cxn ang="0">
+                  <a:pos x="connsiteX5" y="connsiteY5"/>
+                </a:cxn>
+                <a:cxn ang="0">
+                  <a:pos x="connsiteX6" y="connsiteY6"/>
+                </a:cxn>
+                <a:cxn ang="0">
+                  <a:pos x="connsiteX7" y="connsiteY7"/>
+                </a:cxn>
+                <a:cxn ang="0">
+                  <a:pos x="connsiteX8" y="connsiteY8"/>
+                </a:cxn>
+              </a:cxnLst>
+              <a:rect l="l" t="t" r="r" b="b"/>
+              <a:pathLst>
+                <a:path w="1080000" h="1262947">
+                  <a:moveTo>
+                    <a:pt x="540000" y="0"/>
+                  </a:moveTo>
+                  <a:lnTo>
+                    <a:pt x="1064374" y="931034"/>
+                  </a:lnTo>
+                  <a:lnTo>
+                    <a:pt x="1069029" y="938533"/>
+                  </a:lnTo>
+                  <a:cubicBezTo>
+                    <a:pt x="1076223" y="956109"/>
+                    <a:pt x="1080000" y="974307"/>
+                    <a:pt x="1080000" y="992947"/>
+                  </a:cubicBezTo>
+                  <a:cubicBezTo>
+                    <a:pt x="1080000" y="1142064"/>
+                    <a:pt x="838234" y="1262947"/>
+                    <a:pt x="540000" y="1262947"/>
+                  </a:cubicBezTo>
+                  <a:cubicBezTo>
+                    <a:pt x="241766" y="1262947"/>
+                    <a:pt x="0" y="1142064"/>
+                    <a:pt x="0" y="992947"/>
+                  </a:cubicBezTo>
+                  <a:cubicBezTo>
+                    <a:pt x="0" y="974307"/>
+                    <a:pt x="3778" y="956109"/>
+                    <a:pt x="10971" y="938533"/>
+                  </a:cubicBezTo>
+                  <a:lnTo>
+                    <a:pt x="15626" y="931034"/>
+                  </a:lnTo>
+                  <a:lnTo>
+                    <a:pt x="540000" y="0"/>
+                  </a:lnTo>
+                  <a:close/>
+                </a:path>
+              </a:pathLst>
+            </a:custGeom>
+            <a:gradFill>
+              <a:gsLst>
+                <a:gs pos="60000">
+                  <a:schemeClr val="bg2">
+                    <a:lumMod val="90000"/>
+                    <a:lumOff val="10000"/>
+                  </a:schemeClr>
+                </a:gs>
+                <a:gs pos="30000">
+                  <a:schemeClr val="bg2">
+                    <a:lumMod val="90000"/>
+                    <a:lumOff val="10000"/>
+                  </a:schemeClr>
+                </a:gs>
+                <a:gs pos="40000">
+                  <a:schemeClr val="bg2">
+                    <a:lumMod val="80000"/>
+                    <a:lumOff val="20000"/>
+                  </a:schemeClr>
+                </a:gs>
+                <a:gs pos="100000">
+                  <a:schemeClr val="bg2"/>
+                </a:gs>
+              </a:gsLst>
+              <a:lin ang="600000" scaled="0"/>
+            </a:gradFill>
+            <a:ln>
+              <a:noFill/>
+            </a:ln>
+            <a:effectLst>
+              <a:innerShdw blurRad="254000" dist="101600" dir="7320000">
+                <a:schemeClr val="accent1">
+                  <a:lumMod val="60000"/>
+                  <a:lumOff val="40000"/>
+                  <a:alpha val="40000"/>
+                </a:schemeClr>
+              </a:innerShdw>
+            </a:effectLst>
+          </p:spPr>
+          <p:style>
+            <a:lnRef idx="2">
+              <a:schemeClr val="accent1">
+                <a:shade val="50000"/>
+              </a:schemeClr>
+            </a:lnRef>
+            <a:fillRef idx="1">
+              <a:schemeClr val="accent1"/>
+            </a:fillRef>
+            <a:effectRef idx="0">
+              <a:schemeClr val="accent1"/>
+            </a:effectRef>
+            <a:fontRef idx="minor">
+              <a:schemeClr val="lt1"/>
+            </a:fontRef>
+          </p:style>
+          <p:txBody>
+            <a:bodyPr rot="0" spcFirstLastPara="0" vertOverflow="overflow" horzOverflow="overflow" vert="horz" wrap="square" lIns="91440" tIns="45720" rIns="91440" bIns="45720" numCol="1" spcCol="0" rtlCol="0" fromWordArt="0" anchor="ctr" anchorCtr="0" forceAA="0" compatLnSpc="1">
+              <a:prstTxWarp prst="textNoShape">
+                <a:avLst/>
+              </a:prstTxWarp>
+              <a:noAutofit/>
+            </a:bodyPr>
+            <a:lstStyle/>
+            <a:p>
+              <a:pPr algn="ctr"/>
+              <a:endParaRPr lang="en-US"/>
+            </a:p>
+          </p:txBody>
+        </p:sp>
+        <p:sp>
+          <p:nvSpPr>
+            <p:cNvPr id="27" name="Oval 26">
+              <a:extLst>
+                <a:ext uri="{FF2B5EF4-FFF2-40B4-BE49-F238E27FC236}">
+                  <a16:creationId xmlns:a16="http://schemas.microsoft.com/office/drawing/2014/main" xmlns="" id="{962BE440-9634-4380-B142-5DB692420C52}"/>
+                </a:ext>
+              </a:extLst>
+            </p:cNvPr>
+            <p:cNvSpPr/>
+            <p:nvPr/>
+          </p:nvSpPr>
+          <p:spPr>
+            <a:xfrm rot="13500000">
+              <a:off x="10415015" y="2179851"/>
+              <a:ext cx="540000" cy="1080000"/>
+            </a:xfrm>
+            <a:prstGeom prst="ellipse">
+              <a:avLst/>
+            </a:prstGeom>
+            <a:gradFill>
+              <a:gsLst>
+                <a:gs pos="100000">
+                  <a:schemeClr val="accent1">
+                    <a:lumMod val="60000"/>
+                    <a:lumOff val="40000"/>
+                    <a:alpha val="0"/>
+                  </a:schemeClr>
+                </a:gs>
+                <a:gs pos="0">
+                  <a:schemeClr val="bg2">
+                    <a:lumMod val="75000"/>
+                    <a:lumOff val="25000"/>
+                    <a:alpha val="33000"/>
+                  </a:schemeClr>
+                </a:gs>
+              </a:gsLst>
+              <a:lin ang="5400000" scaled="0"/>
+            </a:gradFill>
+            <a:ln>
+              <a:noFill/>
+            </a:ln>
+            <a:effectLst>
+              <a:innerShdw blurRad="1270000" dist="2540000">
+                <a:schemeClr val="accent1">
+                  <a:lumMod val="60000"/>
+                  <a:lumOff val="40000"/>
+                  <a:alpha val="0"/>
+                </a:schemeClr>
+              </a:innerShdw>
+            </a:effectLst>
+          </p:spPr>
+          <p:style>
+            <a:lnRef idx="2">
+              <a:schemeClr val="accent1">
+                <a:shade val="50000"/>
+              </a:schemeClr>
+            </a:lnRef>
+            <a:fillRef idx="1">
+              <a:schemeClr val="accent1"/>
+            </a:fillRef>
+            <a:effectRef idx="0">
+              <a:schemeClr val="accent1"/>
+            </a:effectRef>
+            <a:fontRef idx="minor">
+              <a:schemeClr val="lt1"/>
+            </a:fontRef>
+          </p:style>
+          <p:txBody>
+            <a:bodyPr rot="0" spcFirstLastPara="0" vertOverflow="overflow" horzOverflow="overflow" vert="horz" wrap="square" lIns="91440" tIns="45720" rIns="91440" bIns="45720" numCol="1" spcCol="0" rtlCol="0" fromWordArt="0" anchor="ctr" anchorCtr="0" forceAA="0" compatLnSpc="1">
+              <a:prstTxWarp prst="textNoShape">
+                <a:avLst/>
+              </a:prstTxWarp>
+              <a:noAutofit/>
+            </a:bodyPr>
+            <a:lstStyle/>
+            <a:p>
+              <a:pPr algn="ctr"/>
+              <a:endParaRPr lang="en-US"/>
+            </a:p>
+          </p:txBody>
+        </p:sp>
+      </p:grpSp>
       <p:sp>
         <p:nvSpPr>
           <p:cNvPr id="7" name="Title 6">
             <a:extLst>
               <a:ext uri="{FF2B5EF4-FFF2-40B4-BE49-F238E27FC236}">
-                <a16:creationId xmlns="" xmlns:a16="http://schemas.microsoft.com/office/drawing/2014/main" id="{47788B34-4190-4916-9048-47720EA5ABF1}"/>
+                <a16:creationId xmlns:a16="http://schemas.microsoft.com/office/drawing/2014/main" xmlns="" id="{4B18D636-CC10-4B1E-AA38-419DCCF2D9C9}"/>
               </a:ext>
             </a:extLst>
           </p:cNvPr>
@@ -18923,34 +19247,137 @@
         </p:nvSpPr>
         <p:spPr>
           <a:xfrm>
-            <a:off x="1914256" y="118259"/>
-            <a:ext cx="7324337" cy="666000"/>
+            <a:off x="1013633" y="1073908"/>
+            <a:ext cx="9867728" cy="1332000"/>
+          </a:xfrm>
+        </p:spPr>
+        <p:txBody>
+          <a:bodyPr>
+            <a:normAutofit/>
+          </a:bodyPr>
+          <a:lstStyle/>
+          <a:p>
+            <a:r>
+              <a:rPr lang="en-US" dirty="0" smtClean="0"/>
+              <a:t>Types </a:t>
+            </a:r>
+            <a:r>
+              <a:rPr lang="en-US" dirty="0"/>
+              <a:t>of machine </a:t>
+            </a:r>
+            <a:r>
+              <a:rPr lang="en-US" dirty="0" smtClean="0"/>
+              <a:t>translation</a:t>
+            </a:r>
+            <a:endParaRPr lang="en-US" dirty="0"/>
+          </a:p>
+        </p:txBody>
+      </p:sp>
+      <p:sp>
+        <p:nvSpPr>
+          <p:cNvPr id="10" name="Content Placeholder 9">
+            <a:extLst>
+              <a:ext uri="{FF2B5EF4-FFF2-40B4-BE49-F238E27FC236}">
+                <a16:creationId xmlns:a16="http://schemas.microsoft.com/office/drawing/2014/main" xmlns="" id="{1DB251F7-EBE7-46AC-A920-FFE2C5AF68EA}"/>
+              </a:ext>
+            </a:extLst>
+          </p:cNvPr>
+          <p:cNvSpPr>
+            <a:spLocks noGrp="1"/>
+          </p:cNvSpPr>
+          <p:nvPr>
+            <p:ph sz="half" idx="2"/>
+          </p:nvPr>
+        </p:nvSpPr>
+        <p:spPr>
+          <a:xfrm>
+            <a:off x="709727" y="2618164"/>
+            <a:ext cx="8288337" cy="3515555"/>
           </a:xfrm>
         </p:spPr>
         <p:txBody>
           <a:bodyPr/>
           <a:lstStyle/>
           <a:p>
-            <a:r>
-              <a:rPr lang="en-US" dirty="0" smtClean="0">
+            <a:pPr fontAlgn="base"/>
+            <a:r>
+              <a:rPr lang="en-US" sz="2800" b="1" dirty="0">
                 <a:latin typeface="Times New Roman" panose="02020603050405020304" pitchFamily="18" charset="0"/>
                 <a:cs typeface="Times New Roman" panose="02020603050405020304" pitchFamily="18" charset="0"/>
               </a:rPr>
-              <a:t>How to MT work?</a:t>
-            </a:r>
-            <a:endParaRPr lang="en-US" dirty="0">
-              <a:latin typeface="Times New Roman" panose="02020603050405020304" pitchFamily="18" charset="0"/>
-              <a:cs typeface="Times New Roman" panose="02020603050405020304" pitchFamily="18" charset="0"/>
-            </a:endParaRPr>
+              <a:t>Rule-based machine translation (</a:t>
+            </a:r>
+            <a:r>
+              <a:rPr lang="en-US" sz="2800" b="1" dirty="0" err="1">
+                <a:latin typeface="Times New Roman" panose="02020603050405020304" pitchFamily="18" charset="0"/>
+                <a:cs typeface="Times New Roman" panose="02020603050405020304" pitchFamily="18" charset="0"/>
+              </a:rPr>
+              <a:t>RBMT</a:t>
+            </a:r>
+            <a:r>
+              <a:rPr lang="en-US" sz="2800" b="1" dirty="0">
+                <a:latin typeface="Times New Roman" panose="02020603050405020304" pitchFamily="18" charset="0"/>
+                <a:cs typeface="Times New Roman" panose="02020603050405020304" pitchFamily="18" charset="0"/>
+              </a:rPr>
+              <a:t>)</a:t>
+            </a:r>
+          </a:p>
+          <a:p>
+            <a:pPr fontAlgn="base"/>
+            <a:r>
+              <a:rPr lang="en-US" sz="2800" b="1" dirty="0">
+                <a:latin typeface="Times New Roman" panose="02020603050405020304" pitchFamily="18" charset="0"/>
+                <a:cs typeface="Times New Roman" panose="02020603050405020304" pitchFamily="18" charset="0"/>
+              </a:rPr>
+              <a:t>Statistical machine translation (</a:t>
+            </a:r>
+            <a:r>
+              <a:rPr lang="en-US" sz="2800" b="1" dirty="0" err="1">
+                <a:latin typeface="Times New Roman" panose="02020603050405020304" pitchFamily="18" charset="0"/>
+                <a:cs typeface="Times New Roman" panose="02020603050405020304" pitchFamily="18" charset="0"/>
+              </a:rPr>
+              <a:t>SMT</a:t>
+            </a:r>
+            <a:r>
+              <a:rPr lang="en-US" sz="2800" b="1" dirty="0">
+                <a:latin typeface="Times New Roman" panose="02020603050405020304" pitchFamily="18" charset="0"/>
+                <a:cs typeface="Times New Roman" panose="02020603050405020304" pitchFamily="18" charset="0"/>
+              </a:rPr>
+              <a:t>)</a:t>
+            </a:r>
+          </a:p>
+          <a:p>
+            <a:pPr fontAlgn="base"/>
+            <a:r>
+              <a:rPr lang="en-US" sz="2800" b="1" dirty="0">
+                <a:latin typeface="Times New Roman" panose="02020603050405020304" pitchFamily="18" charset="0"/>
+                <a:cs typeface="Times New Roman" panose="02020603050405020304" pitchFamily="18" charset="0"/>
+              </a:rPr>
+              <a:t>Neural machine translation (</a:t>
+            </a:r>
+            <a:r>
+              <a:rPr lang="en-US" sz="2800" b="1" dirty="0" err="1">
+                <a:latin typeface="Times New Roman" panose="02020603050405020304" pitchFamily="18" charset="0"/>
+                <a:cs typeface="Times New Roman" panose="02020603050405020304" pitchFamily="18" charset="0"/>
+              </a:rPr>
+              <a:t>NMT</a:t>
+            </a:r>
+            <a:r>
+              <a:rPr lang="en-US" sz="2800" b="1" dirty="0">
+                <a:latin typeface="Times New Roman" panose="02020603050405020304" pitchFamily="18" charset="0"/>
+                <a:cs typeface="Times New Roman" panose="02020603050405020304" pitchFamily="18" charset="0"/>
+              </a:rPr>
+              <a:t>)</a:t>
+            </a:r>
           </a:p>
         </p:txBody>
       </p:sp>
       <p:sp>
         <p:nvSpPr>
-          <p:cNvPr id="16" name="Slide Number Placeholder 15">
+          <p:cNvPr id="6" name="Slide Number Placeholder 5">
             <a:extLst>
               <a:ext uri="{FF2B5EF4-FFF2-40B4-BE49-F238E27FC236}">
-                <a16:creationId xmlns="" xmlns:a16="http://schemas.microsoft.com/office/drawing/2014/main" id="{CF0A8666-4477-461C-A79D-E91232EE973E}"/>
+                <a16:creationId xmlns:a16="http://schemas.microsoft.com/office/drawing/2014/main" xmlns="" id="{9ED907F8-C614-4D59-A03F-BF9CD5E35703}"/>
               </a:ext>
             </a:extLst>
           </p:cNvPr>
@@ -18980,51 +19407,177 @@
           </a:p>
         </p:txBody>
       </p:sp>
+      <p:sp>
+        <p:nvSpPr>
+          <p:cNvPr id="22" name="Freeform: Shape 21">
+            <a:extLst>
+              <a:ext uri="{FF2B5EF4-FFF2-40B4-BE49-F238E27FC236}">
+                <a16:creationId xmlns:a16="http://schemas.microsoft.com/office/drawing/2014/main" xmlns="" id="{C6F3814E-455F-456B-B1AF-7B993965A2C0}"/>
+              </a:ext>
+              <a:ext uri="{C183D7F6-B498-43B3-948B-1728B52AA6E4}">
+                <adec:decorative xmlns:adec="http://schemas.microsoft.com/office/drawing/2017/decorative" xmlns="" val="1"/>
+              </a:ext>
+            </a:extLst>
+          </p:cNvPr>
+          <p:cNvSpPr>
+            <a:spLocks noChangeAspect="1"/>
+          </p:cNvSpPr>
+          <p:nvPr/>
+        </p:nvSpPr>
+        <p:spPr>
+          <a:xfrm>
+            <a:off x="4295775" y="0"/>
+            <a:ext cx="360000" cy="274638"/>
+          </a:xfrm>
+          <a:custGeom>
+            <a:avLst/>
+            <a:gdLst>
+              <a:gd name="connsiteX0" fmla="*/ 30714 w 360000"/>
+              <a:gd name="connsiteY0" fmla="*/ 0 h 274638"/>
+              <a:gd name="connsiteX1" fmla="*/ 329286 w 360000"/>
+              <a:gd name="connsiteY1" fmla="*/ 0 h 274638"/>
+              <a:gd name="connsiteX2" fmla="*/ 345855 w 360000"/>
+              <a:gd name="connsiteY2" fmla="*/ 24574 h 274638"/>
+              <a:gd name="connsiteX3" fmla="*/ 360000 w 360000"/>
+              <a:gd name="connsiteY3" fmla="*/ 94638 h 274638"/>
+              <a:gd name="connsiteX4" fmla="*/ 180000 w 360000"/>
+              <a:gd name="connsiteY4" fmla="*/ 274638 h 274638"/>
+              <a:gd name="connsiteX5" fmla="*/ 0 w 360000"/>
+              <a:gd name="connsiteY5" fmla="*/ 94638 h 274638"/>
+              <a:gd name="connsiteX6" fmla="*/ 14145 w 360000"/>
+              <a:gd name="connsiteY6" fmla="*/ 24574 h 274638"/>
+            </a:gdLst>
+            <a:ahLst/>
+            <a:cxnLst>
+              <a:cxn ang="0">
+                <a:pos x="connsiteX0" y="connsiteY0"/>
+              </a:cxn>
+              <a:cxn ang="0">
+                <a:pos x="connsiteX1" y="connsiteY1"/>
+              </a:cxn>
+              <a:cxn ang="0">
+                <a:pos x="connsiteX2" y="connsiteY2"/>
+              </a:cxn>
+              <a:cxn ang="0">
+                <a:pos x="connsiteX3" y="connsiteY3"/>
+              </a:cxn>
+              <a:cxn ang="0">
+                <a:pos x="connsiteX4" y="connsiteY4"/>
+              </a:cxn>
+              <a:cxn ang="0">
+                <a:pos x="connsiteX5" y="connsiteY5"/>
+              </a:cxn>
+              <a:cxn ang="0">
+                <a:pos x="connsiteX6" y="connsiteY6"/>
+              </a:cxn>
+            </a:cxnLst>
+            <a:rect l="l" t="t" r="r" b="b"/>
+            <a:pathLst>
+              <a:path w="360000" h="274638">
+                <a:moveTo>
+                  <a:pt x="30714" y="0"/>
+                </a:moveTo>
+                <a:lnTo>
+                  <a:pt x="329286" y="0"/>
+                </a:lnTo>
+                <a:lnTo>
+                  <a:pt x="345855" y="24574"/>
+                </a:lnTo>
+                <a:cubicBezTo>
+                  <a:pt x="354963" y="46109"/>
+                  <a:pt x="360000" y="69785"/>
+                  <a:pt x="360000" y="94638"/>
+                </a:cubicBezTo>
+                <a:cubicBezTo>
+                  <a:pt x="360000" y="194049"/>
+                  <a:pt x="279411" y="274638"/>
+                  <a:pt x="180000" y="274638"/>
+                </a:cubicBezTo>
+                <a:cubicBezTo>
+                  <a:pt x="80589" y="274638"/>
+                  <a:pt x="0" y="194049"/>
+                  <a:pt x="0" y="94638"/>
+                </a:cubicBezTo>
+                <a:cubicBezTo>
+                  <a:pt x="0" y="69785"/>
+                  <a:pt x="5037" y="46109"/>
+                  <a:pt x="14145" y="24574"/>
+                </a:cubicBezTo>
+                <a:close/>
+              </a:path>
+            </a:pathLst>
+          </a:custGeom>
+          <a:gradFill flip="none" rotWithShape="1">
+            <a:gsLst>
+              <a:gs pos="100000">
+                <a:schemeClr val="bg2">
+                  <a:lumMod val="50000"/>
+                  <a:lumOff val="50000"/>
+                </a:schemeClr>
+              </a:gs>
+              <a:gs pos="60000">
+                <a:schemeClr val="bg2"/>
+              </a:gs>
+            </a:gsLst>
+            <a:path path="circle">
+              <a:fillToRect l="100000" b="100000"/>
+            </a:path>
+            <a:tileRect t="-100000" r="-100000"/>
+          </a:gradFill>
+          <a:ln>
+            <a:noFill/>
+          </a:ln>
+          <a:effectLst>
+            <a:innerShdw blurRad="127000" dist="63500" dir="2700000">
+              <a:schemeClr val="accent1">
+                <a:lumMod val="60000"/>
+                <a:lumOff val="40000"/>
+                <a:alpha val="20000"/>
+              </a:schemeClr>
+            </a:innerShdw>
+            <a:softEdge rad="0"/>
+          </a:effectLst>
+        </p:spPr>
+        <p:style>
+          <a:lnRef idx="2">
+            <a:schemeClr val="accent1">
+              <a:shade val="50000"/>
+            </a:schemeClr>
+          </a:lnRef>
+          <a:fillRef idx="1">
+            <a:schemeClr val="accent1"/>
+          </a:fillRef>
+          <a:effectRef idx="0">
+            <a:schemeClr val="accent1"/>
+          </a:effectRef>
+          <a:fontRef idx="minor">
+            <a:schemeClr val="lt1"/>
+          </a:fontRef>
+        </p:style>
+        <p:txBody>
+          <a:bodyPr rot="0" spcFirstLastPara="0" vertOverflow="overflow" horzOverflow="overflow" vert="horz" wrap="square" lIns="91440" tIns="45720" rIns="91440" bIns="45720" numCol="1" spcCol="0" rtlCol="0" fromWordArt="0" anchor="ctr" anchorCtr="0" forceAA="0" compatLnSpc="1">
+            <a:prstTxWarp prst="textNoShape">
+              <a:avLst/>
+            </a:prstTxWarp>
+            <a:noAutofit/>
+          </a:bodyPr>
+          <a:lstStyle/>
+          <a:p>
+            <a:pPr algn="ctr"/>
+            <a:endParaRPr lang="en-US"/>
+          </a:p>
+        </p:txBody>
+      </p:sp>
       <p:pic>
         <p:nvPicPr>
-          <p:cNvPr id="2050" name="Picture 2" descr="https://upload.wikimedia.org/wikipedia/commons/thumb/f/f4/Direct_translation_and_transfer_translation_pyramid.svg/300px-Direct_translation_and_transfer_translation_pyramid.svg.png"/>
-          <p:cNvPicPr>
-            <a:picLocks noChangeAspect="1" noChangeArrowheads="1"/>
-          </p:cNvPicPr>
-          <p:nvPr/>
-        </p:nvPicPr>
-        <p:blipFill>
-          <a:blip r:embed="rId3">
-            <a:extLst>
-              <a:ext uri="{28A0092B-C50C-407E-A947-70E740481C1C}">
-                <a14:useLocalDpi xmlns:a14="http://schemas.microsoft.com/office/drawing/2010/main" val="0"/>
-              </a:ext>
-            </a:extLst>
-          </a:blip>
-          <a:srcRect/>
-          <a:stretch>
-            <a:fillRect/>
-          </a:stretch>
-        </p:blipFill>
-        <p:spPr bwMode="auto">
-          <a:xfrm>
-            <a:off x="2963917" y="784259"/>
-            <a:ext cx="6637283" cy="4831212"/>
-          </a:xfrm>
-          <a:prstGeom prst="rect">
-            <a:avLst/>
-          </a:prstGeom>
-          <a:solidFill>
-            <a:schemeClr val="tx1"/>
-          </a:solidFill>
-          <a:extLst/>
-        </p:spPr>
-      </p:pic>
-      <p:pic>
-        <p:nvPicPr>
-          <p:cNvPr id="8" name="Picture 7"/>
+          <p:cNvPr id="11" name="Picture 10"/>
           <p:cNvPicPr>
             <a:picLocks noChangeAspect="1"/>
           </p:cNvPicPr>
           <p:nvPr/>
         </p:nvPicPr>
         <p:blipFill>
-          <a:blip r:embed="rId4">
+          <a:blip r:embed="rId3">
             <a:extLst>
               <a:ext uri="{28A0092B-C50C-407E-A947-70E740481C1C}">
                 <a14:useLocalDpi xmlns:a14="http://schemas.microsoft.com/office/drawing/2010/main" val="0"/>
@@ -19045,58 +19598,10 @@
           </a:prstGeom>
         </p:spPr>
       </p:pic>
-      <p:sp>
-        <p:nvSpPr>
-          <p:cNvPr id="10" name="Content Placeholder 9">
-            <a:extLst>
-              <a:ext uri="{FF2B5EF4-FFF2-40B4-BE49-F238E27FC236}">
-                <a16:creationId xmlns="" xmlns:a16="http://schemas.microsoft.com/office/drawing/2014/main" id="{1DB251F7-EBE7-46AC-A920-FFE2C5AF68EA}"/>
-              </a:ext>
-            </a:extLst>
-          </p:cNvPr>
-          <p:cNvSpPr>
-            <a:spLocks noGrp="1"/>
-          </p:cNvSpPr>
-          <p:nvPr>
-            <p:ph sz="half" idx="2"/>
-          </p:nvPr>
-        </p:nvSpPr>
-        <p:spPr>
-          <a:xfrm>
-            <a:off x="4147291" y="5788644"/>
-            <a:ext cx="3846507" cy="492827"/>
-          </a:xfrm>
-        </p:spPr>
-        <p:txBody>
-          <a:bodyPr/>
-          <a:lstStyle/>
-          <a:p>
-            <a:pPr marL="0" indent="0" fontAlgn="base">
-              <a:buNone/>
-            </a:pPr>
-            <a:r>
-              <a:rPr lang="en-US" sz="2800" dirty="0"/>
-              <a:t>Bernard </a:t>
-            </a:r>
-            <a:r>
-              <a:rPr lang="en-US" sz="2800" dirty="0" err="1" smtClean="0"/>
-              <a:t>Vauquois</a:t>
-            </a:r>
-            <a:r>
-              <a:rPr lang="en-US" sz="2800" dirty="0" smtClean="0"/>
-              <a:t>’ Tower</a:t>
-            </a:r>
-            <a:endParaRPr lang="en-US" sz="2800" b="1" dirty="0">
-              <a:latin typeface="Times New Roman" panose="02020603050405020304" pitchFamily="18" charset="0"/>
-              <a:cs typeface="Times New Roman" panose="02020603050405020304" pitchFamily="18" charset="0"/>
-            </a:endParaRPr>
-          </a:p>
-        </p:txBody>
-      </p:sp>
     </p:spTree>
     <p:extLst>
       <p:ext uri="{BB962C8B-B14F-4D97-AF65-F5344CB8AC3E}">
-        <p14:creationId xmlns:p14="http://schemas.microsoft.com/office/powerpoint/2010/main" val="1420547054"/>
+        <p14:creationId xmlns:p14="http://schemas.microsoft.com/office/powerpoint/2010/main" val="3891345585"/>
       </p:ext>
     </p:extLst>
   </p:cSld>
@@ -19128,10 +19633,10 @@
           <p:cNvPr id="34" name="Freeform: Shape 33">
             <a:extLst>
               <a:ext uri="{FF2B5EF4-FFF2-40B4-BE49-F238E27FC236}">
-                <a16:creationId xmlns="" xmlns:a16="http://schemas.microsoft.com/office/drawing/2014/main" id="{82184FF4-7029-4ED7-813A-192E60608764}"/>
+                <a16:creationId xmlns:a16="http://schemas.microsoft.com/office/drawing/2014/main" xmlns="" id="{82184FF4-7029-4ED7-813A-192E60608764}"/>
               </a:ext>
               <a:ext uri="{C183D7F6-B498-43B3-948B-1728B52AA6E4}">
-                <adec:decorative xmlns="" xmlns:adec="http://schemas.microsoft.com/office/drawing/2017/decorative" val="1"/>
+                <adec:decorative xmlns:adec="http://schemas.microsoft.com/office/drawing/2017/decorative" xmlns="" val="1"/>
               </a:ext>
             </a:extLst>
           </p:cNvPr>
@@ -19141,7 +19646,7 @@
           <p:nvPr>
             <p:extLst>
               <p:ext uri="{386F3935-93C4-4BCD-93E2-E3B085C9AB24}">
-                <p16:designElem xmlns="" xmlns:p16="http://schemas.microsoft.com/office/powerpoint/2015/main" val="1"/>
+                <p16:designElem xmlns:p16="http://schemas.microsoft.com/office/powerpoint/2015/main" xmlns="" val="1"/>
               </p:ext>
             </p:extLst>
           </p:nvPr>
@@ -19272,10 +19777,10 @@
           <p:cNvPr id="36" name="Oval 35">
             <a:extLst>
               <a:ext uri="{FF2B5EF4-FFF2-40B4-BE49-F238E27FC236}">
-                <a16:creationId xmlns="" xmlns:a16="http://schemas.microsoft.com/office/drawing/2014/main" id="{AAA7AB09-557C-41AD-9113-FF9F68FA1035}"/>
+                <a16:creationId xmlns:a16="http://schemas.microsoft.com/office/drawing/2014/main" xmlns="" id="{AAA7AB09-557C-41AD-9113-FF9F68FA1035}"/>
               </a:ext>
               <a:ext uri="{C183D7F6-B498-43B3-948B-1728B52AA6E4}">
-                <adec:decorative xmlns="" xmlns:adec="http://schemas.microsoft.com/office/drawing/2017/decorative" val="1"/>
+                <adec:decorative xmlns:adec="http://schemas.microsoft.com/office/drawing/2017/decorative" xmlns="" val="1"/>
               </a:ext>
             </a:extLst>
           </p:cNvPr>
@@ -19285,7 +19790,7 @@
           <p:nvPr>
             <p:extLst>
               <p:ext uri="{386F3935-93C4-4BCD-93E2-E3B085C9AB24}">
-                <p16:designElem xmlns="" xmlns:p16="http://schemas.microsoft.com/office/powerpoint/2015/main" val="1"/>
+                <p16:designElem xmlns:p16="http://schemas.microsoft.com/office/powerpoint/2015/main" xmlns="" val="1"/>
               </p:ext>
             </p:extLst>
           </p:nvPr>
@@ -19363,10 +19868,10 @@
           <p:cNvPr id="38" name="Oval 37">
             <a:extLst>
               <a:ext uri="{FF2B5EF4-FFF2-40B4-BE49-F238E27FC236}">
-                <a16:creationId xmlns="" xmlns:a16="http://schemas.microsoft.com/office/drawing/2014/main" id="{EF99ECAA-1F11-4937-BBA6-51935AB44C9D}"/>
+                <a16:creationId xmlns:a16="http://schemas.microsoft.com/office/drawing/2014/main" xmlns="" id="{EF99ECAA-1F11-4937-BBA6-51935AB44C9D}"/>
               </a:ext>
               <a:ext uri="{C183D7F6-B498-43B3-948B-1728B52AA6E4}">
-                <adec:decorative xmlns="" xmlns:adec="http://schemas.microsoft.com/office/drawing/2017/decorative" val="1"/>
+                <adec:decorative xmlns:adec="http://schemas.microsoft.com/office/drawing/2017/decorative" xmlns="" val="1"/>
               </a:ext>
             </a:extLst>
           </p:cNvPr>
@@ -19376,7 +19881,7 @@
           <p:nvPr>
             <p:extLst>
               <p:ext uri="{386F3935-93C4-4BCD-93E2-E3B085C9AB24}">
-                <p16:designElem xmlns="" xmlns:p16="http://schemas.microsoft.com/office/powerpoint/2015/main" val="1"/>
+                <p16:designElem xmlns:p16="http://schemas.microsoft.com/office/powerpoint/2015/main" xmlns="" val="1"/>
               </p:ext>
             </p:extLst>
           </p:nvPr>
@@ -19455,10 +19960,10 @@
           <p:cNvPr id="40" name="Group 39">
             <a:extLst>
               <a:ext uri="{FF2B5EF4-FFF2-40B4-BE49-F238E27FC236}">
-                <a16:creationId xmlns="" xmlns:a16="http://schemas.microsoft.com/office/drawing/2014/main" id="{79DE9FAB-6BBA-4CFE-B67D-77B47F01ECA4}"/>
+                <a16:creationId xmlns:a16="http://schemas.microsoft.com/office/drawing/2014/main" xmlns="" id="{79DE9FAB-6BBA-4CFE-B67D-77B47F01ECA4}"/>
               </a:ext>
               <a:ext uri="{C183D7F6-B498-43B3-948B-1728B52AA6E4}">
-                <adec:decorative xmlns="" xmlns:adec="http://schemas.microsoft.com/office/drawing/2017/decorative" val="1"/>
+                <adec:decorative xmlns:adec="http://schemas.microsoft.com/office/drawing/2017/decorative" xmlns="" val="1"/>
               </a:ext>
             </a:extLst>
           </p:cNvPr>
@@ -19468,7 +19973,7 @@
           <p:nvPr>
             <p:extLst>
               <p:ext uri="{386F3935-93C4-4BCD-93E2-E3B085C9AB24}">
-                <p16:designElem xmlns="" xmlns:p16="http://schemas.microsoft.com/office/powerpoint/2015/main" val="1"/>
+                <p16:designElem xmlns:p16="http://schemas.microsoft.com/office/powerpoint/2015/main" xmlns="" val="1"/>
               </p:ext>
             </p:extLst>
           </p:nvPr>
@@ -19486,10 +19991,10 @@
             <p:cNvPr id="41" name="Freeform: Shape 40">
               <a:extLst>
                 <a:ext uri="{FF2B5EF4-FFF2-40B4-BE49-F238E27FC236}">
-                  <a16:creationId xmlns="" xmlns:a16="http://schemas.microsoft.com/office/drawing/2014/main" id="{79FAC916-D9BB-4794-81B4-7C47C67E850D}"/>
+                  <a16:creationId xmlns:a16="http://schemas.microsoft.com/office/drawing/2014/main" xmlns="" id="{79FAC916-D9BB-4794-81B4-7C47C67E850D}"/>
                 </a:ext>
                 <a:ext uri="{C183D7F6-B498-43B3-948B-1728B52AA6E4}">
-                  <adec:decorative xmlns="" xmlns:adec="http://schemas.microsoft.com/office/drawing/2017/decorative" val="1"/>
+                  <adec:decorative xmlns:adec="http://schemas.microsoft.com/office/drawing/2017/decorative" xmlns="" val="1"/>
                 </a:ext>
               </a:extLst>
             </p:cNvPr>
@@ -19499,7 +20004,7 @@
             <p:nvPr>
               <p:extLst>
                 <p:ext uri="{386F3935-93C4-4BCD-93E2-E3B085C9AB24}">
-                  <p16:designElem xmlns="" xmlns:p16="http://schemas.microsoft.com/office/powerpoint/2015/main" val="1"/>
+                  <p16:designElem xmlns:p16="http://schemas.microsoft.com/office/powerpoint/2015/main" xmlns="" val="1"/>
                 </p:ext>
               </p:extLst>
             </p:nvPr>
@@ -19633,10 +20138,10 @@
             <p:cNvPr id="42" name="Freeform: Shape 41">
               <a:extLst>
                 <a:ext uri="{FF2B5EF4-FFF2-40B4-BE49-F238E27FC236}">
-                  <a16:creationId xmlns="" xmlns:a16="http://schemas.microsoft.com/office/drawing/2014/main" id="{B5CA2231-7A65-4D16-8400-A210CC41DB73}"/>
+                  <a16:creationId xmlns:a16="http://schemas.microsoft.com/office/drawing/2014/main" xmlns="" id="{B5CA2231-7A65-4D16-8400-A210CC41DB73}"/>
                 </a:ext>
                 <a:ext uri="{C183D7F6-B498-43B3-948B-1728B52AA6E4}">
-                  <adec:decorative xmlns="" xmlns:adec="http://schemas.microsoft.com/office/drawing/2017/decorative" val="1"/>
+                  <adec:decorative xmlns:adec="http://schemas.microsoft.com/office/drawing/2017/decorative" xmlns="" val="1"/>
                 </a:ext>
               </a:extLst>
             </p:cNvPr>
@@ -19646,7 +20151,7 @@
             <p:nvPr>
               <p:extLst>
                 <p:ext uri="{386F3935-93C4-4BCD-93E2-E3B085C9AB24}">
-                  <p16:designElem xmlns="" xmlns:p16="http://schemas.microsoft.com/office/powerpoint/2015/main" val="1"/>
+                  <p16:designElem xmlns:p16="http://schemas.microsoft.com/office/powerpoint/2015/main" xmlns="" val="1"/>
                 </p:ext>
               </p:extLst>
             </p:nvPr>
@@ -19782,10 +20287,10 @@
             <p:cNvPr id="43" name="Oval 42">
               <a:extLst>
                 <a:ext uri="{FF2B5EF4-FFF2-40B4-BE49-F238E27FC236}">
-                  <a16:creationId xmlns="" xmlns:a16="http://schemas.microsoft.com/office/drawing/2014/main" id="{4B089C8C-B82B-4704-88E2-E857A5E21529}"/>
+                  <a16:creationId xmlns:a16="http://schemas.microsoft.com/office/drawing/2014/main" xmlns="" id="{4B089C8C-B82B-4704-88E2-E857A5E21529}"/>
                 </a:ext>
                 <a:ext uri="{C183D7F6-B498-43B3-948B-1728B52AA6E4}">
-                  <adec:decorative xmlns="" xmlns:adec="http://schemas.microsoft.com/office/drawing/2017/decorative" val="1"/>
+                  <adec:decorative xmlns:adec="http://schemas.microsoft.com/office/drawing/2017/decorative" xmlns="" val="1"/>
                 </a:ext>
               </a:extLst>
             </p:cNvPr>
@@ -19793,7 +20298,7 @@
             <p:nvPr>
               <p:extLst>
                 <p:ext uri="{386F3935-93C4-4BCD-93E2-E3B085C9AB24}">
-                  <p16:designElem xmlns="" xmlns:p16="http://schemas.microsoft.com/office/powerpoint/2015/main" val="1"/>
+                  <p16:designElem xmlns:p16="http://schemas.microsoft.com/office/powerpoint/2015/main" xmlns="" val="1"/>
                 </p:ext>
               </p:extLst>
             </p:nvPr>
@@ -19860,10 +20365,10 @@
             <p:cNvPr id="44" name="Oval 43">
               <a:extLst>
                 <a:ext uri="{FF2B5EF4-FFF2-40B4-BE49-F238E27FC236}">
-                  <a16:creationId xmlns="" xmlns:a16="http://schemas.microsoft.com/office/drawing/2014/main" id="{434B90C8-5B4D-456E-AD99-80EF748FDD72}"/>
+                  <a16:creationId xmlns:a16="http://schemas.microsoft.com/office/drawing/2014/main" xmlns="" id="{434B90C8-5B4D-456E-AD99-80EF748FDD72}"/>
                 </a:ext>
                 <a:ext uri="{C183D7F6-B498-43B3-948B-1728B52AA6E4}">
-                  <adec:decorative xmlns="" xmlns:adec="http://schemas.microsoft.com/office/drawing/2017/decorative" val="1"/>
+                  <adec:decorative xmlns:adec="http://schemas.microsoft.com/office/drawing/2017/decorative" xmlns="" val="1"/>
                 </a:ext>
               </a:extLst>
             </p:cNvPr>
@@ -19871,7 +20376,7 @@
             <p:nvPr>
               <p:extLst>
                 <p:ext uri="{386F3935-93C4-4BCD-93E2-E3B085C9AB24}">
-                  <p16:designElem xmlns="" xmlns:p16="http://schemas.microsoft.com/office/powerpoint/2015/main" val="1"/>
+                  <p16:designElem xmlns:p16="http://schemas.microsoft.com/office/powerpoint/2015/main" xmlns="" val="1"/>
                 </p:ext>
               </p:extLst>
             </p:nvPr>
@@ -19939,10 +20444,10 @@
           <p:cNvPr id="46" name="Rectangle 45">
             <a:extLst>
               <a:ext uri="{FF2B5EF4-FFF2-40B4-BE49-F238E27FC236}">
-                <a16:creationId xmlns="" xmlns:a16="http://schemas.microsoft.com/office/drawing/2014/main" id="{1DB043B4-68C6-45B9-82AC-A5800EADB8DB}"/>
+                <a16:creationId xmlns:a16="http://schemas.microsoft.com/office/drawing/2014/main" xmlns="" id="{1DB043B4-68C6-45B9-82AC-A5800EADB8DB}"/>
               </a:ext>
               <a:ext uri="{C183D7F6-B498-43B3-948B-1728B52AA6E4}">
-                <adec:decorative xmlns="" xmlns:adec="http://schemas.microsoft.com/office/drawing/2017/decorative" val="1"/>
+                <adec:decorative xmlns:adec="http://schemas.microsoft.com/office/drawing/2017/decorative" xmlns="" val="1"/>
               </a:ext>
             </a:extLst>
           </p:cNvPr>
@@ -19952,7 +20457,7 @@
           <p:nvPr>
             <p:extLst>
               <p:ext uri="{386F3935-93C4-4BCD-93E2-E3B085C9AB24}">
-                <p16:designElem xmlns="" xmlns:p16="http://schemas.microsoft.com/office/powerpoint/2015/main" val="1"/>
+                <p16:designElem xmlns:p16="http://schemas.microsoft.com/office/powerpoint/2015/main" xmlns="" val="1"/>
               </p:ext>
             </p:extLst>
           </p:nvPr>
@@ -20015,7 +20520,7 @@
           <p:cNvPr id="8" name="Picture Placeholder 7" descr="Data Points Digital background">
             <a:extLst>
               <a:ext uri="{FF2B5EF4-FFF2-40B4-BE49-F238E27FC236}">
-                <a16:creationId xmlns="" xmlns:a16="http://schemas.microsoft.com/office/drawing/2014/main" id="{5FED7C55-F545-49A1-90FD-D853A25AB453}"/>
+                <a16:creationId xmlns:a16="http://schemas.microsoft.com/office/drawing/2014/main" xmlns="" id="{5FED7C55-F545-49A1-90FD-D853A25AB453}"/>
               </a:ext>
             </a:extLst>
           </p:cNvPr>
@@ -20046,10 +20551,10 @@
           <p:cNvPr id="48" name="Rectangle 47">
             <a:extLst>
               <a:ext uri="{FF2B5EF4-FFF2-40B4-BE49-F238E27FC236}">
-                <a16:creationId xmlns="" xmlns:a16="http://schemas.microsoft.com/office/drawing/2014/main" id="{3C64A91D-E535-4C24-A0E3-96A3810E3FDC}"/>
+                <a16:creationId xmlns:a16="http://schemas.microsoft.com/office/drawing/2014/main" xmlns="" id="{3C64A91D-E535-4C24-A0E3-96A3810E3FDC}"/>
               </a:ext>
               <a:ext uri="{C183D7F6-B498-43B3-948B-1728B52AA6E4}">
-                <adec:decorative xmlns="" xmlns:adec="http://schemas.microsoft.com/office/drawing/2017/decorative" val="1"/>
+                <adec:decorative xmlns:adec="http://schemas.microsoft.com/office/drawing/2017/decorative" xmlns="" val="1"/>
               </a:ext>
             </a:extLst>
           </p:cNvPr>
@@ -20059,7 +20564,7 @@
           <p:nvPr>
             <p:extLst>
               <p:ext uri="{386F3935-93C4-4BCD-93E2-E3B085C9AB24}">
-                <p16:designElem xmlns="" xmlns:p16="http://schemas.microsoft.com/office/powerpoint/2015/main" val="1"/>
+                <p16:designElem xmlns:p16="http://schemas.microsoft.com/office/powerpoint/2015/main" xmlns="" val="1"/>
               </p:ext>
             </p:extLst>
           </p:nvPr>
@@ -20122,10 +20627,10 @@
           <p:cNvPr id="50" name="Rectangle 49">
             <a:extLst>
               <a:ext uri="{FF2B5EF4-FFF2-40B4-BE49-F238E27FC236}">
-                <a16:creationId xmlns="" xmlns:a16="http://schemas.microsoft.com/office/drawing/2014/main" id="{26FC4867-BA3E-4F8E-AB23-684F34DF3D31}"/>
+                <a16:creationId xmlns:a16="http://schemas.microsoft.com/office/drawing/2014/main" xmlns="" id="{26FC4867-BA3E-4F8E-AB23-684F34DF3D31}"/>
               </a:ext>
               <a:ext uri="{C183D7F6-B498-43B3-948B-1728B52AA6E4}">
-                <adec:decorative xmlns="" xmlns:adec="http://schemas.microsoft.com/office/drawing/2017/decorative" val="1"/>
+                <adec:decorative xmlns:adec="http://schemas.microsoft.com/office/drawing/2017/decorative" xmlns="" val="1"/>
               </a:ext>
             </a:extLst>
           </p:cNvPr>
@@ -20135,7 +20640,7 @@
           <p:nvPr>
             <p:extLst>
               <p:ext uri="{386F3935-93C4-4BCD-93E2-E3B085C9AB24}">
-                <p16:designElem xmlns="" xmlns:p16="http://schemas.microsoft.com/office/powerpoint/2015/main" val="1"/>
+                <p16:designElem xmlns:p16="http://schemas.microsoft.com/office/powerpoint/2015/main" xmlns="" val="1"/>
               </p:ext>
             </p:extLst>
           </p:nvPr>
@@ -20198,7 +20703,7 @@
           <p:cNvPr id="15" name="Title 14">
             <a:extLst>
               <a:ext uri="{FF2B5EF4-FFF2-40B4-BE49-F238E27FC236}">
-                <a16:creationId xmlns="" xmlns:a16="http://schemas.microsoft.com/office/drawing/2014/main" id="{40F1DF5B-353A-4270-8C10-6A1509441174}"/>
+                <a16:creationId xmlns:a16="http://schemas.microsoft.com/office/drawing/2014/main" xmlns="" id="{40F1DF5B-353A-4270-8C10-6A1509441174}"/>
               </a:ext>
             </a:extLst>
           </p:cNvPr>
@@ -20248,7 +20753,7 @@
           <p:cNvPr id="4" name="Slide Number Placeholder 3">
             <a:extLst>
               <a:ext uri="{FF2B5EF4-FFF2-40B4-BE49-F238E27FC236}">
-                <a16:creationId xmlns="" xmlns:a16="http://schemas.microsoft.com/office/drawing/2014/main" id="{E1E7D98D-6710-41D2-B258-E1A1059D29F8}"/>
+                <a16:creationId xmlns:a16="http://schemas.microsoft.com/office/drawing/2014/main" xmlns="" id="{E1E7D98D-6710-41D2-B258-E1A1059D29F8}"/>
               </a:ext>
             </a:extLst>
           </p:cNvPr>
@@ -20905,7 +21410,7 @@
           <p:cNvPr id="22" name="Title 21">
             <a:extLst>
               <a:ext uri="{FF2B5EF4-FFF2-40B4-BE49-F238E27FC236}">
-                <a16:creationId xmlns="" xmlns:a16="http://schemas.microsoft.com/office/drawing/2014/main" id="{F8FAEED9-1ECD-45F9-87A0-9394BAEABB79}"/>
+                <a16:creationId xmlns:a16="http://schemas.microsoft.com/office/drawing/2014/main" xmlns="" id="{F8FAEED9-1ECD-45F9-87A0-9394BAEABB79}"/>
               </a:ext>
             </a:extLst>
           </p:cNvPr>
@@ -20938,7 +21443,7 @@
           <p:cNvPr id="23" name="Subtitle 22">
             <a:extLst>
               <a:ext uri="{FF2B5EF4-FFF2-40B4-BE49-F238E27FC236}">
-                <a16:creationId xmlns="" xmlns:a16="http://schemas.microsoft.com/office/drawing/2014/main" id="{8E5E4638-9BCB-4C2E-914F-CC868E2020D5}"/>
+                <a16:creationId xmlns:a16="http://schemas.microsoft.com/office/drawing/2014/main" xmlns="" id="{8E5E4638-9BCB-4C2E-914F-CC868E2020D5}"/>
               </a:ext>
             </a:extLst>
           </p:cNvPr>
@@ -20983,7 +21488,7 @@
           <p:cNvPr id="27" name="Picture Placeholder 26" descr="Data Points Digital background">
             <a:extLst>
               <a:ext uri="{FF2B5EF4-FFF2-40B4-BE49-F238E27FC236}">
-                <a16:creationId xmlns="" xmlns:a16="http://schemas.microsoft.com/office/drawing/2014/main" id="{9E660784-34E2-4CDA-926A-DDD6AAF35046}"/>
+                <a16:creationId xmlns:a16="http://schemas.microsoft.com/office/drawing/2014/main" xmlns="" id="{9E660784-34E2-4CDA-926A-DDD6AAF35046}"/>
               </a:ext>
             </a:extLst>
           </p:cNvPr>
@@ -21017,7 +21522,7 @@
           <p:cNvPr id="33" name="Picture Placeholder 32" descr="Data Points Digital background">
             <a:extLst>
               <a:ext uri="{FF2B5EF4-FFF2-40B4-BE49-F238E27FC236}">
-                <a16:creationId xmlns="" xmlns:a16="http://schemas.microsoft.com/office/drawing/2014/main" id="{48106962-23C6-4DFE-BB3A-E5FFF03F38CE}"/>
+                <a16:creationId xmlns:a16="http://schemas.microsoft.com/office/drawing/2014/main" xmlns="" id="{48106962-23C6-4DFE-BB3A-E5FFF03F38CE}"/>
               </a:ext>
             </a:extLst>
           </p:cNvPr>
@@ -21051,7 +21556,7 @@
           <p:cNvPr id="6" name="Slide Number Placeholder 5">
             <a:extLst>
               <a:ext uri="{FF2B5EF4-FFF2-40B4-BE49-F238E27FC236}">
-                <a16:creationId xmlns="" xmlns:a16="http://schemas.microsoft.com/office/drawing/2014/main" id="{36E60F23-FB58-4EF8-82FD-E86CED25FDD4}"/>
+                <a16:creationId xmlns:a16="http://schemas.microsoft.com/office/drawing/2014/main" xmlns="" id="{36E60F23-FB58-4EF8-82FD-E86CED25FDD4}"/>
               </a:ext>
             </a:extLst>
           </p:cNvPr>
@@ -21146,7 +21651,7 @@
           <p:cNvPr id="2" name="Title 1">
             <a:extLst>
               <a:ext uri="{FF2B5EF4-FFF2-40B4-BE49-F238E27FC236}">
-                <a16:creationId xmlns="" xmlns:a16="http://schemas.microsoft.com/office/drawing/2014/main" id="{0046426E-F6F6-4A7C-9181-8C3090996261}"/>
+                <a16:creationId xmlns:a16="http://schemas.microsoft.com/office/drawing/2014/main" xmlns="" id="{0046426E-F6F6-4A7C-9181-8C3090996261}"/>
               </a:ext>
             </a:extLst>
           </p:cNvPr>
@@ -21179,7 +21684,7 @@
           <p:cNvPr id="3" name="Content Placeholder 2">
             <a:extLst>
               <a:ext uri="{FF2B5EF4-FFF2-40B4-BE49-F238E27FC236}">
-                <a16:creationId xmlns="" xmlns:a16="http://schemas.microsoft.com/office/drawing/2014/main" id="{D3B60D6F-4D0F-4D33-B2A7-159C8583FF00}"/>
+                <a16:creationId xmlns:a16="http://schemas.microsoft.com/office/drawing/2014/main" xmlns="" id="{D3B60D6F-4D0F-4D33-B2A7-159C8583FF00}"/>
               </a:ext>
             </a:extLst>
           </p:cNvPr>
@@ -21256,15 +21761,12 @@
                 <a:latin typeface="Times New Roman" panose="02020603050405020304" pitchFamily="18" charset="0"/>
                 <a:cs typeface="Times New Roman" panose="02020603050405020304" pitchFamily="18" charset="0"/>
               </a:rPr>
-              <a:t>Topic </a:t>
-            </a:r>
-            <a:r>
-              <a:rPr lang="en-US" dirty="0">
-                <a:latin typeface="Times New Roman" panose="02020603050405020304" pitchFamily="18" charset="0"/>
-                <a:cs typeface="Times New Roman" panose="02020603050405020304" pitchFamily="18" charset="0"/>
-              </a:rPr>
-              <a:t>four</a:t>
-            </a:r>
+              <a:t>How to MT work?</a:t>
+            </a:r>
+            <a:endParaRPr lang="en-US" dirty="0">
+              <a:latin typeface="Times New Roman" panose="02020603050405020304" pitchFamily="18" charset="0"/>
+              <a:cs typeface="Times New Roman" panose="02020603050405020304" pitchFamily="18" charset="0"/>
+            </a:endParaRPr>
           </a:p>
           <a:p>
             <a:pPr>
@@ -21273,12 +21775,16 @@
               </a:lnSpc>
             </a:pPr>
             <a:r>
-              <a:rPr lang="en-US" dirty="0">
+              <a:rPr lang="en-US" dirty="0" smtClean="0">
                 <a:latin typeface="Times New Roman" panose="02020603050405020304" pitchFamily="18" charset="0"/>
                 <a:cs typeface="Times New Roman" panose="02020603050405020304" pitchFamily="18" charset="0"/>
               </a:rPr>
-              <a:t>Topic five</a:t>
-            </a:r>
+              <a:t>Processing Data</a:t>
+            </a:r>
+            <a:endParaRPr lang="en-US" dirty="0">
+              <a:latin typeface="Times New Roman" panose="02020603050405020304" pitchFamily="18" charset="0"/>
+              <a:cs typeface="Times New Roman" panose="02020603050405020304" pitchFamily="18" charset="0"/>
+            </a:endParaRPr>
           </a:p>
         </p:txBody>
       </p:sp>
@@ -21287,7 +21793,7 @@
           <p:cNvPr id="8" name="Picture Placeholder 7" descr="Digital Data">
             <a:extLst>
               <a:ext uri="{FF2B5EF4-FFF2-40B4-BE49-F238E27FC236}">
-                <a16:creationId xmlns="" xmlns:a16="http://schemas.microsoft.com/office/drawing/2014/main" id="{06D2324F-3B7B-45EF-9584-C8EADD2C8C0B}"/>
+                <a16:creationId xmlns:a16="http://schemas.microsoft.com/office/drawing/2014/main" xmlns="" id="{06D2324F-3B7B-45EF-9584-C8EADD2C8C0B}"/>
               </a:ext>
             </a:extLst>
           </p:cNvPr>
@@ -21321,7 +21827,7 @@
           <p:cNvPr id="10" name="Picture Placeholder 9" descr="Data Points ">
             <a:extLst>
               <a:ext uri="{FF2B5EF4-FFF2-40B4-BE49-F238E27FC236}">
-                <a16:creationId xmlns="" xmlns:a16="http://schemas.microsoft.com/office/drawing/2014/main" id="{71F862F9-0E8A-4DB9-8083-1C3AA6E5D777}"/>
+                <a16:creationId xmlns:a16="http://schemas.microsoft.com/office/drawing/2014/main" xmlns="" id="{71F862F9-0E8A-4DB9-8083-1C3AA6E5D777}"/>
               </a:ext>
             </a:extLst>
           </p:cNvPr>
@@ -21355,7 +21861,7 @@
           <p:cNvPr id="12" name="Picture Placeholder 11" descr="Data Background">
             <a:extLst>
               <a:ext uri="{FF2B5EF4-FFF2-40B4-BE49-F238E27FC236}">
-                <a16:creationId xmlns="" xmlns:a16="http://schemas.microsoft.com/office/drawing/2014/main" id="{A63F39B9-0715-40B5-8ECB-9B983F99C690}"/>
+                <a16:creationId xmlns:a16="http://schemas.microsoft.com/office/drawing/2014/main" xmlns="" id="{A63F39B9-0715-40B5-8ECB-9B983F99C690}"/>
               </a:ext>
             </a:extLst>
           </p:cNvPr>
@@ -21389,7 +21895,7 @@
           <p:cNvPr id="15" name="Slide Number Placeholder 14">
             <a:extLst>
               <a:ext uri="{FF2B5EF4-FFF2-40B4-BE49-F238E27FC236}">
-                <a16:creationId xmlns="" xmlns:a16="http://schemas.microsoft.com/office/drawing/2014/main" id="{3B199C97-F175-437D-8311-DB662925C063}"/>
+                <a16:creationId xmlns:a16="http://schemas.microsoft.com/office/drawing/2014/main" xmlns="" id="{3B199C97-F175-437D-8311-DB662925C063}"/>
               </a:ext>
             </a:extLst>
           </p:cNvPr>
@@ -21484,7 +21990,7 @@
           <p:cNvPr id="11" name="Title 10">
             <a:extLst>
               <a:ext uri="{FF2B5EF4-FFF2-40B4-BE49-F238E27FC236}">
-                <a16:creationId xmlns="" xmlns:a16="http://schemas.microsoft.com/office/drawing/2014/main" id="{23418ADF-358F-4647-A511-FCFFEDA83429}"/>
+                <a16:creationId xmlns:a16="http://schemas.microsoft.com/office/drawing/2014/main" xmlns="" id="{23418ADF-358F-4647-A511-FCFFEDA83429}"/>
               </a:ext>
             </a:extLst>
           </p:cNvPr>
@@ -21520,7 +22026,7 @@
           <p:cNvPr id="18" name="Picture Placeholder 17" descr="A group of people sitting at a table">
             <a:extLst>
               <a:ext uri="{FF2B5EF4-FFF2-40B4-BE49-F238E27FC236}">
-                <a16:creationId xmlns="" xmlns:a16="http://schemas.microsoft.com/office/drawing/2014/main" id="{E2536017-F539-430C-A901-70AB81CA612A}"/>
+                <a16:creationId xmlns:a16="http://schemas.microsoft.com/office/drawing/2014/main" xmlns="" id="{E2536017-F539-430C-A901-70AB81CA612A}"/>
               </a:ext>
             </a:extLst>
           </p:cNvPr>
@@ -21554,7 +22060,7 @@
           <p:cNvPr id="20" name="Picture Placeholder 19" descr="Data Points Digital background">
             <a:extLst>
               <a:ext uri="{FF2B5EF4-FFF2-40B4-BE49-F238E27FC236}">
-                <a16:creationId xmlns="" xmlns:a16="http://schemas.microsoft.com/office/drawing/2014/main" id="{528A7D8D-1AB5-46C4-93FA-D92C2FD51692}"/>
+                <a16:creationId xmlns:a16="http://schemas.microsoft.com/office/drawing/2014/main" xmlns="" id="{528A7D8D-1AB5-46C4-93FA-D92C2FD51692}"/>
               </a:ext>
             </a:extLst>
           </p:cNvPr>
@@ -21588,7 +22094,7 @@
           <p:cNvPr id="25" name="Picture Placeholder 24" descr="Digital Graph Screen">
             <a:extLst>
               <a:ext uri="{FF2B5EF4-FFF2-40B4-BE49-F238E27FC236}">
-                <a16:creationId xmlns="" xmlns:a16="http://schemas.microsoft.com/office/drawing/2014/main" id="{B7353C46-ACC1-4078-85C2-26B57B0E58B7}"/>
+                <a16:creationId xmlns:a16="http://schemas.microsoft.com/office/drawing/2014/main" xmlns="" id="{B7353C46-ACC1-4078-85C2-26B57B0E58B7}"/>
               </a:ext>
             </a:extLst>
           </p:cNvPr>
@@ -21622,7 +22128,7 @@
           <p:cNvPr id="6" name="Slide Number Placeholder 5">
             <a:extLst>
               <a:ext uri="{FF2B5EF4-FFF2-40B4-BE49-F238E27FC236}">
-                <a16:creationId xmlns="" xmlns:a16="http://schemas.microsoft.com/office/drawing/2014/main" id="{9ED907F8-C614-4D59-A03F-BF9CD5E35703}"/>
+                <a16:creationId xmlns:a16="http://schemas.microsoft.com/office/drawing/2014/main" xmlns="" id="{9ED907F8-C614-4D59-A03F-BF9CD5E35703}"/>
               </a:ext>
             </a:extLst>
           </p:cNvPr>
@@ -21657,7 +22163,7 @@
           <p:cNvPr id="23" name="Picture Placeholder 22" descr="A person drawing on a white board">
             <a:extLst>
               <a:ext uri="{FF2B5EF4-FFF2-40B4-BE49-F238E27FC236}">
-                <a16:creationId xmlns="" xmlns:a16="http://schemas.microsoft.com/office/drawing/2014/main" id="{2B3C4F95-A0FA-45D9-BF43-1C398F65B891}"/>
+                <a16:creationId xmlns:a16="http://schemas.microsoft.com/office/drawing/2014/main" xmlns="" id="{2B3C4F95-A0FA-45D9-BF43-1C398F65B891}"/>
               </a:ext>
             </a:extLst>
           </p:cNvPr>
@@ -21691,7 +22197,7 @@
           <p:cNvPr id="12" name="Content Placeholder 11">
             <a:extLst>
               <a:ext uri="{FF2B5EF4-FFF2-40B4-BE49-F238E27FC236}">
-                <a16:creationId xmlns="" xmlns:a16="http://schemas.microsoft.com/office/drawing/2014/main" id="{E5127060-CDBF-435F-9009-A5451CCE305D}"/>
+                <a16:creationId xmlns:a16="http://schemas.microsoft.com/office/drawing/2014/main" xmlns="" id="{E5127060-CDBF-435F-9009-A5451CCE305D}"/>
               </a:ext>
             </a:extLst>
           </p:cNvPr>
@@ -21829,10 +22335,10 @@
           <p:cNvPr id="34" name="Freeform: Shape 33">
             <a:extLst>
               <a:ext uri="{FF2B5EF4-FFF2-40B4-BE49-F238E27FC236}">
-                <a16:creationId xmlns="" xmlns:a16="http://schemas.microsoft.com/office/drawing/2014/main" id="{82184FF4-7029-4ED7-813A-192E60608764}"/>
+                <a16:creationId xmlns:a16="http://schemas.microsoft.com/office/drawing/2014/main" xmlns="" id="{82184FF4-7029-4ED7-813A-192E60608764}"/>
               </a:ext>
               <a:ext uri="{C183D7F6-B498-43B3-948B-1728B52AA6E4}">
-                <adec:decorative xmlns="" xmlns:adec="http://schemas.microsoft.com/office/drawing/2017/decorative" val="1"/>
+                <adec:decorative xmlns:adec="http://schemas.microsoft.com/office/drawing/2017/decorative" xmlns="" val="1"/>
               </a:ext>
             </a:extLst>
           </p:cNvPr>
@@ -21842,7 +22348,7 @@
           <p:nvPr>
             <p:extLst>
               <p:ext uri="{386F3935-93C4-4BCD-93E2-E3B085C9AB24}">
-                <p16:designElem xmlns="" xmlns:p16="http://schemas.microsoft.com/office/powerpoint/2015/main" val="1"/>
+                <p16:designElem xmlns:p16="http://schemas.microsoft.com/office/powerpoint/2015/main" xmlns="" val="1"/>
               </p:ext>
             </p:extLst>
           </p:nvPr>
@@ -21973,10 +22479,10 @@
           <p:cNvPr id="36" name="Oval 35">
             <a:extLst>
               <a:ext uri="{FF2B5EF4-FFF2-40B4-BE49-F238E27FC236}">
-                <a16:creationId xmlns="" xmlns:a16="http://schemas.microsoft.com/office/drawing/2014/main" id="{AAA7AB09-557C-41AD-9113-FF9F68FA1035}"/>
+                <a16:creationId xmlns:a16="http://schemas.microsoft.com/office/drawing/2014/main" xmlns="" id="{AAA7AB09-557C-41AD-9113-FF9F68FA1035}"/>
               </a:ext>
               <a:ext uri="{C183D7F6-B498-43B3-948B-1728B52AA6E4}">
-                <adec:decorative xmlns="" xmlns:adec="http://schemas.microsoft.com/office/drawing/2017/decorative" val="1"/>
+                <adec:decorative xmlns:adec="http://schemas.microsoft.com/office/drawing/2017/decorative" xmlns="" val="1"/>
               </a:ext>
             </a:extLst>
           </p:cNvPr>
@@ -21986,7 +22492,7 @@
           <p:nvPr>
             <p:extLst>
               <p:ext uri="{386F3935-93C4-4BCD-93E2-E3B085C9AB24}">
-                <p16:designElem xmlns="" xmlns:p16="http://schemas.microsoft.com/office/powerpoint/2015/main" val="1"/>
+                <p16:designElem xmlns:p16="http://schemas.microsoft.com/office/powerpoint/2015/main" xmlns="" val="1"/>
               </p:ext>
             </p:extLst>
           </p:nvPr>
@@ -22064,10 +22570,10 @@
           <p:cNvPr id="38" name="Oval 37">
             <a:extLst>
               <a:ext uri="{FF2B5EF4-FFF2-40B4-BE49-F238E27FC236}">
-                <a16:creationId xmlns="" xmlns:a16="http://schemas.microsoft.com/office/drawing/2014/main" id="{EF99ECAA-1F11-4937-BBA6-51935AB44C9D}"/>
+                <a16:creationId xmlns:a16="http://schemas.microsoft.com/office/drawing/2014/main" xmlns="" id="{EF99ECAA-1F11-4937-BBA6-51935AB44C9D}"/>
               </a:ext>
               <a:ext uri="{C183D7F6-B498-43B3-948B-1728B52AA6E4}">
-                <adec:decorative xmlns="" xmlns:adec="http://schemas.microsoft.com/office/drawing/2017/decorative" val="1"/>
+                <adec:decorative xmlns:adec="http://schemas.microsoft.com/office/drawing/2017/decorative" xmlns="" val="1"/>
               </a:ext>
             </a:extLst>
           </p:cNvPr>
@@ -22077,7 +22583,7 @@
           <p:nvPr>
             <p:extLst>
               <p:ext uri="{386F3935-93C4-4BCD-93E2-E3B085C9AB24}">
-                <p16:designElem xmlns="" xmlns:p16="http://schemas.microsoft.com/office/powerpoint/2015/main" val="1"/>
+                <p16:designElem xmlns:p16="http://schemas.microsoft.com/office/powerpoint/2015/main" xmlns="" val="1"/>
               </p:ext>
             </p:extLst>
           </p:nvPr>
@@ -22156,10 +22662,10 @@
           <p:cNvPr id="40" name="Group 39">
             <a:extLst>
               <a:ext uri="{FF2B5EF4-FFF2-40B4-BE49-F238E27FC236}">
-                <a16:creationId xmlns="" xmlns:a16="http://schemas.microsoft.com/office/drawing/2014/main" id="{79DE9FAB-6BBA-4CFE-B67D-77B47F01ECA4}"/>
+                <a16:creationId xmlns:a16="http://schemas.microsoft.com/office/drawing/2014/main" xmlns="" id="{79DE9FAB-6BBA-4CFE-B67D-77B47F01ECA4}"/>
               </a:ext>
               <a:ext uri="{C183D7F6-B498-43B3-948B-1728B52AA6E4}">
-                <adec:decorative xmlns="" xmlns:adec="http://schemas.microsoft.com/office/drawing/2017/decorative" val="1"/>
+                <adec:decorative xmlns:adec="http://schemas.microsoft.com/office/drawing/2017/decorative" xmlns="" val="1"/>
               </a:ext>
             </a:extLst>
           </p:cNvPr>
@@ -22169,7 +22675,7 @@
           <p:nvPr>
             <p:extLst>
               <p:ext uri="{386F3935-93C4-4BCD-93E2-E3B085C9AB24}">
-                <p16:designElem xmlns="" xmlns:p16="http://schemas.microsoft.com/office/powerpoint/2015/main" val="1"/>
+                <p16:designElem xmlns:p16="http://schemas.microsoft.com/office/powerpoint/2015/main" xmlns="" val="1"/>
               </p:ext>
             </p:extLst>
           </p:nvPr>
@@ -22187,10 +22693,10 @@
             <p:cNvPr id="41" name="Freeform: Shape 40">
               <a:extLst>
                 <a:ext uri="{FF2B5EF4-FFF2-40B4-BE49-F238E27FC236}">
-                  <a16:creationId xmlns="" xmlns:a16="http://schemas.microsoft.com/office/drawing/2014/main" id="{79FAC916-D9BB-4794-81B4-7C47C67E850D}"/>
+                  <a16:creationId xmlns:a16="http://schemas.microsoft.com/office/drawing/2014/main" xmlns="" id="{79FAC916-D9BB-4794-81B4-7C47C67E850D}"/>
                 </a:ext>
                 <a:ext uri="{C183D7F6-B498-43B3-948B-1728B52AA6E4}">
-                  <adec:decorative xmlns="" xmlns:adec="http://schemas.microsoft.com/office/drawing/2017/decorative" val="1"/>
+                  <adec:decorative xmlns:adec="http://schemas.microsoft.com/office/drawing/2017/decorative" xmlns="" val="1"/>
                 </a:ext>
               </a:extLst>
             </p:cNvPr>
@@ -22200,7 +22706,7 @@
             <p:nvPr>
               <p:extLst>
                 <p:ext uri="{386F3935-93C4-4BCD-93E2-E3B085C9AB24}">
-                  <p16:designElem xmlns="" xmlns:p16="http://schemas.microsoft.com/office/powerpoint/2015/main" val="1"/>
+                  <p16:designElem xmlns:p16="http://schemas.microsoft.com/office/powerpoint/2015/main" xmlns="" val="1"/>
                 </p:ext>
               </p:extLst>
             </p:nvPr>
@@ -22334,10 +22840,10 @@
             <p:cNvPr id="42" name="Freeform: Shape 41">
               <a:extLst>
                 <a:ext uri="{FF2B5EF4-FFF2-40B4-BE49-F238E27FC236}">
-                  <a16:creationId xmlns="" xmlns:a16="http://schemas.microsoft.com/office/drawing/2014/main" id="{B5CA2231-7A65-4D16-8400-A210CC41DB73}"/>
+                  <a16:creationId xmlns:a16="http://schemas.microsoft.com/office/drawing/2014/main" xmlns="" id="{B5CA2231-7A65-4D16-8400-A210CC41DB73}"/>
                 </a:ext>
                 <a:ext uri="{C183D7F6-B498-43B3-948B-1728B52AA6E4}">
-                  <adec:decorative xmlns="" xmlns:adec="http://schemas.microsoft.com/office/drawing/2017/decorative" val="1"/>
+                  <adec:decorative xmlns:adec="http://schemas.microsoft.com/office/drawing/2017/decorative" xmlns="" val="1"/>
                 </a:ext>
               </a:extLst>
             </p:cNvPr>
@@ -22347,7 +22853,7 @@
             <p:nvPr>
               <p:extLst>
                 <p:ext uri="{386F3935-93C4-4BCD-93E2-E3B085C9AB24}">
-                  <p16:designElem xmlns="" xmlns:p16="http://schemas.microsoft.com/office/powerpoint/2015/main" val="1"/>
+                  <p16:designElem xmlns:p16="http://schemas.microsoft.com/office/powerpoint/2015/main" xmlns="" val="1"/>
                 </p:ext>
               </p:extLst>
             </p:nvPr>
@@ -22483,10 +22989,10 @@
             <p:cNvPr id="43" name="Oval 42">
               <a:extLst>
                 <a:ext uri="{FF2B5EF4-FFF2-40B4-BE49-F238E27FC236}">
-                  <a16:creationId xmlns="" xmlns:a16="http://schemas.microsoft.com/office/drawing/2014/main" id="{4B089C8C-B82B-4704-88E2-E857A5E21529}"/>
+                  <a16:creationId xmlns:a16="http://schemas.microsoft.com/office/drawing/2014/main" xmlns="" id="{4B089C8C-B82B-4704-88E2-E857A5E21529}"/>
                 </a:ext>
                 <a:ext uri="{C183D7F6-B498-43B3-948B-1728B52AA6E4}">
-                  <adec:decorative xmlns="" xmlns:adec="http://schemas.microsoft.com/office/drawing/2017/decorative" val="1"/>
+                  <adec:decorative xmlns:adec="http://schemas.microsoft.com/office/drawing/2017/decorative" xmlns="" val="1"/>
                 </a:ext>
               </a:extLst>
             </p:cNvPr>
@@ -22494,7 +23000,7 @@
             <p:nvPr>
               <p:extLst>
                 <p:ext uri="{386F3935-93C4-4BCD-93E2-E3B085C9AB24}">
-                  <p16:designElem xmlns="" xmlns:p16="http://schemas.microsoft.com/office/powerpoint/2015/main" val="1"/>
+                  <p16:designElem xmlns:p16="http://schemas.microsoft.com/office/powerpoint/2015/main" xmlns="" val="1"/>
                 </p:ext>
               </p:extLst>
             </p:nvPr>
@@ -22561,10 +23067,10 @@
             <p:cNvPr id="44" name="Oval 43">
               <a:extLst>
                 <a:ext uri="{FF2B5EF4-FFF2-40B4-BE49-F238E27FC236}">
-                  <a16:creationId xmlns="" xmlns:a16="http://schemas.microsoft.com/office/drawing/2014/main" id="{434B90C8-5B4D-456E-AD99-80EF748FDD72}"/>
+                  <a16:creationId xmlns:a16="http://schemas.microsoft.com/office/drawing/2014/main" xmlns="" id="{434B90C8-5B4D-456E-AD99-80EF748FDD72}"/>
                 </a:ext>
                 <a:ext uri="{C183D7F6-B498-43B3-948B-1728B52AA6E4}">
-                  <adec:decorative xmlns="" xmlns:adec="http://schemas.microsoft.com/office/drawing/2017/decorative" val="1"/>
+                  <adec:decorative xmlns:adec="http://schemas.microsoft.com/office/drawing/2017/decorative" xmlns="" val="1"/>
                 </a:ext>
               </a:extLst>
             </p:cNvPr>
@@ -22572,7 +23078,7 @@
             <p:nvPr>
               <p:extLst>
                 <p:ext uri="{386F3935-93C4-4BCD-93E2-E3B085C9AB24}">
-                  <p16:designElem xmlns="" xmlns:p16="http://schemas.microsoft.com/office/powerpoint/2015/main" val="1"/>
+                  <p16:designElem xmlns:p16="http://schemas.microsoft.com/office/powerpoint/2015/main" xmlns="" val="1"/>
                 </p:ext>
               </p:extLst>
             </p:nvPr>
@@ -22640,10 +23146,10 @@
           <p:cNvPr id="46" name="Rectangle 45">
             <a:extLst>
               <a:ext uri="{FF2B5EF4-FFF2-40B4-BE49-F238E27FC236}">
-                <a16:creationId xmlns="" xmlns:a16="http://schemas.microsoft.com/office/drawing/2014/main" id="{1DB043B4-68C6-45B9-82AC-A5800EADB8DB}"/>
+                <a16:creationId xmlns:a16="http://schemas.microsoft.com/office/drawing/2014/main" xmlns="" id="{1DB043B4-68C6-45B9-82AC-A5800EADB8DB}"/>
               </a:ext>
               <a:ext uri="{C183D7F6-B498-43B3-948B-1728B52AA6E4}">
-                <adec:decorative xmlns="" xmlns:adec="http://schemas.microsoft.com/office/drawing/2017/decorative" val="1"/>
+                <adec:decorative xmlns:adec="http://schemas.microsoft.com/office/drawing/2017/decorative" xmlns="" val="1"/>
               </a:ext>
             </a:extLst>
           </p:cNvPr>
@@ -22653,7 +23159,7 @@
           <p:nvPr>
             <p:extLst>
               <p:ext uri="{386F3935-93C4-4BCD-93E2-E3B085C9AB24}">
-                <p16:designElem xmlns="" xmlns:p16="http://schemas.microsoft.com/office/powerpoint/2015/main" val="1"/>
+                <p16:designElem xmlns:p16="http://schemas.microsoft.com/office/powerpoint/2015/main" xmlns="" val="1"/>
               </p:ext>
             </p:extLst>
           </p:nvPr>
@@ -22716,7 +23222,7 @@
           <p:cNvPr id="8" name="Picture Placeholder 7" descr="Data Points Digital background">
             <a:extLst>
               <a:ext uri="{FF2B5EF4-FFF2-40B4-BE49-F238E27FC236}">
-                <a16:creationId xmlns="" xmlns:a16="http://schemas.microsoft.com/office/drawing/2014/main" id="{5FED7C55-F545-49A1-90FD-D853A25AB453}"/>
+                <a16:creationId xmlns:a16="http://schemas.microsoft.com/office/drawing/2014/main" xmlns="" id="{5FED7C55-F545-49A1-90FD-D853A25AB453}"/>
               </a:ext>
             </a:extLst>
           </p:cNvPr>
@@ -22747,10 +23253,10 @@
           <p:cNvPr id="48" name="Rectangle 47">
             <a:extLst>
               <a:ext uri="{FF2B5EF4-FFF2-40B4-BE49-F238E27FC236}">
-                <a16:creationId xmlns="" xmlns:a16="http://schemas.microsoft.com/office/drawing/2014/main" id="{3C64A91D-E535-4C24-A0E3-96A3810E3FDC}"/>
+                <a16:creationId xmlns:a16="http://schemas.microsoft.com/office/drawing/2014/main" xmlns="" id="{3C64A91D-E535-4C24-A0E3-96A3810E3FDC}"/>
               </a:ext>
               <a:ext uri="{C183D7F6-B498-43B3-948B-1728B52AA6E4}">
-                <adec:decorative xmlns="" xmlns:adec="http://schemas.microsoft.com/office/drawing/2017/decorative" val="1"/>
+                <adec:decorative xmlns:adec="http://schemas.microsoft.com/office/drawing/2017/decorative" xmlns="" val="1"/>
               </a:ext>
             </a:extLst>
           </p:cNvPr>
@@ -22760,7 +23266,7 @@
           <p:nvPr>
             <p:extLst>
               <p:ext uri="{386F3935-93C4-4BCD-93E2-E3B085C9AB24}">
-                <p16:designElem xmlns="" xmlns:p16="http://schemas.microsoft.com/office/powerpoint/2015/main" val="1"/>
+                <p16:designElem xmlns:p16="http://schemas.microsoft.com/office/powerpoint/2015/main" xmlns="" val="1"/>
               </p:ext>
             </p:extLst>
           </p:nvPr>
@@ -22823,10 +23329,10 @@
           <p:cNvPr id="50" name="Rectangle 49">
             <a:extLst>
               <a:ext uri="{FF2B5EF4-FFF2-40B4-BE49-F238E27FC236}">
-                <a16:creationId xmlns="" xmlns:a16="http://schemas.microsoft.com/office/drawing/2014/main" id="{26FC4867-BA3E-4F8E-AB23-684F34DF3D31}"/>
+                <a16:creationId xmlns:a16="http://schemas.microsoft.com/office/drawing/2014/main" xmlns="" id="{26FC4867-BA3E-4F8E-AB23-684F34DF3D31}"/>
               </a:ext>
               <a:ext uri="{C183D7F6-B498-43B3-948B-1728B52AA6E4}">
-                <adec:decorative xmlns="" xmlns:adec="http://schemas.microsoft.com/office/drawing/2017/decorative" val="1"/>
+                <adec:decorative xmlns:adec="http://schemas.microsoft.com/office/drawing/2017/decorative" xmlns="" val="1"/>
               </a:ext>
             </a:extLst>
           </p:cNvPr>
@@ -22836,7 +23342,7 @@
           <p:nvPr>
             <p:extLst>
               <p:ext uri="{386F3935-93C4-4BCD-93E2-E3B085C9AB24}">
-                <p16:designElem xmlns="" xmlns:p16="http://schemas.microsoft.com/office/powerpoint/2015/main" val="1"/>
+                <p16:designElem xmlns:p16="http://schemas.microsoft.com/office/powerpoint/2015/main" xmlns="" val="1"/>
               </p:ext>
             </p:extLst>
           </p:nvPr>
@@ -22899,7 +23405,7 @@
           <p:cNvPr id="15" name="Title 14">
             <a:extLst>
               <a:ext uri="{FF2B5EF4-FFF2-40B4-BE49-F238E27FC236}">
-                <a16:creationId xmlns="" xmlns:a16="http://schemas.microsoft.com/office/drawing/2014/main" id="{40F1DF5B-353A-4270-8C10-6A1509441174}"/>
+                <a16:creationId xmlns:a16="http://schemas.microsoft.com/office/drawing/2014/main" xmlns="" id="{40F1DF5B-353A-4270-8C10-6A1509441174}"/>
               </a:ext>
             </a:extLst>
           </p:cNvPr>
@@ -22945,7 +23451,7 @@
           <p:cNvPr id="4" name="Slide Number Placeholder 3">
             <a:extLst>
               <a:ext uri="{FF2B5EF4-FFF2-40B4-BE49-F238E27FC236}">
-                <a16:creationId xmlns="" xmlns:a16="http://schemas.microsoft.com/office/drawing/2014/main" id="{E1E7D98D-6710-41D2-B258-E1A1059D29F8}"/>
+                <a16:creationId xmlns:a16="http://schemas.microsoft.com/office/drawing/2014/main" xmlns="" id="{E1E7D98D-6710-41D2-B258-E1A1059D29F8}"/>
               </a:ext>
             </a:extLst>
           </p:cNvPr>
@@ -23034,7 +23540,7 @@
           <p:cNvPr id="7" name="Title 6">
             <a:extLst>
               <a:ext uri="{FF2B5EF4-FFF2-40B4-BE49-F238E27FC236}">
-                <a16:creationId xmlns="" xmlns:a16="http://schemas.microsoft.com/office/drawing/2014/main" id="{3E174092-82D3-44E0-8948-4096232ED0A7}"/>
+                <a16:creationId xmlns:a16="http://schemas.microsoft.com/office/drawing/2014/main" xmlns="" id="{3E174092-82D3-44E0-8948-4096232ED0A7}"/>
               </a:ext>
             </a:extLst>
           </p:cNvPr>
@@ -23067,7 +23573,7 @@
           <p:cNvPr id="6" name="Slide Number Placeholder 5">
             <a:extLst>
               <a:ext uri="{FF2B5EF4-FFF2-40B4-BE49-F238E27FC236}">
-                <a16:creationId xmlns="" xmlns:a16="http://schemas.microsoft.com/office/drawing/2014/main" id="{705C33DF-36C9-49E9-B48D-A320B179C4D4}"/>
+                <a16:creationId xmlns:a16="http://schemas.microsoft.com/office/drawing/2014/main" xmlns="" id="{705C33DF-36C9-49E9-B48D-A320B179C4D4}"/>
               </a:ext>
             </a:extLst>
           </p:cNvPr>
@@ -23559,10 +24065,10 @@
           <p:cNvPr id="34" name="Freeform: Shape 33">
             <a:extLst>
               <a:ext uri="{FF2B5EF4-FFF2-40B4-BE49-F238E27FC236}">
-                <a16:creationId xmlns="" xmlns:a16="http://schemas.microsoft.com/office/drawing/2014/main" id="{82184FF4-7029-4ED7-813A-192E60608764}"/>
+                <a16:creationId xmlns:a16="http://schemas.microsoft.com/office/drawing/2014/main" xmlns="" id="{82184FF4-7029-4ED7-813A-192E60608764}"/>
               </a:ext>
               <a:ext uri="{C183D7F6-B498-43B3-948B-1728B52AA6E4}">
-                <adec:decorative xmlns="" xmlns:adec="http://schemas.microsoft.com/office/drawing/2017/decorative" val="1"/>
+                <adec:decorative xmlns:adec="http://schemas.microsoft.com/office/drawing/2017/decorative" xmlns="" val="1"/>
               </a:ext>
             </a:extLst>
           </p:cNvPr>
@@ -23572,7 +24078,7 @@
           <p:nvPr>
             <p:extLst>
               <p:ext uri="{386F3935-93C4-4BCD-93E2-E3B085C9AB24}">
-                <p16:designElem xmlns="" xmlns:p16="http://schemas.microsoft.com/office/powerpoint/2015/main" val="1"/>
+                <p16:designElem xmlns:p16="http://schemas.microsoft.com/office/powerpoint/2015/main" xmlns="" val="1"/>
               </p:ext>
             </p:extLst>
           </p:nvPr>
@@ -23703,10 +24209,10 @@
           <p:cNvPr id="36" name="Oval 35">
             <a:extLst>
               <a:ext uri="{FF2B5EF4-FFF2-40B4-BE49-F238E27FC236}">
-                <a16:creationId xmlns="" xmlns:a16="http://schemas.microsoft.com/office/drawing/2014/main" id="{AAA7AB09-557C-41AD-9113-FF9F68FA1035}"/>
+                <a16:creationId xmlns:a16="http://schemas.microsoft.com/office/drawing/2014/main" xmlns="" id="{AAA7AB09-557C-41AD-9113-FF9F68FA1035}"/>
               </a:ext>
               <a:ext uri="{C183D7F6-B498-43B3-948B-1728B52AA6E4}">
-                <adec:decorative xmlns="" xmlns:adec="http://schemas.microsoft.com/office/drawing/2017/decorative" val="1"/>
+                <adec:decorative xmlns:adec="http://schemas.microsoft.com/office/drawing/2017/decorative" xmlns="" val="1"/>
               </a:ext>
             </a:extLst>
           </p:cNvPr>
@@ -23716,7 +24222,7 @@
           <p:nvPr>
             <p:extLst>
               <p:ext uri="{386F3935-93C4-4BCD-93E2-E3B085C9AB24}">
-                <p16:designElem xmlns="" xmlns:p16="http://schemas.microsoft.com/office/powerpoint/2015/main" val="1"/>
+                <p16:designElem xmlns:p16="http://schemas.microsoft.com/office/powerpoint/2015/main" xmlns="" val="1"/>
               </p:ext>
             </p:extLst>
           </p:nvPr>
@@ -23794,10 +24300,10 @@
           <p:cNvPr id="38" name="Oval 37">
             <a:extLst>
               <a:ext uri="{FF2B5EF4-FFF2-40B4-BE49-F238E27FC236}">
-                <a16:creationId xmlns="" xmlns:a16="http://schemas.microsoft.com/office/drawing/2014/main" id="{EF99ECAA-1F11-4937-BBA6-51935AB44C9D}"/>
+                <a16:creationId xmlns:a16="http://schemas.microsoft.com/office/drawing/2014/main" xmlns="" id="{EF99ECAA-1F11-4937-BBA6-51935AB44C9D}"/>
               </a:ext>
               <a:ext uri="{C183D7F6-B498-43B3-948B-1728B52AA6E4}">
-                <adec:decorative xmlns="" xmlns:adec="http://schemas.microsoft.com/office/drawing/2017/decorative" val="1"/>
+                <adec:decorative xmlns:adec="http://schemas.microsoft.com/office/drawing/2017/decorative" xmlns="" val="1"/>
               </a:ext>
             </a:extLst>
           </p:cNvPr>
@@ -23807,7 +24313,7 @@
           <p:nvPr>
             <p:extLst>
               <p:ext uri="{386F3935-93C4-4BCD-93E2-E3B085C9AB24}">
-                <p16:designElem xmlns="" xmlns:p16="http://schemas.microsoft.com/office/powerpoint/2015/main" val="1"/>
+                <p16:designElem xmlns:p16="http://schemas.microsoft.com/office/powerpoint/2015/main" xmlns="" val="1"/>
               </p:ext>
             </p:extLst>
           </p:nvPr>
@@ -23886,10 +24392,10 @@
           <p:cNvPr id="40" name="Group 39">
             <a:extLst>
               <a:ext uri="{FF2B5EF4-FFF2-40B4-BE49-F238E27FC236}">
-                <a16:creationId xmlns="" xmlns:a16="http://schemas.microsoft.com/office/drawing/2014/main" id="{79DE9FAB-6BBA-4CFE-B67D-77B47F01ECA4}"/>
+                <a16:creationId xmlns:a16="http://schemas.microsoft.com/office/drawing/2014/main" xmlns="" id="{79DE9FAB-6BBA-4CFE-B67D-77B47F01ECA4}"/>
               </a:ext>
               <a:ext uri="{C183D7F6-B498-43B3-948B-1728B52AA6E4}">
-                <adec:decorative xmlns="" xmlns:adec="http://schemas.microsoft.com/office/drawing/2017/decorative" val="1"/>
+                <adec:decorative xmlns:adec="http://schemas.microsoft.com/office/drawing/2017/decorative" xmlns="" val="1"/>
               </a:ext>
             </a:extLst>
           </p:cNvPr>
@@ -23899,7 +24405,7 @@
           <p:nvPr>
             <p:extLst>
               <p:ext uri="{386F3935-93C4-4BCD-93E2-E3B085C9AB24}">
-                <p16:designElem xmlns="" xmlns:p16="http://schemas.microsoft.com/office/powerpoint/2015/main" val="1"/>
+                <p16:designElem xmlns:p16="http://schemas.microsoft.com/office/powerpoint/2015/main" xmlns="" val="1"/>
               </p:ext>
             </p:extLst>
           </p:nvPr>
@@ -23917,10 +24423,10 @@
             <p:cNvPr id="41" name="Freeform: Shape 40">
               <a:extLst>
                 <a:ext uri="{FF2B5EF4-FFF2-40B4-BE49-F238E27FC236}">
-                  <a16:creationId xmlns="" xmlns:a16="http://schemas.microsoft.com/office/drawing/2014/main" id="{79FAC916-D9BB-4794-81B4-7C47C67E850D}"/>
+                  <a16:creationId xmlns:a16="http://schemas.microsoft.com/office/drawing/2014/main" xmlns="" id="{79FAC916-D9BB-4794-81B4-7C47C67E850D}"/>
                 </a:ext>
                 <a:ext uri="{C183D7F6-B498-43B3-948B-1728B52AA6E4}">
-                  <adec:decorative xmlns="" xmlns:adec="http://schemas.microsoft.com/office/drawing/2017/decorative" val="1"/>
+                  <adec:decorative xmlns:adec="http://schemas.microsoft.com/office/drawing/2017/decorative" xmlns="" val="1"/>
                 </a:ext>
               </a:extLst>
             </p:cNvPr>
@@ -23930,7 +24436,7 @@
             <p:nvPr>
               <p:extLst>
                 <p:ext uri="{386F3935-93C4-4BCD-93E2-E3B085C9AB24}">
-                  <p16:designElem xmlns="" xmlns:p16="http://schemas.microsoft.com/office/powerpoint/2015/main" val="1"/>
+                  <p16:designElem xmlns:p16="http://schemas.microsoft.com/office/powerpoint/2015/main" xmlns="" val="1"/>
                 </p:ext>
               </p:extLst>
             </p:nvPr>
@@ -24064,10 +24570,10 @@
             <p:cNvPr id="42" name="Freeform: Shape 41">
               <a:extLst>
                 <a:ext uri="{FF2B5EF4-FFF2-40B4-BE49-F238E27FC236}">
-                  <a16:creationId xmlns="" xmlns:a16="http://schemas.microsoft.com/office/drawing/2014/main" id="{B5CA2231-7A65-4D16-8400-A210CC41DB73}"/>
+                  <a16:creationId xmlns:a16="http://schemas.microsoft.com/office/drawing/2014/main" xmlns="" id="{B5CA2231-7A65-4D16-8400-A210CC41DB73}"/>
                 </a:ext>
                 <a:ext uri="{C183D7F6-B498-43B3-948B-1728B52AA6E4}">
-                  <adec:decorative xmlns="" xmlns:adec="http://schemas.microsoft.com/office/drawing/2017/decorative" val="1"/>
+                  <adec:decorative xmlns:adec="http://schemas.microsoft.com/office/drawing/2017/decorative" xmlns="" val="1"/>
                 </a:ext>
               </a:extLst>
             </p:cNvPr>
@@ -24077,7 +24583,7 @@
             <p:nvPr>
               <p:extLst>
                 <p:ext uri="{386F3935-93C4-4BCD-93E2-E3B085C9AB24}">
-                  <p16:designElem xmlns="" xmlns:p16="http://schemas.microsoft.com/office/powerpoint/2015/main" val="1"/>
+                  <p16:designElem xmlns:p16="http://schemas.microsoft.com/office/powerpoint/2015/main" xmlns="" val="1"/>
                 </p:ext>
               </p:extLst>
             </p:nvPr>
@@ -24213,10 +24719,10 @@
             <p:cNvPr id="43" name="Oval 42">
               <a:extLst>
                 <a:ext uri="{FF2B5EF4-FFF2-40B4-BE49-F238E27FC236}">
-                  <a16:creationId xmlns="" xmlns:a16="http://schemas.microsoft.com/office/drawing/2014/main" id="{4B089C8C-B82B-4704-88E2-E857A5E21529}"/>
+                  <a16:creationId xmlns:a16="http://schemas.microsoft.com/office/drawing/2014/main" xmlns="" id="{4B089C8C-B82B-4704-88E2-E857A5E21529}"/>
                 </a:ext>
                 <a:ext uri="{C183D7F6-B498-43B3-948B-1728B52AA6E4}">
-                  <adec:decorative xmlns="" xmlns:adec="http://schemas.microsoft.com/office/drawing/2017/decorative" val="1"/>
+                  <adec:decorative xmlns:adec="http://schemas.microsoft.com/office/drawing/2017/decorative" xmlns="" val="1"/>
                 </a:ext>
               </a:extLst>
             </p:cNvPr>
@@ -24224,7 +24730,7 @@
             <p:nvPr>
               <p:extLst>
                 <p:ext uri="{386F3935-93C4-4BCD-93E2-E3B085C9AB24}">
-                  <p16:designElem xmlns="" xmlns:p16="http://schemas.microsoft.com/office/powerpoint/2015/main" val="1"/>
+                  <p16:designElem xmlns:p16="http://schemas.microsoft.com/office/powerpoint/2015/main" xmlns="" val="1"/>
                 </p:ext>
               </p:extLst>
             </p:nvPr>
@@ -24291,10 +24797,10 @@
             <p:cNvPr id="44" name="Oval 43">
               <a:extLst>
                 <a:ext uri="{FF2B5EF4-FFF2-40B4-BE49-F238E27FC236}">
-                  <a16:creationId xmlns="" xmlns:a16="http://schemas.microsoft.com/office/drawing/2014/main" id="{434B90C8-5B4D-456E-AD99-80EF748FDD72}"/>
+                  <a16:creationId xmlns:a16="http://schemas.microsoft.com/office/drawing/2014/main" xmlns="" id="{434B90C8-5B4D-456E-AD99-80EF748FDD72}"/>
                 </a:ext>
                 <a:ext uri="{C183D7F6-B498-43B3-948B-1728B52AA6E4}">
-                  <adec:decorative xmlns="" xmlns:adec="http://schemas.microsoft.com/office/drawing/2017/decorative" val="1"/>
+                  <adec:decorative xmlns:adec="http://schemas.microsoft.com/office/drawing/2017/decorative" xmlns="" val="1"/>
                 </a:ext>
               </a:extLst>
             </p:cNvPr>
@@ -24302,7 +24808,7 @@
             <p:nvPr>
               <p:extLst>
                 <p:ext uri="{386F3935-93C4-4BCD-93E2-E3B085C9AB24}">
-                  <p16:designElem xmlns="" xmlns:p16="http://schemas.microsoft.com/office/powerpoint/2015/main" val="1"/>
+                  <p16:designElem xmlns:p16="http://schemas.microsoft.com/office/powerpoint/2015/main" xmlns="" val="1"/>
                 </p:ext>
               </p:extLst>
             </p:nvPr>
@@ -24370,10 +24876,10 @@
           <p:cNvPr id="46" name="Rectangle 45">
             <a:extLst>
               <a:ext uri="{FF2B5EF4-FFF2-40B4-BE49-F238E27FC236}">
-                <a16:creationId xmlns="" xmlns:a16="http://schemas.microsoft.com/office/drawing/2014/main" id="{1DB043B4-68C6-45B9-82AC-A5800EADB8DB}"/>
+                <a16:creationId xmlns:a16="http://schemas.microsoft.com/office/drawing/2014/main" xmlns="" id="{1DB043B4-68C6-45B9-82AC-A5800EADB8DB}"/>
               </a:ext>
               <a:ext uri="{C183D7F6-B498-43B3-948B-1728B52AA6E4}">
-                <adec:decorative xmlns="" xmlns:adec="http://schemas.microsoft.com/office/drawing/2017/decorative" val="1"/>
+                <adec:decorative xmlns:adec="http://schemas.microsoft.com/office/drawing/2017/decorative" xmlns="" val="1"/>
               </a:ext>
             </a:extLst>
           </p:cNvPr>
@@ -24383,7 +24889,7 @@
           <p:nvPr>
             <p:extLst>
               <p:ext uri="{386F3935-93C4-4BCD-93E2-E3B085C9AB24}">
-                <p16:designElem xmlns="" xmlns:p16="http://schemas.microsoft.com/office/powerpoint/2015/main" val="1"/>
+                <p16:designElem xmlns:p16="http://schemas.microsoft.com/office/powerpoint/2015/main" xmlns="" val="1"/>
               </p:ext>
             </p:extLst>
           </p:nvPr>
@@ -24446,7 +24952,7 @@
           <p:cNvPr id="8" name="Picture Placeholder 7" descr="Data Points Digital background">
             <a:extLst>
               <a:ext uri="{FF2B5EF4-FFF2-40B4-BE49-F238E27FC236}">
-                <a16:creationId xmlns="" xmlns:a16="http://schemas.microsoft.com/office/drawing/2014/main" id="{5FED7C55-F545-49A1-90FD-D853A25AB453}"/>
+                <a16:creationId xmlns:a16="http://schemas.microsoft.com/office/drawing/2014/main" xmlns="" id="{5FED7C55-F545-49A1-90FD-D853A25AB453}"/>
               </a:ext>
             </a:extLst>
           </p:cNvPr>
@@ -24477,10 +24983,10 @@
           <p:cNvPr id="48" name="Rectangle 47">
             <a:extLst>
               <a:ext uri="{FF2B5EF4-FFF2-40B4-BE49-F238E27FC236}">
-                <a16:creationId xmlns="" xmlns:a16="http://schemas.microsoft.com/office/drawing/2014/main" id="{3C64A91D-E535-4C24-A0E3-96A3810E3FDC}"/>
+                <a16:creationId xmlns:a16="http://schemas.microsoft.com/office/drawing/2014/main" xmlns="" id="{3C64A91D-E535-4C24-A0E3-96A3810E3FDC}"/>
               </a:ext>
               <a:ext uri="{C183D7F6-B498-43B3-948B-1728B52AA6E4}">
-                <adec:decorative xmlns="" xmlns:adec="http://schemas.microsoft.com/office/drawing/2017/decorative" val="1"/>
+                <adec:decorative xmlns:adec="http://schemas.microsoft.com/office/drawing/2017/decorative" xmlns="" val="1"/>
               </a:ext>
             </a:extLst>
           </p:cNvPr>
@@ -24490,7 +24996,7 @@
           <p:nvPr>
             <p:extLst>
               <p:ext uri="{386F3935-93C4-4BCD-93E2-E3B085C9AB24}">
-                <p16:designElem xmlns="" xmlns:p16="http://schemas.microsoft.com/office/powerpoint/2015/main" val="1"/>
+                <p16:designElem xmlns:p16="http://schemas.microsoft.com/office/powerpoint/2015/main" xmlns="" val="1"/>
               </p:ext>
             </p:extLst>
           </p:nvPr>
@@ -24553,10 +25059,10 @@
           <p:cNvPr id="50" name="Rectangle 49">
             <a:extLst>
               <a:ext uri="{FF2B5EF4-FFF2-40B4-BE49-F238E27FC236}">
-                <a16:creationId xmlns="" xmlns:a16="http://schemas.microsoft.com/office/drawing/2014/main" id="{26FC4867-BA3E-4F8E-AB23-684F34DF3D31}"/>
+                <a16:creationId xmlns:a16="http://schemas.microsoft.com/office/drawing/2014/main" xmlns="" id="{26FC4867-BA3E-4F8E-AB23-684F34DF3D31}"/>
               </a:ext>
               <a:ext uri="{C183D7F6-B498-43B3-948B-1728B52AA6E4}">
-                <adec:decorative xmlns="" xmlns:adec="http://schemas.microsoft.com/office/drawing/2017/decorative" val="1"/>
+                <adec:decorative xmlns:adec="http://schemas.microsoft.com/office/drawing/2017/decorative" xmlns="" val="1"/>
               </a:ext>
             </a:extLst>
           </p:cNvPr>
@@ -24566,7 +25072,7 @@
           <p:nvPr>
             <p:extLst>
               <p:ext uri="{386F3935-93C4-4BCD-93E2-E3B085C9AB24}">
-                <p16:designElem xmlns="" xmlns:p16="http://schemas.microsoft.com/office/powerpoint/2015/main" val="1"/>
+                <p16:designElem xmlns:p16="http://schemas.microsoft.com/office/powerpoint/2015/main" xmlns="" val="1"/>
               </p:ext>
             </p:extLst>
           </p:nvPr>
@@ -24629,7 +25135,7 @@
           <p:cNvPr id="15" name="Title 14">
             <a:extLst>
               <a:ext uri="{FF2B5EF4-FFF2-40B4-BE49-F238E27FC236}">
-                <a16:creationId xmlns="" xmlns:a16="http://schemas.microsoft.com/office/drawing/2014/main" id="{40F1DF5B-353A-4270-8C10-6A1509441174}"/>
+                <a16:creationId xmlns:a16="http://schemas.microsoft.com/office/drawing/2014/main" xmlns="" id="{40F1DF5B-353A-4270-8C10-6A1509441174}"/>
               </a:ext>
             </a:extLst>
           </p:cNvPr>
@@ -24679,7 +25185,7 @@
           <p:cNvPr id="4" name="Slide Number Placeholder 3">
             <a:extLst>
               <a:ext uri="{FF2B5EF4-FFF2-40B4-BE49-F238E27FC236}">
-                <a16:creationId xmlns="" xmlns:a16="http://schemas.microsoft.com/office/drawing/2014/main" id="{E1E7D98D-6710-41D2-B258-E1A1059D29F8}"/>
+                <a16:creationId xmlns:a16="http://schemas.microsoft.com/office/drawing/2014/main" xmlns="" id="{E1E7D98D-6710-41D2-B258-E1A1059D29F8}"/>
               </a:ext>
             </a:extLst>
           </p:cNvPr>
@@ -24768,7 +25274,7 @@
           <p:cNvPr id="6" name="Title 5">
             <a:extLst>
               <a:ext uri="{FF2B5EF4-FFF2-40B4-BE49-F238E27FC236}">
-                <a16:creationId xmlns="" xmlns:a16="http://schemas.microsoft.com/office/drawing/2014/main" id="{ED2A30C0-1BC4-4764-9C0F-5D811CAB8312}"/>
+                <a16:creationId xmlns:a16="http://schemas.microsoft.com/office/drawing/2014/main" xmlns="" id="{ED2A30C0-1BC4-4764-9C0F-5D811CAB8312}"/>
               </a:ext>
             </a:extLst>
           </p:cNvPr>
@@ -24801,7 +25307,7 @@
           <p:cNvPr id="9" name="Slide Number Placeholder 8">
             <a:extLst>
               <a:ext uri="{FF2B5EF4-FFF2-40B4-BE49-F238E27FC236}">
-                <a16:creationId xmlns="" xmlns:a16="http://schemas.microsoft.com/office/drawing/2014/main" id="{7AF9A883-CC44-4401-AE67-8FCEACB7DDDA}"/>
+                <a16:creationId xmlns:a16="http://schemas.microsoft.com/office/drawing/2014/main" xmlns="" id="{7AF9A883-CC44-4401-AE67-8FCEACB7DDDA}"/>
               </a:ext>
             </a:extLst>
           </p:cNvPr>
@@ -25197,7 +25703,7 @@
           <p:cNvPr id="3" name="Title 2">
             <a:extLst>
               <a:ext uri="{FF2B5EF4-FFF2-40B4-BE49-F238E27FC236}">
-                <a16:creationId xmlns="" xmlns:a16="http://schemas.microsoft.com/office/drawing/2014/main" id="{FAD72D26-24EF-4CBD-9431-A558CB7CA906}"/>
+                <a16:creationId xmlns:a16="http://schemas.microsoft.com/office/drawing/2014/main" xmlns="" id="{FAD72D26-24EF-4CBD-9431-A558CB7CA906}"/>
               </a:ext>
             </a:extLst>
           </p:cNvPr>
@@ -25237,7 +25743,7 @@
           <p:cNvPr id="6" name="Slide Number Placeholder 5">
             <a:extLst>
               <a:ext uri="{FF2B5EF4-FFF2-40B4-BE49-F238E27FC236}">
-                <a16:creationId xmlns="" xmlns:a16="http://schemas.microsoft.com/office/drawing/2014/main" id="{5E5CAC52-3FD1-464A-805A-B8F7AF04574A}"/>
+                <a16:creationId xmlns:a16="http://schemas.microsoft.com/office/drawing/2014/main" xmlns="" id="{5E5CAC52-3FD1-464A-805A-B8F7AF04574A}"/>
               </a:ext>
             </a:extLst>
           </p:cNvPr>
@@ -25400,340 +25906,12 @@
           <a:chExt cx="0" cy="0"/>
         </a:xfrm>
       </p:grpSpPr>
-      <p:grpSp>
-        <p:nvGrpSpPr>
-          <p:cNvPr id="25" name="Group 24">
-            <a:extLst>
-              <a:ext uri="{FF2B5EF4-FFF2-40B4-BE49-F238E27FC236}">
-                <a16:creationId xmlns="" xmlns:a16="http://schemas.microsoft.com/office/drawing/2014/main" id="{D10F3D66-0109-4903-90B9-66D0E288F721}"/>
-              </a:ext>
-              <a:ext uri="{C183D7F6-B498-43B3-948B-1728B52AA6E4}">
-                <adec:decorative xmlns="" xmlns:adec="http://schemas.microsoft.com/office/drawing/2017/decorative" val="1"/>
-              </a:ext>
-            </a:extLst>
-          </p:cNvPr>
-          <p:cNvGrpSpPr/>
-          <p:nvPr/>
-        </p:nvGrpSpPr>
-        <p:grpSpPr>
-          <a:xfrm>
-            <a:off x="10379261" y="2030035"/>
-            <a:ext cx="1335600" cy="1262947"/>
-            <a:chOff x="10145015" y="2343978"/>
-            <a:chExt cx="1335600" cy="1262947"/>
-          </a:xfrm>
-        </p:grpSpPr>
-        <p:sp>
-          <p:nvSpPr>
-            <p:cNvPr id="26" name="Freeform: Shape 25">
-              <a:extLst>
-                <a:ext uri="{FF2B5EF4-FFF2-40B4-BE49-F238E27FC236}">
-                  <a16:creationId xmlns="" xmlns:a16="http://schemas.microsoft.com/office/drawing/2014/main" id="{57DAB968-9B52-4EFF-AD39-7657DFEA6E48}"/>
-                </a:ext>
-              </a:extLst>
-            </p:cNvPr>
-            <p:cNvSpPr>
-              <a:spLocks noChangeAspect="1"/>
-            </p:cNvSpPr>
-            <p:nvPr/>
-          </p:nvSpPr>
-          <p:spPr>
-            <a:xfrm rot="8100000">
-              <a:off x="10400615" y="2343978"/>
-              <a:ext cx="1080000" cy="1262947"/>
-            </a:xfrm>
-            <a:custGeom>
-              <a:avLst/>
-              <a:gdLst>
-                <a:gd name="connsiteX0" fmla="*/ 540000 w 1080000"/>
-                <a:gd name="connsiteY0" fmla="*/ 0 h 1262947"/>
-                <a:gd name="connsiteX1" fmla="*/ 1080000 w 1080000"/>
-                <a:gd name="connsiteY1" fmla="*/ 931034 h 1262947"/>
-                <a:gd name="connsiteX2" fmla="*/ 1064374 w 1080000"/>
-                <a:gd name="connsiteY2" fmla="*/ 931034 h 1262947"/>
-                <a:gd name="connsiteX3" fmla="*/ 1069029 w 1080000"/>
-                <a:gd name="connsiteY3" fmla="*/ 938533 h 1262947"/>
-                <a:gd name="connsiteX4" fmla="*/ 1080000 w 1080000"/>
-                <a:gd name="connsiteY4" fmla="*/ 992947 h 1262947"/>
-                <a:gd name="connsiteX5" fmla="*/ 540000 w 1080000"/>
-                <a:gd name="connsiteY5" fmla="*/ 1262947 h 1262947"/>
-                <a:gd name="connsiteX6" fmla="*/ 0 w 1080000"/>
-                <a:gd name="connsiteY6" fmla="*/ 992947 h 1262947"/>
-                <a:gd name="connsiteX7" fmla="*/ 10971 w 1080000"/>
-                <a:gd name="connsiteY7" fmla="*/ 938533 h 1262947"/>
-                <a:gd name="connsiteX8" fmla="*/ 15626 w 1080000"/>
-                <a:gd name="connsiteY8" fmla="*/ 931034 h 1262947"/>
-                <a:gd name="connsiteX9" fmla="*/ 0 w 1080000"/>
-                <a:gd name="connsiteY9" fmla="*/ 931034 h 1262947"/>
-                <a:gd name="connsiteX0" fmla="*/ 540000 w 1080000"/>
-                <a:gd name="connsiteY0" fmla="*/ 0 h 1262947"/>
-                <a:gd name="connsiteX1" fmla="*/ 1080000 w 1080000"/>
-                <a:gd name="connsiteY1" fmla="*/ 931034 h 1262947"/>
-                <a:gd name="connsiteX2" fmla="*/ 1064374 w 1080000"/>
-                <a:gd name="connsiteY2" fmla="*/ 931034 h 1262947"/>
-                <a:gd name="connsiteX3" fmla="*/ 1069029 w 1080000"/>
-                <a:gd name="connsiteY3" fmla="*/ 938533 h 1262947"/>
-                <a:gd name="connsiteX4" fmla="*/ 1080000 w 1080000"/>
-                <a:gd name="connsiteY4" fmla="*/ 992947 h 1262947"/>
-                <a:gd name="connsiteX5" fmla="*/ 540000 w 1080000"/>
-                <a:gd name="connsiteY5" fmla="*/ 1262947 h 1262947"/>
-                <a:gd name="connsiteX6" fmla="*/ 0 w 1080000"/>
-                <a:gd name="connsiteY6" fmla="*/ 992947 h 1262947"/>
-                <a:gd name="connsiteX7" fmla="*/ 10971 w 1080000"/>
-                <a:gd name="connsiteY7" fmla="*/ 938533 h 1262947"/>
-                <a:gd name="connsiteX8" fmla="*/ 15626 w 1080000"/>
-                <a:gd name="connsiteY8" fmla="*/ 931034 h 1262947"/>
-                <a:gd name="connsiteX9" fmla="*/ 540000 w 1080000"/>
-                <a:gd name="connsiteY9" fmla="*/ 0 h 1262947"/>
-                <a:gd name="connsiteX0" fmla="*/ 540000 w 1080000"/>
-                <a:gd name="connsiteY0" fmla="*/ 0 h 1262947"/>
-                <a:gd name="connsiteX1" fmla="*/ 1064374 w 1080000"/>
-                <a:gd name="connsiteY1" fmla="*/ 931034 h 1262947"/>
-                <a:gd name="connsiteX2" fmla="*/ 1069029 w 1080000"/>
-                <a:gd name="connsiteY2" fmla="*/ 938533 h 1262947"/>
-                <a:gd name="connsiteX3" fmla="*/ 1080000 w 1080000"/>
-                <a:gd name="connsiteY3" fmla="*/ 992947 h 1262947"/>
-                <a:gd name="connsiteX4" fmla="*/ 540000 w 1080000"/>
-                <a:gd name="connsiteY4" fmla="*/ 1262947 h 1262947"/>
-                <a:gd name="connsiteX5" fmla="*/ 0 w 1080000"/>
-                <a:gd name="connsiteY5" fmla="*/ 992947 h 1262947"/>
-                <a:gd name="connsiteX6" fmla="*/ 10971 w 1080000"/>
-                <a:gd name="connsiteY6" fmla="*/ 938533 h 1262947"/>
-                <a:gd name="connsiteX7" fmla="*/ 15626 w 1080000"/>
-                <a:gd name="connsiteY7" fmla="*/ 931034 h 1262947"/>
-                <a:gd name="connsiteX8" fmla="*/ 540000 w 1080000"/>
-                <a:gd name="connsiteY8" fmla="*/ 0 h 1262947"/>
-              </a:gdLst>
-              <a:ahLst/>
-              <a:cxnLst>
-                <a:cxn ang="0">
-                  <a:pos x="connsiteX0" y="connsiteY0"/>
-                </a:cxn>
-                <a:cxn ang="0">
-                  <a:pos x="connsiteX1" y="connsiteY1"/>
-                </a:cxn>
-                <a:cxn ang="0">
-                  <a:pos x="connsiteX2" y="connsiteY2"/>
-                </a:cxn>
-                <a:cxn ang="0">
-                  <a:pos x="connsiteX3" y="connsiteY3"/>
-                </a:cxn>
-                <a:cxn ang="0">
-                  <a:pos x="connsiteX4" y="connsiteY4"/>
-                </a:cxn>
-                <a:cxn ang="0">
-                  <a:pos x="connsiteX5" y="connsiteY5"/>
-                </a:cxn>
-                <a:cxn ang="0">
-                  <a:pos x="connsiteX6" y="connsiteY6"/>
-                </a:cxn>
-                <a:cxn ang="0">
-                  <a:pos x="connsiteX7" y="connsiteY7"/>
-                </a:cxn>
-                <a:cxn ang="0">
-                  <a:pos x="connsiteX8" y="connsiteY8"/>
-                </a:cxn>
-              </a:cxnLst>
-              <a:rect l="l" t="t" r="r" b="b"/>
-              <a:pathLst>
-                <a:path w="1080000" h="1262947">
-                  <a:moveTo>
-                    <a:pt x="540000" y="0"/>
-                  </a:moveTo>
-                  <a:lnTo>
-                    <a:pt x="1064374" y="931034"/>
-                  </a:lnTo>
-                  <a:lnTo>
-                    <a:pt x="1069029" y="938533"/>
-                  </a:lnTo>
-                  <a:cubicBezTo>
-                    <a:pt x="1076223" y="956109"/>
-                    <a:pt x="1080000" y="974307"/>
-                    <a:pt x="1080000" y="992947"/>
-                  </a:cubicBezTo>
-                  <a:cubicBezTo>
-                    <a:pt x="1080000" y="1142064"/>
-                    <a:pt x="838234" y="1262947"/>
-                    <a:pt x="540000" y="1262947"/>
-                  </a:cubicBezTo>
-                  <a:cubicBezTo>
-                    <a:pt x="241766" y="1262947"/>
-                    <a:pt x="0" y="1142064"/>
-                    <a:pt x="0" y="992947"/>
-                  </a:cubicBezTo>
-                  <a:cubicBezTo>
-                    <a:pt x="0" y="974307"/>
-                    <a:pt x="3778" y="956109"/>
-                    <a:pt x="10971" y="938533"/>
-                  </a:cubicBezTo>
-                  <a:lnTo>
-                    <a:pt x="15626" y="931034"/>
-                  </a:lnTo>
-                  <a:lnTo>
-                    <a:pt x="540000" y="0"/>
-                  </a:lnTo>
-                  <a:close/>
-                </a:path>
-              </a:pathLst>
-            </a:custGeom>
-            <a:gradFill>
-              <a:gsLst>
-                <a:gs pos="60000">
-                  <a:schemeClr val="bg2">
-                    <a:lumMod val="90000"/>
-                    <a:lumOff val="10000"/>
-                  </a:schemeClr>
-                </a:gs>
-                <a:gs pos="30000">
-                  <a:schemeClr val="bg2">
-                    <a:lumMod val="90000"/>
-                    <a:lumOff val="10000"/>
-                  </a:schemeClr>
-                </a:gs>
-                <a:gs pos="40000">
-                  <a:schemeClr val="bg2">
-                    <a:lumMod val="80000"/>
-                    <a:lumOff val="20000"/>
-                  </a:schemeClr>
-                </a:gs>
-                <a:gs pos="100000">
-                  <a:schemeClr val="bg2"/>
-                </a:gs>
-              </a:gsLst>
-              <a:lin ang="600000" scaled="0"/>
-            </a:gradFill>
-            <a:ln>
-              <a:noFill/>
-            </a:ln>
-            <a:effectLst>
-              <a:innerShdw blurRad="254000" dist="101600" dir="7320000">
-                <a:schemeClr val="accent1">
-                  <a:lumMod val="60000"/>
-                  <a:lumOff val="40000"/>
-                  <a:alpha val="40000"/>
-                </a:schemeClr>
-              </a:innerShdw>
-            </a:effectLst>
-          </p:spPr>
-          <p:style>
-            <a:lnRef idx="2">
-              <a:schemeClr val="accent1">
-                <a:shade val="50000"/>
-              </a:schemeClr>
-            </a:lnRef>
-            <a:fillRef idx="1">
-              <a:schemeClr val="accent1"/>
-            </a:fillRef>
-            <a:effectRef idx="0">
-              <a:schemeClr val="accent1"/>
-            </a:effectRef>
-            <a:fontRef idx="minor">
-              <a:schemeClr val="lt1"/>
-            </a:fontRef>
-          </p:style>
-          <p:txBody>
-            <a:bodyPr rot="0" spcFirstLastPara="0" vertOverflow="overflow" horzOverflow="overflow" vert="horz" wrap="square" lIns="91440" tIns="45720" rIns="91440" bIns="45720" numCol="1" spcCol="0" rtlCol="0" fromWordArt="0" anchor="ctr" anchorCtr="0" forceAA="0" compatLnSpc="1">
-              <a:prstTxWarp prst="textNoShape">
-                <a:avLst/>
-              </a:prstTxWarp>
-              <a:noAutofit/>
-            </a:bodyPr>
-            <a:lstStyle/>
-            <a:p>
-              <a:pPr algn="ctr"/>
-              <a:endParaRPr lang="en-US"/>
-            </a:p>
-          </p:txBody>
-        </p:sp>
-        <p:sp>
-          <p:nvSpPr>
-            <p:cNvPr id="27" name="Oval 26">
-              <a:extLst>
-                <a:ext uri="{FF2B5EF4-FFF2-40B4-BE49-F238E27FC236}">
-                  <a16:creationId xmlns="" xmlns:a16="http://schemas.microsoft.com/office/drawing/2014/main" id="{962BE440-9634-4380-B142-5DB692420C52}"/>
-                </a:ext>
-              </a:extLst>
-            </p:cNvPr>
-            <p:cNvSpPr/>
-            <p:nvPr/>
-          </p:nvSpPr>
-          <p:spPr>
-            <a:xfrm rot="13500000">
-              <a:off x="10415015" y="2179851"/>
-              <a:ext cx="540000" cy="1080000"/>
-            </a:xfrm>
-            <a:prstGeom prst="ellipse">
-              <a:avLst/>
-            </a:prstGeom>
-            <a:gradFill>
-              <a:gsLst>
-                <a:gs pos="100000">
-                  <a:schemeClr val="accent1">
-                    <a:lumMod val="60000"/>
-                    <a:lumOff val="40000"/>
-                    <a:alpha val="0"/>
-                  </a:schemeClr>
-                </a:gs>
-                <a:gs pos="0">
-                  <a:schemeClr val="bg2">
-                    <a:lumMod val="75000"/>
-                    <a:lumOff val="25000"/>
-                    <a:alpha val="33000"/>
-                  </a:schemeClr>
-                </a:gs>
-              </a:gsLst>
-              <a:lin ang="5400000" scaled="0"/>
-            </a:gradFill>
-            <a:ln>
-              <a:noFill/>
-            </a:ln>
-            <a:effectLst>
-              <a:innerShdw blurRad="1270000" dist="2540000">
-                <a:schemeClr val="accent1">
-                  <a:lumMod val="60000"/>
-                  <a:lumOff val="40000"/>
-                  <a:alpha val="0"/>
-                </a:schemeClr>
-              </a:innerShdw>
-            </a:effectLst>
-          </p:spPr>
-          <p:style>
-            <a:lnRef idx="2">
-              <a:schemeClr val="accent1">
-                <a:shade val="50000"/>
-              </a:schemeClr>
-            </a:lnRef>
-            <a:fillRef idx="1">
-              <a:schemeClr val="accent1"/>
-            </a:fillRef>
-            <a:effectRef idx="0">
-              <a:schemeClr val="accent1"/>
-            </a:effectRef>
-            <a:fontRef idx="minor">
-              <a:schemeClr val="lt1"/>
-            </a:fontRef>
-          </p:style>
-          <p:txBody>
-            <a:bodyPr rot="0" spcFirstLastPara="0" vertOverflow="overflow" horzOverflow="overflow" vert="horz" wrap="square" lIns="91440" tIns="45720" rIns="91440" bIns="45720" numCol="1" spcCol="0" rtlCol="0" fromWordArt="0" anchor="ctr" anchorCtr="0" forceAA="0" compatLnSpc="1">
-              <a:prstTxWarp prst="textNoShape">
-                <a:avLst/>
-              </a:prstTxWarp>
-              <a:noAutofit/>
-            </a:bodyPr>
-            <a:lstStyle/>
-            <a:p>
-              <a:pPr algn="ctr"/>
-              <a:endParaRPr lang="en-US"/>
-            </a:p>
-          </p:txBody>
-        </p:sp>
-      </p:grpSp>
       <p:sp>
         <p:nvSpPr>
           <p:cNvPr id="7" name="Title 6">
             <a:extLst>
               <a:ext uri="{FF2B5EF4-FFF2-40B4-BE49-F238E27FC236}">
-                <a16:creationId xmlns="" xmlns:a16="http://schemas.microsoft.com/office/drawing/2014/main" id="{4B18D636-CC10-4B1E-AA38-419DCCF2D9C9}"/>
+                <a16:creationId xmlns:a16="http://schemas.microsoft.com/office/drawing/2014/main" xmlns="" id="{47788B34-4190-4916-9048-47720EA5ABF1}"/>
               </a:ext>
             </a:extLst>
           </p:cNvPr>
@@ -25746,204 +25924,34 @@
         </p:nvSpPr>
         <p:spPr>
           <a:xfrm>
-            <a:off x="1013633" y="1073908"/>
-            <a:ext cx="9867728" cy="1332000"/>
-          </a:xfrm>
-        </p:spPr>
-        <p:txBody>
-          <a:bodyPr>
-            <a:normAutofit/>
-          </a:bodyPr>
-          <a:lstStyle/>
-          <a:p>
-            <a:r>
-              <a:rPr lang="en-US" dirty="0" smtClean="0"/>
-              <a:t>Types </a:t>
-            </a:r>
-            <a:r>
-              <a:rPr lang="en-US" dirty="0"/>
-              <a:t>of machine </a:t>
-            </a:r>
-            <a:r>
-              <a:rPr lang="en-US" dirty="0" smtClean="0"/>
-              <a:t>translation</a:t>
-            </a:r>
-            <a:endParaRPr lang="en-US" dirty="0"/>
-          </a:p>
-        </p:txBody>
-      </p:sp>
-      <p:sp>
-        <p:nvSpPr>
-          <p:cNvPr id="10" name="Content Placeholder 9">
-            <a:extLst>
-              <a:ext uri="{FF2B5EF4-FFF2-40B4-BE49-F238E27FC236}">
-                <a16:creationId xmlns="" xmlns:a16="http://schemas.microsoft.com/office/drawing/2014/main" id="{1DB251F7-EBE7-46AC-A920-FFE2C5AF68EA}"/>
-              </a:ext>
-            </a:extLst>
-          </p:cNvPr>
-          <p:cNvSpPr>
-            <a:spLocks noGrp="1"/>
-          </p:cNvSpPr>
-          <p:nvPr>
-            <p:ph sz="half" idx="2"/>
-          </p:nvPr>
-        </p:nvSpPr>
-        <p:spPr>
-          <a:xfrm>
-            <a:off x="709727" y="2618164"/>
-            <a:ext cx="8288337" cy="3515555"/>
+            <a:off x="1914256" y="118259"/>
+            <a:ext cx="7324337" cy="666000"/>
           </a:xfrm>
         </p:spPr>
         <p:txBody>
           <a:bodyPr/>
           <a:lstStyle/>
           <a:p>
-            <a:pPr fontAlgn="base"/>
-            <a:r>
-              <a:rPr lang="en-US" sz="2800" b="1" dirty="0">
+            <a:r>
+              <a:rPr lang="en-US" dirty="0" smtClean="0">
                 <a:latin typeface="Times New Roman" panose="02020603050405020304" pitchFamily="18" charset="0"/>
                 <a:cs typeface="Times New Roman" panose="02020603050405020304" pitchFamily="18" charset="0"/>
               </a:rPr>
-              <a:t>Rule-based machine translation (</a:t>
-            </a:r>
-            <a:r>
-              <a:rPr lang="en-US" sz="2800" b="1" dirty="0" err="1">
-                <a:latin typeface="Times New Roman" panose="02020603050405020304" pitchFamily="18" charset="0"/>
-                <a:cs typeface="Times New Roman" panose="02020603050405020304" pitchFamily="18" charset="0"/>
-              </a:rPr>
-              <a:t>RBMT</a:t>
-            </a:r>
-            <a:r>
-              <a:rPr lang="en-US" sz="2800" b="1" dirty="0">
-                <a:latin typeface="Times New Roman" panose="02020603050405020304" pitchFamily="18" charset="0"/>
-                <a:cs typeface="Times New Roman" panose="02020603050405020304" pitchFamily="18" charset="0"/>
-              </a:rPr>
-              <a:t>)</a:t>
-            </a:r>
-          </a:p>
-          <a:p>
-            <a:pPr fontAlgn="base"/>
-            <a:r>
-              <a:rPr lang="en-US" sz="2800" b="1" dirty="0">
-                <a:latin typeface="Times New Roman" panose="02020603050405020304" pitchFamily="18" charset="0"/>
-                <a:cs typeface="Times New Roman" panose="02020603050405020304" pitchFamily="18" charset="0"/>
-              </a:rPr>
-              <a:t>Statistical machine translation (</a:t>
-            </a:r>
-            <a:r>
-              <a:rPr lang="en-US" sz="2800" b="1" dirty="0" err="1">
-                <a:latin typeface="Times New Roman" panose="02020603050405020304" pitchFamily="18" charset="0"/>
-                <a:cs typeface="Times New Roman" panose="02020603050405020304" pitchFamily="18" charset="0"/>
-              </a:rPr>
-              <a:t>SMT</a:t>
-            </a:r>
-            <a:r>
-              <a:rPr lang="en-US" sz="2800" b="1" dirty="0">
-                <a:latin typeface="Times New Roman" panose="02020603050405020304" pitchFamily="18" charset="0"/>
-                <a:cs typeface="Times New Roman" panose="02020603050405020304" pitchFamily="18" charset="0"/>
-              </a:rPr>
-              <a:t>)</a:t>
-            </a:r>
-          </a:p>
-          <a:p>
-            <a:pPr fontAlgn="base"/>
-            <a:r>
-              <a:rPr lang="en-US" sz="2800" b="1" dirty="0">
-                <a:latin typeface="Times New Roman" panose="02020603050405020304" pitchFamily="18" charset="0"/>
-                <a:cs typeface="Times New Roman" panose="02020603050405020304" pitchFamily="18" charset="0"/>
-              </a:rPr>
-              <a:t>Neural machine translation (</a:t>
-            </a:r>
-            <a:r>
-              <a:rPr lang="en-US" sz="2800" b="1" dirty="0" err="1">
-                <a:latin typeface="Times New Roman" panose="02020603050405020304" pitchFamily="18" charset="0"/>
-                <a:cs typeface="Times New Roman" panose="02020603050405020304" pitchFamily="18" charset="0"/>
-              </a:rPr>
-              <a:t>NMT</a:t>
-            </a:r>
-            <a:r>
-              <a:rPr lang="en-US" sz="2800" b="1" dirty="0">
-                <a:latin typeface="Times New Roman" panose="02020603050405020304" pitchFamily="18" charset="0"/>
-                <a:cs typeface="Times New Roman" panose="02020603050405020304" pitchFamily="18" charset="0"/>
-              </a:rPr>
-              <a:t>)</a:t>
-            </a:r>
+              <a:t>How to MT work?</a:t>
+            </a:r>
+            <a:endParaRPr lang="en-US" dirty="0">
+              <a:latin typeface="Times New Roman" panose="02020603050405020304" pitchFamily="18" charset="0"/>
+              <a:cs typeface="Times New Roman" panose="02020603050405020304" pitchFamily="18" charset="0"/>
+            </a:endParaRPr>
           </a:p>
         </p:txBody>
       </p:sp>
       <p:sp>
         <p:nvSpPr>
-          <p:cNvPr id="4" name="Date Placeholder 3">
+          <p:cNvPr id="16" name="Slide Number Placeholder 15">
             <a:extLst>
               <a:ext uri="{FF2B5EF4-FFF2-40B4-BE49-F238E27FC236}">
-                <a16:creationId xmlns="" xmlns:a16="http://schemas.microsoft.com/office/drawing/2014/main" id="{0C329F70-04F7-4C70-BCF8-D4371F54EF2F}"/>
-              </a:ext>
-            </a:extLst>
-          </p:cNvPr>
-          <p:cNvSpPr>
-            <a:spLocks noGrp="1"/>
-          </p:cNvSpPr>
-          <p:nvPr>
-            <p:ph type="dt" sz="half" idx="10"/>
-          </p:nvPr>
-        </p:nvSpPr>
-        <p:spPr>
-          <a:xfrm>
-            <a:off x="550863" y="6507212"/>
-            <a:ext cx="2628900" cy="153888"/>
-          </a:xfrm>
-        </p:spPr>
-        <p:txBody>
-          <a:bodyPr/>
-          <a:lstStyle/>
-          <a:p>
-            <a:r>
-              <a:rPr lang="en-US"/>
-              <a:t>Tuesday, February 2, 20XX</a:t>
-            </a:r>
-            <a:endParaRPr lang="en-US" dirty="0"/>
-          </a:p>
-        </p:txBody>
-      </p:sp>
-      <p:sp>
-        <p:nvSpPr>
-          <p:cNvPr id="5" name="Footer Placeholder 4">
-            <a:extLst>
-              <a:ext uri="{FF2B5EF4-FFF2-40B4-BE49-F238E27FC236}">
-                <a16:creationId xmlns="" xmlns:a16="http://schemas.microsoft.com/office/drawing/2014/main" id="{06A3302E-502D-4151-81C9-5FD6AF9596D6}"/>
-              </a:ext>
-            </a:extLst>
-          </p:cNvPr>
-          <p:cNvSpPr>
-            <a:spLocks noGrp="1"/>
-          </p:cNvSpPr>
-          <p:nvPr>
-            <p:ph type="ftr" sz="quarter" idx="11"/>
-          </p:nvPr>
-        </p:nvSpPr>
-        <p:spPr>
-          <a:xfrm>
-            <a:off x="3359150" y="6507212"/>
-            <a:ext cx="6379210" cy="153888"/>
-          </a:xfrm>
-        </p:spPr>
-        <p:txBody>
-          <a:bodyPr/>
-          <a:lstStyle/>
-          <a:p>
-            <a:r>
-              <a:rPr lang="en-US"/>
-              <a:t>Sample Footer Text</a:t>
-            </a:r>
-          </a:p>
-        </p:txBody>
-      </p:sp>
-      <p:sp>
-        <p:nvSpPr>
-          <p:cNvPr id="6" name="Slide Number Placeholder 5">
-            <a:extLst>
-              <a:ext uri="{FF2B5EF4-FFF2-40B4-BE49-F238E27FC236}">
-                <a16:creationId xmlns="" xmlns:a16="http://schemas.microsoft.com/office/drawing/2014/main" id="{9ED907F8-C614-4D59-A03F-BF9CD5E35703}"/>
+                <a16:creationId xmlns:a16="http://schemas.microsoft.com/office/drawing/2014/main" xmlns="" id="{CF0A8666-4477-461C-A79D-E91232EE973E}"/>
               </a:ext>
             </a:extLst>
           </p:cNvPr>
@@ -25973,177 +25981,51 @@
           </a:p>
         </p:txBody>
       </p:sp>
-      <p:sp>
-        <p:nvSpPr>
-          <p:cNvPr id="22" name="Freeform: Shape 21">
-            <a:extLst>
-              <a:ext uri="{FF2B5EF4-FFF2-40B4-BE49-F238E27FC236}">
-                <a16:creationId xmlns="" xmlns:a16="http://schemas.microsoft.com/office/drawing/2014/main" id="{C6F3814E-455F-456B-B1AF-7B993965A2C0}"/>
-              </a:ext>
-              <a:ext uri="{C183D7F6-B498-43B3-948B-1728B52AA6E4}">
-                <adec:decorative xmlns="" xmlns:adec="http://schemas.microsoft.com/office/drawing/2017/decorative" val="1"/>
-              </a:ext>
-            </a:extLst>
-          </p:cNvPr>
-          <p:cNvSpPr>
-            <a:spLocks noChangeAspect="1"/>
-          </p:cNvSpPr>
-          <p:nvPr/>
-        </p:nvSpPr>
-        <p:spPr>
-          <a:xfrm>
-            <a:off x="4295775" y="0"/>
-            <a:ext cx="360000" cy="274638"/>
-          </a:xfrm>
-          <a:custGeom>
-            <a:avLst/>
-            <a:gdLst>
-              <a:gd name="connsiteX0" fmla="*/ 30714 w 360000"/>
-              <a:gd name="connsiteY0" fmla="*/ 0 h 274638"/>
-              <a:gd name="connsiteX1" fmla="*/ 329286 w 360000"/>
-              <a:gd name="connsiteY1" fmla="*/ 0 h 274638"/>
-              <a:gd name="connsiteX2" fmla="*/ 345855 w 360000"/>
-              <a:gd name="connsiteY2" fmla="*/ 24574 h 274638"/>
-              <a:gd name="connsiteX3" fmla="*/ 360000 w 360000"/>
-              <a:gd name="connsiteY3" fmla="*/ 94638 h 274638"/>
-              <a:gd name="connsiteX4" fmla="*/ 180000 w 360000"/>
-              <a:gd name="connsiteY4" fmla="*/ 274638 h 274638"/>
-              <a:gd name="connsiteX5" fmla="*/ 0 w 360000"/>
-              <a:gd name="connsiteY5" fmla="*/ 94638 h 274638"/>
-              <a:gd name="connsiteX6" fmla="*/ 14145 w 360000"/>
-              <a:gd name="connsiteY6" fmla="*/ 24574 h 274638"/>
-            </a:gdLst>
-            <a:ahLst/>
-            <a:cxnLst>
-              <a:cxn ang="0">
-                <a:pos x="connsiteX0" y="connsiteY0"/>
-              </a:cxn>
-              <a:cxn ang="0">
-                <a:pos x="connsiteX1" y="connsiteY1"/>
-              </a:cxn>
-              <a:cxn ang="0">
-                <a:pos x="connsiteX2" y="connsiteY2"/>
-              </a:cxn>
-              <a:cxn ang="0">
-                <a:pos x="connsiteX3" y="connsiteY3"/>
-              </a:cxn>
-              <a:cxn ang="0">
-                <a:pos x="connsiteX4" y="connsiteY4"/>
-              </a:cxn>
-              <a:cxn ang="0">
-                <a:pos x="connsiteX5" y="connsiteY5"/>
-              </a:cxn>
-              <a:cxn ang="0">
-                <a:pos x="connsiteX6" y="connsiteY6"/>
-              </a:cxn>
-            </a:cxnLst>
-            <a:rect l="l" t="t" r="r" b="b"/>
-            <a:pathLst>
-              <a:path w="360000" h="274638">
-                <a:moveTo>
-                  <a:pt x="30714" y="0"/>
-                </a:moveTo>
-                <a:lnTo>
-                  <a:pt x="329286" y="0"/>
-                </a:lnTo>
-                <a:lnTo>
-                  <a:pt x="345855" y="24574"/>
-                </a:lnTo>
-                <a:cubicBezTo>
-                  <a:pt x="354963" y="46109"/>
-                  <a:pt x="360000" y="69785"/>
-                  <a:pt x="360000" y="94638"/>
-                </a:cubicBezTo>
-                <a:cubicBezTo>
-                  <a:pt x="360000" y="194049"/>
-                  <a:pt x="279411" y="274638"/>
-                  <a:pt x="180000" y="274638"/>
-                </a:cubicBezTo>
-                <a:cubicBezTo>
-                  <a:pt x="80589" y="274638"/>
-                  <a:pt x="0" y="194049"/>
-                  <a:pt x="0" y="94638"/>
-                </a:cubicBezTo>
-                <a:cubicBezTo>
-                  <a:pt x="0" y="69785"/>
-                  <a:pt x="5037" y="46109"/>
-                  <a:pt x="14145" y="24574"/>
-                </a:cubicBezTo>
-                <a:close/>
-              </a:path>
-            </a:pathLst>
-          </a:custGeom>
-          <a:gradFill flip="none" rotWithShape="1">
-            <a:gsLst>
-              <a:gs pos="100000">
-                <a:schemeClr val="bg2">
-                  <a:lumMod val="50000"/>
-                  <a:lumOff val="50000"/>
-                </a:schemeClr>
-              </a:gs>
-              <a:gs pos="60000">
-                <a:schemeClr val="bg2"/>
-              </a:gs>
-            </a:gsLst>
-            <a:path path="circle">
-              <a:fillToRect l="100000" b="100000"/>
-            </a:path>
-            <a:tileRect t="-100000" r="-100000"/>
-          </a:gradFill>
-          <a:ln>
-            <a:noFill/>
-          </a:ln>
-          <a:effectLst>
-            <a:innerShdw blurRad="127000" dist="63500" dir="2700000">
-              <a:schemeClr val="accent1">
-                <a:lumMod val="60000"/>
-                <a:lumOff val="40000"/>
-                <a:alpha val="20000"/>
-              </a:schemeClr>
-            </a:innerShdw>
-            <a:softEdge rad="0"/>
-          </a:effectLst>
-        </p:spPr>
-        <p:style>
-          <a:lnRef idx="2">
-            <a:schemeClr val="accent1">
-              <a:shade val="50000"/>
-            </a:schemeClr>
-          </a:lnRef>
-          <a:fillRef idx="1">
-            <a:schemeClr val="accent1"/>
-          </a:fillRef>
-          <a:effectRef idx="0">
-            <a:schemeClr val="accent1"/>
-          </a:effectRef>
-          <a:fontRef idx="minor">
-            <a:schemeClr val="lt1"/>
-          </a:fontRef>
-        </p:style>
-        <p:txBody>
-          <a:bodyPr rot="0" spcFirstLastPara="0" vertOverflow="overflow" horzOverflow="overflow" vert="horz" wrap="square" lIns="91440" tIns="45720" rIns="91440" bIns="45720" numCol="1" spcCol="0" rtlCol="0" fromWordArt="0" anchor="ctr" anchorCtr="0" forceAA="0" compatLnSpc="1">
-            <a:prstTxWarp prst="textNoShape">
-              <a:avLst/>
-            </a:prstTxWarp>
-            <a:noAutofit/>
-          </a:bodyPr>
-          <a:lstStyle/>
-          <a:p>
-            <a:pPr algn="ctr"/>
-            <a:endParaRPr lang="en-US"/>
-          </a:p>
-        </p:txBody>
-      </p:sp>
       <p:pic>
         <p:nvPicPr>
-          <p:cNvPr id="11" name="Picture 10"/>
+          <p:cNvPr id="2050" name="Picture 2" descr="https://upload.wikimedia.org/wikipedia/commons/thumb/f/f4/Direct_translation_and_transfer_translation_pyramid.svg/300px-Direct_translation_and_transfer_translation_pyramid.svg.png"/>
+          <p:cNvPicPr>
+            <a:picLocks noChangeAspect="1" noChangeArrowheads="1"/>
+          </p:cNvPicPr>
+          <p:nvPr/>
+        </p:nvPicPr>
+        <p:blipFill>
+          <a:blip r:embed="rId3">
+            <a:extLst>
+              <a:ext uri="{28A0092B-C50C-407E-A947-70E740481C1C}">
+                <a14:useLocalDpi xmlns:a14="http://schemas.microsoft.com/office/drawing/2010/main" val="0"/>
+              </a:ext>
+            </a:extLst>
+          </a:blip>
+          <a:srcRect/>
+          <a:stretch>
+            <a:fillRect/>
+          </a:stretch>
+        </p:blipFill>
+        <p:spPr bwMode="auto">
+          <a:xfrm>
+            <a:off x="2963917" y="784259"/>
+            <a:ext cx="6637283" cy="4831212"/>
+          </a:xfrm>
+          <a:prstGeom prst="rect">
+            <a:avLst/>
+          </a:prstGeom>
+          <a:solidFill>
+            <a:schemeClr val="tx1"/>
+          </a:solidFill>
+          <a:extLst/>
+        </p:spPr>
+      </p:pic>
+      <p:pic>
+        <p:nvPicPr>
+          <p:cNvPr id="8" name="Picture 7"/>
           <p:cNvPicPr>
             <a:picLocks noChangeAspect="1"/>
           </p:cNvPicPr>
           <p:nvPr/>
         </p:nvPicPr>
         <p:blipFill>
-          <a:blip r:embed="rId3">
+          <a:blip r:embed="rId4">
             <a:extLst>
               <a:ext uri="{28A0092B-C50C-407E-A947-70E740481C1C}">
                 <a14:useLocalDpi xmlns:a14="http://schemas.microsoft.com/office/drawing/2010/main" val="0"/>
@@ -26164,10 +26046,58 @@
           </a:prstGeom>
         </p:spPr>
       </p:pic>
+      <p:sp>
+        <p:nvSpPr>
+          <p:cNvPr id="10" name="Content Placeholder 9">
+            <a:extLst>
+              <a:ext uri="{FF2B5EF4-FFF2-40B4-BE49-F238E27FC236}">
+                <a16:creationId xmlns:a16="http://schemas.microsoft.com/office/drawing/2014/main" xmlns="" id="{1DB251F7-EBE7-46AC-A920-FFE2C5AF68EA}"/>
+              </a:ext>
+            </a:extLst>
+          </p:cNvPr>
+          <p:cNvSpPr>
+            <a:spLocks noGrp="1"/>
+          </p:cNvSpPr>
+          <p:nvPr>
+            <p:ph sz="half" idx="2"/>
+          </p:nvPr>
+        </p:nvSpPr>
+        <p:spPr>
+          <a:xfrm>
+            <a:off x="4147291" y="5788644"/>
+            <a:ext cx="3846507" cy="492827"/>
+          </a:xfrm>
+        </p:spPr>
+        <p:txBody>
+          <a:bodyPr/>
+          <a:lstStyle/>
+          <a:p>
+            <a:pPr marL="0" indent="0" fontAlgn="base">
+              <a:buNone/>
+            </a:pPr>
+            <a:r>
+              <a:rPr lang="en-US" sz="2800" dirty="0"/>
+              <a:t>Bernard </a:t>
+            </a:r>
+            <a:r>
+              <a:rPr lang="en-US" sz="2800" dirty="0" err="1" smtClean="0"/>
+              <a:t>Vauquois</a:t>
+            </a:r>
+            <a:r>
+              <a:rPr lang="en-US" sz="2800" dirty="0" smtClean="0"/>
+              <a:t>’ Tower</a:t>
+            </a:r>
+            <a:endParaRPr lang="en-US" sz="2800" b="1" dirty="0">
+              <a:latin typeface="Times New Roman" panose="02020603050405020304" pitchFamily="18" charset="0"/>
+              <a:cs typeface="Times New Roman" panose="02020603050405020304" pitchFamily="18" charset="0"/>
+            </a:endParaRPr>
+          </a:p>
+        </p:txBody>
+      </p:sp>
     </p:spTree>
     <p:extLst>
       <p:ext uri="{BB962C8B-B14F-4D97-AF65-F5344CB8AC3E}">
-        <p14:creationId xmlns:p14="http://schemas.microsoft.com/office/powerpoint/2010/main" val="3891345585"/>
+        <p14:creationId xmlns:p14="http://schemas.microsoft.com/office/powerpoint/2010/main" val="1420547054"/>
       </p:ext>
     </p:extLst>
   </p:cSld>
@@ -27245,15 +27175,6 @@
 </file>
 
 <file path=customXml/item2.xml><?xml version="1.0" encoding="utf-8"?>
-<?mso-contentType ?>
-<FormTemplates xmlns="http://schemas.microsoft.com/sharepoint/v3/contenttype/forms">
-  <Display>DocumentLibraryForm</Display>
-  <Edit>DocumentLibraryForm</Edit>
-  <New>DocumentLibraryForm</New>
-</FormTemplates>
-</file>
-
-<file path=customXml/item3.xml><?xml version="1.0" encoding="utf-8"?>
 <p:properties xmlns:p="http://schemas.microsoft.com/office/2006/metadata/properties" xmlns:xsi="http://www.w3.org/2001/XMLSchema-instance" xmlns:pc="http://schemas.microsoft.com/office/infopath/2007/PartnerControls">
   <documentManagement>
     <_ip_UnifiedCompliancePolicyUIAction xmlns="http://schemas.microsoft.com/sharepoint/v3" xsi:nil="true"/>
@@ -27270,6 +27191,15 @@
     <MediaServiceKeyPoints xmlns="71af3243-3dd4-4a8d-8c0d-dd76da1f02a5" xsi:nil="true"/>
   </documentManagement>
 </p:properties>
+</file>
+
+<file path=customXml/item3.xml><?xml version="1.0" encoding="utf-8"?>
+<?mso-contentType ?>
+<FormTemplates xmlns="http://schemas.microsoft.com/sharepoint/v3/contenttype/forms">
+  <Display>DocumentLibraryForm</Display>
+  <Edit>DocumentLibraryForm</Edit>
+  <New>DocumentLibraryForm</New>
+</FormTemplates>
 </file>
 
 <file path=customXml/itemProps1.xml><?xml version="1.0" encoding="utf-8"?>
@@ -27294,14 +27224,6 @@
 </file>
 
 <file path=customXml/itemProps2.xml><?xml version="1.0" encoding="utf-8"?>
-<ds:datastoreItem xmlns:ds="http://schemas.openxmlformats.org/officeDocument/2006/customXml" ds:itemID="{904751AB-E840-446F-8D49-E697067EC887}">
-  <ds:schemaRefs>
-    <ds:schemaRef ds:uri="http://schemas.microsoft.com/sharepoint/v3/contenttype/forms"/>
-  </ds:schemaRefs>
-</ds:datastoreItem>
-</file>
-
-<file path=customXml/itemProps3.xml><?xml version="1.0" encoding="utf-8"?>
 <ds:datastoreItem xmlns:ds="http://schemas.openxmlformats.org/officeDocument/2006/customXml" ds:itemID="{50811A92-D464-4AC4-A396-BA73B10CEEAC}">
   <ds:schemaRefs>
     <ds:schemaRef ds:uri="http://schemas.microsoft.com/office/2006/metadata/properties"/>
@@ -27313,6 +27235,14 @@
 </ds:datastoreItem>
 </file>
 
+<file path=customXml/itemProps3.xml><?xml version="1.0" encoding="utf-8"?>
+<ds:datastoreItem xmlns:ds="http://schemas.openxmlformats.org/officeDocument/2006/customXml" ds:itemID="{904751AB-E840-446F-8D49-E697067EC887}">
+  <ds:schemaRefs>
+    <ds:schemaRef ds:uri="http://schemas.microsoft.com/sharepoint/v3/contenttype/forms"/>
+  </ds:schemaRefs>
+</ds:datastoreItem>
+</file>
+
 <file path=docMetadata/LabelInfo.xml><?xml version="1.0" encoding="utf-8"?>
 <clbl:labelList xmlns:clbl="http://schemas.microsoft.com/office/2020/mipLabelMetadata">
   <clbl:label id="{f42aa342-8706-4288-bd11-ebb85995028c}" enabled="1" method="Standard" siteId="{72f988bf-86f1-41af-91ab-2d7cd011db47}" contentBits="0" removed="0"/>

--- a/DOC/Tuan 1 - Tìm hiểu machine translation.pptx
+++ b/DOC/Tuan 1 - Tìm hiểu machine translation.pptx
@@ -5,10 +5,10 @@
     <p:sldMasterId id="2147483684" r:id="rId4"/>
   </p:sldMasterIdLst>
   <p:notesMasterIdLst>
-    <p:notesMasterId r:id="rId36"/>
+    <p:notesMasterId r:id="rId39"/>
   </p:notesMasterIdLst>
   <p:handoutMasterIdLst>
-    <p:handoutMasterId r:id="rId37"/>
+    <p:handoutMasterId r:id="rId40"/>
   </p:handoutMasterIdLst>
   <p:sldIdLst>
     <p:sldId id="257" r:id="rId5"/>
@@ -42,6 +42,9 @@
     <p:sldId id="412" r:id="rId33"/>
     <p:sldId id="413" r:id="rId34"/>
     <p:sldId id="414" r:id="rId35"/>
+    <p:sldId id="419" r:id="rId36"/>
+    <p:sldId id="416" r:id="rId37"/>
+    <p:sldId id="417" r:id="rId38"/>
   </p:sldIdLst>
   <p:sldSz cx="12192000" cy="6858000"/>
   <p:notesSz cx="6858000" cy="9144000"/>
@@ -256,7 +259,7 @@
           <a:p>
             <a:fld id="{C17F2C1D-F243-42AB-ADF2-E7CB4E04900E}" type="datetimeFigureOut">
               <a:rPr lang="en-US" smtClean="0"/>
-              <a:t>11/9/2022</a:t>
+              <a:t>11/10/2022</a:t>
             </a:fld>
             <a:endParaRPr lang="en-US"/>
           </a:p>
@@ -433,7 +436,7 @@
           <a:p>
             <a:fld id="{020CE34E-5667-4A32-A6BA-10C7A552BC63}" type="datetimeFigureOut">
               <a:rPr lang="en-US" smtClean="0"/>
-              <a:t>11/9/2022</a:t>
+              <a:t>11/10/2022</a:t>
             </a:fld>
             <a:endParaRPr lang="en-US"/>
           </a:p>
@@ -2754,6 +2757,258 @@
     <p:extLst>
       <p:ext uri="{BB962C8B-B14F-4D97-AF65-F5344CB8AC3E}">
         <p14:creationId xmlns:p14="http://schemas.microsoft.com/office/powerpoint/2010/main" val="1586550175"/>
+      </p:ext>
+    </p:extLst>
+  </p:cSld>
+  <p:clrMapOvr>
+    <a:masterClrMapping/>
+  </p:clrMapOvr>
+</p:notes>
+</file>
+
+<file path=ppt/notesSlides/notesSlide30.xml><?xml version="1.0" encoding="utf-8"?>
+<p:notes xmlns:a="http://schemas.openxmlformats.org/drawingml/2006/main" xmlns:r="http://schemas.openxmlformats.org/officeDocument/2006/relationships" xmlns:p="http://schemas.openxmlformats.org/presentationml/2006/main">
+  <p:cSld>
+    <p:spTree>
+      <p:nvGrpSpPr>
+        <p:cNvPr id="1" name=""/>
+        <p:cNvGrpSpPr/>
+        <p:nvPr/>
+      </p:nvGrpSpPr>
+      <p:grpSpPr>
+        <a:xfrm>
+          <a:off x="0" y="0"/>
+          <a:ext cx="0" cy="0"/>
+          <a:chOff x="0" y="0"/>
+          <a:chExt cx="0" cy="0"/>
+        </a:xfrm>
+      </p:grpSpPr>
+      <p:sp>
+        <p:nvSpPr>
+          <p:cNvPr id="2" name="Slide Image Placeholder 1"/>
+          <p:cNvSpPr>
+            <a:spLocks noGrp="1" noRot="1" noChangeAspect="1"/>
+          </p:cNvSpPr>
+          <p:nvPr>
+            <p:ph type="sldImg"/>
+          </p:nvPr>
+        </p:nvSpPr>
+        <p:spPr/>
+      </p:sp>
+      <p:sp>
+        <p:nvSpPr>
+          <p:cNvPr id="3" name="Notes Placeholder 2"/>
+          <p:cNvSpPr>
+            <a:spLocks noGrp="1"/>
+          </p:cNvSpPr>
+          <p:nvPr>
+            <p:ph type="body" idx="1"/>
+          </p:nvPr>
+        </p:nvSpPr>
+        <p:spPr/>
+        <p:txBody>
+          <a:bodyPr/>
+          <a:lstStyle/>
+          <a:p>
+            <a:endParaRPr lang="en-US" dirty="0"/>
+          </a:p>
+        </p:txBody>
+      </p:sp>
+      <p:sp>
+        <p:nvSpPr>
+          <p:cNvPr id="4" name="Slide Number Placeholder 3"/>
+          <p:cNvSpPr>
+            <a:spLocks noGrp="1"/>
+          </p:cNvSpPr>
+          <p:nvPr>
+            <p:ph type="sldNum" sz="quarter" idx="5"/>
+          </p:nvPr>
+        </p:nvSpPr>
+        <p:spPr/>
+        <p:txBody>
+          <a:bodyPr/>
+          <a:lstStyle/>
+          <a:p>
+            <a:fld id="{1983A999-5E0E-42CA-8400-604AE921FF7C}" type="slidenum">
+              <a:rPr lang="en-US" smtClean="0"/>
+              <a:t>32</a:t>
+            </a:fld>
+            <a:endParaRPr lang="en-US"/>
+          </a:p>
+        </p:txBody>
+      </p:sp>
+    </p:spTree>
+    <p:extLst>
+      <p:ext uri="{BB962C8B-B14F-4D97-AF65-F5344CB8AC3E}">
+        <p14:creationId xmlns:p14="http://schemas.microsoft.com/office/powerpoint/2010/main" val="3110892050"/>
+      </p:ext>
+    </p:extLst>
+  </p:cSld>
+  <p:clrMapOvr>
+    <a:masterClrMapping/>
+  </p:clrMapOvr>
+</p:notes>
+</file>
+
+<file path=ppt/notesSlides/notesSlide31.xml><?xml version="1.0" encoding="utf-8"?>
+<p:notes xmlns:a="http://schemas.openxmlformats.org/drawingml/2006/main" xmlns:r="http://schemas.openxmlformats.org/officeDocument/2006/relationships" xmlns:p="http://schemas.openxmlformats.org/presentationml/2006/main">
+  <p:cSld>
+    <p:spTree>
+      <p:nvGrpSpPr>
+        <p:cNvPr id="1" name=""/>
+        <p:cNvGrpSpPr/>
+        <p:nvPr/>
+      </p:nvGrpSpPr>
+      <p:grpSpPr>
+        <a:xfrm>
+          <a:off x="0" y="0"/>
+          <a:ext cx="0" cy="0"/>
+          <a:chOff x="0" y="0"/>
+          <a:chExt cx="0" cy="0"/>
+        </a:xfrm>
+      </p:grpSpPr>
+      <p:sp>
+        <p:nvSpPr>
+          <p:cNvPr id="2" name="Slide Image Placeholder 1"/>
+          <p:cNvSpPr>
+            <a:spLocks noGrp="1" noRot="1" noChangeAspect="1"/>
+          </p:cNvSpPr>
+          <p:nvPr>
+            <p:ph type="sldImg"/>
+          </p:nvPr>
+        </p:nvSpPr>
+        <p:spPr/>
+      </p:sp>
+      <p:sp>
+        <p:nvSpPr>
+          <p:cNvPr id="3" name="Notes Placeholder 2"/>
+          <p:cNvSpPr>
+            <a:spLocks noGrp="1"/>
+          </p:cNvSpPr>
+          <p:nvPr>
+            <p:ph type="body" idx="1"/>
+          </p:nvPr>
+        </p:nvSpPr>
+        <p:spPr/>
+        <p:txBody>
+          <a:bodyPr/>
+          <a:lstStyle/>
+          <a:p>
+            <a:endParaRPr lang="en-US" dirty="0"/>
+          </a:p>
+        </p:txBody>
+      </p:sp>
+      <p:sp>
+        <p:nvSpPr>
+          <p:cNvPr id="4" name="Slide Number Placeholder 3"/>
+          <p:cNvSpPr>
+            <a:spLocks noGrp="1"/>
+          </p:cNvSpPr>
+          <p:nvPr>
+            <p:ph type="sldNum" sz="quarter" idx="10"/>
+          </p:nvPr>
+        </p:nvSpPr>
+        <p:spPr/>
+        <p:txBody>
+          <a:bodyPr/>
+          <a:lstStyle/>
+          <a:p>
+            <a:fld id="{E7CCE34D-CFF1-4FFE-815B-D050E7ED2DFD}" type="slidenum">
+              <a:rPr lang="en-US" smtClean="0"/>
+              <a:t>33</a:t>
+            </a:fld>
+            <a:endParaRPr lang="en-US"/>
+          </a:p>
+        </p:txBody>
+      </p:sp>
+    </p:spTree>
+    <p:extLst>
+      <p:ext uri="{BB962C8B-B14F-4D97-AF65-F5344CB8AC3E}">
+        <p14:creationId xmlns:p14="http://schemas.microsoft.com/office/powerpoint/2010/main" val="1080430232"/>
+      </p:ext>
+    </p:extLst>
+  </p:cSld>
+  <p:clrMapOvr>
+    <a:masterClrMapping/>
+  </p:clrMapOvr>
+</p:notes>
+</file>
+
+<file path=ppt/notesSlides/notesSlide32.xml><?xml version="1.0" encoding="utf-8"?>
+<p:notes xmlns:a="http://schemas.openxmlformats.org/drawingml/2006/main" xmlns:r="http://schemas.openxmlformats.org/officeDocument/2006/relationships" xmlns:p="http://schemas.openxmlformats.org/presentationml/2006/main">
+  <p:cSld>
+    <p:spTree>
+      <p:nvGrpSpPr>
+        <p:cNvPr id="1" name=""/>
+        <p:cNvGrpSpPr/>
+        <p:nvPr/>
+      </p:nvGrpSpPr>
+      <p:grpSpPr>
+        <a:xfrm>
+          <a:off x="0" y="0"/>
+          <a:ext cx="0" cy="0"/>
+          <a:chOff x="0" y="0"/>
+          <a:chExt cx="0" cy="0"/>
+        </a:xfrm>
+      </p:grpSpPr>
+      <p:sp>
+        <p:nvSpPr>
+          <p:cNvPr id="2" name="Slide Image Placeholder 1"/>
+          <p:cNvSpPr>
+            <a:spLocks noGrp="1" noRot="1" noChangeAspect="1"/>
+          </p:cNvSpPr>
+          <p:nvPr>
+            <p:ph type="sldImg"/>
+          </p:nvPr>
+        </p:nvSpPr>
+        <p:spPr/>
+      </p:sp>
+      <p:sp>
+        <p:nvSpPr>
+          <p:cNvPr id="3" name="Notes Placeholder 2"/>
+          <p:cNvSpPr>
+            <a:spLocks noGrp="1"/>
+          </p:cNvSpPr>
+          <p:nvPr>
+            <p:ph type="body" idx="1"/>
+          </p:nvPr>
+        </p:nvSpPr>
+        <p:spPr/>
+        <p:txBody>
+          <a:bodyPr/>
+          <a:lstStyle/>
+          <a:p>
+            <a:endParaRPr lang="en-US" dirty="0"/>
+          </a:p>
+        </p:txBody>
+      </p:sp>
+      <p:sp>
+        <p:nvSpPr>
+          <p:cNvPr id="4" name="Slide Number Placeholder 3"/>
+          <p:cNvSpPr>
+            <a:spLocks noGrp="1"/>
+          </p:cNvSpPr>
+          <p:nvPr>
+            <p:ph type="sldNum" sz="quarter" idx="10"/>
+          </p:nvPr>
+        </p:nvSpPr>
+        <p:spPr/>
+        <p:txBody>
+          <a:bodyPr/>
+          <a:lstStyle/>
+          <a:p>
+            <a:fld id="{E7CCE34D-CFF1-4FFE-815B-D050E7ED2DFD}" type="slidenum">
+              <a:rPr lang="en-US" smtClean="0"/>
+              <a:t>34</a:t>
+            </a:fld>
+            <a:endParaRPr lang="en-US"/>
+          </a:p>
+        </p:txBody>
+      </p:sp>
+    </p:spTree>
+    <p:extLst>
+      <p:ext uri="{BB962C8B-B14F-4D97-AF65-F5344CB8AC3E}">
+        <p14:creationId xmlns:p14="http://schemas.microsoft.com/office/powerpoint/2010/main" val="1475103928"/>
       </p:ext>
     </p:extLst>
   </p:cSld>
@@ -26853,13 +27108,73 @@
           <a:bodyPr/>
           <a:lstStyle/>
           <a:p>
+            <a:r>
+              <a:rPr lang="en-US" sz="2400" b="1" dirty="0">
+                <a:latin typeface="Times New Roman" panose="02020603050405020304" pitchFamily="18" charset="0"/>
+                <a:cs typeface="Times New Roman" panose="02020603050405020304" pitchFamily="18" charset="0"/>
+              </a:rPr>
+              <a:t>Some problem with Self-attention: each word will have highest Score when it focus to it self</a:t>
+            </a:r>
+          </a:p>
+          <a:p>
             <a:endParaRPr lang="en-US" sz="2400" b="1" dirty="0">
               <a:latin typeface="Times New Roman" panose="02020603050405020304" pitchFamily="18" charset="0"/>
               <a:cs typeface="Times New Roman" panose="02020603050405020304" pitchFamily="18" charset="0"/>
             </a:endParaRPr>
           </a:p>
+          <a:p>
+            <a:endParaRPr lang="en-US" sz="2400" b="1" dirty="0">
+              <a:latin typeface="Times New Roman" panose="02020603050405020304" pitchFamily="18" charset="0"/>
+              <a:cs typeface="Times New Roman" panose="02020603050405020304" pitchFamily="18" charset="0"/>
+            </a:endParaRPr>
+          </a:p>
+          <a:p>
+            <a:endParaRPr lang="en-US" sz="2400" b="1" dirty="0">
+              <a:latin typeface="Times New Roman" panose="02020603050405020304" pitchFamily="18" charset="0"/>
+              <a:cs typeface="Times New Roman" panose="02020603050405020304" pitchFamily="18" charset="0"/>
+            </a:endParaRPr>
+          </a:p>
+          <a:p>
+            <a:r>
+              <a:rPr lang="en-US" sz="2400" b="1" dirty="0">
+                <a:latin typeface="Times New Roman" panose="02020603050405020304" pitchFamily="18" charset="0"/>
+                <a:cs typeface="Times New Roman" panose="02020603050405020304" pitchFamily="18" charset="0"/>
+              </a:rPr>
+              <a:t>So Multi-head attention appear to handle this.</a:t>
+            </a:r>
+          </a:p>
         </p:txBody>
       </p:sp>
+      <p:pic>
+        <p:nvPicPr>
+          <p:cNvPr id="4" name="Picture 3">
+            <a:extLst>
+              <a:ext uri="{FF2B5EF4-FFF2-40B4-BE49-F238E27FC236}">
+                <a16:creationId xmlns:a16="http://schemas.microsoft.com/office/drawing/2014/main" id="{E3B0600B-EA99-9BD8-AFDD-5508B58C5C57}"/>
+              </a:ext>
+            </a:extLst>
+          </p:cNvPr>
+          <p:cNvPicPr>
+            <a:picLocks noChangeAspect="1"/>
+          </p:cNvPicPr>
+          <p:nvPr/>
+        </p:nvPicPr>
+        <p:blipFill>
+          <a:blip r:embed="rId4"/>
+          <a:stretch>
+            <a:fillRect/>
+          </a:stretch>
+        </p:blipFill>
+        <p:spPr>
+          <a:xfrm>
+            <a:off x="3866583" y="2572328"/>
+            <a:ext cx="3913523" cy="2032923"/>
+          </a:xfrm>
+          <a:prstGeom prst="rect">
+            <a:avLst/>
+          </a:prstGeom>
+        </p:spPr>
+      </p:pic>
     </p:spTree>
     <p:extLst>
       <p:ext uri="{BB962C8B-B14F-4D97-AF65-F5344CB8AC3E}">
@@ -26892,18 +27207,47 @@
       </p:grpSpPr>
       <p:sp>
         <p:nvSpPr>
-          <p:cNvPr id="2" name="Title 1"/>
+          <p:cNvPr id="11" name="Slide Number Placeholder 10"/>
           <p:cNvSpPr>
             <a:spLocks noGrp="1"/>
           </p:cNvSpPr>
           <p:nvPr>
-            <p:ph type="title"/>
+            <p:ph type="sldNum" sz="quarter" idx="12"/>
+          </p:nvPr>
+        </p:nvSpPr>
+        <p:spPr/>
+        <p:txBody>
+          <a:bodyPr/>
+          <a:lstStyle/>
+          <a:p>
+            <a:fld id="{DBA1B0FB-D917-4C8C-928F-313BD683BF39}" type="slidenum">
+              <a:rPr lang="en-US" smtClean="0"/>
+              <a:t>29</a:t>
+            </a:fld>
+            <a:endParaRPr lang="en-US"/>
+          </a:p>
+        </p:txBody>
+      </p:sp>
+      <p:sp>
+        <p:nvSpPr>
+          <p:cNvPr id="8" name="Content Placeholder 7">
+            <a:extLst>
+              <a:ext uri="{FF2B5EF4-FFF2-40B4-BE49-F238E27FC236}">
+                <a16:creationId xmlns:a16="http://schemas.microsoft.com/office/drawing/2014/main" id="{A27F6175-C901-DD27-A3B6-06D12A0227FB}"/>
+              </a:ext>
+            </a:extLst>
+          </p:cNvPr>
+          <p:cNvSpPr>
+            <a:spLocks noGrp="1"/>
+          </p:cNvSpPr>
+          <p:nvPr>
+            <p:ph sz="half" idx="4294967295"/>
           </p:nvPr>
         </p:nvSpPr>
         <p:spPr>
           <a:xfrm>
-            <a:off x="377441" y="1102554"/>
-            <a:ext cx="11097551" cy="620901"/>
+            <a:off x="1424067" y="2273735"/>
+            <a:ext cx="9681737" cy="2310529"/>
           </a:xfrm>
         </p:spPr>
         <p:txBody>
@@ -26911,35 +27255,21 @@
           <a:lstStyle/>
           <a:p>
             <a:r>
-              <a:rPr lang="en-US" dirty="0">
+              <a:rPr lang="en-US" sz="2400" b="1" dirty="0">
                 <a:latin typeface="Times New Roman" panose="02020603050405020304" pitchFamily="18" charset="0"/>
                 <a:cs typeface="Times New Roman" panose="02020603050405020304" pitchFamily="18" charset="0"/>
               </a:rPr>
-              <a:t>History of The Transformer Model</a:t>
-            </a:r>
-          </a:p>
-        </p:txBody>
-      </p:sp>
-      <p:sp>
-        <p:nvSpPr>
-          <p:cNvPr id="11" name="Slide Number Placeholder 10"/>
-          <p:cNvSpPr>
-            <a:spLocks noGrp="1"/>
-          </p:cNvSpPr>
-          <p:nvPr>
-            <p:ph type="sldNum" sz="quarter" idx="12"/>
-          </p:nvPr>
-        </p:nvSpPr>
-        <p:spPr/>
-        <p:txBody>
-          <a:bodyPr/>
-          <a:lstStyle/>
-          <a:p>
-            <a:fld id="{DBA1B0FB-D917-4C8C-928F-313BD683BF39}" type="slidenum">
-              <a:rPr lang="en-US" smtClean="0"/>
-              <a:t>29</a:t>
-            </a:fld>
-            <a:endParaRPr lang="en-US"/>
+              <a:t>While only 1 Self-attention has been use (1 head) – we can use multiple attention (multi-head) </a:t>
+            </a:r>
+          </a:p>
+          <a:p>
+            <a:r>
+              <a:rPr lang="en-US" sz="2400" b="1" dirty="0">
+                <a:latin typeface="Times New Roman" panose="02020603050405020304" pitchFamily="18" charset="0"/>
+                <a:cs typeface="Times New Roman" panose="02020603050405020304" pitchFamily="18" charset="0"/>
+              </a:rPr>
+              <a:t>After that we concatenate all attention and multiple this matrix with the WO matrix that was trained jointly with the model.</a:t>
+            </a:r>
           </a:p>
         </p:txBody>
       </p:sp>
@@ -26973,42 +27303,6 @@
           </a:prstGeom>
         </p:spPr>
       </p:pic>
-      <p:sp>
-        <p:nvSpPr>
-          <p:cNvPr id="8" name="Content Placeholder 7">
-            <a:extLst>
-              <a:ext uri="{FF2B5EF4-FFF2-40B4-BE49-F238E27FC236}">
-                <a16:creationId xmlns:a16="http://schemas.microsoft.com/office/drawing/2014/main" id="{A27F6175-C901-DD27-A3B6-06D12A0227FB}"/>
-              </a:ext>
-            </a:extLst>
-          </p:cNvPr>
-          <p:cNvSpPr>
-            <a:spLocks noGrp="1"/>
-          </p:cNvSpPr>
-          <p:nvPr>
-            <p:ph sz="half" idx="2"/>
-          </p:nvPr>
-        </p:nvSpPr>
-        <p:spPr>
-          <a:xfrm>
-            <a:off x="559476" y="2041750"/>
-            <a:ext cx="3563936" cy="3906109"/>
-          </a:xfrm>
-        </p:spPr>
-        <p:txBody>
-          <a:bodyPr/>
-          <a:lstStyle/>
-          <a:p>
-            <a:r>
-              <a:rPr lang="en-US" sz="2000" b="1" dirty="0">
-                <a:latin typeface="Times New Roman" panose="02020603050405020304" pitchFamily="18" charset="0"/>
-                <a:cs typeface="Times New Roman" panose="02020603050405020304" pitchFamily="18" charset="0"/>
-              </a:rPr>
-              <a:t>First p</a:t>
-            </a:r>
-          </a:p>
-        </p:txBody>
-      </p:sp>
     </p:spTree>
     <p:extLst>
       <p:ext uri="{BB962C8B-B14F-4D97-AF65-F5344CB8AC3E}">
@@ -27388,8 +27682,8 @@
         </p:nvSpPr>
         <p:spPr>
           <a:xfrm>
-            <a:off x="377441" y="1102554"/>
-            <a:ext cx="11097551" cy="620901"/>
+            <a:off x="1424067" y="1102554"/>
+            <a:ext cx="9116471" cy="620901"/>
           </a:xfrm>
         </p:spPr>
         <p:txBody>
@@ -27397,11 +27691,18 @@
           <a:lstStyle/>
           <a:p>
             <a:r>
+              <a:rPr lang="en-US" b="1" dirty="0">
+                <a:latin typeface="Times New Roman" panose="02020603050405020304" pitchFamily="18" charset="0"/>
+                <a:cs typeface="Times New Roman" panose="02020603050405020304" pitchFamily="18" charset="0"/>
+              </a:rPr>
+              <a:t>5/ </a:t>
+            </a:r>
+            <a:r>
               <a:rPr lang="en-US" dirty="0">
                 <a:latin typeface="Times New Roman" panose="02020603050405020304" pitchFamily="18" charset="0"/>
                 <a:cs typeface="Times New Roman" panose="02020603050405020304" pitchFamily="18" charset="0"/>
               </a:rPr>
-              <a:t>History of The Transformer Model</a:t>
+              <a:t>Residuals</a:t>
             </a:r>
           </a:p>
         </p:txBody>
@@ -27477,8 +27778,8 @@
         </p:nvSpPr>
         <p:spPr>
           <a:xfrm>
-            <a:off x="559476" y="2041750"/>
-            <a:ext cx="3563936" cy="3906109"/>
+            <a:off x="1424067" y="2041750"/>
+            <a:ext cx="5009984" cy="3906109"/>
           </a:xfrm>
         </p:spPr>
         <p:txBody>
@@ -27486,15 +27787,60 @@
           <a:lstStyle/>
           <a:p>
             <a:r>
-              <a:rPr lang="en-US" sz="2000" b="1" dirty="0">
+              <a:rPr lang="en-US" sz="2400" b="1" dirty="0">
                 <a:latin typeface="Times New Roman" panose="02020603050405020304" pitchFamily="18" charset="0"/>
                 <a:cs typeface="Times New Roman" panose="02020603050405020304" pitchFamily="18" charset="0"/>
               </a:rPr>
-              <a:t>First p</a:t>
-            </a:r>
+              <a:t>Each sub-layer is a residual block.</a:t>
+            </a:r>
+          </a:p>
+          <a:p>
+            <a:r>
+              <a:rPr lang="en-US" sz="2400" b="1" dirty="0">
+                <a:latin typeface="Times New Roman" panose="02020603050405020304" pitchFamily="18" charset="0"/>
+                <a:cs typeface="Times New Roman" panose="02020603050405020304" pitchFamily="18" charset="0"/>
+              </a:rPr>
+              <a:t>We add embedding (x) with attention(z) at Layer Normalization</a:t>
+            </a:r>
+          </a:p>
+          <a:p>
+            <a:endParaRPr lang="en-US" sz="2400" b="1" dirty="0">
+              <a:latin typeface="Times New Roman" panose="02020603050405020304" pitchFamily="18" charset="0"/>
+              <a:cs typeface="Times New Roman" panose="02020603050405020304" pitchFamily="18" charset="0"/>
+            </a:endParaRPr>
           </a:p>
         </p:txBody>
       </p:sp>
+      <p:pic>
+        <p:nvPicPr>
+          <p:cNvPr id="4" name="Picture 3">
+            <a:extLst>
+              <a:ext uri="{FF2B5EF4-FFF2-40B4-BE49-F238E27FC236}">
+                <a16:creationId xmlns:a16="http://schemas.microsoft.com/office/drawing/2014/main" id="{54B1F650-067C-9EA3-5ACB-4C5115EC5E04}"/>
+              </a:ext>
+            </a:extLst>
+          </p:cNvPr>
+          <p:cNvPicPr>
+            <a:picLocks noChangeAspect="1"/>
+          </p:cNvPicPr>
+          <p:nvPr/>
+        </p:nvPicPr>
+        <p:blipFill>
+          <a:blip r:embed="rId4"/>
+          <a:stretch>
+            <a:fillRect/>
+          </a:stretch>
+        </p:blipFill>
+        <p:spPr>
+          <a:xfrm>
+            <a:off x="6673223" y="2041750"/>
+            <a:ext cx="4094710" cy="3830165"/>
+          </a:xfrm>
+          <a:prstGeom prst="rect">
+            <a:avLst/>
+          </a:prstGeom>
+        </p:spPr>
+      </p:pic>
     </p:spTree>
     <p:extLst>
       <p:ext uri="{BB962C8B-B14F-4D97-AF65-F5344CB8AC3E}">
@@ -27537,8 +27883,8 @@
         </p:nvSpPr>
         <p:spPr>
           <a:xfrm>
-            <a:off x="377441" y="1102554"/>
-            <a:ext cx="11097551" cy="620901"/>
+            <a:off x="1424067" y="1102554"/>
+            <a:ext cx="10050925" cy="620901"/>
           </a:xfrm>
         </p:spPr>
         <p:txBody>
@@ -27546,11 +27892,11 @@
           <a:lstStyle/>
           <a:p>
             <a:r>
-              <a:rPr lang="en-US" dirty="0">
+              <a:rPr lang="en-US" b="1" dirty="0">
                 <a:latin typeface="Times New Roman" panose="02020603050405020304" pitchFamily="18" charset="0"/>
                 <a:cs typeface="Times New Roman" panose="02020603050405020304" pitchFamily="18" charset="0"/>
               </a:rPr>
-              <a:t>History of The Transformer Model</a:t>
+              <a:t>6/ Feed Forward</a:t>
             </a:r>
           </a:p>
         </p:txBody>
@@ -27626,8 +27972,8 @@
         </p:nvSpPr>
         <p:spPr>
           <a:xfrm>
-            <a:off x="559476" y="2041750"/>
-            <a:ext cx="3563936" cy="3906109"/>
+            <a:off x="1424066" y="2041750"/>
+            <a:ext cx="9249475" cy="3906109"/>
           </a:xfrm>
         </p:spPr>
         <p:txBody>
@@ -27635,19 +27981,1608 @@
           <a:lstStyle/>
           <a:p>
             <a:r>
-              <a:rPr lang="en-US" sz="2000" b="1" dirty="0">
+              <a:rPr lang="en-US" sz="2400" b="1" dirty="0">
                 <a:latin typeface="Times New Roman" panose="02020603050405020304" pitchFamily="18" charset="0"/>
                 <a:cs typeface="Times New Roman" panose="02020603050405020304" pitchFamily="18" charset="0"/>
               </a:rPr>
-              <a:t>First p</a:t>
+              <a:t>After Normalize, all vector z are passed fully connected </a:t>
+            </a:r>
+            <a:r>
+              <a:rPr lang="en-US" sz="2400" b="1" dirty="0" err="1">
+                <a:latin typeface="Times New Roman" panose="02020603050405020304" pitchFamily="18" charset="0"/>
+                <a:cs typeface="Times New Roman" panose="02020603050405020304" pitchFamily="18" charset="0"/>
+              </a:rPr>
+              <a:t>befor</a:t>
+            </a:r>
+            <a:r>
+              <a:rPr lang="en-US" sz="2400" b="1" dirty="0">
+                <a:latin typeface="Times New Roman" panose="02020603050405020304" pitchFamily="18" charset="0"/>
+                <a:cs typeface="Times New Roman" panose="02020603050405020304" pitchFamily="18" charset="0"/>
+              </a:rPr>
+              <a:t> go to decoder.</a:t>
+            </a:r>
+          </a:p>
+          <a:p>
+            <a:r>
+              <a:rPr lang="en-US" sz="2400" b="1" dirty="0">
+                <a:latin typeface="Times New Roman" panose="02020603050405020304" pitchFamily="18" charset="0"/>
+                <a:cs typeface="Times New Roman" panose="02020603050405020304" pitchFamily="18" charset="0"/>
+              </a:rPr>
+              <a:t>Since these vectors don’t depend each other, we can take advantage of parallel computation for  the whole sentence.</a:t>
             </a:r>
           </a:p>
         </p:txBody>
       </p:sp>
+      <p:pic>
+        <p:nvPicPr>
+          <p:cNvPr id="6" name="Picture 5">
+            <a:extLst>
+              <a:ext uri="{FF2B5EF4-FFF2-40B4-BE49-F238E27FC236}">
+                <a16:creationId xmlns:a16="http://schemas.microsoft.com/office/drawing/2014/main" id="{AF4C1180-CC30-07A7-B626-6FA7185140A2}"/>
+              </a:ext>
+            </a:extLst>
+          </p:cNvPr>
+          <p:cNvPicPr>
+            <a:picLocks noChangeAspect="1"/>
+          </p:cNvPicPr>
+          <p:nvPr/>
+        </p:nvPicPr>
+        <p:blipFill rotWithShape="1">
+          <a:blip r:embed="rId4"/>
+          <a:srcRect b="39966"/>
+          <a:stretch/>
+        </p:blipFill>
+        <p:spPr>
+          <a:xfrm>
+            <a:off x="2404110" y="3994804"/>
+            <a:ext cx="6789766" cy="2226259"/>
+          </a:xfrm>
+          <a:prstGeom prst="rect">
+            <a:avLst/>
+          </a:prstGeom>
+        </p:spPr>
+      </p:pic>
     </p:spTree>
     <p:extLst>
       <p:ext uri="{BB962C8B-B14F-4D97-AF65-F5344CB8AC3E}">
         <p14:creationId xmlns:p14="http://schemas.microsoft.com/office/powerpoint/2010/main" val="195350347"/>
+      </p:ext>
+    </p:extLst>
+  </p:cSld>
+  <p:clrMapOvr>
+    <a:masterClrMapping/>
+  </p:clrMapOvr>
+</p:sld>
+</file>
+
+<file path=ppt/slides/slide32.xml><?xml version="1.0" encoding="utf-8"?>
+<p:sld xmlns:a="http://schemas.openxmlformats.org/drawingml/2006/main" xmlns:r="http://schemas.openxmlformats.org/officeDocument/2006/relationships" xmlns:p="http://schemas.openxmlformats.org/presentationml/2006/main">
+  <p:cSld>
+    <p:spTree>
+      <p:nvGrpSpPr>
+        <p:cNvPr id="1" name=""/>
+        <p:cNvGrpSpPr/>
+        <p:nvPr/>
+      </p:nvGrpSpPr>
+      <p:grpSpPr>
+        <a:xfrm>
+          <a:off x="0" y="0"/>
+          <a:ext cx="0" cy="0"/>
+          <a:chOff x="0" y="0"/>
+          <a:chExt cx="0" cy="0"/>
+        </a:xfrm>
+      </p:grpSpPr>
+      <p:sp>
+        <p:nvSpPr>
+          <p:cNvPr id="34" name="Freeform: Shape 33">
+            <a:extLst>
+              <a:ext uri="{FF2B5EF4-FFF2-40B4-BE49-F238E27FC236}">
+                <a16:creationId xmlns:a16="http://schemas.microsoft.com/office/drawing/2014/main" id="{82184FF4-7029-4ED7-813A-192E60608764}"/>
+              </a:ext>
+              <a:ext uri="{C183D7F6-B498-43B3-948B-1728B52AA6E4}">
+                <adec:decorative xmlns:adec="http://schemas.microsoft.com/office/drawing/2017/decorative" val="1"/>
+              </a:ext>
+            </a:extLst>
+          </p:cNvPr>
+          <p:cNvSpPr>
+            <a:spLocks noGrp="1" noRot="1" noChangeAspect="1" noMove="1" noResize="1" noEditPoints="1" noAdjustHandles="1" noChangeArrowheads="1" noChangeShapeType="1" noTextEdit="1"/>
+          </p:cNvSpPr>
+          <p:nvPr>
+            <p:extLst>
+              <p:ext uri="{386F3935-93C4-4BCD-93E2-E3B085C9AB24}">
+                <p16:designElem xmlns:p16="http://schemas.microsoft.com/office/powerpoint/2015/main" val="1"/>
+              </p:ext>
+            </p:extLst>
+          </p:nvPr>
+        </p:nvSpPr>
+        <p:spPr>
+          <a:xfrm rot="2700000">
+            <a:off x="612445" y="481888"/>
+            <a:ext cx="1080000" cy="1262947"/>
+          </a:xfrm>
+          <a:custGeom>
+            <a:avLst/>
+            <a:gdLst/>
+            <a:ahLst/>
+            <a:cxnLst/>
+            <a:rect l="l" t="t" r="r" b="b"/>
+            <a:pathLst>
+              <a:path w="1080000" h="1262947">
+                <a:moveTo>
+                  <a:pt x="540000" y="0"/>
+                </a:moveTo>
+                <a:lnTo>
+                  <a:pt x="1064374" y="931034"/>
+                </a:lnTo>
+                <a:lnTo>
+                  <a:pt x="1069029" y="938533"/>
+                </a:lnTo>
+                <a:cubicBezTo>
+                  <a:pt x="1076223" y="956109"/>
+                  <a:pt x="1080000" y="974307"/>
+                  <a:pt x="1080000" y="992947"/>
+                </a:cubicBezTo>
+                <a:cubicBezTo>
+                  <a:pt x="1080000" y="1142064"/>
+                  <a:pt x="838234" y="1262947"/>
+                  <a:pt x="540000" y="1262947"/>
+                </a:cubicBezTo>
+                <a:cubicBezTo>
+                  <a:pt x="241766" y="1262947"/>
+                  <a:pt x="0" y="1142064"/>
+                  <a:pt x="0" y="992947"/>
+                </a:cubicBezTo>
+                <a:cubicBezTo>
+                  <a:pt x="0" y="974307"/>
+                  <a:pt x="3778" y="956109"/>
+                  <a:pt x="10971" y="938533"/>
+                </a:cubicBezTo>
+                <a:lnTo>
+                  <a:pt x="15626" y="931034"/>
+                </a:lnTo>
+                <a:lnTo>
+                  <a:pt x="540000" y="0"/>
+                </a:lnTo>
+                <a:close/>
+              </a:path>
+            </a:pathLst>
+          </a:custGeom>
+          <a:gradFill>
+            <a:gsLst>
+              <a:gs pos="60000">
+                <a:schemeClr val="bg2">
+                  <a:lumMod val="90000"/>
+                  <a:lumOff val="10000"/>
+                </a:schemeClr>
+              </a:gs>
+              <a:gs pos="30000">
+                <a:schemeClr val="bg2">
+                  <a:lumMod val="90000"/>
+                  <a:lumOff val="10000"/>
+                </a:schemeClr>
+              </a:gs>
+              <a:gs pos="40000">
+                <a:schemeClr val="bg2">
+                  <a:lumMod val="75000"/>
+                  <a:lumOff val="25000"/>
+                </a:schemeClr>
+              </a:gs>
+              <a:gs pos="100000">
+                <a:schemeClr val="bg2"/>
+              </a:gs>
+            </a:gsLst>
+            <a:lin ang="600000" scaled="0"/>
+          </a:gradFill>
+          <a:ln>
+            <a:noFill/>
+          </a:ln>
+          <a:effectLst>
+            <a:innerShdw blurRad="254000" dist="101600" dir="2700000">
+              <a:schemeClr val="accent1">
+                <a:lumMod val="60000"/>
+                <a:lumOff val="40000"/>
+                <a:alpha val="40000"/>
+              </a:schemeClr>
+            </a:innerShdw>
+          </a:effectLst>
+        </p:spPr>
+        <p:style>
+          <a:lnRef idx="2">
+            <a:schemeClr val="accent1">
+              <a:shade val="50000"/>
+            </a:schemeClr>
+          </a:lnRef>
+          <a:fillRef idx="1">
+            <a:schemeClr val="accent1"/>
+          </a:fillRef>
+          <a:effectRef idx="0">
+            <a:schemeClr val="accent1"/>
+          </a:effectRef>
+          <a:fontRef idx="minor">
+            <a:schemeClr val="lt1"/>
+          </a:fontRef>
+        </p:style>
+        <p:txBody>
+          <a:bodyPr rot="0" spcFirstLastPara="0" vertOverflow="overflow" horzOverflow="overflow" vert="horz" wrap="square" lIns="91440" tIns="45720" rIns="91440" bIns="45720" numCol="1" spcCol="0" rtlCol="0" fromWordArt="0" anchor="ctr" anchorCtr="0" forceAA="0" compatLnSpc="1">
+            <a:prstTxWarp prst="textNoShape">
+              <a:avLst/>
+            </a:prstTxWarp>
+            <a:noAutofit/>
+          </a:bodyPr>
+          <a:lstStyle/>
+          <a:p>
+            <a:pPr algn="ctr"/>
+            <a:endParaRPr lang="en-US"/>
+          </a:p>
+        </p:txBody>
+      </p:sp>
+      <p:sp>
+        <p:nvSpPr>
+          <p:cNvPr id="36" name="Oval 35">
+            <a:extLst>
+              <a:ext uri="{FF2B5EF4-FFF2-40B4-BE49-F238E27FC236}">
+                <a16:creationId xmlns:a16="http://schemas.microsoft.com/office/drawing/2014/main" id="{AAA7AB09-557C-41AD-9113-FF9F68FA1035}"/>
+              </a:ext>
+              <a:ext uri="{C183D7F6-B498-43B3-948B-1728B52AA6E4}">
+                <adec:decorative xmlns:adec="http://schemas.microsoft.com/office/drawing/2017/decorative" val="1"/>
+              </a:ext>
+            </a:extLst>
+          </p:cNvPr>
+          <p:cNvSpPr>
+            <a:spLocks noGrp="1" noRot="1" noChangeAspect="1" noMove="1" noResize="1" noEditPoints="1" noAdjustHandles="1" noChangeArrowheads="1" noChangeShapeType="1" noTextEdit="1"/>
+          </p:cNvSpPr>
+          <p:nvPr>
+            <p:extLst>
+              <p:ext uri="{386F3935-93C4-4BCD-93E2-E3B085C9AB24}">
+                <p16:designElem xmlns:p16="http://schemas.microsoft.com/office/powerpoint/2015/main" val="1"/>
+              </p:ext>
+            </p:extLst>
+          </p:nvPr>
+        </p:nvSpPr>
+        <p:spPr>
+          <a:xfrm rot="8100000">
+            <a:off x="626845" y="828962"/>
+            <a:ext cx="540000" cy="1080000"/>
+          </a:xfrm>
+          <a:prstGeom prst="ellipse">
+            <a:avLst/>
+          </a:prstGeom>
+          <a:gradFill>
+            <a:gsLst>
+              <a:gs pos="100000">
+                <a:schemeClr val="bg2">
+                  <a:lumMod val="90000"/>
+                  <a:lumOff val="10000"/>
+                </a:schemeClr>
+              </a:gs>
+              <a:gs pos="50000">
+                <a:schemeClr val="bg2">
+                  <a:lumMod val="95000"/>
+                  <a:lumOff val="5000"/>
+                </a:schemeClr>
+              </a:gs>
+            </a:gsLst>
+            <a:lin ang="5400000" scaled="0"/>
+          </a:gradFill>
+          <a:ln>
+            <a:noFill/>
+          </a:ln>
+          <a:effectLst>
+            <a:innerShdw blurRad="1270000" dist="2540000">
+              <a:schemeClr val="accent1">
+                <a:lumMod val="60000"/>
+                <a:lumOff val="40000"/>
+                <a:alpha val="0"/>
+              </a:schemeClr>
+            </a:innerShdw>
+          </a:effectLst>
+        </p:spPr>
+        <p:style>
+          <a:lnRef idx="2">
+            <a:schemeClr val="accent1">
+              <a:shade val="50000"/>
+            </a:schemeClr>
+          </a:lnRef>
+          <a:fillRef idx="1">
+            <a:schemeClr val="accent1"/>
+          </a:fillRef>
+          <a:effectRef idx="0">
+            <a:schemeClr val="accent1"/>
+          </a:effectRef>
+          <a:fontRef idx="minor">
+            <a:schemeClr val="lt1"/>
+          </a:fontRef>
+        </p:style>
+        <p:txBody>
+          <a:bodyPr rot="0" spcFirstLastPara="0" vertOverflow="overflow" horzOverflow="overflow" vert="horz" wrap="square" lIns="91440" tIns="45720" rIns="91440" bIns="45720" numCol="1" spcCol="0" rtlCol="0" fromWordArt="0" anchor="ctr" anchorCtr="0" forceAA="0" compatLnSpc="1">
+            <a:prstTxWarp prst="textNoShape">
+              <a:avLst/>
+            </a:prstTxWarp>
+            <a:noAutofit/>
+          </a:bodyPr>
+          <a:lstStyle/>
+          <a:p>
+            <a:pPr algn="ctr"/>
+            <a:endParaRPr lang="en-US"/>
+          </a:p>
+        </p:txBody>
+      </p:sp>
+      <p:sp>
+        <p:nvSpPr>
+          <p:cNvPr id="38" name="Oval 37">
+            <a:extLst>
+              <a:ext uri="{FF2B5EF4-FFF2-40B4-BE49-F238E27FC236}">
+                <a16:creationId xmlns:a16="http://schemas.microsoft.com/office/drawing/2014/main" id="{EF99ECAA-1F11-4937-BBA6-51935AB44C9D}"/>
+              </a:ext>
+              <a:ext uri="{C183D7F6-B498-43B3-948B-1728B52AA6E4}">
+                <adec:decorative xmlns:adec="http://schemas.microsoft.com/office/drawing/2017/decorative" val="1"/>
+              </a:ext>
+            </a:extLst>
+          </p:cNvPr>
+          <p:cNvSpPr>
+            <a:spLocks noGrp="1" noRot="1" noChangeAspect="1" noMove="1" noResize="1" noEditPoints="1" noAdjustHandles="1" noChangeArrowheads="1" noChangeShapeType="1" noTextEdit="1"/>
+          </p:cNvSpPr>
+          <p:nvPr>
+            <p:extLst>
+              <p:ext uri="{386F3935-93C4-4BCD-93E2-E3B085C9AB24}">
+                <p16:designElem xmlns:p16="http://schemas.microsoft.com/office/powerpoint/2015/main" val="1"/>
+              </p:ext>
+            </p:extLst>
+          </p:nvPr>
+        </p:nvSpPr>
+        <p:spPr>
+          <a:xfrm>
+            <a:off x="1800802" y="2472855"/>
+            <a:ext cx="360000" cy="360000"/>
+          </a:xfrm>
+          <a:prstGeom prst="ellipse">
+            <a:avLst/>
+          </a:prstGeom>
+          <a:gradFill flip="none" rotWithShape="1">
+            <a:gsLst>
+              <a:gs pos="100000">
+                <a:schemeClr val="bg2">
+                  <a:lumMod val="50000"/>
+                  <a:lumOff val="50000"/>
+                </a:schemeClr>
+              </a:gs>
+              <a:gs pos="60000">
+                <a:schemeClr val="bg2"/>
+              </a:gs>
+            </a:gsLst>
+            <a:path path="circle">
+              <a:fillToRect l="100000" b="100000"/>
+            </a:path>
+            <a:tileRect t="-100000" r="-100000"/>
+          </a:gradFill>
+          <a:ln>
+            <a:noFill/>
+          </a:ln>
+          <a:effectLst>
+            <a:innerShdw blurRad="127000" dist="63500" dir="2700000">
+              <a:schemeClr val="accent1">
+                <a:lumMod val="60000"/>
+                <a:lumOff val="40000"/>
+                <a:alpha val="20000"/>
+              </a:schemeClr>
+            </a:innerShdw>
+            <a:softEdge rad="0"/>
+          </a:effectLst>
+        </p:spPr>
+        <p:style>
+          <a:lnRef idx="2">
+            <a:schemeClr val="accent1">
+              <a:shade val="50000"/>
+            </a:schemeClr>
+          </a:lnRef>
+          <a:fillRef idx="1">
+            <a:schemeClr val="accent1"/>
+          </a:fillRef>
+          <a:effectRef idx="0">
+            <a:schemeClr val="accent1"/>
+          </a:effectRef>
+          <a:fontRef idx="minor">
+            <a:schemeClr val="lt1"/>
+          </a:fontRef>
+        </p:style>
+        <p:txBody>
+          <a:bodyPr rot="0" spcFirstLastPara="0" vertOverflow="overflow" horzOverflow="overflow" vert="horz" wrap="square" lIns="91440" tIns="45720" rIns="91440" bIns="45720" numCol="1" spcCol="0" rtlCol="0" fromWordArt="0" anchor="ctr" anchorCtr="0" forceAA="0" compatLnSpc="1">
+            <a:prstTxWarp prst="textNoShape">
+              <a:avLst/>
+            </a:prstTxWarp>
+            <a:noAutofit/>
+          </a:bodyPr>
+          <a:lstStyle/>
+          <a:p>
+            <a:pPr algn="ctr"/>
+            <a:endParaRPr lang="en-US"/>
+          </a:p>
+        </p:txBody>
+      </p:sp>
+      <p:grpSp>
+        <p:nvGrpSpPr>
+          <p:cNvPr id="40" name="Group 39">
+            <a:extLst>
+              <a:ext uri="{FF2B5EF4-FFF2-40B4-BE49-F238E27FC236}">
+                <a16:creationId xmlns:a16="http://schemas.microsoft.com/office/drawing/2014/main" id="{79DE9FAB-6BBA-4CFE-B67D-77B47F01ECA4}"/>
+              </a:ext>
+              <a:ext uri="{C183D7F6-B498-43B3-948B-1728B52AA6E4}">
+                <adec:decorative xmlns:adec="http://schemas.microsoft.com/office/drawing/2017/decorative" val="1"/>
+              </a:ext>
+            </a:extLst>
+          </p:cNvPr>
+          <p:cNvGrpSpPr>
+            <a:grpSpLocks noGrp="1" noUngrp="1" noRot="1" noChangeAspect="1" noMove="1" noResize="1"/>
+          </p:cNvGrpSpPr>
+          <p:nvPr>
+            <p:extLst>
+              <p:ext uri="{386F3935-93C4-4BCD-93E2-E3B085C9AB24}">
+                <p16:designElem xmlns:p16="http://schemas.microsoft.com/office/powerpoint/2015/main" val="1"/>
+              </p:ext>
+            </p:extLst>
+          </p:nvPr>
+        </p:nvGrpSpPr>
+        <p:grpSpPr>
+          <a:xfrm>
+            <a:off x="1329952" y="4524379"/>
+            <a:ext cx="1980001" cy="1363916"/>
+            <a:chOff x="4879602" y="3781429"/>
+            <a:chExt cx="1980001" cy="1363916"/>
+          </a:xfrm>
+        </p:grpSpPr>
+        <p:sp>
+          <p:nvSpPr>
+            <p:cNvPr id="41" name="Freeform: Shape 40">
+              <a:extLst>
+                <a:ext uri="{FF2B5EF4-FFF2-40B4-BE49-F238E27FC236}">
+                  <a16:creationId xmlns:a16="http://schemas.microsoft.com/office/drawing/2014/main" id="{79FAC916-D9BB-4794-81B4-7C47C67E850D}"/>
+                </a:ext>
+                <a:ext uri="{C183D7F6-B498-43B3-948B-1728B52AA6E4}">
+                  <adec:decorative xmlns:adec="http://schemas.microsoft.com/office/drawing/2017/decorative" val="1"/>
+                </a:ext>
+              </a:extLst>
+            </p:cNvPr>
+            <p:cNvSpPr>
+              <a:spLocks noChangeAspect="1"/>
+            </p:cNvSpPr>
+            <p:nvPr>
+              <p:extLst>
+                <p:ext uri="{386F3935-93C4-4BCD-93E2-E3B085C9AB24}">
+                  <p16:designElem xmlns:p16="http://schemas.microsoft.com/office/powerpoint/2015/main" val="1"/>
+                </p:ext>
+              </p:extLst>
+            </p:nvPr>
+          </p:nvSpPr>
+          <p:spPr>
+            <a:xfrm rot="18900000" flipV="1">
+              <a:off x="5005634" y="4191206"/>
+              <a:ext cx="1853969" cy="926985"/>
+            </a:xfrm>
+            <a:custGeom>
+              <a:avLst/>
+              <a:gdLst>
+                <a:gd name="connsiteX0" fmla="*/ 1329373 w 2658746"/>
+                <a:gd name="connsiteY0" fmla="*/ 0 h 1329373"/>
+                <a:gd name="connsiteX1" fmla="*/ 2658746 w 2658746"/>
+                <a:gd name="connsiteY1" fmla="*/ 1329373 h 1329373"/>
+                <a:gd name="connsiteX2" fmla="*/ 1994059 w 2658746"/>
+                <a:gd name="connsiteY2" fmla="*/ 1329373 h 1329373"/>
+                <a:gd name="connsiteX3" fmla="*/ 1329373 w 2658746"/>
+                <a:gd name="connsiteY3" fmla="*/ 664687 h 1329373"/>
+                <a:gd name="connsiteX4" fmla="*/ 664687 w 2658746"/>
+                <a:gd name="connsiteY4" fmla="*/ 1329373 h 1329373"/>
+                <a:gd name="connsiteX5" fmla="*/ 0 w 2658746"/>
+                <a:gd name="connsiteY5" fmla="*/ 1329373 h 1329373"/>
+                <a:gd name="connsiteX6" fmla="*/ 1329373 w 2658746"/>
+                <a:gd name="connsiteY6" fmla="*/ 0 h 1329373"/>
+              </a:gdLst>
+              <a:ahLst/>
+              <a:cxnLst>
+                <a:cxn ang="0">
+                  <a:pos x="connsiteX0" y="connsiteY0"/>
+                </a:cxn>
+                <a:cxn ang="0">
+                  <a:pos x="connsiteX1" y="connsiteY1"/>
+                </a:cxn>
+                <a:cxn ang="0">
+                  <a:pos x="connsiteX2" y="connsiteY2"/>
+                </a:cxn>
+                <a:cxn ang="0">
+                  <a:pos x="connsiteX3" y="connsiteY3"/>
+                </a:cxn>
+                <a:cxn ang="0">
+                  <a:pos x="connsiteX4" y="connsiteY4"/>
+                </a:cxn>
+                <a:cxn ang="0">
+                  <a:pos x="connsiteX5" y="connsiteY5"/>
+                </a:cxn>
+                <a:cxn ang="0">
+                  <a:pos x="connsiteX6" y="connsiteY6"/>
+                </a:cxn>
+              </a:cxnLst>
+              <a:rect l="l" t="t" r="r" b="b"/>
+              <a:pathLst>
+                <a:path w="2658746" h="1329373">
+                  <a:moveTo>
+                    <a:pt x="1329373" y="0"/>
+                  </a:moveTo>
+                  <a:cubicBezTo>
+                    <a:pt x="2063565" y="0"/>
+                    <a:pt x="2658746" y="595181"/>
+                    <a:pt x="2658746" y="1329373"/>
+                  </a:cubicBezTo>
+                  <a:lnTo>
+                    <a:pt x="1994059" y="1329373"/>
+                  </a:lnTo>
+                  <a:cubicBezTo>
+                    <a:pt x="1994059" y="962277"/>
+                    <a:pt x="1696469" y="664687"/>
+                    <a:pt x="1329373" y="664687"/>
+                  </a:cubicBezTo>
+                  <a:cubicBezTo>
+                    <a:pt x="962277" y="664687"/>
+                    <a:pt x="664687" y="962277"/>
+                    <a:pt x="664687" y="1329373"/>
+                  </a:cubicBezTo>
+                  <a:lnTo>
+                    <a:pt x="0" y="1329373"/>
+                  </a:lnTo>
+                  <a:cubicBezTo>
+                    <a:pt x="0" y="595181"/>
+                    <a:pt x="595181" y="0"/>
+                    <a:pt x="1329373" y="0"/>
+                  </a:cubicBezTo>
+                  <a:close/>
+                </a:path>
+              </a:pathLst>
+            </a:custGeom>
+            <a:solidFill>
+              <a:schemeClr val="bg2"/>
+            </a:solidFill>
+            <a:ln>
+              <a:noFill/>
+            </a:ln>
+            <a:effectLst>
+              <a:innerShdw blurRad="254000" dist="50800" dir="16200000">
+                <a:schemeClr val="accent1">
+                  <a:lumMod val="40000"/>
+                  <a:lumOff val="60000"/>
+                  <a:alpha val="40000"/>
+                </a:schemeClr>
+              </a:innerShdw>
+            </a:effectLst>
+          </p:spPr>
+          <p:style>
+            <a:lnRef idx="2">
+              <a:schemeClr val="accent1">
+                <a:shade val="50000"/>
+              </a:schemeClr>
+            </a:lnRef>
+            <a:fillRef idx="1">
+              <a:schemeClr val="accent1"/>
+            </a:fillRef>
+            <a:effectRef idx="0">
+              <a:schemeClr val="accent1"/>
+            </a:effectRef>
+            <a:fontRef idx="minor">
+              <a:schemeClr val="lt1"/>
+            </a:fontRef>
+          </p:style>
+          <p:txBody>
+            <a:bodyPr rtlCol="0" anchor="ctr"/>
+            <a:lstStyle/>
+            <a:p>
+              <a:pPr algn="ctr"/>
+              <a:endParaRPr lang="en-US"/>
+            </a:p>
+          </p:txBody>
+        </p:sp>
+        <p:sp>
+          <p:nvSpPr>
+            <p:cNvPr id="42" name="Freeform: Shape 41">
+              <a:extLst>
+                <a:ext uri="{FF2B5EF4-FFF2-40B4-BE49-F238E27FC236}">
+                  <a16:creationId xmlns:a16="http://schemas.microsoft.com/office/drawing/2014/main" id="{B5CA2231-7A65-4D16-8400-A210CC41DB73}"/>
+                </a:ext>
+                <a:ext uri="{C183D7F6-B498-43B3-948B-1728B52AA6E4}">
+                  <adec:decorative xmlns:adec="http://schemas.microsoft.com/office/drawing/2017/decorative" val="1"/>
+                </a:ext>
+              </a:extLst>
+            </p:cNvPr>
+            <p:cNvSpPr>
+              <a:spLocks noChangeAspect="1"/>
+            </p:cNvSpPr>
+            <p:nvPr>
+              <p:extLst>
+                <p:ext uri="{386F3935-93C4-4BCD-93E2-E3B085C9AB24}">
+                  <p16:designElem xmlns:p16="http://schemas.microsoft.com/office/powerpoint/2015/main" val="1"/>
+                </p:ext>
+              </p:extLst>
+            </p:nvPr>
+          </p:nvSpPr>
+          <p:spPr>
+            <a:xfrm rot="18900000" flipV="1">
+              <a:off x="4957101" y="4052255"/>
+              <a:ext cx="1853969" cy="1093090"/>
+            </a:xfrm>
+            <a:custGeom>
+              <a:avLst/>
+              <a:gdLst>
+                <a:gd name="connsiteX0" fmla="*/ 1329373 w 2658746"/>
+                <a:gd name="connsiteY0" fmla="*/ 0 h 1329373"/>
+                <a:gd name="connsiteX1" fmla="*/ 2658746 w 2658746"/>
+                <a:gd name="connsiteY1" fmla="*/ 1329373 h 1329373"/>
+                <a:gd name="connsiteX2" fmla="*/ 1994059 w 2658746"/>
+                <a:gd name="connsiteY2" fmla="*/ 1329373 h 1329373"/>
+                <a:gd name="connsiteX3" fmla="*/ 1329373 w 2658746"/>
+                <a:gd name="connsiteY3" fmla="*/ 664687 h 1329373"/>
+                <a:gd name="connsiteX4" fmla="*/ 664687 w 2658746"/>
+                <a:gd name="connsiteY4" fmla="*/ 1329373 h 1329373"/>
+                <a:gd name="connsiteX5" fmla="*/ 0 w 2658746"/>
+                <a:gd name="connsiteY5" fmla="*/ 1329373 h 1329373"/>
+                <a:gd name="connsiteX6" fmla="*/ 1329373 w 2658746"/>
+                <a:gd name="connsiteY6" fmla="*/ 0 h 1329373"/>
+              </a:gdLst>
+              <a:ahLst/>
+              <a:cxnLst>
+                <a:cxn ang="0">
+                  <a:pos x="connsiteX0" y="connsiteY0"/>
+                </a:cxn>
+                <a:cxn ang="0">
+                  <a:pos x="connsiteX1" y="connsiteY1"/>
+                </a:cxn>
+                <a:cxn ang="0">
+                  <a:pos x="connsiteX2" y="connsiteY2"/>
+                </a:cxn>
+                <a:cxn ang="0">
+                  <a:pos x="connsiteX3" y="connsiteY3"/>
+                </a:cxn>
+                <a:cxn ang="0">
+                  <a:pos x="connsiteX4" y="connsiteY4"/>
+                </a:cxn>
+                <a:cxn ang="0">
+                  <a:pos x="connsiteX5" y="connsiteY5"/>
+                </a:cxn>
+                <a:cxn ang="0">
+                  <a:pos x="connsiteX6" y="connsiteY6"/>
+                </a:cxn>
+              </a:cxnLst>
+              <a:rect l="l" t="t" r="r" b="b"/>
+              <a:pathLst>
+                <a:path w="2658746" h="1329373">
+                  <a:moveTo>
+                    <a:pt x="1329373" y="0"/>
+                  </a:moveTo>
+                  <a:cubicBezTo>
+                    <a:pt x="2063565" y="0"/>
+                    <a:pt x="2658746" y="595181"/>
+                    <a:pt x="2658746" y="1329373"/>
+                  </a:cubicBezTo>
+                  <a:lnTo>
+                    <a:pt x="1994059" y="1329373"/>
+                  </a:lnTo>
+                  <a:cubicBezTo>
+                    <a:pt x="1994059" y="962277"/>
+                    <a:pt x="1696469" y="664687"/>
+                    <a:pt x="1329373" y="664687"/>
+                  </a:cubicBezTo>
+                  <a:cubicBezTo>
+                    <a:pt x="962277" y="664687"/>
+                    <a:pt x="664687" y="962277"/>
+                    <a:pt x="664687" y="1329373"/>
+                  </a:cubicBezTo>
+                  <a:lnTo>
+                    <a:pt x="0" y="1329373"/>
+                  </a:lnTo>
+                  <a:cubicBezTo>
+                    <a:pt x="0" y="595181"/>
+                    <a:pt x="595181" y="0"/>
+                    <a:pt x="1329373" y="0"/>
+                  </a:cubicBezTo>
+                  <a:close/>
+                </a:path>
+              </a:pathLst>
+            </a:custGeom>
+            <a:solidFill>
+              <a:schemeClr val="bg2">
+                <a:lumMod val="50000"/>
+                <a:lumOff val="50000"/>
+                <a:alpha val="40000"/>
+              </a:schemeClr>
+            </a:solidFill>
+            <a:ln>
+              <a:noFill/>
+            </a:ln>
+            <a:effectLst>
+              <a:softEdge rad="190500"/>
+            </a:effectLst>
+          </p:spPr>
+          <p:style>
+            <a:lnRef idx="2">
+              <a:schemeClr val="accent1">
+                <a:shade val="50000"/>
+              </a:schemeClr>
+            </a:lnRef>
+            <a:fillRef idx="1">
+              <a:schemeClr val="accent1"/>
+            </a:fillRef>
+            <a:effectRef idx="0">
+              <a:schemeClr val="accent1"/>
+            </a:effectRef>
+            <a:fontRef idx="minor">
+              <a:schemeClr val="lt1"/>
+            </a:fontRef>
+          </p:style>
+          <p:txBody>
+            <a:bodyPr rtlCol="0" anchor="ctr"/>
+            <a:lstStyle/>
+            <a:p>
+              <a:pPr algn="ctr"/>
+              <a:endParaRPr lang="en-US">
+                <a:solidFill>
+                  <a:schemeClr val="tx1"/>
+                </a:solidFill>
+              </a:endParaRPr>
+            </a:p>
+          </p:txBody>
+        </p:sp>
+        <p:sp>
+          <p:nvSpPr>
+            <p:cNvPr id="43" name="Oval 42">
+              <a:extLst>
+                <a:ext uri="{FF2B5EF4-FFF2-40B4-BE49-F238E27FC236}">
+                  <a16:creationId xmlns:a16="http://schemas.microsoft.com/office/drawing/2014/main" id="{4B089C8C-B82B-4704-88E2-E857A5E21529}"/>
+                </a:ext>
+                <a:ext uri="{C183D7F6-B498-43B3-948B-1728B52AA6E4}">
+                  <adec:decorative xmlns:adec="http://schemas.microsoft.com/office/drawing/2017/decorative" val="1"/>
+                </a:ext>
+              </a:extLst>
+            </p:cNvPr>
+            <p:cNvSpPr/>
+            <p:nvPr>
+              <p:extLst>
+                <p:ext uri="{386F3935-93C4-4BCD-93E2-E3B085C9AB24}">
+                  <p16:designElem xmlns:p16="http://schemas.microsoft.com/office/powerpoint/2015/main" val="1"/>
+                </p:ext>
+              </p:extLst>
+            </p:nvPr>
+          </p:nvSpPr>
+          <p:spPr>
+            <a:xfrm rot="13500000" flipV="1">
+              <a:off x="6040374" y="3601683"/>
+              <a:ext cx="107098" cy="466589"/>
+            </a:xfrm>
+            <a:prstGeom prst="ellipse">
+              <a:avLst/>
+            </a:prstGeom>
+            <a:solidFill>
+              <a:schemeClr val="bg2">
+                <a:lumMod val="90000"/>
+                <a:lumOff val="10000"/>
+              </a:schemeClr>
+            </a:solidFill>
+            <a:ln>
+              <a:noFill/>
+            </a:ln>
+            <a:effectLst>
+              <a:innerShdw blurRad="63500" dist="2540000">
+                <a:schemeClr val="accent1">
+                  <a:lumMod val="60000"/>
+                  <a:lumOff val="40000"/>
+                  <a:alpha val="0"/>
+                </a:schemeClr>
+              </a:innerShdw>
+            </a:effectLst>
+          </p:spPr>
+          <p:style>
+            <a:lnRef idx="2">
+              <a:schemeClr val="accent1">
+                <a:shade val="50000"/>
+              </a:schemeClr>
+            </a:lnRef>
+            <a:fillRef idx="1">
+              <a:schemeClr val="accent1"/>
+            </a:fillRef>
+            <a:effectRef idx="0">
+              <a:schemeClr val="accent1"/>
+            </a:effectRef>
+            <a:fontRef idx="minor">
+              <a:schemeClr val="lt1"/>
+            </a:fontRef>
+          </p:style>
+          <p:txBody>
+            <a:bodyPr rot="0" spcFirstLastPara="0" vertOverflow="overflow" horzOverflow="overflow" vert="horz" wrap="square" lIns="91440" tIns="45720" rIns="91440" bIns="45720" numCol="1" spcCol="0" rtlCol="0" fromWordArt="0" anchor="ctr" anchorCtr="0" forceAA="0" compatLnSpc="1">
+              <a:prstTxWarp prst="textNoShape">
+                <a:avLst/>
+              </a:prstTxWarp>
+              <a:noAutofit/>
+            </a:bodyPr>
+            <a:lstStyle/>
+            <a:p>
+              <a:pPr algn="ctr"/>
+              <a:endParaRPr lang="en-US"/>
+            </a:p>
+          </p:txBody>
+        </p:sp>
+        <p:sp>
+          <p:nvSpPr>
+            <p:cNvPr id="44" name="Oval 43">
+              <a:extLst>
+                <a:ext uri="{FF2B5EF4-FFF2-40B4-BE49-F238E27FC236}">
+                  <a16:creationId xmlns:a16="http://schemas.microsoft.com/office/drawing/2014/main" id="{434B90C8-5B4D-456E-AD99-80EF748FDD72}"/>
+                </a:ext>
+                <a:ext uri="{C183D7F6-B498-43B3-948B-1728B52AA6E4}">
+                  <adec:decorative xmlns:adec="http://schemas.microsoft.com/office/drawing/2017/decorative" val="1"/>
+                </a:ext>
+              </a:extLst>
+            </p:cNvPr>
+            <p:cNvSpPr/>
+            <p:nvPr>
+              <p:extLst>
+                <p:ext uri="{386F3935-93C4-4BCD-93E2-E3B085C9AB24}">
+                  <p16:designElem xmlns:p16="http://schemas.microsoft.com/office/powerpoint/2015/main" val="1"/>
+                </p:ext>
+              </p:extLst>
+            </p:nvPr>
+          </p:nvSpPr>
+          <p:spPr>
+            <a:xfrm rot="13500000" flipV="1">
+              <a:off x="5059348" y="4582709"/>
+              <a:ext cx="107098" cy="466589"/>
+            </a:xfrm>
+            <a:prstGeom prst="ellipse">
+              <a:avLst/>
+            </a:prstGeom>
+            <a:solidFill>
+              <a:schemeClr val="bg2">
+                <a:lumMod val="90000"/>
+                <a:lumOff val="10000"/>
+              </a:schemeClr>
+            </a:solidFill>
+            <a:ln>
+              <a:noFill/>
+            </a:ln>
+            <a:effectLst>
+              <a:innerShdw blurRad="63500" dist="2540000">
+                <a:schemeClr val="accent1">
+                  <a:lumMod val="60000"/>
+                  <a:lumOff val="40000"/>
+                  <a:alpha val="0"/>
+                </a:schemeClr>
+              </a:innerShdw>
+            </a:effectLst>
+          </p:spPr>
+          <p:style>
+            <a:lnRef idx="2">
+              <a:schemeClr val="accent1">
+                <a:shade val="50000"/>
+              </a:schemeClr>
+            </a:lnRef>
+            <a:fillRef idx="1">
+              <a:schemeClr val="accent1"/>
+            </a:fillRef>
+            <a:effectRef idx="0">
+              <a:schemeClr val="accent1"/>
+            </a:effectRef>
+            <a:fontRef idx="minor">
+              <a:schemeClr val="lt1"/>
+            </a:fontRef>
+          </p:style>
+          <p:txBody>
+            <a:bodyPr rot="0" spcFirstLastPara="0" vertOverflow="overflow" horzOverflow="overflow" vert="horz" wrap="square" lIns="91440" tIns="45720" rIns="91440" bIns="45720" numCol="1" spcCol="0" rtlCol="0" fromWordArt="0" anchor="ctr" anchorCtr="0" forceAA="0" compatLnSpc="1">
+              <a:prstTxWarp prst="textNoShape">
+                <a:avLst/>
+              </a:prstTxWarp>
+              <a:noAutofit/>
+            </a:bodyPr>
+            <a:lstStyle/>
+            <a:p>
+              <a:pPr algn="ctr"/>
+              <a:endParaRPr lang="en-US"/>
+            </a:p>
+          </p:txBody>
+        </p:sp>
+      </p:grpSp>
+      <p:sp useBgFill="1">
+        <p:nvSpPr>
+          <p:cNvPr id="46" name="Rectangle 45">
+            <a:extLst>
+              <a:ext uri="{FF2B5EF4-FFF2-40B4-BE49-F238E27FC236}">
+                <a16:creationId xmlns:a16="http://schemas.microsoft.com/office/drawing/2014/main" id="{1DB043B4-68C6-45B9-82AC-A5800EADB8DB}"/>
+              </a:ext>
+              <a:ext uri="{C183D7F6-B498-43B3-948B-1728B52AA6E4}">
+                <adec:decorative xmlns:adec="http://schemas.microsoft.com/office/drawing/2017/decorative" val="1"/>
+              </a:ext>
+            </a:extLst>
+          </p:cNvPr>
+          <p:cNvSpPr>
+            <a:spLocks noGrp="1" noRot="1" noChangeAspect="1" noMove="1" noResize="1" noEditPoints="1" noAdjustHandles="1" noChangeArrowheads="1" noChangeShapeType="1" noTextEdit="1"/>
+          </p:cNvSpPr>
+          <p:nvPr>
+            <p:extLst>
+              <p:ext uri="{386F3935-93C4-4BCD-93E2-E3B085C9AB24}">
+                <p16:designElem xmlns:p16="http://schemas.microsoft.com/office/powerpoint/2015/main" val="1"/>
+              </p:ext>
+            </p:extLst>
+          </p:nvPr>
+        </p:nvSpPr>
+        <p:spPr>
+          <a:xfrm>
+            <a:off x="0" y="0"/>
+            <a:ext cx="12192000" cy="6858000"/>
+          </a:xfrm>
+          <a:prstGeom prst="rect">
+            <a:avLst/>
+          </a:prstGeom>
+          <a:ln w="12700" cap="flat" cmpd="sng" algn="ctr">
+            <a:noFill/>
+            <a:prstDash val="solid"/>
+            <a:miter lim="800000"/>
+          </a:ln>
+          <a:effectLst/>
+          <a:extLst>
+            <a:ext uri="{91240B29-F687-4F45-9708-019B960494DF}">
+              <a14:hiddenLine xmlns:a14="http://schemas.microsoft.com/office/drawing/2010/main" w="12700" cap="flat" cmpd="sng" algn="ctr">
+                <a:solidFill>
+                  <a:schemeClr val="accent1">
+                    <a:shade val="50000"/>
+                  </a:schemeClr>
+                </a:solidFill>
+                <a:prstDash val="solid"/>
+                <a:miter lim="800000"/>
+              </a14:hiddenLine>
+            </a:ext>
+          </a:extLst>
+        </p:spPr>
+        <p:style>
+          <a:lnRef idx="2">
+            <a:schemeClr val="accent1">
+              <a:shade val="50000"/>
+            </a:schemeClr>
+          </a:lnRef>
+          <a:fillRef idx="1">
+            <a:schemeClr val="accent1"/>
+          </a:fillRef>
+          <a:effectRef idx="0">
+            <a:schemeClr val="accent1"/>
+          </a:effectRef>
+          <a:fontRef idx="minor">
+            <a:schemeClr val="lt1"/>
+          </a:fontRef>
+        </p:style>
+        <p:txBody>
+          <a:bodyPr rtlCol="0" anchor="ctr"/>
+          <a:lstStyle/>
+          <a:p>
+            <a:pPr algn="ctr"/>
+            <a:endParaRPr lang="en-US"/>
+          </a:p>
+        </p:txBody>
+      </p:sp>
+      <p:pic>
+        <p:nvPicPr>
+          <p:cNvPr id="8" name="Picture Placeholder 7" descr="Data Points Digital background">
+            <a:extLst>
+              <a:ext uri="{FF2B5EF4-FFF2-40B4-BE49-F238E27FC236}">
+                <a16:creationId xmlns:a16="http://schemas.microsoft.com/office/drawing/2014/main" id="{5FED7C55-F545-49A1-90FD-D853A25AB453}"/>
+              </a:ext>
+            </a:extLst>
+          </p:cNvPr>
+          <p:cNvPicPr>
+            <a:picLocks noGrp="1" noChangeAspect="1"/>
+          </p:cNvPicPr>
+          <p:nvPr>
+            <p:ph type="pic" sz="quarter" idx="13"/>
+          </p:nvPr>
+        </p:nvPicPr>
+        <p:blipFill>
+          <a:blip r:embed="rId3">
+            <a:extLst>
+              <a:ext uri="{28A0092B-C50C-407E-A947-70E740481C1C}">
+                <a14:useLocalDpi xmlns:a14="http://schemas.microsoft.com/office/drawing/2010/main" val="0"/>
+              </a:ext>
+            </a:extLst>
+          </a:blip>
+          <a:srcRect/>
+          <a:stretch>
+            <a:fillRect/>
+          </a:stretch>
+        </p:blipFill>
+        <p:spPr/>
+      </p:pic>
+      <p:sp>
+        <p:nvSpPr>
+          <p:cNvPr id="48" name="Rectangle 47">
+            <a:extLst>
+              <a:ext uri="{FF2B5EF4-FFF2-40B4-BE49-F238E27FC236}">
+                <a16:creationId xmlns:a16="http://schemas.microsoft.com/office/drawing/2014/main" id="{3C64A91D-E535-4C24-A0E3-96A3810E3FDC}"/>
+              </a:ext>
+              <a:ext uri="{C183D7F6-B498-43B3-948B-1728B52AA6E4}">
+                <adec:decorative xmlns:adec="http://schemas.microsoft.com/office/drawing/2017/decorative" val="1"/>
+              </a:ext>
+            </a:extLst>
+          </p:cNvPr>
+          <p:cNvSpPr>
+            <a:spLocks noGrp="1" noRot="1" noChangeAspect="1" noMove="1" noResize="1" noEditPoints="1" noAdjustHandles="1" noChangeArrowheads="1" noChangeShapeType="1" noTextEdit="1"/>
+          </p:cNvSpPr>
+          <p:nvPr>
+            <p:extLst>
+              <p:ext uri="{386F3935-93C4-4BCD-93E2-E3B085C9AB24}">
+                <p16:designElem xmlns:p16="http://schemas.microsoft.com/office/powerpoint/2015/main" val="1"/>
+              </p:ext>
+            </p:extLst>
+          </p:nvPr>
+        </p:nvSpPr>
+        <p:spPr>
+          <a:xfrm>
+            <a:off x="0" y="5773729"/>
+            <a:ext cx="12192000" cy="1084271"/>
+          </a:xfrm>
+          <a:prstGeom prst="rect">
+            <a:avLst/>
+          </a:prstGeom>
+          <a:gradFill flip="none" rotWithShape="1">
+            <a:gsLst>
+              <a:gs pos="90000">
+                <a:schemeClr val="bg2">
+                  <a:alpha val="60000"/>
+                </a:schemeClr>
+              </a:gs>
+              <a:gs pos="28000">
+                <a:schemeClr val="bg2">
+                  <a:alpha val="0"/>
+                </a:schemeClr>
+              </a:gs>
+            </a:gsLst>
+            <a:lin ang="5400000" scaled="0"/>
+            <a:tileRect/>
+          </a:gradFill>
+          <a:ln>
+            <a:noFill/>
+          </a:ln>
+        </p:spPr>
+        <p:style>
+          <a:lnRef idx="2">
+            <a:schemeClr val="accent1">
+              <a:shade val="50000"/>
+            </a:schemeClr>
+          </a:lnRef>
+          <a:fillRef idx="1">
+            <a:schemeClr val="accent1"/>
+          </a:fillRef>
+          <a:effectRef idx="0">
+            <a:schemeClr val="accent1"/>
+          </a:effectRef>
+          <a:fontRef idx="minor">
+            <a:schemeClr val="lt1"/>
+          </a:fontRef>
+        </p:style>
+        <p:txBody>
+          <a:bodyPr rtlCol="0" anchor="ctr"/>
+          <a:lstStyle/>
+          <a:p>
+            <a:pPr algn="ctr"/>
+            <a:endParaRPr lang="en-US"/>
+          </a:p>
+        </p:txBody>
+      </p:sp>
+      <p:sp>
+        <p:nvSpPr>
+          <p:cNvPr id="50" name="Rectangle 49">
+            <a:extLst>
+              <a:ext uri="{FF2B5EF4-FFF2-40B4-BE49-F238E27FC236}">
+                <a16:creationId xmlns:a16="http://schemas.microsoft.com/office/drawing/2014/main" id="{26FC4867-BA3E-4F8E-AB23-684F34DF3D31}"/>
+              </a:ext>
+              <a:ext uri="{C183D7F6-B498-43B3-948B-1728B52AA6E4}">
+                <adec:decorative xmlns:adec="http://schemas.microsoft.com/office/drawing/2017/decorative" val="1"/>
+              </a:ext>
+            </a:extLst>
+          </p:cNvPr>
+          <p:cNvSpPr>
+            <a:spLocks noGrp="1" noRot="1" noChangeAspect="1" noMove="1" noResize="1" noEditPoints="1" noAdjustHandles="1" noChangeArrowheads="1" noChangeShapeType="1" noTextEdit="1"/>
+          </p:cNvSpPr>
+          <p:nvPr>
+            <p:extLst>
+              <p:ext uri="{386F3935-93C4-4BCD-93E2-E3B085C9AB24}">
+                <p16:designElem xmlns:p16="http://schemas.microsoft.com/office/powerpoint/2015/main" val="1"/>
+              </p:ext>
+            </p:extLst>
+          </p:nvPr>
+        </p:nvSpPr>
+        <p:spPr>
+          <a:xfrm rot="10800000">
+            <a:off x="0" y="-3"/>
+            <a:ext cx="9000000" cy="6857998"/>
+          </a:xfrm>
+          <a:prstGeom prst="rect">
+            <a:avLst/>
+          </a:prstGeom>
+          <a:gradFill flip="none" rotWithShape="1">
+            <a:gsLst>
+              <a:gs pos="50000">
+                <a:schemeClr val="bg2">
+                  <a:alpha val="60000"/>
+                </a:schemeClr>
+              </a:gs>
+              <a:gs pos="0">
+                <a:schemeClr val="bg2">
+                  <a:alpha val="0"/>
+                </a:schemeClr>
+              </a:gs>
+            </a:gsLst>
+            <a:lin ang="0" scaled="0"/>
+            <a:tileRect/>
+          </a:gradFill>
+          <a:ln>
+            <a:noFill/>
+          </a:ln>
+        </p:spPr>
+        <p:style>
+          <a:lnRef idx="2">
+            <a:schemeClr val="accent1">
+              <a:shade val="50000"/>
+            </a:schemeClr>
+          </a:lnRef>
+          <a:fillRef idx="1">
+            <a:schemeClr val="accent1"/>
+          </a:fillRef>
+          <a:effectRef idx="0">
+            <a:schemeClr val="accent1"/>
+          </a:effectRef>
+          <a:fontRef idx="minor">
+            <a:schemeClr val="lt1"/>
+          </a:fontRef>
+        </p:style>
+        <p:txBody>
+          <a:bodyPr rtlCol="0" anchor="ctr"/>
+          <a:lstStyle/>
+          <a:p>
+            <a:pPr algn="ctr"/>
+            <a:endParaRPr lang="en-US"/>
+          </a:p>
+        </p:txBody>
+      </p:sp>
+      <p:sp>
+        <p:nvSpPr>
+          <p:cNvPr id="15" name="Title 14">
+            <a:extLst>
+              <a:ext uri="{FF2B5EF4-FFF2-40B4-BE49-F238E27FC236}">
+                <a16:creationId xmlns:a16="http://schemas.microsoft.com/office/drawing/2014/main" id="{40F1DF5B-353A-4270-8C10-6A1509441174}"/>
+              </a:ext>
+            </a:extLst>
+          </p:cNvPr>
+          <p:cNvSpPr>
+            <a:spLocks noGrp="1"/>
+          </p:cNvSpPr>
+          <p:nvPr>
+            <p:ph type="ctrTitle"/>
+          </p:nvPr>
+        </p:nvSpPr>
+        <p:spPr>
+          <a:xfrm>
+            <a:off x="440504" y="1537729"/>
+            <a:ext cx="11557055" cy="2565178"/>
+          </a:xfrm>
+        </p:spPr>
+        <p:txBody>
+          <a:bodyPr vert="horz" wrap="square" lIns="0" tIns="0" rIns="0" bIns="0" rtlCol="0" anchor="b" anchorCtr="0">
+            <a:normAutofit/>
+          </a:bodyPr>
+          <a:lstStyle/>
+          <a:p>
+            <a:pPr algn="ctr">
+              <a:lnSpc>
+                <a:spcPct val="100000"/>
+              </a:lnSpc>
+            </a:pPr>
+            <a:r>
+              <a:rPr lang="en-US" dirty="0">
+                <a:latin typeface="Times New Roman" panose="02020603050405020304" pitchFamily="18" charset="0"/>
+                <a:cs typeface="Times New Roman" panose="02020603050405020304" pitchFamily="18" charset="0"/>
+              </a:rPr>
+              <a:t>Decoder in Transformers</a:t>
+            </a:r>
+            <a:endParaRPr lang="en-US" sz="6400" kern="1200" dirty="0">
+              <a:solidFill>
+                <a:schemeClr val="tx1"/>
+              </a:solidFill>
+              <a:latin typeface="Times New Roman" panose="02020603050405020304" pitchFamily="18" charset="0"/>
+              <a:cs typeface="Times New Roman" panose="02020603050405020304" pitchFamily="18" charset="0"/>
+            </a:endParaRPr>
+          </a:p>
+        </p:txBody>
+      </p:sp>
+      <p:pic>
+        <p:nvPicPr>
+          <p:cNvPr id="5" name="Picture 4"/>
+          <p:cNvPicPr>
+            <a:picLocks noChangeAspect="1"/>
+          </p:cNvPicPr>
+          <p:nvPr/>
+        </p:nvPicPr>
+        <p:blipFill>
+          <a:blip r:embed="rId4">
+            <a:extLst>
+              <a:ext uri="{28A0092B-C50C-407E-A947-70E740481C1C}">
+                <a14:useLocalDpi xmlns:a14="http://schemas.microsoft.com/office/drawing/2010/main" val="0"/>
+              </a:ext>
+            </a:extLst>
+          </a:blip>
+          <a:stretch>
+            <a:fillRect/>
+          </a:stretch>
+        </p:blipFill>
+        <p:spPr>
+          <a:xfrm>
+            <a:off x="-4612" y="-6922"/>
+            <a:ext cx="1428679" cy="791181"/>
+          </a:xfrm>
+          <a:prstGeom prst="rect">
+            <a:avLst/>
+          </a:prstGeom>
+        </p:spPr>
+      </p:pic>
+    </p:spTree>
+    <p:extLst>
+      <p:ext uri="{BB962C8B-B14F-4D97-AF65-F5344CB8AC3E}">
+        <p14:creationId xmlns:p14="http://schemas.microsoft.com/office/powerpoint/2010/main" val="3933149801"/>
+      </p:ext>
+    </p:extLst>
+  </p:cSld>
+  <p:clrMapOvr>
+    <a:masterClrMapping/>
+  </p:clrMapOvr>
+</p:sld>
+</file>
+
+<file path=ppt/slides/slide33.xml><?xml version="1.0" encoding="utf-8"?>
+<p:sld xmlns:a="http://schemas.openxmlformats.org/drawingml/2006/main" xmlns:r="http://schemas.openxmlformats.org/officeDocument/2006/relationships" xmlns:p="http://schemas.openxmlformats.org/presentationml/2006/main">
+  <p:cSld>
+    <p:spTree>
+      <p:nvGrpSpPr>
+        <p:cNvPr id="1" name=""/>
+        <p:cNvGrpSpPr/>
+        <p:nvPr/>
+      </p:nvGrpSpPr>
+      <p:grpSpPr>
+        <a:xfrm>
+          <a:off x="0" y="0"/>
+          <a:ext cx="0" cy="0"/>
+          <a:chOff x="0" y="0"/>
+          <a:chExt cx="0" cy="0"/>
+        </a:xfrm>
+      </p:grpSpPr>
+      <p:sp>
+        <p:nvSpPr>
+          <p:cNvPr id="2" name="Title 1"/>
+          <p:cNvSpPr>
+            <a:spLocks noGrp="1"/>
+          </p:cNvSpPr>
+          <p:nvPr>
+            <p:ph type="title"/>
+          </p:nvPr>
+        </p:nvSpPr>
+        <p:spPr>
+          <a:xfrm>
+            <a:off x="1424067" y="1102554"/>
+            <a:ext cx="10050925" cy="620901"/>
+          </a:xfrm>
+        </p:spPr>
+        <p:txBody>
+          <a:bodyPr/>
+          <a:lstStyle/>
+          <a:p>
+            <a:r>
+              <a:rPr lang="en-US" b="1" dirty="0">
+                <a:latin typeface="Times New Roman" panose="02020603050405020304" pitchFamily="18" charset="0"/>
+                <a:cs typeface="Times New Roman" panose="02020603050405020304" pitchFamily="18" charset="0"/>
+              </a:rPr>
+              <a:t>1/ Mask Multi-head Attention</a:t>
+            </a:r>
+          </a:p>
+        </p:txBody>
+      </p:sp>
+      <p:sp>
+        <p:nvSpPr>
+          <p:cNvPr id="11" name="Slide Number Placeholder 10"/>
+          <p:cNvSpPr>
+            <a:spLocks noGrp="1"/>
+          </p:cNvSpPr>
+          <p:nvPr>
+            <p:ph type="sldNum" sz="quarter" idx="12"/>
+          </p:nvPr>
+        </p:nvSpPr>
+        <p:spPr/>
+        <p:txBody>
+          <a:bodyPr/>
+          <a:lstStyle/>
+          <a:p>
+            <a:fld id="{DBA1B0FB-D917-4C8C-928F-313BD683BF39}" type="slidenum">
+              <a:rPr lang="en-US" smtClean="0"/>
+              <a:t>33</a:t>
+            </a:fld>
+            <a:endParaRPr lang="en-US"/>
+          </a:p>
+        </p:txBody>
+      </p:sp>
+      <p:pic>
+        <p:nvPicPr>
+          <p:cNvPr id="12" name="Picture 11"/>
+          <p:cNvPicPr>
+            <a:picLocks noChangeAspect="1"/>
+          </p:cNvPicPr>
+          <p:nvPr/>
+        </p:nvPicPr>
+        <p:blipFill>
+          <a:blip r:embed="rId3">
+            <a:extLst>
+              <a:ext uri="{28A0092B-C50C-407E-A947-70E740481C1C}">
+                <a14:useLocalDpi xmlns:a14="http://schemas.microsoft.com/office/drawing/2010/main" val="0"/>
+              </a:ext>
+            </a:extLst>
+          </a:blip>
+          <a:stretch>
+            <a:fillRect/>
+          </a:stretch>
+        </p:blipFill>
+        <p:spPr>
+          <a:xfrm>
+            <a:off x="-4612" y="-6922"/>
+            <a:ext cx="1428679" cy="791181"/>
+          </a:xfrm>
+          <a:prstGeom prst="rect">
+            <a:avLst/>
+          </a:prstGeom>
+        </p:spPr>
+      </p:pic>
+      <p:sp>
+        <p:nvSpPr>
+          <p:cNvPr id="8" name="Content Placeholder 7">
+            <a:extLst>
+              <a:ext uri="{FF2B5EF4-FFF2-40B4-BE49-F238E27FC236}">
+                <a16:creationId xmlns:a16="http://schemas.microsoft.com/office/drawing/2014/main" id="{A27F6175-C901-DD27-A3B6-06D12A0227FB}"/>
+              </a:ext>
+            </a:extLst>
+          </p:cNvPr>
+          <p:cNvSpPr>
+            <a:spLocks noGrp="1"/>
+          </p:cNvSpPr>
+          <p:nvPr>
+            <p:ph sz="half" idx="2"/>
+          </p:nvPr>
+        </p:nvSpPr>
+        <p:spPr>
+          <a:xfrm>
+            <a:off x="1424066" y="2041750"/>
+            <a:ext cx="9249475" cy="3906109"/>
+          </a:xfrm>
+        </p:spPr>
+        <p:txBody>
+          <a:bodyPr/>
+          <a:lstStyle/>
+          <a:p>
+            <a:r>
+              <a:rPr lang="en-US" sz="2400" b="1" dirty="0">
+                <a:latin typeface="Times New Roman" panose="02020603050405020304" pitchFamily="18" charset="0"/>
+                <a:cs typeface="Times New Roman" panose="02020603050405020304" pitchFamily="18" charset="0"/>
+              </a:rPr>
+              <a:t>While job of Decoder is decode information from Encode and generate target word base on before words. </a:t>
+            </a:r>
+          </a:p>
+          <a:p>
+            <a:r>
+              <a:rPr lang="en-US" sz="2400" b="1" dirty="0">
+                <a:latin typeface="Times New Roman" panose="02020603050405020304" pitchFamily="18" charset="0"/>
+                <a:cs typeface="Times New Roman" panose="02020603050405020304" pitchFamily="18" charset="0"/>
+              </a:rPr>
+              <a:t>Using Multi-head like Encoder, Decoder will see all next word that it need to translate.</a:t>
+            </a:r>
+          </a:p>
+          <a:p>
+            <a:r>
+              <a:rPr lang="en-US" sz="2400" b="1" dirty="0">
+                <a:latin typeface="Times New Roman" panose="02020603050405020304" pitchFamily="18" charset="0"/>
+                <a:cs typeface="Times New Roman" panose="02020603050405020304" pitchFamily="18" charset="0"/>
+              </a:rPr>
+              <a:t>This step is to hide word, when Decoder translate to </a:t>
+            </a:r>
+            <a:r>
+              <a:rPr lang="en-US" sz="2400" b="1" dirty="0" err="1">
+                <a:latin typeface="Times New Roman" panose="02020603050405020304" pitchFamily="18" charset="0"/>
+                <a:cs typeface="Times New Roman" panose="02020603050405020304" pitchFamily="18" charset="0"/>
+              </a:rPr>
+              <a:t>i</a:t>
+            </a:r>
+            <a:r>
+              <a:rPr lang="en-US" sz="2400" b="1" dirty="0">
+                <a:latin typeface="Times New Roman" panose="02020603050405020304" pitchFamily="18" charset="0"/>
+                <a:cs typeface="Times New Roman" panose="02020603050405020304" pitchFamily="18" charset="0"/>
+              </a:rPr>
+              <a:t> position, all word behind will be mask(hide)</a:t>
+            </a:r>
+          </a:p>
+        </p:txBody>
+      </p:sp>
+    </p:spTree>
+    <p:extLst>
+      <p:ext uri="{BB962C8B-B14F-4D97-AF65-F5344CB8AC3E}">
+        <p14:creationId xmlns:p14="http://schemas.microsoft.com/office/powerpoint/2010/main" val="127623047"/>
+      </p:ext>
+    </p:extLst>
+  </p:cSld>
+  <p:clrMapOvr>
+    <a:masterClrMapping/>
+  </p:clrMapOvr>
+</p:sld>
+</file>
+
+<file path=ppt/slides/slide34.xml><?xml version="1.0" encoding="utf-8"?>
+<p:sld xmlns:a="http://schemas.openxmlformats.org/drawingml/2006/main" xmlns:r="http://schemas.openxmlformats.org/officeDocument/2006/relationships" xmlns:p="http://schemas.openxmlformats.org/presentationml/2006/main">
+  <p:cSld>
+    <p:spTree>
+      <p:nvGrpSpPr>
+        <p:cNvPr id="1" name=""/>
+        <p:cNvGrpSpPr/>
+        <p:nvPr/>
+      </p:nvGrpSpPr>
+      <p:grpSpPr>
+        <a:xfrm>
+          <a:off x="0" y="0"/>
+          <a:ext cx="0" cy="0"/>
+          <a:chOff x="0" y="0"/>
+          <a:chExt cx="0" cy="0"/>
+        </a:xfrm>
+      </p:grpSpPr>
+      <p:sp>
+        <p:nvSpPr>
+          <p:cNvPr id="2" name="Title 1"/>
+          <p:cNvSpPr>
+            <a:spLocks noGrp="1"/>
+          </p:cNvSpPr>
+          <p:nvPr>
+            <p:ph type="title"/>
+          </p:nvPr>
+        </p:nvSpPr>
+        <p:spPr>
+          <a:xfrm>
+            <a:off x="1424067" y="1102554"/>
+            <a:ext cx="10050925" cy="620901"/>
+          </a:xfrm>
+        </p:spPr>
+        <p:txBody>
+          <a:bodyPr/>
+          <a:lstStyle/>
+          <a:p>
+            <a:r>
+              <a:rPr lang="en-US" b="1" dirty="0">
+                <a:latin typeface="Times New Roman" panose="02020603050405020304" pitchFamily="18" charset="0"/>
+                <a:cs typeface="Times New Roman" panose="02020603050405020304" pitchFamily="18" charset="0"/>
+              </a:rPr>
+              <a:t>2/ How decoder work</a:t>
+            </a:r>
+          </a:p>
+        </p:txBody>
+      </p:sp>
+      <p:sp>
+        <p:nvSpPr>
+          <p:cNvPr id="11" name="Slide Number Placeholder 10"/>
+          <p:cNvSpPr>
+            <a:spLocks noGrp="1"/>
+          </p:cNvSpPr>
+          <p:nvPr>
+            <p:ph type="sldNum" sz="quarter" idx="12"/>
+          </p:nvPr>
+        </p:nvSpPr>
+        <p:spPr/>
+        <p:txBody>
+          <a:bodyPr/>
+          <a:lstStyle/>
+          <a:p>
+            <a:fld id="{DBA1B0FB-D917-4C8C-928F-313BD683BF39}" type="slidenum">
+              <a:rPr lang="en-US" smtClean="0"/>
+              <a:t>34</a:t>
+            </a:fld>
+            <a:endParaRPr lang="en-US"/>
+          </a:p>
+        </p:txBody>
+      </p:sp>
+      <p:pic>
+        <p:nvPicPr>
+          <p:cNvPr id="12" name="Picture 11"/>
+          <p:cNvPicPr>
+            <a:picLocks noChangeAspect="1"/>
+          </p:cNvPicPr>
+          <p:nvPr/>
+        </p:nvPicPr>
+        <p:blipFill>
+          <a:blip r:embed="rId3">
+            <a:extLst>
+              <a:ext uri="{28A0092B-C50C-407E-A947-70E740481C1C}">
+                <a14:useLocalDpi xmlns:a14="http://schemas.microsoft.com/office/drawing/2010/main" val="0"/>
+              </a:ext>
+            </a:extLst>
+          </a:blip>
+          <a:stretch>
+            <a:fillRect/>
+          </a:stretch>
+        </p:blipFill>
+        <p:spPr>
+          <a:xfrm>
+            <a:off x="-4612" y="-6922"/>
+            <a:ext cx="1428679" cy="791181"/>
+          </a:xfrm>
+          <a:prstGeom prst="rect">
+            <a:avLst/>
+          </a:prstGeom>
+        </p:spPr>
+      </p:pic>
+      <p:sp>
+        <p:nvSpPr>
+          <p:cNvPr id="8" name="Content Placeholder 7">
+            <a:extLst>
+              <a:ext uri="{FF2B5EF4-FFF2-40B4-BE49-F238E27FC236}">
+                <a16:creationId xmlns:a16="http://schemas.microsoft.com/office/drawing/2014/main" id="{A27F6175-C901-DD27-A3B6-06D12A0227FB}"/>
+              </a:ext>
+            </a:extLst>
+          </p:cNvPr>
+          <p:cNvSpPr>
+            <a:spLocks noGrp="1"/>
+          </p:cNvSpPr>
+          <p:nvPr>
+            <p:ph sz="half" idx="2"/>
+          </p:nvPr>
+        </p:nvSpPr>
+        <p:spPr>
+          <a:xfrm>
+            <a:off x="1424066" y="2041750"/>
+            <a:ext cx="9249475" cy="3906109"/>
+          </a:xfrm>
+        </p:spPr>
+        <p:txBody>
+          <a:bodyPr/>
+          <a:lstStyle/>
+          <a:p>
+            <a:r>
+              <a:rPr lang="en-US" sz="2400" b="1" dirty="0">
+                <a:latin typeface="Times New Roman" panose="02020603050405020304" pitchFamily="18" charset="0"/>
+                <a:cs typeface="Times New Roman" panose="02020603050405020304" pitchFamily="18" charset="0"/>
+              </a:rPr>
+              <a:t>Decoder is same as Encoder but the input of Decoder is masked.</a:t>
+            </a:r>
+          </a:p>
+          <a:p>
+            <a:r>
+              <a:rPr lang="en-US" sz="2400" b="1" dirty="0">
+                <a:latin typeface="Times New Roman" panose="02020603050405020304" pitchFamily="18" charset="0"/>
+                <a:cs typeface="Times New Roman" panose="02020603050405020304" pitchFamily="18" charset="0"/>
+              </a:rPr>
+              <a:t>After masked, input go to sub-layer #1. It don’t multiple 3 matrix to get Q, K, V like Encoder but only multiple only 1 matrix WQ.</a:t>
+            </a:r>
+          </a:p>
+          <a:p>
+            <a:r>
+              <a:rPr lang="en-US" sz="2400" b="1" dirty="0">
+                <a:latin typeface="Times New Roman" panose="02020603050405020304" pitchFamily="18" charset="0"/>
+                <a:cs typeface="Times New Roman" panose="02020603050405020304" pitchFamily="18" charset="0"/>
+              </a:rPr>
+              <a:t>K and V get from Encoder and Q from Masked multi-head attention and go to sub-layer #2,..</a:t>
+            </a:r>
+          </a:p>
+          <a:p>
+            <a:r>
+              <a:rPr lang="en-US" sz="2400" b="1" dirty="0">
+                <a:latin typeface="Times New Roman" panose="02020603050405020304" pitchFamily="18" charset="0"/>
+                <a:cs typeface="Times New Roman" panose="02020603050405020304" pitchFamily="18" charset="0"/>
+              </a:rPr>
+              <a:t>Last step, vector go to Linear class( a fully Connected) added with SoftMax to find probability of next word.</a:t>
+            </a:r>
+          </a:p>
+        </p:txBody>
+      </p:sp>
+    </p:spTree>
+    <p:extLst>
+      <p:ext uri="{BB962C8B-B14F-4D97-AF65-F5344CB8AC3E}">
+        <p14:creationId xmlns:p14="http://schemas.microsoft.com/office/powerpoint/2010/main" val="1864135627"/>
       </p:ext>
     </p:extLst>
   </p:cSld>
@@ -31975,6 +33910,25 @@
 </file>
 
 <file path=customXml/item1.xml><?xml version="1.0" encoding="utf-8"?>
+<p:properties xmlns:p="http://schemas.microsoft.com/office/2006/metadata/properties" xmlns:xsi="http://www.w3.org/2001/XMLSchema-instance" xmlns:pc="http://schemas.microsoft.com/office/infopath/2007/PartnerControls">
+  <documentManagement>
+    <_ip_UnifiedCompliancePolicyUIAction xmlns="http://schemas.microsoft.com/sharepoint/v3" xsi:nil="true"/>
+    <Image xmlns="71af3243-3dd4-4a8d-8c0d-dd76da1f02a5">
+      <Url xsi:nil="true"/>
+      <Description xsi:nil="true"/>
+    </Image>
+    <Status xmlns="71af3243-3dd4-4a8d-8c0d-dd76da1f02a5">Not started</Status>
+    <_ip_UnifiedCompliancePolicyProperties xmlns="http://schemas.microsoft.com/sharepoint/v3" xsi:nil="true"/>
+    <lcf76f155ced4ddcb4097134ff3c332f xmlns="71af3243-3dd4-4a8d-8c0d-dd76da1f02a5">
+      <Terms xmlns="http://schemas.microsoft.com/office/infopath/2007/PartnerControls"/>
+    </lcf76f155ced4ddcb4097134ff3c332f>
+    <TaxCatchAll xmlns="230e9df3-be65-4c73-a93b-d1236ebd677e"/>
+    <MediaServiceKeyPoints xmlns="71af3243-3dd4-4a8d-8c0d-dd76da1f02a5" xsi:nil="true"/>
+  </documentManagement>
+</p:properties>
+</file>
+
+<file path=customXml/item2.xml><?xml version="1.0" encoding="utf-8"?>
 <ct:contentTypeSchema xmlns:ct="http://schemas.microsoft.com/office/2006/metadata/contentType" xmlns:ma="http://schemas.microsoft.com/office/2006/metadata/properties/metaAttributes" ct:_="" ma:_="" ma:contentTypeName="Document" ma:contentTypeID="0x01010079F111ED35F8CC479449609E8A0923A6" ma:contentTypeVersion="18" ma:contentTypeDescription="Create a new document." ma:contentTypeScope="" ma:versionID="22a266b9fa9a230c5a512669d8b298c3">
   <xsd:schema xmlns:xsd="http://www.w3.org/2001/XMLSchema" xmlns:xs="http://www.w3.org/2001/XMLSchema" xmlns:p="http://schemas.microsoft.com/office/2006/metadata/properties" xmlns:ns1="http://schemas.microsoft.com/sharepoint/v3" xmlns:ns2="71af3243-3dd4-4a8d-8c0d-dd76da1f02a5" xmlns:ns3="16c05727-aa75-4e4a-9b5f-8a80a1165891" xmlns:ns4="230e9df3-be65-4c73-a93b-d1236ebd677e" targetNamespace="http://schemas.microsoft.com/office/2006/metadata/properties" ma:root="true" ma:fieldsID="eddc33fff6b14141ee5c74a0d29ea6a1" ns1:_="" ns2:_="" ns3:_="" ns4:_="">
     <xsd:import namespace="http://schemas.microsoft.com/sharepoint/v3"/>
@@ -32250,25 +34204,6 @@
 </ct:contentTypeSchema>
 </file>
 
-<file path=customXml/item2.xml><?xml version="1.0" encoding="utf-8"?>
-<p:properties xmlns:p="http://schemas.microsoft.com/office/2006/metadata/properties" xmlns:xsi="http://www.w3.org/2001/XMLSchema-instance" xmlns:pc="http://schemas.microsoft.com/office/infopath/2007/PartnerControls">
-  <documentManagement>
-    <_ip_UnifiedCompliancePolicyUIAction xmlns="http://schemas.microsoft.com/sharepoint/v3" xsi:nil="true"/>
-    <Image xmlns="71af3243-3dd4-4a8d-8c0d-dd76da1f02a5">
-      <Url xsi:nil="true"/>
-      <Description xsi:nil="true"/>
-    </Image>
-    <Status xmlns="71af3243-3dd4-4a8d-8c0d-dd76da1f02a5">Not started</Status>
-    <_ip_UnifiedCompliancePolicyProperties xmlns="http://schemas.microsoft.com/sharepoint/v3" xsi:nil="true"/>
-    <lcf76f155ced4ddcb4097134ff3c332f xmlns="71af3243-3dd4-4a8d-8c0d-dd76da1f02a5">
-      <Terms xmlns="http://schemas.microsoft.com/office/infopath/2007/PartnerControls"/>
-    </lcf76f155ced4ddcb4097134ff3c332f>
-    <TaxCatchAll xmlns="230e9df3-be65-4c73-a93b-d1236ebd677e"/>
-    <MediaServiceKeyPoints xmlns="71af3243-3dd4-4a8d-8c0d-dd76da1f02a5" xsi:nil="true"/>
-  </documentManagement>
-</p:properties>
-</file>
-
 <file path=customXml/item3.xml><?xml version="1.0" encoding="utf-8"?>
 <?mso-contentType ?>
 <FormTemplates xmlns="http://schemas.microsoft.com/sharepoint/v3/contenttype/forms">
@@ -32279,6 +34214,18 @@
 </file>
 
 <file path=customXml/itemProps1.xml><?xml version="1.0" encoding="utf-8"?>
+<ds:datastoreItem xmlns:ds="http://schemas.openxmlformats.org/officeDocument/2006/customXml" ds:itemID="{50811A92-D464-4AC4-A396-BA73B10CEEAC}">
+  <ds:schemaRefs>
+    <ds:schemaRef ds:uri="http://schemas.microsoft.com/office/2006/metadata/properties"/>
+    <ds:schemaRef ds:uri="http://schemas.microsoft.com/office/infopath/2007/PartnerControls"/>
+    <ds:schemaRef ds:uri="http://schemas.microsoft.com/sharepoint/v3"/>
+    <ds:schemaRef ds:uri="71af3243-3dd4-4a8d-8c0d-dd76da1f02a5"/>
+    <ds:schemaRef ds:uri="230e9df3-be65-4c73-a93b-d1236ebd677e"/>
+  </ds:schemaRefs>
+</ds:datastoreItem>
+</file>
+
+<file path=customXml/itemProps2.xml><?xml version="1.0" encoding="utf-8"?>
 <ds:datastoreItem xmlns:ds="http://schemas.openxmlformats.org/officeDocument/2006/customXml" ds:itemID="{DE4876F9-7AE1-498D-B8FE-1E3AD703D2AF}">
   <ds:schemaRefs>
     <ds:schemaRef ds:uri="http://schemas.microsoft.com/office/2006/metadata/contentType"/>
@@ -32299,18 +34246,6 @@
 </ds:datastoreItem>
 </file>
 
-<file path=customXml/itemProps2.xml><?xml version="1.0" encoding="utf-8"?>
-<ds:datastoreItem xmlns:ds="http://schemas.openxmlformats.org/officeDocument/2006/customXml" ds:itemID="{50811A92-D464-4AC4-A396-BA73B10CEEAC}">
-  <ds:schemaRefs>
-    <ds:schemaRef ds:uri="http://schemas.microsoft.com/office/2006/metadata/properties"/>
-    <ds:schemaRef ds:uri="http://schemas.microsoft.com/office/infopath/2007/PartnerControls"/>
-    <ds:schemaRef ds:uri="http://schemas.microsoft.com/sharepoint/v3"/>
-    <ds:schemaRef ds:uri="71af3243-3dd4-4a8d-8c0d-dd76da1f02a5"/>
-    <ds:schemaRef ds:uri="230e9df3-be65-4c73-a93b-d1236ebd677e"/>
-  </ds:schemaRefs>
-</ds:datastoreItem>
-</file>
-
 <file path=customXml/itemProps3.xml><?xml version="1.0" encoding="utf-8"?>
 <ds:datastoreItem xmlns:ds="http://schemas.openxmlformats.org/officeDocument/2006/customXml" ds:itemID="{904751AB-E840-446F-8D49-E697067EC887}">
   <ds:schemaRefs>

--- a/DOC/Tuan 1 - Tìm hiểu machine translation.pptx
+++ b/DOC/Tuan 1 - Tìm hiểu machine translation.pptx
@@ -5,10 +5,10 @@
     <p:sldMasterId id="2147483684" r:id="rId4"/>
   </p:sldMasterIdLst>
   <p:notesMasterIdLst>
-    <p:notesMasterId r:id="rId39"/>
+    <p:notesMasterId r:id="rId42"/>
   </p:notesMasterIdLst>
   <p:handoutMasterIdLst>
-    <p:handoutMasterId r:id="rId40"/>
+    <p:handoutMasterId r:id="rId43"/>
   </p:handoutMasterIdLst>
   <p:sldIdLst>
     <p:sldId id="257" r:id="rId5"/>
@@ -24,27 +24,30 @@
     <p:sldId id="394" r:id="rId15"/>
     <p:sldId id="395" r:id="rId16"/>
     <p:sldId id="397" r:id="rId17"/>
-    <p:sldId id="391" r:id="rId18"/>
-    <p:sldId id="398" r:id="rId19"/>
-    <p:sldId id="399" r:id="rId20"/>
-    <p:sldId id="400" r:id="rId21"/>
-    <p:sldId id="415" r:id="rId22"/>
-    <p:sldId id="402" r:id="rId23"/>
-    <p:sldId id="403" r:id="rId24"/>
-    <p:sldId id="404" r:id="rId25"/>
-    <p:sldId id="405" r:id="rId26"/>
-    <p:sldId id="406" r:id="rId27"/>
-    <p:sldId id="407" r:id="rId28"/>
-    <p:sldId id="408" r:id="rId29"/>
-    <p:sldId id="409" r:id="rId30"/>
-    <p:sldId id="410" r:id="rId31"/>
-    <p:sldId id="411" r:id="rId32"/>
-    <p:sldId id="412" r:id="rId33"/>
-    <p:sldId id="413" r:id="rId34"/>
-    <p:sldId id="414" r:id="rId35"/>
-    <p:sldId id="419" r:id="rId36"/>
-    <p:sldId id="416" r:id="rId37"/>
-    <p:sldId id="417" r:id="rId38"/>
+    <p:sldId id="398" r:id="rId18"/>
+    <p:sldId id="399" r:id="rId19"/>
+    <p:sldId id="400" r:id="rId20"/>
+    <p:sldId id="415" r:id="rId21"/>
+    <p:sldId id="402" r:id="rId22"/>
+    <p:sldId id="403" r:id="rId23"/>
+    <p:sldId id="404" r:id="rId24"/>
+    <p:sldId id="405" r:id="rId25"/>
+    <p:sldId id="406" r:id="rId26"/>
+    <p:sldId id="407" r:id="rId27"/>
+    <p:sldId id="408" r:id="rId28"/>
+    <p:sldId id="409" r:id="rId29"/>
+    <p:sldId id="410" r:id="rId30"/>
+    <p:sldId id="411" r:id="rId31"/>
+    <p:sldId id="412" r:id="rId32"/>
+    <p:sldId id="413" r:id="rId33"/>
+    <p:sldId id="414" r:id="rId34"/>
+    <p:sldId id="419" r:id="rId35"/>
+    <p:sldId id="416" r:id="rId36"/>
+    <p:sldId id="417" r:id="rId37"/>
+    <p:sldId id="420" r:id="rId38"/>
+    <p:sldId id="421" r:id="rId39"/>
+    <p:sldId id="422" r:id="rId40"/>
+    <p:sldId id="423" r:id="rId41"/>
   </p:sldIdLst>
   <p:sldSz cx="12192000" cy="6858000"/>
   <p:notesSz cx="6858000" cy="9144000"/>
@@ -259,7 +262,7 @@
           <a:p>
             <a:fld id="{C17F2C1D-F243-42AB-ADF2-E7CB4E04900E}" type="datetimeFigureOut">
               <a:rPr lang="en-US" smtClean="0"/>
-              <a:t>11/10/2022</a:t>
+              <a:t>11/15/2022</a:t>
             </a:fld>
             <a:endParaRPr lang="en-US"/>
           </a:p>
@@ -436,7 +439,7 @@
           <a:p>
             <a:fld id="{020CE34E-5667-4A32-A6BA-10C7A552BC63}" type="datetimeFigureOut">
               <a:rPr lang="en-US" smtClean="0"/>
-              <a:t>11/10/2022</a:t>
+              <a:t>11/15/2022</a:t>
             </a:fld>
             <a:endParaRPr lang="en-US"/>
           </a:p>
@@ -1104,7 +1107,7 @@
           <a:p>
             <a:fld id="{1983A999-5E0E-42CA-8400-604AE921FF7C}" type="slidenum">
               <a:rPr lang="en-US" smtClean="0"/>
-              <a:t>15</a:t>
+              <a:t>14</a:t>
             </a:fld>
             <a:endParaRPr lang="en-US"/>
           </a:p>
@@ -1167,7 +1170,256 @@
           <a:bodyPr/>
           <a:lstStyle/>
           <a:p>
-            <a:endParaRPr lang="en-US" dirty="0"/>
+            <a:r>
+              <a:rPr lang="en-US" dirty="0"/>
+              <a:t>-Dc </a:t>
+            </a:r>
+            <a:r>
+              <a:rPr lang="en-US" dirty="0" err="1"/>
+              <a:t>giới</a:t>
+            </a:r>
+            <a:r>
+              <a:rPr lang="en-US" dirty="0"/>
+              <a:t> </a:t>
+            </a:r>
+            <a:r>
+              <a:rPr lang="en-US" dirty="0" err="1"/>
+              <a:t>thiệu</a:t>
+            </a:r>
+            <a:r>
+              <a:rPr lang="en-US" dirty="0"/>
+              <a:t> </a:t>
+            </a:r>
+            <a:r>
+              <a:rPr lang="en-US" dirty="0" err="1"/>
+              <a:t>lần</a:t>
+            </a:r>
+            <a:r>
+              <a:rPr lang="en-US" dirty="0"/>
+              <a:t> </a:t>
+            </a:r>
+            <a:r>
+              <a:rPr lang="en-US" dirty="0" err="1"/>
+              <a:t>đầu</a:t>
+            </a:r>
+            <a:r>
+              <a:rPr lang="en-US" dirty="0"/>
+              <a:t> </a:t>
+            </a:r>
+            <a:r>
+              <a:rPr lang="en-US" dirty="0" err="1"/>
+              <a:t>bởi</a:t>
+            </a:r>
+            <a:r>
+              <a:rPr lang="en-US" dirty="0"/>
+              <a:t> Vaswani </a:t>
+            </a:r>
+            <a:r>
+              <a:rPr lang="en-US" dirty="0" err="1"/>
+              <a:t>và</a:t>
+            </a:r>
+            <a:r>
+              <a:rPr lang="en-US" dirty="0"/>
+              <a:t> </a:t>
+            </a:r>
+            <a:r>
+              <a:rPr lang="en-US" dirty="0" err="1"/>
+              <a:t>nhóm</a:t>
+            </a:r>
+            <a:r>
+              <a:rPr lang="en-US" dirty="0"/>
+              <a:t> ở </a:t>
+            </a:r>
+            <a:r>
+              <a:rPr lang="en-US" dirty="0" err="1"/>
+              <a:t>tờ</a:t>
+            </a:r>
+            <a:r>
+              <a:rPr lang="en-US" dirty="0"/>
+              <a:t> “Attention is all you need” </a:t>
+            </a:r>
+            <a:r>
+              <a:rPr lang="en-US" dirty="0" err="1"/>
+              <a:t>vào</a:t>
+            </a:r>
+            <a:r>
+              <a:rPr lang="en-US" dirty="0"/>
+              <a:t> </a:t>
+            </a:r>
+            <a:r>
+              <a:rPr lang="en-US" dirty="0" err="1"/>
+              <a:t>năm</a:t>
+            </a:r>
+            <a:r>
+              <a:rPr lang="en-US" dirty="0"/>
+              <a:t> 2017</a:t>
+            </a:r>
+          </a:p>
+          <a:p>
+            <a:r>
+              <a:rPr lang="en-US" dirty="0"/>
+              <a:t>- </a:t>
+            </a:r>
+            <a:r>
+              <a:rPr lang="en-US" dirty="0" err="1"/>
+              <a:t>Là</a:t>
+            </a:r>
+            <a:r>
+              <a:rPr lang="en-US" dirty="0"/>
+              <a:t> </a:t>
+            </a:r>
+            <a:r>
+              <a:rPr lang="en-US" dirty="0" err="1"/>
+              <a:t>mạng</a:t>
+            </a:r>
+            <a:r>
+              <a:rPr lang="en-US" dirty="0"/>
+              <a:t> neural </a:t>
+            </a:r>
+            <a:r>
+              <a:rPr lang="en-US" dirty="0" err="1"/>
+              <a:t>sâu</a:t>
+            </a:r>
+            <a:r>
+              <a:rPr lang="en-US" dirty="0"/>
+              <a:t> </a:t>
+            </a:r>
+            <a:r>
+              <a:rPr lang="en-US" dirty="0" err="1"/>
+              <a:t>để</a:t>
+            </a:r>
+            <a:r>
+              <a:rPr lang="en-US" dirty="0"/>
+              <a:t> </a:t>
+            </a:r>
+            <a:r>
+              <a:rPr lang="en-US" dirty="0" err="1"/>
+              <a:t>thay</a:t>
+            </a:r>
+            <a:r>
+              <a:rPr lang="en-US" dirty="0"/>
+              <a:t> </a:t>
+            </a:r>
+            <a:r>
+              <a:rPr lang="en-US" dirty="0" err="1"/>
+              <a:t>thế</a:t>
+            </a:r>
+            <a:r>
+              <a:rPr lang="en-US" dirty="0"/>
+              <a:t> </a:t>
+            </a:r>
+            <a:r>
+              <a:rPr lang="en-US" dirty="0" err="1"/>
+              <a:t>cho</a:t>
+            </a:r>
+            <a:r>
+              <a:rPr lang="en-US" dirty="0"/>
+              <a:t> CNNs </a:t>
+            </a:r>
+            <a:r>
+              <a:rPr lang="en-US" dirty="0" err="1"/>
+              <a:t>và</a:t>
+            </a:r>
+            <a:r>
+              <a:rPr lang="en-US" dirty="0"/>
+              <a:t> </a:t>
+            </a:r>
+            <a:r>
+              <a:rPr lang="en-US" dirty="0" err="1"/>
+              <a:t>đạc</a:t>
+            </a:r>
+            <a:r>
+              <a:rPr lang="en-US" dirty="0"/>
+              <a:t> </a:t>
+            </a:r>
+            <a:r>
+              <a:rPr lang="en-US" dirty="0" err="1"/>
+              <a:t>biệt</a:t>
+            </a:r>
+            <a:r>
+              <a:rPr lang="en-US" dirty="0"/>
+              <a:t> </a:t>
+            </a:r>
+            <a:r>
+              <a:rPr lang="en-US" dirty="0" err="1"/>
+              <a:t>là</a:t>
+            </a:r>
+            <a:r>
+              <a:rPr lang="en-US" dirty="0"/>
+              <a:t> RNNs(</a:t>
+            </a:r>
+            <a:r>
+              <a:rPr lang="en-US" dirty="0" err="1"/>
+              <a:t>Mang</a:t>
+            </a:r>
+            <a:r>
+              <a:rPr lang="en-US" dirty="0"/>
+              <a:t> neural </a:t>
+            </a:r>
+            <a:r>
+              <a:rPr lang="en-US" dirty="0" err="1"/>
+              <a:t>hồi</a:t>
+            </a:r>
+            <a:r>
+              <a:rPr lang="en-US" dirty="0"/>
+              <a:t> </a:t>
+            </a:r>
+            <a:r>
+              <a:rPr lang="en-US" dirty="0" err="1"/>
+              <a:t>quy</a:t>
+            </a:r>
+            <a:r>
+              <a:rPr lang="en-US" dirty="0"/>
+              <a:t>) ở </a:t>
+            </a:r>
+            <a:r>
+              <a:rPr lang="en-US" dirty="0" err="1"/>
+              <a:t>dịch</a:t>
+            </a:r>
+            <a:r>
+              <a:rPr lang="en-US" dirty="0"/>
+              <a:t> </a:t>
+            </a:r>
+            <a:r>
+              <a:rPr lang="en-US" dirty="0" err="1"/>
+              <a:t>máy</a:t>
+            </a:r>
+            <a:r>
+              <a:rPr lang="en-US" dirty="0"/>
+              <a:t> </a:t>
+            </a:r>
+            <a:r>
+              <a:rPr lang="en-US" dirty="0" err="1"/>
+              <a:t>bởi</a:t>
+            </a:r>
+            <a:r>
+              <a:rPr lang="en-US" dirty="0"/>
+              <a:t> </a:t>
+            </a:r>
+            <a:r>
+              <a:rPr lang="en-US" dirty="0" err="1"/>
+              <a:t>sử</a:t>
+            </a:r>
+            <a:r>
+              <a:rPr lang="en-US" dirty="0"/>
+              <a:t> </a:t>
+            </a:r>
+            <a:r>
+              <a:rPr lang="en-US" dirty="0" err="1"/>
+              <a:t>dụng</a:t>
+            </a:r>
+            <a:r>
+              <a:rPr lang="en-US" dirty="0"/>
+              <a:t> </a:t>
+            </a:r>
+            <a:r>
+              <a:rPr lang="en-US" dirty="0" err="1"/>
+              <a:t>seft</a:t>
+            </a:r>
+            <a:r>
+              <a:rPr lang="en-US" dirty="0"/>
+              <a:t>-attention</a:t>
+            </a:r>
           </a:p>
         </p:txBody>
       </p:sp>
@@ -1188,7 +1440,7 @@
           <a:p>
             <a:fld id="{E7CCE34D-CFF1-4FFE-815B-D050E7ED2DFD}" type="slidenum">
               <a:rPr lang="en-US" smtClean="0"/>
-              <a:t>16</a:t>
+              <a:t>15</a:t>
             </a:fld>
             <a:endParaRPr lang="en-US"/>
           </a:p>
@@ -1285,6 +1537,64 @@
             </a:r>
             <a:endParaRPr lang="en-US" dirty="0"/>
           </a:p>
+          <a:p>
+            <a:r>
+              <a:rPr lang="en-US" dirty="0" err="1"/>
+              <a:t>Cũng</a:t>
+            </a:r>
+            <a:r>
+              <a:rPr lang="en-US" dirty="0"/>
+              <a:t> </a:t>
+            </a:r>
+            <a:r>
+              <a:rPr lang="en-US" dirty="0" err="1"/>
+              <a:t>sử</a:t>
+            </a:r>
+            <a:r>
+              <a:rPr lang="en-US" dirty="0"/>
+              <a:t> </a:t>
+            </a:r>
+            <a:r>
+              <a:rPr lang="en-US" dirty="0" err="1"/>
+              <a:t>dụng</a:t>
+            </a:r>
+            <a:r>
+              <a:rPr lang="en-US" dirty="0"/>
+              <a:t> 2 </a:t>
+            </a:r>
+            <a:r>
+              <a:rPr lang="en-US" dirty="0" err="1"/>
+              <a:t>phần</a:t>
+            </a:r>
+            <a:r>
+              <a:rPr lang="en-US" dirty="0"/>
+              <a:t> </a:t>
+            </a:r>
+            <a:r>
+              <a:rPr lang="en-US" dirty="0" err="1"/>
+              <a:t>như</a:t>
+            </a:r>
+            <a:r>
+              <a:rPr lang="en-US" dirty="0"/>
+              <a:t> RNNs </a:t>
+            </a:r>
+            <a:r>
+              <a:rPr lang="en-US" dirty="0" err="1"/>
+              <a:t>là</a:t>
+            </a:r>
+            <a:r>
+              <a:rPr lang="en-US" dirty="0"/>
+              <a:t> encoder </a:t>
+            </a:r>
+            <a:r>
+              <a:rPr lang="en-US" dirty="0" err="1"/>
+              <a:t>và</a:t>
+            </a:r>
+            <a:r>
+              <a:rPr lang="en-US" dirty="0"/>
+              <a:t> decoder</a:t>
+            </a:r>
+          </a:p>
         </p:txBody>
       </p:sp>
       <p:sp>
@@ -1304,7 +1614,7 @@
           <a:p>
             <a:fld id="{E7CCE34D-CFF1-4FFE-815B-D050E7ED2DFD}" type="slidenum">
               <a:rPr lang="en-US" smtClean="0"/>
-              <a:t>17</a:t>
+              <a:t>16</a:t>
             </a:fld>
             <a:endParaRPr lang="en-US"/>
           </a:p>
@@ -1388,7 +1698,7 @@
           <a:p>
             <a:fld id="{1983A999-5E0E-42CA-8400-604AE921FF7C}" type="slidenum">
               <a:rPr lang="en-US" smtClean="0"/>
-              <a:t>18</a:t>
+              <a:t>17</a:t>
             </a:fld>
             <a:endParaRPr lang="en-US"/>
           </a:p>
@@ -1451,6 +1761,94 @@
           <a:bodyPr/>
           <a:lstStyle/>
           <a:p>
+            <a:r>
+              <a:rPr lang="en-US" dirty="0"/>
+              <a:t>- </a:t>
+            </a:r>
+            <a:r>
+              <a:rPr lang="en-US" dirty="0" err="1"/>
+              <a:t>Mỗi</a:t>
+            </a:r>
+            <a:r>
+              <a:rPr lang="en-US" dirty="0"/>
+              <a:t> </a:t>
+            </a:r>
+            <a:r>
+              <a:rPr lang="en-US" dirty="0" err="1"/>
+              <a:t>từ</a:t>
+            </a:r>
+            <a:r>
+              <a:rPr lang="en-US" dirty="0"/>
+              <a:t> </a:t>
+            </a:r>
+            <a:r>
+              <a:rPr lang="en-US" dirty="0" err="1"/>
+              <a:t>trg</a:t>
+            </a:r>
+            <a:r>
+              <a:rPr lang="en-US" dirty="0"/>
+              <a:t> </a:t>
+            </a:r>
+            <a:r>
+              <a:rPr lang="en-US" dirty="0" err="1"/>
+              <a:t>tập</a:t>
+            </a:r>
+            <a:r>
+              <a:rPr lang="en-US" dirty="0"/>
+              <a:t> train vs test </a:t>
+            </a:r>
+            <a:r>
+              <a:rPr lang="en-US" dirty="0" err="1"/>
+              <a:t>giống</a:t>
+            </a:r>
+            <a:r>
+              <a:rPr lang="en-US" dirty="0"/>
+              <a:t> </a:t>
+            </a:r>
+            <a:r>
+              <a:rPr lang="en-US" dirty="0" err="1"/>
+              <a:t>nhau</a:t>
+            </a:r>
+            <a:r>
+              <a:rPr lang="en-US" dirty="0"/>
+              <a:t> </a:t>
+            </a:r>
+            <a:r>
+              <a:rPr lang="en-US" dirty="0" err="1"/>
+              <a:t>sẽ</a:t>
+            </a:r>
+            <a:r>
+              <a:rPr lang="en-US" dirty="0"/>
+              <a:t> </a:t>
+            </a:r>
+            <a:r>
+              <a:rPr lang="en-US" dirty="0" err="1"/>
+              <a:t>có</a:t>
+            </a:r>
+            <a:r>
+              <a:rPr lang="en-US" dirty="0"/>
+              <a:t> vector </a:t>
+            </a:r>
+            <a:r>
+              <a:rPr lang="en-US" dirty="0" err="1"/>
+              <a:t>tương</a:t>
+            </a:r>
+            <a:r>
+              <a:rPr lang="en-US" dirty="0"/>
+              <a:t> </a:t>
+            </a:r>
+            <a:r>
+              <a:rPr lang="en-US" dirty="0" err="1"/>
+              <a:t>đông</a:t>
+            </a:r>
+            <a:r>
+              <a:rPr lang="en-US" dirty="0"/>
+              <a:t> </a:t>
+            </a:r>
+            <a:r>
+              <a:rPr lang="en-US" dirty="0" err="1"/>
+              <a:t>nhau</a:t>
+            </a:r>
             <a:endParaRPr lang="en-US" dirty="0"/>
           </a:p>
         </p:txBody>
@@ -1472,7 +1870,7 @@
           <a:p>
             <a:fld id="{E7CCE34D-CFF1-4FFE-815B-D050E7ED2DFD}" type="slidenum">
               <a:rPr lang="en-US" smtClean="0"/>
-              <a:t>19</a:t>
+              <a:t>18</a:t>
             </a:fld>
             <a:endParaRPr lang="en-US"/>
           </a:p>
@@ -1535,6 +1933,256 @@
           <a:bodyPr/>
           <a:lstStyle/>
           <a:p>
+            <a:r>
+              <a:rPr lang="en-US" dirty="0" err="1"/>
+              <a:t>Mã</a:t>
+            </a:r>
+            <a:r>
+              <a:rPr lang="en-US" dirty="0"/>
+              <a:t> </a:t>
+            </a:r>
+            <a:r>
+              <a:rPr lang="en-US" dirty="0" err="1"/>
+              <a:t>hóa</a:t>
+            </a:r>
+            <a:r>
+              <a:rPr lang="en-US" dirty="0"/>
+              <a:t> </a:t>
+            </a:r>
+            <a:r>
+              <a:rPr lang="en-US" dirty="0" err="1"/>
+              <a:t>vị</a:t>
+            </a:r>
+            <a:r>
+              <a:rPr lang="en-US" dirty="0"/>
+              <a:t> </a:t>
+            </a:r>
+            <a:r>
+              <a:rPr lang="en-US" dirty="0" err="1"/>
+              <a:t>trí</a:t>
+            </a:r>
+            <a:r>
+              <a:rPr lang="en-US" dirty="0"/>
+              <a:t>:</a:t>
+            </a:r>
+          </a:p>
+          <a:p>
+            <a:r>
+              <a:rPr lang="en-US" dirty="0"/>
+              <a:t>- </a:t>
+            </a:r>
+            <a:r>
+              <a:rPr lang="en-US" dirty="0" err="1"/>
+              <a:t>Mỗi</a:t>
+            </a:r>
+            <a:r>
+              <a:rPr lang="en-US" dirty="0"/>
+              <a:t> </a:t>
+            </a:r>
+            <a:r>
+              <a:rPr lang="en-US" dirty="0" err="1"/>
+              <a:t>từ</a:t>
+            </a:r>
+            <a:r>
+              <a:rPr lang="en-US" dirty="0"/>
+              <a:t> dc </a:t>
+            </a:r>
+            <a:r>
+              <a:rPr lang="en-US" dirty="0" err="1"/>
+              <a:t>đặt</a:t>
+            </a:r>
+            <a:r>
+              <a:rPr lang="en-US" dirty="0"/>
+              <a:t> ở </a:t>
+            </a:r>
+            <a:r>
+              <a:rPr lang="en-US" dirty="0" err="1"/>
+              <a:t>vị</a:t>
+            </a:r>
+            <a:r>
+              <a:rPr lang="en-US" dirty="0"/>
+              <a:t> </a:t>
+            </a:r>
+            <a:r>
+              <a:rPr lang="en-US" dirty="0" err="1"/>
+              <a:t>trí</a:t>
+            </a:r>
+            <a:r>
+              <a:rPr lang="en-US" dirty="0"/>
+              <a:t> </a:t>
+            </a:r>
+            <a:r>
+              <a:rPr lang="en-US" dirty="0" err="1"/>
+              <a:t>khác</a:t>
+            </a:r>
+            <a:r>
+              <a:rPr lang="en-US" dirty="0"/>
+              <a:t> </a:t>
+            </a:r>
+            <a:r>
+              <a:rPr lang="en-US" dirty="0" err="1"/>
+              <a:t>nhau</a:t>
+            </a:r>
+            <a:r>
+              <a:rPr lang="en-US" dirty="0"/>
+              <a:t> </a:t>
+            </a:r>
+            <a:r>
+              <a:rPr lang="en-US" dirty="0" err="1"/>
+              <a:t>trg</a:t>
+            </a:r>
+            <a:r>
+              <a:rPr lang="en-US" dirty="0"/>
+              <a:t> </a:t>
+            </a:r>
+            <a:r>
+              <a:rPr lang="en-US" dirty="0" err="1"/>
+              <a:t>câu</a:t>
+            </a:r>
+            <a:r>
+              <a:rPr lang="en-US" dirty="0"/>
+              <a:t> </a:t>
+            </a:r>
+            <a:r>
+              <a:rPr lang="en-US" dirty="0" err="1"/>
+              <a:t>sẽ</a:t>
+            </a:r>
+            <a:r>
+              <a:rPr lang="en-US" dirty="0"/>
+              <a:t> </a:t>
+            </a:r>
+            <a:r>
+              <a:rPr lang="en-US" dirty="0" err="1"/>
+              <a:t>có</a:t>
+            </a:r>
+            <a:r>
+              <a:rPr lang="en-US" dirty="0"/>
+              <a:t> </a:t>
+            </a:r>
+            <a:r>
+              <a:rPr lang="en-US" dirty="0" err="1"/>
+              <a:t>nghĩa</a:t>
+            </a:r>
+            <a:r>
+              <a:rPr lang="en-US" dirty="0"/>
+              <a:t> </a:t>
+            </a:r>
+            <a:r>
+              <a:rPr lang="en-US" dirty="0" err="1"/>
+              <a:t>khác</a:t>
+            </a:r>
+            <a:r>
+              <a:rPr lang="en-US" dirty="0"/>
+              <a:t> </a:t>
+            </a:r>
+            <a:r>
+              <a:rPr lang="en-US" dirty="0" err="1"/>
+              <a:t>nhau</a:t>
+            </a:r>
+            <a:r>
+              <a:rPr lang="en-US" dirty="0"/>
+              <a:t> –&gt; </a:t>
+            </a:r>
+            <a:r>
+              <a:rPr lang="en-US" dirty="0" err="1"/>
+              <a:t>bước</a:t>
+            </a:r>
+            <a:r>
+              <a:rPr lang="en-US" dirty="0"/>
+              <a:t> </a:t>
+            </a:r>
+            <a:r>
+              <a:rPr lang="en-US" dirty="0" err="1"/>
+              <a:t>này</a:t>
+            </a:r>
+            <a:r>
+              <a:rPr lang="en-US" dirty="0"/>
+              <a:t> </a:t>
+            </a:r>
+            <a:r>
+              <a:rPr lang="en-US" dirty="0" err="1"/>
+              <a:t>giúp</a:t>
+            </a:r>
+            <a:r>
+              <a:rPr lang="en-US" dirty="0"/>
+              <a:t> </a:t>
+            </a:r>
+            <a:r>
+              <a:rPr lang="en-US" dirty="0" err="1"/>
+              <a:t>đưa</a:t>
+            </a:r>
+            <a:r>
+              <a:rPr lang="en-US" dirty="0"/>
+              <a:t> </a:t>
+            </a:r>
+            <a:r>
+              <a:rPr lang="en-US" dirty="0" err="1"/>
+              <a:t>ra</a:t>
+            </a:r>
+            <a:r>
+              <a:rPr lang="en-US" dirty="0"/>
+              <a:t> </a:t>
+            </a:r>
+            <a:r>
+              <a:rPr lang="en-US" dirty="0" err="1"/>
+              <a:t>thông</a:t>
+            </a:r>
+            <a:r>
+              <a:rPr lang="en-US" dirty="0"/>
+              <a:t> tin </a:t>
+            </a:r>
+            <a:r>
+              <a:rPr lang="en-US" dirty="0" err="1"/>
+              <a:t>về</a:t>
+            </a:r>
+            <a:r>
+              <a:rPr lang="en-US" dirty="0"/>
+              <a:t> </a:t>
+            </a:r>
+            <a:r>
+              <a:rPr lang="en-US" dirty="0" err="1"/>
+              <a:t>vị</a:t>
+            </a:r>
+            <a:r>
+              <a:rPr lang="en-US" dirty="0"/>
+              <a:t> </a:t>
+            </a:r>
+            <a:r>
+              <a:rPr lang="en-US" dirty="0" err="1"/>
+              <a:t>trí</a:t>
+            </a:r>
+            <a:r>
+              <a:rPr lang="en-US" dirty="0"/>
+              <a:t> </a:t>
+            </a:r>
+            <a:r>
+              <a:rPr lang="en-US" dirty="0" err="1"/>
+              <a:t>của</a:t>
+            </a:r>
+            <a:r>
+              <a:rPr lang="en-US" dirty="0"/>
+              <a:t> </a:t>
+            </a:r>
+            <a:r>
+              <a:rPr lang="en-US" dirty="0" err="1"/>
+              <a:t>từ</a:t>
+            </a:r>
+            <a:r>
+              <a:rPr lang="en-US" dirty="0"/>
+              <a:t> </a:t>
+            </a:r>
+            <a:r>
+              <a:rPr lang="en-US" dirty="0" err="1"/>
+              <a:t>trg</a:t>
+            </a:r>
+            <a:r>
+              <a:rPr lang="en-US" dirty="0"/>
+              <a:t> </a:t>
+            </a:r>
+            <a:r>
+              <a:rPr lang="en-US" dirty="0" err="1"/>
+              <a:t>câu</a:t>
+            </a:r>
             <a:endParaRPr lang="en-US" dirty="0"/>
           </a:p>
         </p:txBody>
@@ -1556,7 +2204,7 @@
           <a:p>
             <a:fld id="{E7CCE34D-CFF1-4FFE-815B-D050E7ED2DFD}" type="slidenum">
               <a:rPr lang="en-US" smtClean="0"/>
-              <a:t>20</a:t>
+              <a:t>19</a:t>
             </a:fld>
             <a:endParaRPr lang="en-US"/>
           </a:p>
@@ -1640,7 +2288,7 @@
           <a:p>
             <a:fld id="{E7CCE34D-CFF1-4FFE-815B-D050E7ED2DFD}" type="slidenum">
               <a:rPr lang="en-US" smtClean="0"/>
-              <a:t>21</a:t>
+              <a:t>20</a:t>
             </a:fld>
             <a:endParaRPr lang="en-US"/>
           </a:p>
@@ -1808,7 +2456,7 @@
           <a:p>
             <a:fld id="{E7CCE34D-CFF1-4FFE-815B-D050E7ED2DFD}" type="slidenum">
               <a:rPr lang="en-US" smtClean="0"/>
-              <a:t>22</a:t>
+              <a:t>21</a:t>
             </a:fld>
             <a:endParaRPr lang="en-US"/>
           </a:p>
@@ -1871,7 +2519,186 @@
           <a:bodyPr/>
           <a:lstStyle/>
           <a:p>
-            <a:endParaRPr lang="en-US" dirty="0"/>
+            <a:r>
+              <a:rPr lang="en-US" dirty="0"/>
+              <a:t>- </a:t>
+            </a:r>
+            <a:r>
+              <a:rPr lang="en-US" dirty="0" err="1"/>
+              <a:t>Bước</a:t>
+            </a:r>
+            <a:r>
+              <a:rPr lang="en-US" dirty="0"/>
+              <a:t> </a:t>
+            </a:r>
+            <a:r>
+              <a:rPr lang="en-US" dirty="0" err="1"/>
+              <a:t>này</a:t>
+            </a:r>
+            <a:r>
+              <a:rPr lang="en-US" dirty="0"/>
+              <a:t> </a:t>
+            </a:r>
+            <a:r>
+              <a:rPr lang="en-US" dirty="0" err="1"/>
+              <a:t>giúp</a:t>
+            </a:r>
+            <a:r>
+              <a:rPr lang="en-US" dirty="0"/>
+              <a:t> Transformer </a:t>
+            </a:r>
+            <a:r>
+              <a:rPr lang="en-US" dirty="0" err="1"/>
+              <a:t>tìm</a:t>
+            </a:r>
+            <a:r>
+              <a:rPr lang="en-US" dirty="0"/>
+              <a:t> </a:t>
+            </a:r>
+            <a:r>
+              <a:rPr lang="en-US" dirty="0" err="1"/>
+              <a:t>ra</a:t>
+            </a:r>
+            <a:r>
+              <a:rPr lang="en-US" dirty="0"/>
+              <a:t> dc </a:t>
+            </a:r>
+            <a:r>
+              <a:rPr lang="en-US" dirty="0" err="1"/>
+              <a:t>mối</a:t>
+            </a:r>
+            <a:r>
+              <a:rPr lang="en-US" dirty="0"/>
+              <a:t> </a:t>
+            </a:r>
+            <a:r>
+              <a:rPr lang="en-US" dirty="0" err="1"/>
+              <a:t>liên</a:t>
+            </a:r>
+            <a:r>
+              <a:rPr lang="en-US" dirty="0"/>
+              <a:t> </a:t>
+            </a:r>
+            <a:r>
+              <a:rPr lang="en-US" dirty="0" err="1"/>
+              <a:t>kết</a:t>
+            </a:r>
+            <a:r>
+              <a:rPr lang="en-US" dirty="0"/>
+              <a:t> </a:t>
+            </a:r>
+            <a:r>
+              <a:rPr lang="en-US" dirty="0" err="1"/>
+              <a:t>giữa</a:t>
+            </a:r>
+            <a:r>
+              <a:rPr lang="en-US" dirty="0"/>
+              <a:t> </a:t>
+            </a:r>
+            <a:r>
+              <a:rPr lang="en-US" dirty="0" err="1"/>
+              <a:t>các</a:t>
+            </a:r>
+            <a:r>
+              <a:rPr lang="en-US" dirty="0"/>
+              <a:t> </a:t>
+            </a:r>
+            <a:r>
+              <a:rPr lang="en-US" dirty="0" err="1"/>
+              <a:t>từ</a:t>
+            </a:r>
+            <a:r>
+              <a:rPr lang="en-US" dirty="0"/>
+              <a:t> </a:t>
+            </a:r>
+            <a:r>
+              <a:rPr lang="en-US" dirty="0" err="1"/>
+              <a:t>trg</a:t>
+            </a:r>
+            <a:r>
+              <a:rPr lang="en-US" dirty="0"/>
+              <a:t> </a:t>
+            </a:r>
+            <a:r>
+              <a:rPr lang="en-US" dirty="0" err="1"/>
+              <a:t>câu</a:t>
+            </a:r>
+            <a:r>
+              <a:rPr lang="en-US" dirty="0"/>
+              <a:t> </a:t>
+            </a:r>
+            <a:r>
+              <a:rPr lang="en-US" dirty="0" err="1"/>
+              <a:t>với</a:t>
+            </a:r>
+            <a:r>
+              <a:rPr lang="en-US" dirty="0"/>
+              <a:t> </a:t>
+            </a:r>
+            <a:r>
+              <a:rPr lang="en-US" dirty="0" err="1"/>
+              <a:t>nhau</a:t>
+            </a:r>
+            <a:r>
+              <a:rPr lang="en-US" dirty="0"/>
+              <a:t> -&gt; </a:t>
+            </a:r>
+            <a:r>
+              <a:rPr lang="en-US" dirty="0" err="1"/>
+              <a:t>tìm</a:t>
+            </a:r>
+            <a:r>
+              <a:rPr lang="en-US" dirty="0"/>
+              <a:t> </a:t>
+            </a:r>
+            <a:r>
+              <a:rPr lang="en-US" dirty="0" err="1"/>
+              <a:t>ra</a:t>
+            </a:r>
+            <a:r>
+              <a:rPr lang="en-US" dirty="0"/>
+              <a:t> dc Score </a:t>
+            </a:r>
+            <a:r>
+              <a:rPr lang="en-US" dirty="0" err="1"/>
+              <a:t>lớn</a:t>
+            </a:r>
+            <a:r>
+              <a:rPr lang="en-US" dirty="0"/>
+              <a:t> </a:t>
+            </a:r>
+            <a:r>
+              <a:rPr lang="en-US" dirty="0" err="1"/>
+              <a:t>nhất</a:t>
+            </a:r>
+            <a:r>
+              <a:rPr lang="en-US" dirty="0"/>
+              <a:t> </a:t>
+            </a:r>
+            <a:r>
+              <a:rPr lang="en-US" dirty="0" err="1"/>
+              <a:t>trg</a:t>
+            </a:r>
+            <a:r>
+              <a:rPr lang="en-US" dirty="0"/>
+              <a:t> </a:t>
+            </a:r>
+            <a:r>
+              <a:rPr lang="en-US" dirty="0" err="1"/>
+              <a:t>khoảng</a:t>
+            </a:r>
+            <a:r>
+              <a:rPr lang="en-US" dirty="0"/>
+              <a:t> </a:t>
+            </a:r>
+            <a:r>
+              <a:rPr lang="en-US" dirty="0" err="1"/>
+              <a:t>từ</a:t>
+            </a:r>
+            <a:r>
+              <a:rPr lang="en-US" dirty="0"/>
+              <a:t> 0-1</a:t>
+            </a:r>
           </a:p>
         </p:txBody>
       </p:sp>
@@ -1892,7 +2719,7 @@
           <a:p>
             <a:fld id="{E7CCE34D-CFF1-4FFE-815B-D050E7ED2DFD}" type="slidenum">
               <a:rPr lang="en-US" smtClean="0"/>
-              <a:t>23</a:t>
+              <a:t>22</a:t>
             </a:fld>
             <a:endParaRPr lang="en-US"/>
           </a:p>
@@ -2075,7 +2902,7 @@
           <a:p>
             <a:fld id="{E7CCE34D-CFF1-4FFE-815B-D050E7ED2DFD}" type="slidenum">
               <a:rPr lang="en-US" smtClean="0"/>
-              <a:t>24</a:t>
+              <a:t>23</a:t>
             </a:fld>
             <a:endParaRPr lang="en-US"/>
           </a:p>
@@ -2159,7 +2986,7 @@
           <a:p>
             <a:fld id="{E7CCE34D-CFF1-4FFE-815B-D050E7ED2DFD}" type="slidenum">
               <a:rPr lang="en-US" smtClean="0"/>
-              <a:t>25</a:t>
+              <a:t>24</a:t>
             </a:fld>
             <a:endParaRPr lang="en-US"/>
           </a:p>
@@ -2243,7 +3070,7 @@
           <a:p>
             <a:fld id="{E7CCE34D-CFF1-4FFE-815B-D050E7ED2DFD}" type="slidenum">
               <a:rPr lang="en-US" smtClean="0"/>
-              <a:t>26</a:t>
+              <a:t>25</a:t>
             </a:fld>
             <a:endParaRPr lang="en-US"/>
           </a:p>
@@ -2327,7 +3154,7 @@
           <a:p>
             <a:fld id="{E7CCE34D-CFF1-4FFE-815B-D050E7ED2DFD}" type="slidenum">
               <a:rPr lang="en-US" smtClean="0"/>
-              <a:t>27</a:t>
+              <a:t>26</a:t>
             </a:fld>
             <a:endParaRPr lang="en-US"/>
           </a:p>
@@ -2411,7 +3238,7 @@
           <a:p>
             <a:fld id="{E7CCE34D-CFF1-4FFE-815B-D050E7ED2DFD}" type="slidenum">
               <a:rPr lang="en-US" smtClean="0"/>
-              <a:t>28</a:t>
+              <a:t>27</a:t>
             </a:fld>
             <a:endParaRPr lang="en-US"/>
           </a:p>
@@ -2495,7 +3322,7 @@
           <a:p>
             <a:fld id="{E7CCE34D-CFF1-4FFE-815B-D050E7ED2DFD}" type="slidenum">
               <a:rPr lang="en-US" smtClean="0"/>
-              <a:t>29</a:t>
+              <a:t>28</a:t>
             </a:fld>
             <a:endParaRPr lang="en-US"/>
           </a:p>
@@ -2558,6 +3385,34 @@
           <a:bodyPr/>
           <a:lstStyle/>
           <a:p>
+            <a:r>
+              <a:rPr lang="en-US" dirty="0">
+                <a:latin typeface="Times New Roman" panose="02020603050405020304" pitchFamily="18" charset="0"/>
+                <a:cs typeface="Times New Roman" panose="02020603050405020304" pitchFamily="18" charset="0"/>
+              </a:rPr>
+              <a:t>Residuals: </a:t>
+            </a:r>
+            <a:r>
+              <a:rPr lang="en-US" dirty="0" err="1">
+                <a:latin typeface="Times New Roman" panose="02020603050405020304" pitchFamily="18" charset="0"/>
+                <a:cs typeface="Times New Roman" panose="02020603050405020304" pitchFamily="18" charset="0"/>
+              </a:rPr>
+              <a:t>phần</a:t>
+            </a:r>
+            <a:r>
+              <a:rPr lang="en-US" dirty="0">
+                <a:latin typeface="Times New Roman" panose="02020603050405020304" pitchFamily="18" charset="0"/>
+                <a:cs typeface="Times New Roman" panose="02020603050405020304" pitchFamily="18" charset="0"/>
+              </a:rPr>
+              <a:t> </a:t>
+            </a:r>
+            <a:r>
+              <a:rPr lang="en-US" dirty="0" err="1">
+                <a:latin typeface="Times New Roman" panose="02020603050405020304" pitchFamily="18" charset="0"/>
+                <a:cs typeface="Times New Roman" panose="02020603050405020304" pitchFamily="18" charset="0"/>
+              </a:rPr>
+              <a:t>dư</a:t>
+            </a:r>
             <a:endParaRPr lang="en-US" dirty="0"/>
           </a:p>
         </p:txBody>
@@ -2579,7 +3434,7 @@
           <a:p>
             <a:fld id="{E7CCE34D-CFF1-4FFE-815B-D050E7ED2DFD}" type="slidenum">
               <a:rPr lang="en-US" smtClean="0"/>
-              <a:t>30</a:t>
+              <a:t>29</a:t>
             </a:fld>
             <a:endParaRPr lang="en-US"/>
           </a:p>
@@ -2663,7 +3518,7 @@
           <a:p>
             <a:fld id="{E7CCE34D-CFF1-4FFE-815B-D050E7ED2DFD}" type="slidenum">
               <a:rPr lang="en-US" smtClean="0"/>
-              <a:t>31</a:t>
+              <a:t>30</a:t>
             </a:fld>
             <a:endParaRPr lang="en-US"/>
           </a:p>
@@ -2831,7 +3686,7 @@
           <a:p>
             <a:fld id="{1983A999-5E0E-42CA-8400-604AE921FF7C}" type="slidenum">
               <a:rPr lang="en-US" smtClean="0"/>
-              <a:t>32</a:t>
+              <a:t>31</a:t>
             </a:fld>
             <a:endParaRPr lang="en-US"/>
           </a:p>
@@ -2915,7 +3770,7 @@
           <a:p>
             <a:fld id="{E7CCE34D-CFF1-4FFE-815B-D050E7ED2DFD}" type="slidenum">
               <a:rPr lang="en-US" smtClean="0"/>
-              <a:t>33</a:t>
+              <a:t>32</a:t>
             </a:fld>
             <a:endParaRPr lang="en-US"/>
           </a:p>
@@ -2999,7 +3854,7 @@
           <a:p>
             <a:fld id="{E7CCE34D-CFF1-4FFE-815B-D050E7ED2DFD}" type="slidenum">
               <a:rPr lang="en-US" smtClean="0"/>
-              <a:t>34</a:t>
+              <a:t>33</a:t>
             </a:fld>
             <a:endParaRPr lang="en-US"/>
           </a:p>
@@ -3009,6 +3864,342 @@
     <p:extLst>
       <p:ext uri="{BB962C8B-B14F-4D97-AF65-F5344CB8AC3E}">
         <p14:creationId xmlns:p14="http://schemas.microsoft.com/office/powerpoint/2010/main" val="1475103928"/>
+      </p:ext>
+    </p:extLst>
+  </p:cSld>
+  <p:clrMapOvr>
+    <a:masterClrMapping/>
+  </p:clrMapOvr>
+</p:notes>
+</file>
+
+<file path=ppt/notesSlides/notesSlide33.xml><?xml version="1.0" encoding="utf-8"?>
+<p:notes xmlns:a="http://schemas.openxmlformats.org/drawingml/2006/main" xmlns:r="http://schemas.openxmlformats.org/officeDocument/2006/relationships" xmlns:p="http://schemas.openxmlformats.org/presentationml/2006/main">
+  <p:cSld>
+    <p:spTree>
+      <p:nvGrpSpPr>
+        <p:cNvPr id="1" name=""/>
+        <p:cNvGrpSpPr/>
+        <p:nvPr/>
+      </p:nvGrpSpPr>
+      <p:grpSpPr>
+        <a:xfrm>
+          <a:off x="0" y="0"/>
+          <a:ext cx="0" cy="0"/>
+          <a:chOff x="0" y="0"/>
+          <a:chExt cx="0" cy="0"/>
+        </a:xfrm>
+      </p:grpSpPr>
+      <p:sp>
+        <p:nvSpPr>
+          <p:cNvPr id="2" name="Slide Image Placeholder 1"/>
+          <p:cNvSpPr>
+            <a:spLocks noGrp="1" noRot="1" noChangeAspect="1"/>
+          </p:cNvSpPr>
+          <p:nvPr>
+            <p:ph type="sldImg"/>
+          </p:nvPr>
+        </p:nvSpPr>
+        <p:spPr/>
+      </p:sp>
+      <p:sp>
+        <p:nvSpPr>
+          <p:cNvPr id="3" name="Notes Placeholder 2"/>
+          <p:cNvSpPr>
+            <a:spLocks noGrp="1"/>
+          </p:cNvSpPr>
+          <p:nvPr>
+            <p:ph type="body" idx="1"/>
+          </p:nvPr>
+        </p:nvSpPr>
+        <p:spPr/>
+        <p:txBody>
+          <a:bodyPr/>
+          <a:lstStyle/>
+          <a:p>
+            <a:endParaRPr lang="en-US" dirty="0"/>
+          </a:p>
+        </p:txBody>
+      </p:sp>
+      <p:sp>
+        <p:nvSpPr>
+          <p:cNvPr id="4" name="Slide Number Placeholder 3"/>
+          <p:cNvSpPr>
+            <a:spLocks noGrp="1"/>
+          </p:cNvSpPr>
+          <p:nvPr>
+            <p:ph type="sldNum" sz="quarter" idx="5"/>
+          </p:nvPr>
+        </p:nvSpPr>
+        <p:spPr/>
+        <p:txBody>
+          <a:bodyPr/>
+          <a:lstStyle/>
+          <a:p>
+            <a:fld id="{1983A999-5E0E-42CA-8400-604AE921FF7C}" type="slidenum">
+              <a:rPr lang="en-US" smtClean="0"/>
+              <a:t>34</a:t>
+            </a:fld>
+            <a:endParaRPr lang="en-US"/>
+          </a:p>
+        </p:txBody>
+      </p:sp>
+    </p:spTree>
+    <p:extLst>
+      <p:ext uri="{BB962C8B-B14F-4D97-AF65-F5344CB8AC3E}">
+        <p14:creationId xmlns:p14="http://schemas.microsoft.com/office/powerpoint/2010/main" val="4207899180"/>
+      </p:ext>
+    </p:extLst>
+  </p:cSld>
+  <p:clrMapOvr>
+    <a:masterClrMapping/>
+  </p:clrMapOvr>
+</p:notes>
+</file>
+
+<file path=ppt/notesSlides/notesSlide34.xml><?xml version="1.0" encoding="utf-8"?>
+<p:notes xmlns:a="http://schemas.openxmlformats.org/drawingml/2006/main" xmlns:r="http://schemas.openxmlformats.org/officeDocument/2006/relationships" xmlns:p="http://schemas.openxmlformats.org/presentationml/2006/main">
+  <p:cSld>
+    <p:spTree>
+      <p:nvGrpSpPr>
+        <p:cNvPr id="1" name=""/>
+        <p:cNvGrpSpPr/>
+        <p:nvPr/>
+      </p:nvGrpSpPr>
+      <p:grpSpPr>
+        <a:xfrm>
+          <a:off x="0" y="0"/>
+          <a:ext cx="0" cy="0"/>
+          <a:chOff x="0" y="0"/>
+          <a:chExt cx="0" cy="0"/>
+        </a:xfrm>
+      </p:grpSpPr>
+      <p:sp>
+        <p:nvSpPr>
+          <p:cNvPr id="2" name="Slide Image Placeholder 1"/>
+          <p:cNvSpPr>
+            <a:spLocks noGrp="1" noRot="1" noChangeAspect="1"/>
+          </p:cNvSpPr>
+          <p:nvPr>
+            <p:ph type="sldImg"/>
+          </p:nvPr>
+        </p:nvSpPr>
+        <p:spPr/>
+      </p:sp>
+      <p:sp>
+        <p:nvSpPr>
+          <p:cNvPr id="3" name="Notes Placeholder 2"/>
+          <p:cNvSpPr>
+            <a:spLocks noGrp="1"/>
+          </p:cNvSpPr>
+          <p:nvPr>
+            <p:ph type="body" idx="1"/>
+          </p:nvPr>
+        </p:nvSpPr>
+        <p:spPr/>
+        <p:txBody>
+          <a:bodyPr/>
+          <a:lstStyle/>
+          <a:p>
+            <a:endParaRPr lang="en-US" dirty="0"/>
+          </a:p>
+        </p:txBody>
+      </p:sp>
+      <p:sp>
+        <p:nvSpPr>
+          <p:cNvPr id="4" name="Slide Number Placeholder 3"/>
+          <p:cNvSpPr>
+            <a:spLocks noGrp="1"/>
+          </p:cNvSpPr>
+          <p:nvPr>
+            <p:ph type="sldNum" sz="quarter" idx="10"/>
+          </p:nvPr>
+        </p:nvSpPr>
+        <p:spPr/>
+        <p:txBody>
+          <a:bodyPr/>
+          <a:lstStyle/>
+          <a:p>
+            <a:fld id="{E7CCE34D-CFF1-4FFE-815B-D050E7ED2DFD}" type="slidenum">
+              <a:rPr lang="en-US" smtClean="0"/>
+              <a:t>35</a:t>
+            </a:fld>
+            <a:endParaRPr lang="en-US"/>
+          </a:p>
+        </p:txBody>
+      </p:sp>
+    </p:spTree>
+    <p:extLst>
+      <p:ext uri="{BB962C8B-B14F-4D97-AF65-F5344CB8AC3E}">
+        <p14:creationId xmlns:p14="http://schemas.microsoft.com/office/powerpoint/2010/main" val="3603059593"/>
+      </p:ext>
+    </p:extLst>
+  </p:cSld>
+  <p:clrMapOvr>
+    <a:masterClrMapping/>
+  </p:clrMapOvr>
+</p:notes>
+</file>
+
+<file path=ppt/notesSlides/notesSlide35.xml><?xml version="1.0" encoding="utf-8"?>
+<p:notes xmlns:a="http://schemas.openxmlformats.org/drawingml/2006/main" xmlns:r="http://schemas.openxmlformats.org/officeDocument/2006/relationships" xmlns:p="http://schemas.openxmlformats.org/presentationml/2006/main">
+  <p:cSld>
+    <p:spTree>
+      <p:nvGrpSpPr>
+        <p:cNvPr id="1" name=""/>
+        <p:cNvGrpSpPr/>
+        <p:nvPr/>
+      </p:nvGrpSpPr>
+      <p:grpSpPr>
+        <a:xfrm>
+          <a:off x="0" y="0"/>
+          <a:ext cx="0" cy="0"/>
+          <a:chOff x="0" y="0"/>
+          <a:chExt cx="0" cy="0"/>
+        </a:xfrm>
+      </p:grpSpPr>
+      <p:sp>
+        <p:nvSpPr>
+          <p:cNvPr id="2" name="Slide Image Placeholder 1"/>
+          <p:cNvSpPr>
+            <a:spLocks noGrp="1" noRot="1" noChangeAspect="1"/>
+          </p:cNvSpPr>
+          <p:nvPr>
+            <p:ph type="sldImg"/>
+          </p:nvPr>
+        </p:nvSpPr>
+        <p:spPr/>
+      </p:sp>
+      <p:sp>
+        <p:nvSpPr>
+          <p:cNvPr id="3" name="Notes Placeholder 2"/>
+          <p:cNvSpPr>
+            <a:spLocks noGrp="1"/>
+          </p:cNvSpPr>
+          <p:nvPr>
+            <p:ph type="body" idx="1"/>
+          </p:nvPr>
+        </p:nvSpPr>
+        <p:spPr/>
+        <p:txBody>
+          <a:bodyPr/>
+          <a:lstStyle/>
+          <a:p>
+            <a:endParaRPr lang="en-US" dirty="0"/>
+          </a:p>
+        </p:txBody>
+      </p:sp>
+      <p:sp>
+        <p:nvSpPr>
+          <p:cNvPr id="4" name="Slide Number Placeholder 3"/>
+          <p:cNvSpPr>
+            <a:spLocks noGrp="1"/>
+          </p:cNvSpPr>
+          <p:nvPr>
+            <p:ph type="sldNum" sz="quarter" idx="10"/>
+          </p:nvPr>
+        </p:nvSpPr>
+        <p:spPr/>
+        <p:txBody>
+          <a:bodyPr/>
+          <a:lstStyle/>
+          <a:p>
+            <a:fld id="{E7CCE34D-CFF1-4FFE-815B-D050E7ED2DFD}" type="slidenum">
+              <a:rPr lang="en-US" smtClean="0"/>
+              <a:t>36</a:t>
+            </a:fld>
+            <a:endParaRPr lang="en-US"/>
+          </a:p>
+        </p:txBody>
+      </p:sp>
+    </p:spTree>
+    <p:extLst>
+      <p:ext uri="{BB962C8B-B14F-4D97-AF65-F5344CB8AC3E}">
+        <p14:creationId xmlns:p14="http://schemas.microsoft.com/office/powerpoint/2010/main" val="532301488"/>
+      </p:ext>
+    </p:extLst>
+  </p:cSld>
+  <p:clrMapOvr>
+    <a:masterClrMapping/>
+  </p:clrMapOvr>
+</p:notes>
+</file>
+
+<file path=ppt/notesSlides/notesSlide36.xml><?xml version="1.0" encoding="utf-8"?>
+<p:notes xmlns:a="http://schemas.openxmlformats.org/drawingml/2006/main" xmlns:r="http://schemas.openxmlformats.org/officeDocument/2006/relationships" xmlns:p="http://schemas.openxmlformats.org/presentationml/2006/main">
+  <p:cSld>
+    <p:spTree>
+      <p:nvGrpSpPr>
+        <p:cNvPr id="1" name=""/>
+        <p:cNvGrpSpPr/>
+        <p:nvPr/>
+      </p:nvGrpSpPr>
+      <p:grpSpPr>
+        <a:xfrm>
+          <a:off x="0" y="0"/>
+          <a:ext cx="0" cy="0"/>
+          <a:chOff x="0" y="0"/>
+          <a:chExt cx="0" cy="0"/>
+        </a:xfrm>
+      </p:grpSpPr>
+      <p:sp>
+        <p:nvSpPr>
+          <p:cNvPr id="2" name="Slide Image Placeholder 1"/>
+          <p:cNvSpPr>
+            <a:spLocks noGrp="1" noRot="1" noChangeAspect="1"/>
+          </p:cNvSpPr>
+          <p:nvPr>
+            <p:ph type="sldImg"/>
+          </p:nvPr>
+        </p:nvSpPr>
+        <p:spPr/>
+      </p:sp>
+      <p:sp>
+        <p:nvSpPr>
+          <p:cNvPr id="3" name="Notes Placeholder 2"/>
+          <p:cNvSpPr>
+            <a:spLocks noGrp="1"/>
+          </p:cNvSpPr>
+          <p:nvPr>
+            <p:ph type="body" idx="1"/>
+          </p:nvPr>
+        </p:nvSpPr>
+        <p:spPr/>
+        <p:txBody>
+          <a:bodyPr/>
+          <a:lstStyle/>
+          <a:p>
+            <a:endParaRPr lang="en-US" dirty="0"/>
+          </a:p>
+        </p:txBody>
+      </p:sp>
+      <p:sp>
+        <p:nvSpPr>
+          <p:cNvPr id="4" name="Slide Number Placeholder 3"/>
+          <p:cNvSpPr>
+            <a:spLocks noGrp="1"/>
+          </p:cNvSpPr>
+          <p:nvPr>
+            <p:ph type="sldNum" sz="quarter" idx="10"/>
+          </p:nvPr>
+        </p:nvSpPr>
+        <p:spPr/>
+        <p:txBody>
+          <a:bodyPr/>
+          <a:lstStyle/>
+          <a:p>
+            <a:fld id="{E7CCE34D-CFF1-4FFE-815B-D050E7ED2DFD}" type="slidenum">
+              <a:rPr lang="en-US" smtClean="0"/>
+              <a:t>37</a:t>
+            </a:fld>
+            <a:endParaRPr lang="en-US"/>
+          </a:p>
+        </p:txBody>
+      </p:sp>
+    </p:spTree>
+    <p:extLst>
+      <p:ext uri="{BB962C8B-B14F-4D97-AF65-F5344CB8AC3E}">
+        <p14:creationId xmlns:p14="http://schemas.microsoft.com/office/powerpoint/2010/main" val="2581546824"/>
       </p:ext>
     </p:extLst>
   </p:cSld>
@@ -23202,247 +24393,6 @@
           <a:chExt cx="0" cy="0"/>
         </a:xfrm>
       </p:grpSpPr>
-      <p:sp>
-        <p:nvSpPr>
-          <p:cNvPr id="22" name="Title 21">
-            <a:extLst>
-              <a:ext uri="{FF2B5EF4-FFF2-40B4-BE49-F238E27FC236}">
-                <a16:creationId xmlns:a16="http://schemas.microsoft.com/office/drawing/2014/main" id="{F8FAEED9-1ECD-45F9-87A0-9394BAEABB79}"/>
-              </a:ext>
-            </a:extLst>
-          </p:cNvPr>
-          <p:cNvSpPr>
-            <a:spLocks noGrp="1"/>
-          </p:cNvSpPr>
-          <p:nvPr>
-            <p:ph type="ctrTitle"/>
-          </p:nvPr>
-        </p:nvSpPr>
-        <p:spPr>
-          <a:xfrm>
-            <a:off x="550863" y="549275"/>
-            <a:ext cx="5437187" cy="2986234"/>
-          </a:xfrm>
-        </p:spPr>
-        <p:txBody>
-          <a:bodyPr/>
-          <a:lstStyle/>
-          <a:p>
-            <a:r>
-              <a:rPr lang="en-US" dirty="0"/>
-              <a:t>Thank You</a:t>
-            </a:r>
-          </a:p>
-        </p:txBody>
-      </p:sp>
-      <p:sp>
-        <p:nvSpPr>
-          <p:cNvPr id="23" name="Subtitle 22">
-            <a:extLst>
-              <a:ext uri="{FF2B5EF4-FFF2-40B4-BE49-F238E27FC236}">
-                <a16:creationId xmlns:a16="http://schemas.microsoft.com/office/drawing/2014/main" id="{8E5E4638-9BCB-4C2E-914F-CC868E2020D5}"/>
-              </a:ext>
-            </a:extLst>
-          </p:cNvPr>
-          <p:cNvSpPr>
-            <a:spLocks noGrp="1"/>
-          </p:cNvSpPr>
-          <p:nvPr>
-            <p:ph type="subTitle" idx="1"/>
-          </p:nvPr>
-        </p:nvSpPr>
-        <p:spPr>
-          <a:xfrm>
-            <a:off x="550863" y="3827610"/>
-            <a:ext cx="5437187" cy="2265216"/>
-          </a:xfrm>
-        </p:spPr>
-        <p:txBody>
-          <a:bodyPr/>
-          <a:lstStyle/>
-          <a:p>
-            <a:r>
-              <a:rPr lang="en-US" dirty="0"/>
-              <a:t>Presenter name</a:t>
-            </a:r>
-          </a:p>
-          <a:p>
-            <a:r>
-              <a:rPr lang="en-US" dirty="0"/>
-              <a:t>Email address</a:t>
-            </a:r>
-          </a:p>
-          <a:p>
-            <a:r>
-              <a:rPr lang="en-US" dirty="0"/>
-              <a:t>Website address</a:t>
-            </a:r>
-          </a:p>
-        </p:txBody>
-      </p:sp>
-      <p:pic>
-        <p:nvPicPr>
-          <p:cNvPr id="27" name="Picture Placeholder 26" descr="Data Points Digital background">
-            <a:extLst>
-              <a:ext uri="{FF2B5EF4-FFF2-40B4-BE49-F238E27FC236}">
-                <a16:creationId xmlns:a16="http://schemas.microsoft.com/office/drawing/2014/main" id="{9E660784-34E2-4CDA-926A-DDD6AAF35046}"/>
-              </a:ext>
-            </a:extLst>
-          </p:cNvPr>
-          <p:cNvPicPr>
-            <a:picLocks noGrp="1" noChangeAspect="1"/>
-          </p:cNvPicPr>
-          <p:nvPr>
-            <p:ph type="pic" sz="quarter" idx="15"/>
-          </p:nvPr>
-        </p:nvPicPr>
-        <p:blipFill rotWithShape="1">
-          <a:blip r:embed="rId2" cstate="screen">
-            <a:extLst>
-              <a:ext uri="{28A0092B-C50C-407E-A947-70E740481C1C}">
-                <a14:useLocalDpi xmlns:a14="http://schemas.microsoft.com/office/drawing/2010/main" val="0"/>
-              </a:ext>
-            </a:extLst>
-          </a:blip>
-          <a:srcRect/>
-          <a:stretch/>
-        </p:blipFill>
-        <p:spPr>
-          <a:xfrm>
-            <a:off x="6556248" y="548640"/>
-            <a:ext cx="5084064" cy="2880360"/>
-          </a:xfrm>
-        </p:spPr>
-      </p:pic>
-      <p:pic>
-        <p:nvPicPr>
-          <p:cNvPr id="33" name="Picture Placeholder 32" descr="Data Points Digital background">
-            <a:extLst>
-              <a:ext uri="{FF2B5EF4-FFF2-40B4-BE49-F238E27FC236}">
-                <a16:creationId xmlns:a16="http://schemas.microsoft.com/office/drawing/2014/main" id="{48106962-23C6-4DFE-BB3A-E5FFF03F38CE}"/>
-              </a:ext>
-            </a:extLst>
-          </p:cNvPr>
-          <p:cNvPicPr>
-            <a:picLocks noGrp="1" noChangeAspect="1"/>
-          </p:cNvPicPr>
-          <p:nvPr>
-            <p:ph type="pic" sz="quarter" idx="16"/>
-          </p:nvPr>
-        </p:nvPicPr>
-        <p:blipFill rotWithShape="1">
-          <a:blip r:embed="rId3" cstate="screen">
-            <a:extLst>
-              <a:ext uri="{28A0092B-C50C-407E-A947-70E740481C1C}">
-                <a14:useLocalDpi xmlns:a14="http://schemas.microsoft.com/office/drawing/2010/main" val="0"/>
-              </a:ext>
-            </a:extLst>
-          </a:blip>
-          <a:srcRect/>
-          <a:stretch/>
-        </p:blipFill>
-        <p:spPr>
-          <a:xfrm>
-            <a:off x="6556248" y="3429000"/>
-            <a:ext cx="5084064" cy="2880360"/>
-          </a:xfrm>
-        </p:spPr>
-      </p:pic>
-      <p:sp>
-        <p:nvSpPr>
-          <p:cNvPr id="6" name="Slide Number Placeholder 5">
-            <a:extLst>
-              <a:ext uri="{FF2B5EF4-FFF2-40B4-BE49-F238E27FC236}">
-                <a16:creationId xmlns:a16="http://schemas.microsoft.com/office/drawing/2014/main" id="{36E60F23-FB58-4EF8-82FD-E86CED25FDD4}"/>
-              </a:ext>
-            </a:extLst>
-          </p:cNvPr>
-          <p:cNvSpPr>
-            <a:spLocks noGrp="1"/>
-          </p:cNvSpPr>
-          <p:nvPr>
-            <p:ph type="sldNum" sz="quarter" idx="12"/>
-          </p:nvPr>
-        </p:nvSpPr>
-        <p:spPr>
-          <a:xfrm>
-            <a:off x="9948863" y="6507212"/>
-            <a:ext cx="1692274" cy="153888"/>
-          </a:xfrm>
-        </p:spPr>
-        <p:txBody>
-          <a:bodyPr/>
-          <a:lstStyle/>
-          <a:p>
-            <a:fld id="{DBA1B0FB-D917-4C8C-928F-313BD683BF39}" type="slidenum">
-              <a:rPr lang="en-US" smtClean="0"/>
-              <a:pPr/>
-              <a:t>14</a:t>
-            </a:fld>
-            <a:endParaRPr lang="en-US"/>
-          </a:p>
-        </p:txBody>
-      </p:sp>
-      <p:pic>
-        <p:nvPicPr>
-          <p:cNvPr id="9" name="Picture 8"/>
-          <p:cNvPicPr>
-            <a:picLocks noChangeAspect="1"/>
-          </p:cNvPicPr>
-          <p:nvPr/>
-        </p:nvPicPr>
-        <p:blipFill>
-          <a:blip r:embed="rId4">
-            <a:extLst>
-              <a:ext uri="{28A0092B-C50C-407E-A947-70E740481C1C}">
-                <a14:useLocalDpi xmlns:a14="http://schemas.microsoft.com/office/drawing/2010/main" val="0"/>
-              </a:ext>
-            </a:extLst>
-          </a:blip>
-          <a:stretch>
-            <a:fillRect/>
-          </a:stretch>
-        </p:blipFill>
-        <p:spPr>
-          <a:xfrm>
-            <a:off x="-4612" y="-6922"/>
-            <a:ext cx="1428679" cy="791181"/>
-          </a:xfrm>
-          <a:prstGeom prst="rect">
-            <a:avLst/>
-          </a:prstGeom>
-        </p:spPr>
-      </p:pic>
-    </p:spTree>
-    <p:extLst>
-      <p:ext uri="{BB962C8B-B14F-4D97-AF65-F5344CB8AC3E}">
-        <p14:creationId xmlns:p14="http://schemas.microsoft.com/office/powerpoint/2010/main" val="3247798845"/>
-      </p:ext>
-    </p:extLst>
-  </p:cSld>
-  <p:clrMapOvr>
-    <a:masterClrMapping/>
-  </p:clrMapOvr>
-</p:sld>
-</file>
-
-<file path=ppt/slides/slide15.xml><?xml version="1.0" encoding="utf-8"?>
-<p:sld xmlns:a="http://schemas.openxmlformats.org/drawingml/2006/main" xmlns:r="http://schemas.openxmlformats.org/officeDocument/2006/relationships" xmlns:p="http://schemas.openxmlformats.org/presentationml/2006/main">
-  <p:cSld>
-    <p:spTree>
-      <p:nvGrpSpPr>
-        <p:cNvPr id="1" name=""/>
-        <p:cNvGrpSpPr/>
-        <p:nvPr/>
-      </p:nvGrpSpPr>
-      <p:grpSpPr>
-        <a:xfrm>
-          <a:off x="0" y="0"/>
-          <a:ext cx="0" cy="0"/>
-          <a:chOff x="0" y="0"/>
-          <a:chExt cx="0" cy="0"/>
-        </a:xfrm>
-      </p:grpSpPr>
       <p:pic>
         <p:nvPicPr>
           <p:cNvPr id="8" name="Picture Placeholder 7" descr="Data Points Digital background">
@@ -23563,7 +24513,7 @@
 </p:sld>
 </file>
 
-<file path=ppt/slides/slide16.xml><?xml version="1.0" encoding="utf-8"?>
+<file path=ppt/slides/slide15.xml><?xml version="1.0" encoding="utf-8"?>
 <p:sld xmlns:a="http://schemas.openxmlformats.org/drawingml/2006/main" xmlns:r="http://schemas.openxmlformats.org/officeDocument/2006/relationships" xmlns:p="http://schemas.openxmlformats.org/presentationml/2006/main">
   <p:cSld>
     <p:spTree>
@@ -23730,7 +24680,7 @@
 </p:sld>
 </file>
 
-<file path=ppt/slides/slide17.xml><?xml version="1.0" encoding="utf-8"?>
+<file path=ppt/slides/slide16.xml><?xml version="1.0" encoding="utf-8"?>
 <p:sld xmlns:a="http://schemas.openxmlformats.org/drawingml/2006/main" xmlns:r="http://schemas.openxmlformats.org/officeDocument/2006/relationships" xmlns:p="http://schemas.openxmlformats.org/presentationml/2006/main">
   <p:cSld>
     <p:spTree>
@@ -23904,7 +24854,7 @@
 </p:sld>
 </file>
 
-<file path=ppt/slides/slide18.xml><?xml version="1.0" encoding="utf-8"?>
+<file path=ppt/slides/slide17.xml><?xml version="1.0" encoding="utf-8"?>
 <p:sld xmlns:a="http://schemas.openxmlformats.org/drawingml/2006/main" xmlns:r="http://schemas.openxmlformats.org/officeDocument/2006/relationships" xmlns:p="http://schemas.openxmlformats.org/presentationml/2006/main">
   <p:cSld>
     <p:spTree>
@@ -25084,7 +26034,7 @@
 </p:sld>
 </file>
 
-<file path=ppt/slides/slide19.xml><?xml version="1.0" encoding="utf-8"?>
+<file path=ppt/slides/slide18.xml><?xml version="1.0" encoding="utf-8"?>
 <p:sld xmlns:a="http://schemas.openxmlformats.org/drawingml/2006/main" xmlns:r="http://schemas.openxmlformats.org/officeDocument/2006/relationships" xmlns:p="http://schemas.openxmlformats.org/presentationml/2006/main">
   <p:cSld>
     <p:spTree>
@@ -25239,6 +26189,141 @@
     <p:extLst>
       <p:ext uri="{BB962C8B-B14F-4D97-AF65-F5344CB8AC3E}">
         <p14:creationId xmlns:p14="http://schemas.microsoft.com/office/powerpoint/2010/main" val="2040156329"/>
+      </p:ext>
+    </p:extLst>
+  </p:cSld>
+  <p:clrMapOvr>
+    <a:masterClrMapping/>
+  </p:clrMapOvr>
+</p:sld>
+</file>
+
+<file path=ppt/slides/slide19.xml><?xml version="1.0" encoding="utf-8"?>
+<p:sld xmlns:a="http://schemas.openxmlformats.org/drawingml/2006/main" xmlns:r="http://schemas.openxmlformats.org/officeDocument/2006/relationships" xmlns:p="http://schemas.openxmlformats.org/presentationml/2006/main">
+  <p:cSld>
+    <p:spTree>
+      <p:nvGrpSpPr>
+        <p:cNvPr id="1" name=""/>
+        <p:cNvGrpSpPr/>
+        <p:nvPr/>
+      </p:nvGrpSpPr>
+      <p:grpSpPr>
+        <a:xfrm>
+          <a:off x="0" y="0"/>
+          <a:ext cx="0" cy="0"/>
+          <a:chOff x="0" y="0"/>
+          <a:chExt cx="0" cy="0"/>
+        </a:xfrm>
+      </p:grpSpPr>
+      <p:sp>
+        <p:nvSpPr>
+          <p:cNvPr id="2" name="Title 1"/>
+          <p:cNvSpPr>
+            <a:spLocks noGrp="1"/>
+          </p:cNvSpPr>
+          <p:nvPr>
+            <p:ph type="title"/>
+          </p:nvPr>
+        </p:nvSpPr>
+        <p:spPr>
+          <a:xfrm>
+            <a:off x="1424067" y="1102554"/>
+            <a:ext cx="10050925" cy="620901"/>
+          </a:xfrm>
+        </p:spPr>
+        <p:txBody>
+          <a:bodyPr/>
+          <a:lstStyle/>
+          <a:p>
+            <a:r>
+              <a:rPr lang="en-US" b="1" dirty="0">
+                <a:latin typeface="Times New Roman" panose="02020603050405020304" pitchFamily="18" charset="0"/>
+                <a:cs typeface="Times New Roman" panose="02020603050405020304" pitchFamily="18" charset="0"/>
+              </a:rPr>
+              <a:t>2/ Positional encoding</a:t>
+            </a:r>
+          </a:p>
+        </p:txBody>
+      </p:sp>
+      <p:pic>
+        <p:nvPicPr>
+          <p:cNvPr id="12" name="Picture 11"/>
+          <p:cNvPicPr>
+            <a:picLocks noChangeAspect="1"/>
+          </p:cNvPicPr>
+          <p:nvPr/>
+        </p:nvPicPr>
+        <p:blipFill>
+          <a:blip r:embed="rId3">
+            <a:extLst>
+              <a:ext uri="{28A0092B-C50C-407E-A947-70E740481C1C}">
+                <a14:useLocalDpi xmlns:a14="http://schemas.microsoft.com/office/drawing/2010/main" val="0"/>
+              </a:ext>
+            </a:extLst>
+          </a:blip>
+          <a:stretch>
+            <a:fillRect/>
+          </a:stretch>
+        </p:blipFill>
+        <p:spPr>
+          <a:xfrm>
+            <a:off x="-4612" y="-6922"/>
+            <a:ext cx="1428679" cy="791181"/>
+          </a:xfrm>
+          <a:prstGeom prst="rect">
+            <a:avLst/>
+          </a:prstGeom>
+        </p:spPr>
+      </p:pic>
+      <p:sp>
+        <p:nvSpPr>
+          <p:cNvPr id="8" name="Content Placeholder 7">
+            <a:extLst>
+              <a:ext uri="{FF2B5EF4-FFF2-40B4-BE49-F238E27FC236}">
+                <a16:creationId xmlns:a16="http://schemas.microsoft.com/office/drawing/2014/main" id="{A27F6175-C901-DD27-A3B6-06D12A0227FB}"/>
+              </a:ext>
+            </a:extLst>
+          </p:cNvPr>
+          <p:cNvSpPr>
+            <a:spLocks noGrp="1"/>
+          </p:cNvSpPr>
+          <p:nvPr>
+            <p:ph sz="half" idx="2"/>
+          </p:nvPr>
+        </p:nvSpPr>
+        <p:spPr>
+          <a:xfrm>
+            <a:off x="1424066" y="2810107"/>
+            <a:ext cx="9526431" cy="2324439"/>
+          </a:xfrm>
+        </p:spPr>
+        <p:txBody>
+          <a:bodyPr/>
+          <a:lstStyle/>
+          <a:p>
+            <a:r>
+              <a:rPr lang="en-US" sz="2400" b="1" dirty="0">
+                <a:latin typeface="Times New Roman" panose="02020603050405020304" pitchFamily="18" charset="0"/>
+                <a:cs typeface="Times New Roman" panose="02020603050405020304" pitchFamily="18" charset="0"/>
+              </a:rPr>
+              <a:t>Each word that place different in the sentence can have different meaning.</a:t>
+            </a:r>
+          </a:p>
+          <a:p>
+            <a:r>
+              <a:rPr lang="en-US" sz="2400" b="1" dirty="0">
+                <a:latin typeface="Times New Roman" panose="02020603050405020304" pitchFamily="18" charset="0"/>
+                <a:cs typeface="Times New Roman" panose="02020603050405020304" pitchFamily="18" charset="0"/>
+              </a:rPr>
+              <a:t>This step help to inject information about where word in sentence.</a:t>
+            </a:r>
+          </a:p>
+        </p:txBody>
+      </p:sp>
+    </p:spTree>
+    <p:extLst>
+      <p:ext uri="{BB962C8B-B14F-4D97-AF65-F5344CB8AC3E}">
+        <p14:creationId xmlns:p14="http://schemas.microsoft.com/office/powerpoint/2010/main" val="1539028976"/>
       </p:ext>
     </p:extLst>
   </p:cSld>
@@ -25604,141 +26689,6 @@
         </p:nvSpPr>
         <p:spPr>
           <a:xfrm>
-            <a:off x="1424067" y="1102554"/>
-            <a:ext cx="10050925" cy="620901"/>
-          </a:xfrm>
-        </p:spPr>
-        <p:txBody>
-          <a:bodyPr/>
-          <a:lstStyle/>
-          <a:p>
-            <a:r>
-              <a:rPr lang="en-US" b="1" dirty="0">
-                <a:latin typeface="Times New Roman" panose="02020603050405020304" pitchFamily="18" charset="0"/>
-                <a:cs typeface="Times New Roman" panose="02020603050405020304" pitchFamily="18" charset="0"/>
-              </a:rPr>
-              <a:t>2/ Positional encoding</a:t>
-            </a:r>
-          </a:p>
-        </p:txBody>
-      </p:sp>
-      <p:pic>
-        <p:nvPicPr>
-          <p:cNvPr id="12" name="Picture 11"/>
-          <p:cNvPicPr>
-            <a:picLocks noChangeAspect="1"/>
-          </p:cNvPicPr>
-          <p:nvPr/>
-        </p:nvPicPr>
-        <p:blipFill>
-          <a:blip r:embed="rId3">
-            <a:extLst>
-              <a:ext uri="{28A0092B-C50C-407E-A947-70E740481C1C}">
-                <a14:useLocalDpi xmlns:a14="http://schemas.microsoft.com/office/drawing/2010/main" val="0"/>
-              </a:ext>
-            </a:extLst>
-          </a:blip>
-          <a:stretch>
-            <a:fillRect/>
-          </a:stretch>
-        </p:blipFill>
-        <p:spPr>
-          <a:xfrm>
-            <a:off x="-4612" y="-6922"/>
-            <a:ext cx="1428679" cy="791181"/>
-          </a:xfrm>
-          <a:prstGeom prst="rect">
-            <a:avLst/>
-          </a:prstGeom>
-        </p:spPr>
-      </p:pic>
-      <p:sp>
-        <p:nvSpPr>
-          <p:cNvPr id="8" name="Content Placeholder 7">
-            <a:extLst>
-              <a:ext uri="{FF2B5EF4-FFF2-40B4-BE49-F238E27FC236}">
-                <a16:creationId xmlns:a16="http://schemas.microsoft.com/office/drawing/2014/main" id="{A27F6175-C901-DD27-A3B6-06D12A0227FB}"/>
-              </a:ext>
-            </a:extLst>
-          </p:cNvPr>
-          <p:cNvSpPr>
-            <a:spLocks noGrp="1"/>
-          </p:cNvSpPr>
-          <p:nvPr>
-            <p:ph sz="half" idx="2"/>
-          </p:nvPr>
-        </p:nvSpPr>
-        <p:spPr>
-          <a:xfrm>
-            <a:off x="1424066" y="2810107"/>
-            <a:ext cx="9526431" cy="2324439"/>
-          </a:xfrm>
-        </p:spPr>
-        <p:txBody>
-          <a:bodyPr/>
-          <a:lstStyle/>
-          <a:p>
-            <a:r>
-              <a:rPr lang="en-US" sz="2400" b="1" dirty="0">
-                <a:latin typeface="Times New Roman" panose="02020603050405020304" pitchFamily="18" charset="0"/>
-                <a:cs typeface="Times New Roman" panose="02020603050405020304" pitchFamily="18" charset="0"/>
-              </a:rPr>
-              <a:t>Each word that place different in the sentence can have different meaning.</a:t>
-            </a:r>
-          </a:p>
-          <a:p>
-            <a:r>
-              <a:rPr lang="en-US" sz="2400" b="1" dirty="0">
-                <a:latin typeface="Times New Roman" panose="02020603050405020304" pitchFamily="18" charset="0"/>
-                <a:cs typeface="Times New Roman" panose="02020603050405020304" pitchFamily="18" charset="0"/>
-              </a:rPr>
-              <a:t>This step help to inject information about where word in sentence.</a:t>
-            </a:r>
-          </a:p>
-        </p:txBody>
-      </p:sp>
-    </p:spTree>
-    <p:extLst>
-      <p:ext uri="{BB962C8B-B14F-4D97-AF65-F5344CB8AC3E}">
-        <p14:creationId xmlns:p14="http://schemas.microsoft.com/office/powerpoint/2010/main" val="1539028976"/>
-      </p:ext>
-    </p:extLst>
-  </p:cSld>
-  <p:clrMapOvr>
-    <a:masterClrMapping/>
-  </p:clrMapOvr>
-</p:sld>
-</file>
-
-<file path=ppt/slides/slide21.xml><?xml version="1.0" encoding="utf-8"?>
-<p:sld xmlns:a="http://schemas.openxmlformats.org/drawingml/2006/main" xmlns:r="http://schemas.openxmlformats.org/officeDocument/2006/relationships" xmlns:p="http://schemas.openxmlformats.org/presentationml/2006/main">
-  <p:cSld>
-    <p:spTree>
-      <p:nvGrpSpPr>
-        <p:cNvPr id="1" name=""/>
-        <p:cNvGrpSpPr/>
-        <p:nvPr/>
-      </p:nvGrpSpPr>
-      <p:grpSpPr>
-        <a:xfrm>
-          <a:off x="0" y="0"/>
-          <a:ext cx="0" cy="0"/>
-          <a:chOff x="0" y="0"/>
-          <a:chExt cx="0" cy="0"/>
-        </a:xfrm>
-      </p:grpSpPr>
-      <p:sp>
-        <p:nvSpPr>
-          <p:cNvPr id="2" name="Title 1"/>
-          <p:cNvSpPr>
-            <a:spLocks noGrp="1"/>
-          </p:cNvSpPr>
-          <p:nvPr>
-            <p:ph type="title"/>
-          </p:nvPr>
-        </p:nvSpPr>
-        <p:spPr>
-          <a:xfrm>
             <a:off x="1424068" y="1105644"/>
             <a:ext cx="8968870" cy="791181"/>
           </a:xfrm>
@@ -25774,7 +26724,7 @@
           <a:p>
             <a:fld id="{DBA1B0FB-D917-4C8C-928F-313BD683BF39}" type="slidenum">
               <a:rPr lang="en-US" smtClean="0"/>
-              <a:t>21</a:t>
+              <a:t>20</a:t>
             </a:fld>
             <a:endParaRPr lang="en-US"/>
           </a:p>
@@ -25960,7 +26910,7 @@
 </p:sld>
 </file>
 
-<file path=ppt/slides/slide22.xml><?xml version="1.0" encoding="utf-8"?>
+<file path=ppt/slides/slide21.xml><?xml version="1.0" encoding="utf-8"?>
 <p:sld xmlns:a="http://schemas.openxmlformats.org/drawingml/2006/main" xmlns:r="http://schemas.openxmlformats.org/officeDocument/2006/relationships" xmlns:p="http://schemas.openxmlformats.org/presentationml/2006/main">
   <p:cSld>
     <p:spTree>
@@ -25994,7 +26944,7 @@
           <a:p>
             <a:fld id="{DBA1B0FB-D917-4C8C-928F-313BD683BF39}" type="slidenum">
               <a:rPr lang="en-US" smtClean="0"/>
-              <a:t>22</a:t>
+              <a:t>21</a:t>
             </a:fld>
             <a:endParaRPr lang="en-US"/>
           </a:p>
@@ -26103,7 +27053,7 @@
 </p:sld>
 </file>
 
-<file path=ppt/slides/slide23.xml><?xml version="1.0" encoding="utf-8"?>
+<file path=ppt/slides/slide22.xml><?xml version="1.0" encoding="utf-8"?>
 <p:sld xmlns:a="http://schemas.openxmlformats.org/drawingml/2006/main" xmlns:r="http://schemas.openxmlformats.org/officeDocument/2006/relationships" xmlns:p="http://schemas.openxmlformats.org/presentationml/2006/main">
   <p:cSld>
     <p:spTree>
@@ -26167,7 +27117,7 @@
           <a:p>
             <a:fld id="{DBA1B0FB-D917-4C8C-928F-313BD683BF39}" type="slidenum">
               <a:rPr lang="en-US" smtClean="0"/>
-              <a:t>23</a:t>
+              <a:t>22</a:t>
             </a:fld>
             <a:endParaRPr lang="en-US"/>
           </a:p>
@@ -26312,7 +27262,7 @@
 </p:sld>
 </file>
 
-<file path=ppt/slides/slide24.xml><?xml version="1.0" encoding="utf-8"?>
+<file path=ppt/slides/slide23.xml><?xml version="1.0" encoding="utf-8"?>
 <p:sld xmlns:a="http://schemas.openxmlformats.org/drawingml/2006/main" xmlns:r="http://schemas.openxmlformats.org/officeDocument/2006/relationships" xmlns:p="http://schemas.openxmlformats.org/presentationml/2006/main">
   <p:cSld>
     <p:spTree>
@@ -26447,7 +27397,7 @@
           <a:p>
             <a:fld id="{DBA1B0FB-D917-4C8C-928F-313BD683BF39}" type="slidenum">
               <a:rPr lang="en-US" smtClean="0"/>
-              <a:t>24</a:t>
+              <a:t>23</a:t>
             </a:fld>
             <a:endParaRPr lang="en-US"/>
           </a:p>
@@ -26526,7 +27476,7 @@
 </p:sld>
 </file>
 
-<file path=ppt/slides/slide25.xml><?xml version="1.0" encoding="utf-8"?>
+<file path=ppt/slides/slide24.xml><?xml version="1.0" encoding="utf-8"?>
 <p:sld xmlns:a="http://schemas.openxmlformats.org/drawingml/2006/main" xmlns:r="http://schemas.openxmlformats.org/officeDocument/2006/relationships" xmlns:p="http://schemas.openxmlformats.org/presentationml/2006/main">
   <p:cSld>
     <p:spTree>
@@ -26560,7 +27510,7 @@
           <a:p>
             <a:fld id="{DBA1B0FB-D917-4C8C-928F-313BD683BF39}" type="slidenum">
               <a:rPr lang="en-US" smtClean="0"/>
-              <a:t>25</a:t>
+              <a:t>24</a:t>
             </a:fld>
             <a:endParaRPr lang="en-US"/>
           </a:p>
@@ -26675,7 +27625,7 @@
 </p:sld>
 </file>
 
-<file path=ppt/slides/slide26.xml><?xml version="1.0" encoding="utf-8"?>
+<file path=ppt/slides/slide25.xml><?xml version="1.0" encoding="utf-8"?>
 <p:sld xmlns:a="http://schemas.openxmlformats.org/drawingml/2006/main" xmlns:r="http://schemas.openxmlformats.org/officeDocument/2006/relationships" xmlns:p="http://schemas.openxmlformats.org/presentationml/2006/main">
   <p:cSld>
     <p:spTree>
@@ -26709,7 +27659,7 @@
           <a:p>
             <a:fld id="{DBA1B0FB-D917-4C8C-928F-313BD683BF39}" type="slidenum">
               <a:rPr lang="en-US" smtClean="0"/>
-              <a:t>26</a:t>
+              <a:t>25</a:t>
             </a:fld>
             <a:endParaRPr lang="en-US"/>
           </a:p>
@@ -26869,7 +27819,7 @@
 </p:sld>
 </file>
 
-<file path=ppt/slides/slide27.xml><?xml version="1.0" encoding="utf-8"?>
+<file path=ppt/slides/slide26.xml><?xml version="1.0" encoding="utf-8"?>
 <p:sld xmlns:a="http://schemas.openxmlformats.org/drawingml/2006/main" xmlns:r="http://schemas.openxmlformats.org/officeDocument/2006/relationships" xmlns:p="http://schemas.openxmlformats.org/presentationml/2006/main">
   <p:cSld>
     <p:spTree>
@@ -26903,7 +27853,7 @@
           <a:p>
             <a:fld id="{DBA1B0FB-D917-4C8C-928F-313BD683BF39}" type="slidenum">
               <a:rPr lang="en-US" smtClean="0"/>
-              <a:t>27</a:t>
+              <a:t>26</a:t>
             </a:fld>
             <a:endParaRPr lang="en-US"/>
           </a:p>
@@ -26982,7 +27932,7 @@
 </p:sld>
 </file>
 
-<file path=ppt/slides/slide28.xml><?xml version="1.0" encoding="utf-8"?>
+<file path=ppt/slides/slide27.xml><?xml version="1.0" encoding="utf-8"?>
 <p:sld xmlns:a="http://schemas.openxmlformats.org/drawingml/2006/main" xmlns:r="http://schemas.openxmlformats.org/officeDocument/2006/relationships" xmlns:p="http://schemas.openxmlformats.org/presentationml/2006/main">
   <p:cSld>
     <p:spTree>
@@ -27046,7 +27996,7 @@
           <a:p>
             <a:fld id="{DBA1B0FB-D917-4C8C-928F-313BD683BF39}" type="slidenum">
               <a:rPr lang="en-US" smtClean="0"/>
-              <a:t>28</a:t>
+              <a:t>27</a:t>
             </a:fld>
             <a:endParaRPr lang="en-US"/>
           </a:p>
@@ -27188,7 +28138,7 @@
 </p:sld>
 </file>
 
-<file path=ppt/slides/slide29.xml><?xml version="1.0" encoding="utf-8"?>
+<file path=ppt/slides/slide28.xml><?xml version="1.0" encoding="utf-8"?>
 <p:sld xmlns:a="http://schemas.openxmlformats.org/drawingml/2006/main" xmlns:r="http://schemas.openxmlformats.org/officeDocument/2006/relationships" xmlns:p="http://schemas.openxmlformats.org/presentationml/2006/main">
   <p:cSld>
     <p:spTree>
@@ -27222,7 +28172,7 @@
           <a:p>
             <a:fld id="{DBA1B0FB-D917-4C8C-928F-313BD683BF39}" type="slidenum">
               <a:rPr lang="en-US" smtClean="0"/>
-              <a:t>29</a:t>
+              <a:t>28</a:t>
             </a:fld>
             <a:endParaRPr lang="en-US"/>
           </a:p>
@@ -27307,6 +28257,207 @@
     <p:extLst>
       <p:ext uri="{BB962C8B-B14F-4D97-AF65-F5344CB8AC3E}">
         <p14:creationId xmlns:p14="http://schemas.microsoft.com/office/powerpoint/2010/main" val="1598649330"/>
+      </p:ext>
+    </p:extLst>
+  </p:cSld>
+  <p:clrMapOvr>
+    <a:masterClrMapping/>
+  </p:clrMapOvr>
+</p:sld>
+</file>
+
+<file path=ppt/slides/slide29.xml><?xml version="1.0" encoding="utf-8"?>
+<p:sld xmlns:a="http://schemas.openxmlformats.org/drawingml/2006/main" xmlns:r="http://schemas.openxmlformats.org/officeDocument/2006/relationships" xmlns:p="http://schemas.openxmlformats.org/presentationml/2006/main">
+  <p:cSld>
+    <p:spTree>
+      <p:nvGrpSpPr>
+        <p:cNvPr id="1" name=""/>
+        <p:cNvGrpSpPr/>
+        <p:nvPr/>
+      </p:nvGrpSpPr>
+      <p:grpSpPr>
+        <a:xfrm>
+          <a:off x="0" y="0"/>
+          <a:ext cx="0" cy="0"/>
+          <a:chOff x="0" y="0"/>
+          <a:chExt cx="0" cy="0"/>
+        </a:xfrm>
+      </p:grpSpPr>
+      <p:sp>
+        <p:nvSpPr>
+          <p:cNvPr id="2" name="Title 1"/>
+          <p:cNvSpPr>
+            <a:spLocks noGrp="1"/>
+          </p:cNvSpPr>
+          <p:nvPr>
+            <p:ph type="title"/>
+          </p:nvPr>
+        </p:nvSpPr>
+        <p:spPr>
+          <a:xfrm>
+            <a:off x="1424067" y="1102554"/>
+            <a:ext cx="9116471" cy="620901"/>
+          </a:xfrm>
+        </p:spPr>
+        <p:txBody>
+          <a:bodyPr/>
+          <a:lstStyle/>
+          <a:p>
+            <a:r>
+              <a:rPr lang="en-US" b="1" dirty="0">
+                <a:latin typeface="Times New Roman" panose="02020603050405020304" pitchFamily="18" charset="0"/>
+                <a:cs typeface="Times New Roman" panose="02020603050405020304" pitchFamily="18" charset="0"/>
+              </a:rPr>
+              <a:t>5/ </a:t>
+            </a:r>
+            <a:r>
+              <a:rPr lang="en-US" dirty="0">
+                <a:latin typeface="Times New Roman" panose="02020603050405020304" pitchFamily="18" charset="0"/>
+                <a:cs typeface="Times New Roman" panose="02020603050405020304" pitchFamily="18" charset="0"/>
+              </a:rPr>
+              <a:t>Residuals</a:t>
+            </a:r>
+          </a:p>
+        </p:txBody>
+      </p:sp>
+      <p:sp>
+        <p:nvSpPr>
+          <p:cNvPr id="11" name="Slide Number Placeholder 10"/>
+          <p:cNvSpPr>
+            <a:spLocks noGrp="1"/>
+          </p:cNvSpPr>
+          <p:nvPr>
+            <p:ph type="sldNum" sz="quarter" idx="12"/>
+          </p:nvPr>
+        </p:nvSpPr>
+        <p:spPr/>
+        <p:txBody>
+          <a:bodyPr/>
+          <a:lstStyle/>
+          <a:p>
+            <a:fld id="{DBA1B0FB-D917-4C8C-928F-313BD683BF39}" type="slidenum">
+              <a:rPr lang="en-US" smtClean="0"/>
+              <a:t>29</a:t>
+            </a:fld>
+            <a:endParaRPr lang="en-US"/>
+          </a:p>
+        </p:txBody>
+      </p:sp>
+      <p:pic>
+        <p:nvPicPr>
+          <p:cNvPr id="12" name="Picture 11"/>
+          <p:cNvPicPr>
+            <a:picLocks noChangeAspect="1"/>
+          </p:cNvPicPr>
+          <p:nvPr/>
+        </p:nvPicPr>
+        <p:blipFill>
+          <a:blip r:embed="rId3">
+            <a:extLst>
+              <a:ext uri="{28A0092B-C50C-407E-A947-70E740481C1C}">
+                <a14:useLocalDpi xmlns:a14="http://schemas.microsoft.com/office/drawing/2010/main" val="0"/>
+              </a:ext>
+            </a:extLst>
+          </a:blip>
+          <a:stretch>
+            <a:fillRect/>
+          </a:stretch>
+        </p:blipFill>
+        <p:spPr>
+          <a:xfrm>
+            <a:off x="-4612" y="-6922"/>
+            <a:ext cx="1428679" cy="791181"/>
+          </a:xfrm>
+          <a:prstGeom prst="rect">
+            <a:avLst/>
+          </a:prstGeom>
+        </p:spPr>
+      </p:pic>
+      <p:sp>
+        <p:nvSpPr>
+          <p:cNvPr id="8" name="Content Placeholder 7">
+            <a:extLst>
+              <a:ext uri="{FF2B5EF4-FFF2-40B4-BE49-F238E27FC236}">
+                <a16:creationId xmlns:a16="http://schemas.microsoft.com/office/drawing/2014/main" id="{A27F6175-C901-DD27-A3B6-06D12A0227FB}"/>
+              </a:ext>
+            </a:extLst>
+          </p:cNvPr>
+          <p:cNvSpPr>
+            <a:spLocks noGrp="1"/>
+          </p:cNvSpPr>
+          <p:nvPr>
+            <p:ph sz="half" idx="2"/>
+          </p:nvPr>
+        </p:nvSpPr>
+        <p:spPr>
+          <a:xfrm>
+            <a:off x="1424067" y="2041750"/>
+            <a:ext cx="5009984" cy="3906109"/>
+          </a:xfrm>
+        </p:spPr>
+        <p:txBody>
+          <a:bodyPr/>
+          <a:lstStyle/>
+          <a:p>
+            <a:r>
+              <a:rPr lang="en-US" sz="2400" b="1" dirty="0">
+                <a:latin typeface="Times New Roman" panose="02020603050405020304" pitchFamily="18" charset="0"/>
+                <a:cs typeface="Times New Roman" panose="02020603050405020304" pitchFamily="18" charset="0"/>
+              </a:rPr>
+              <a:t>Each sub-layer is a residual block.</a:t>
+            </a:r>
+          </a:p>
+          <a:p>
+            <a:r>
+              <a:rPr lang="en-US" sz="2400" b="1" dirty="0">
+                <a:latin typeface="Times New Roman" panose="02020603050405020304" pitchFamily="18" charset="0"/>
+                <a:cs typeface="Times New Roman" panose="02020603050405020304" pitchFamily="18" charset="0"/>
+              </a:rPr>
+              <a:t>We add embedding (x) with attention(z) at Layer Normalization</a:t>
+            </a:r>
+          </a:p>
+          <a:p>
+            <a:endParaRPr lang="en-US" sz="2400" b="1" dirty="0">
+              <a:latin typeface="Times New Roman" panose="02020603050405020304" pitchFamily="18" charset="0"/>
+              <a:cs typeface="Times New Roman" panose="02020603050405020304" pitchFamily="18" charset="0"/>
+            </a:endParaRPr>
+          </a:p>
+        </p:txBody>
+      </p:sp>
+      <p:pic>
+        <p:nvPicPr>
+          <p:cNvPr id="4" name="Picture 3">
+            <a:extLst>
+              <a:ext uri="{FF2B5EF4-FFF2-40B4-BE49-F238E27FC236}">
+                <a16:creationId xmlns:a16="http://schemas.microsoft.com/office/drawing/2014/main" id="{54B1F650-067C-9EA3-5ACB-4C5115EC5E04}"/>
+              </a:ext>
+            </a:extLst>
+          </p:cNvPr>
+          <p:cNvPicPr>
+            <a:picLocks noChangeAspect="1"/>
+          </p:cNvPicPr>
+          <p:nvPr/>
+        </p:nvPicPr>
+        <p:blipFill>
+          <a:blip r:embed="rId4"/>
+          <a:stretch>
+            <a:fillRect/>
+          </a:stretch>
+        </p:blipFill>
+        <p:spPr>
+          <a:xfrm>
+            <a:off x="6673223" y="2041750"/>
+            <a:ext cx="4094710" cy="3830165"/>
+          </a:xfrm>
+          <a:prstGeom prst="rect">
+            <a:avLst/>
+          </a:prstGeom>
+        </p:spPr>
+      </p:pic>
+    </p:spTree>
+    <p:extLst>
+      <p:ext uri="{BB962C8B-B14F-4D97-AF65-F5344CB8AC3E}">
+        <p14:creationId xmlns:p14="http://schemas.microsoft.com/office/powerpoint/2010/main" val="404021874"/>
       </p:ext>
     </p:extLst>
   </p:cSld>
@@ -27683,7 +28834,7 @@
         <p:spPr>
           <a:xfrm>
             <a:off x="1424067" y="1102554"/>
-            <a:ext cx="9116471" cy="620901"/>
+            <a:ext cx="10050925" cy="620901"/>
           </a:xfrm>
         </p:spPr>
         <p:txBody>
@@ -27695,14 +28846,7 @@
                 <a:latin typeface="Times New Roman" panose="02020603050405020304" pitchFamily="18" charset="0"/>
                 <a:cs typeface="Times New Roman" panose="02020603050405020304" pitchFamily="18" charset="0"/>
               </a:rPr>
-              <a:t>5/ </a:t>
-            </a:r>
-            <a:r>
-              <a:rPr lang="en-US" dirty="0">
-                <a:latin typeface="Times New Roman" panose="02020603050405020304" pitchFamily="18" charset="0"/>
-                <a:cs typeface="Times New Roman" panose="02020603050405020304" pitchFamily="18" charset="0"/>
-              </a:rPr>
-              <a:t>Residuals</a:t>
+              <a:t>6/ Feed Forward</a:t>
             </a:r>
           </a:p>
         </p:txBody>
@@ -27725,200 +28869,6 @@
             <a:fld id="{DBA1B0FB-D917-4C8C-928F-313BD683BF39}" type="slidenum">
               <a:rPr lang="en-US" smtClean="0"/>
               <a:t>30</a:t>
-            </a:fld>
-            <a:endParaRPr lang="en-US"/>
-          </a:p>
-        </p:txBody>
-      </p:sp>
-      <p:pic>
-        <p:nvPicPr>
-          <p:cNvPr id="12" name="Picture 11"/>
-          <p:cNvPicPr>
-            <a:picLocks noChangeAspect="1"/>
-          </p:cNvPicPr>
-          <p:nvPr/>
-        </p:nvPicPr>
-        <p:blipFill>
-          <a:blip r:embed="rId3">
-            <a:extLst>
-              <a:ext uri="{28A0092B-C50C-407E-A947-70E740481C1C}">
-                <a14:useLocalDpi xmlns:a14="http://schemas.microsoft.com/office/drawing/2010/main" val="0"/>
-              </a:ext>
-            </a:extLst>
-          </a:blip>
-          <a:stretch>
-            <a:fillRect/>
-          </a:stretch>
-        </p:blipFill>
-        <p:spPr>
-          <a:xfrm>
-            <a:off x="-4612" y="-6922"/>
-            <a:ext cx="1428679" cy="791181"/>
-          </a:xfrm>
-          <a:prstGeom prst="rect">
-            <a:avLst/>
-          </a:prstGeom>
-        </p:spPr>
-      </p:pic>
-      <p:sp>
-        <p:nvSpPr>
-          <p:cNvPr id="8" name="Content Placeholder 7">
-            <a:extLst>
-              <a:ext uri="{FF2B5EF4-FFF2-40B4-BE49-F238E27FC236}">
-                <a16:creationId xmlns:a16="http://schemas.microsoft.com/office/drawing/2014/main" id="{A27F6175-C901-DD27-A3B6-06D12A0227FB}"/>
-              </a:ext>
-            </a:extLst>
-          </p:cNvPr>
-          <p:cNvSpPr>
-            <a:spLocks noGrp="1"/>
-          </p:cNvSpPr>
-          <p:nvPr>
-            <p:ph sz="half" idx="2"/>
-          </p:nvPr>
-        </p:nvSpPr>
-        <p:spPr>
-          <a:xfrm>
-            <a:off x="1424067" y="2041750"/>
-            <a:ext cx="5009984" cy="3906109"/>
-          </a:xfrm>
-        </p:spPr>
-        <p:txBody>
-          <a:bodyPr/>
-          <a:lstStyle/>
-          <a:p>
-            <a:r>
-              <a:rPr lang="en-US" sz="2400" b="1" dirty="0">
-                <a:latin typeface="Times New Roman" panose="02020603050405020304" pitchFamily="18" charset="0"/>
-                <a:cs typeface="Times New Roman" panose="02020603050405020304" pitchFamily="18" charset="0"/>
-              </a:rPr>
-              <a:t>Each sub-layer is a residual block.</a:t>
-            </a:r>
-          </a:p>
-          <a:p>
-            <a:r>
-              <a:rPr lang="en-US" sz="2400" b="1" dirty="0">
-                <a:latin typeface="Times New Roman" panose="02020603050405020304" pitchFamily="18" charset="0"/>
-                <a:cs typeface="Times New Roman" panose="02020603050405020304" pitchFamily="18" charset="0"/>
-              </a:rPr>
-              <a:t>We add embedding (x) with attention(z) at Layer Normalization</a:t>
-            </a:r>
-          </a:p>
-          <a:p>
-            <a:endParaRPr lang="en-US" sz="2400" b="1" dirty="0">
-              <a:latin typeface="Times New Roman" panose="02020603050405020304" pitchFamily="18" charset="0"/>
-              <a:cs typeface="Times New Roman" panose="02020603050405020304" pitchFamily="18" charset="0"/>
-            </a:endParaRPr>
-          </a:p>
-        </p:txBody>
-      </p:sp>
-      <p:pic>
-        <p:nvPicPr>
-          <p:cNvPr id="4" name="Picture 3">
-            <a:extLst>
-              <a:ext uri="{FF2B5EF4-FFF2-40B4-BE49-F238E27FC236}">
-                <a16:creationId xmlns:a16="http://schemas.microsoft.com/office/drawing/2014/main" id="{54B1F650-067C-9EA3-5ACB-4C5115EC5E04}"/>
-              </a:ext>
-            </a:extLst>
-          </p:cNvPr>
-          <p:cNvPicPr>
-            <a:picLocks noChangeAspect="1"/>
-          </p:cNvPicPr>
-          <p:nvPr/>
-        </p:nvPicPr>
-        <p:blipFill>
-          <a:blip r:embed="rId4"/>
-          <a:stretch>
-            <a:fillRect/>
-          </a:stretch>
-        </p:blipFill>
-        <p:spPr>
-          <a:xfrm>
-            <a:off x="6673223" y="2041750"/>
-            <a:ext cx="4094710" cy="3830165"/>
-          </a:xfrm>
-          <a:prstGeom prst="rect">
-            <a:avLst/>
-          </a:prstGeom>
-        </p:spPr>
-      </p:pic>
-    </p:spTree>
-    <p:extLst>
-      <p:ext uri="{BB962C8B-B14F-4D97-AF65-F5344CB8AC3E}">
-        <p14:creationId xmlns:p14="http://schemas.microsoft.com/office/powerpoint/2010/main" val="404021874"/>
-      </p:ext>
-    </p:extLst>
-  </p:cSld>
-  <p:clrMapOvr>
-    <a:masterClrMapping/>
-  </p:clrMapOvr>
-</p:sld>
-</file>
-
-<file path=ppt/slides/slide31.xml><?xml version="1.0" encoding="utf-8"?>
-<p:sld xmlns:a="http://schemas.openxmlformats.org/drawingml/2006/main" xmlns:r="http://schemas.openxmlformats.org/officeDocument/2006/relationships" xmlns:p="http://schemas.openxmlformats.org/presentationml/2006/main">
-  <p:cSld>
-    <p:spTree>
-      <p:nvGrpSpPr>
-        <p:cNvPr id="1" name=""/>
-        <p:cNvGrpSpPr/>
-        <p:nvPr/>
-      </p:nvGrpSpPr>
-      <p:grpSpPr>
-        <a:xfrm>
-          <a:off x="0" y="0"/>
-          <a:ext cx="0" cy="0"/>
-          <a:chOff x="0" y="0"/>
-          <a:chExt cx="0" cy="0"/>
-        </a:xfrm>
-      </p:grpSpPr>
-      <p:sp>
-        <p:nvSpPr>
-          <p:cNvPr id="2" name="Title 1"/>
-          <p:cNvSpPr>
-            <a:spLocks noGrp="1"/>
-          </p:cNvSpPr>
-          <p:nvPr>
-            <p:ph type="title"/>
-          </p:nvPr>
-        </p:nvSpPr>
-        <p:spPr>
-          <a:xfrm>
-            <a:off x="1424067" y="1102554"/>
-            <a:ext cx="10050925" cy="620901"/>
-          </a:xfrm>
-        </p:spPr>
-        <p:txBody>
-          <a:bodyPr/>
-          <a:lstStyle/>
-          <a:p>
-            <a:r>
-              <a:rPr lang="en-US" b="1" dirty="0">
-                <a:latin typeface="Times New Roman" panose="02020603050405020304" pitchFamily="18" charset="0"/>
-                <a:cs typeface="Times New Roman" panose="02020603050405020304" pitchFamily="18" charset="0"/>
-              </a:rPr>
-              <a:t>6/ Feed Forward</a:t>
-            </a:r>
-          </a:p>
-        </p:txBody>
-      </p:sp>
-      <p:sp>
-        <p:nvSpPr>
-          <p:cNvPr id="11" name="Slide Number Placeholder 10"/>
-          <p:cNvSpPr>
-            <a:spLocks noGrp="1"/>
-          </p:cNvSpPr>
-          <p:nvPr>
-            <p:ph type="sldNum" sz="quarter" idx="12"/>
-          </p:nvPr>
-        </p:nvSpPr>
-        <p:spPr/>
-        <p:txBody>
-          <a:bodyPr/>
-          <a:lstStyle/>
-          <a:p>
-            <a:fld id="{DBA1B0FB-D917-4C8C-928F-313BD683BF39}" type="slidenum">
-              <a:rPr lang="en-US" smtClean="0"/>
-              <a:t>31</a:t>
             </a:fld>
             <a:endParaRPr lang="en-US"/>
           </a:p>
@@ -28055,7 +29005,7 @@
 </p:sld>
 </file>
 
-<file path=ppt/slides/slide32.xml><?xml version="1.0" encoding="utf-8"?>
+<file path=ppt/slides/slide31.xml><?xml version="1.0" encoding="utf-8"?>
 <p:sld xmlns:a="http://schemas.openxmlformats.org/drawingml/2006/main" xmlns:r="http://schemas.openxmlformats.org/officeDocument/2006/relationships" xmlns:p="http://schemas.openxmlformats.org/presentationml/2006/main">
   <p:cSld>
     <p:spTree>
@@ -29235,6 +30185,187 @@
 </p:sld>
 </file>
 
+<file path=ppt/slides/slide32.xml><?xml version="1.0" encoding="utf-8"?>
+<p:sld xmlns:a="http://schemas.openxmlformats.org/drawingml/2006/main" xmlns:r="http://schemas.openxmlformats.org/officeDocument/2006/relationships" xmlns:p="http://schemas.openxmlformats.org/presentationml/2006/main">
+  <p:cSld>
+    <p:spTree>
+      <p:nvGrpSpPr>
+        <p:cNvPr id="1" name=""/>
+        <p:cNvGrpSpPr/>
+        <p:nvPr/>
+      </p:nvGrpSpPr>
+      <p:grpSpPr>
+        <a:xfrm>
+          <a:off x="0" y="0"/>
+          <a:ext cx="0" cy="0"/>
+          <a:chOff x="0" y="0"/>
+          <a:chExt cx="0" cy="0"/>
+        </a:xfrm>
+      </p:grpSpPr>
+      <p:sp>
+        <p:nvSpPr>
+          <p:cNvPr id="2" name="Title 1"/>
+          <p:cNvSpPr>
+            <a:spLocks noGrp="1"/>
+          </p:cNvSpPr>
+          <p:nvPr>
+            <p:ph type="title"/>
+          </p:nvPr>
+        </p:nvSpPr>
+        <p:spPr>
+          <a:xfrm>
+            <a:off x="1424067" y="1102554"/>
+            <a:ext cx="10050925" cy="620901"/>
+          </a:xfrm>
+        </p:spPr>
+        <p:txBody>
+          <a:bodyPr/>
+          <a:lstStyle/>
+          <a:p>
+            <a:r>
+              <a:rPr lang="en-US" b="1" dirty="0">
+                <a:latin typeface="Times New Roman" panose="02020603050405020304" pitchFamily="18" charset="0"/>
+                <a:cs typeface="Times New Roman" panose="02020603050405020304" pitchFamily="18" charset="0"/>
+              </a:rPr>
+              <a:t>1/ Mask Multi-head Attention</a:t>
+            </a:r>
+          </a:p>
+        </p:txBody>
+      </p:sp>
+      <p:sp>
+        <p:nvSpPr>
+          <p:cNvPr id="11" name="Slide Number Placeholder 10"/>
+          <p:cNvSpPr>
+            <a:spLocks noGrp="1"/>
+          </p:cNvSpPr>
+          <p:nvPr>
+            <p:ph type="sldNum" sz="quarter" idx="12"/>
+          </p:nvPr>
+        </p:nvSpPr>
+        <p:spPr/>
+        <p:txBody>
+          <a:bodyPr/>
+          <a:lstStyle/>
+          <a:p>
+            <a:fld id="{DBA1B0FB-D917-4C8C-928F-313BD683BF39}" type="slidenum">
+              <a:rPr lang="en-US" smtClean="0"/>
+              <a:t>32</a:t>
+            </a:fld>
+            <a:endParaRPr lang="en-US"/>
+          </a:p>
+        </p:txBody>
+      </p:sp>
+      <p:pic>
+        <p:nvPicPr>
+          <p:cNvPr id="12" name="Picture 11"/>
+          <p:cNvPicPr>
+            <a:picLocks noChangeAspect="1"/>
+          </p:cNvPicPr>
+          <p:nvPr/>
+        </p:nvPicPr>
+        <p:blipFill>
+          <a:blip r:embed="rId3">
+            <a:extLst>
+              <a:ext uri="{28A0092B-C50C-407E-A947-70E740481C1C}">
+                <a14:useLocalDpi xmlns:a14="http://schemas.microsoft.com/office/drawing/2010/main" val="0"/>
+              </a:ext>
+            </a:extLst>
+          </a:blip>
+          <a:stretch>
+            <a:fillRect/>
+          </a:stretch>
+        </p:blipFill>
+        <p:spPr>
+          <a:xfrm>
+            <a:off x="-4612" y="-6922"/>
+            <a:ext cx="1428679" cy="791181"/>
+          </a:xfrm>
+          <a:prstGeom prst="rect">
+            <a:avLst/>
+          </a:prstGeom>
+        </p:spPr>
+      </p:pic>
+      <p:sp>
+        <p:nvSpPr>
+          <p:cNvPr id="8" name="Content Placeholder 7">
+            <a:extLst>
+              <a:ext uri="{FF2B5EF4-FFF2-40B4-BE49-F238E27FC236}">
+                <a16:creationId xmlns:a16="http://schemas.microsoft.com/office/drawing/2014/main" id="{A27F6175-C901-DD27-A3B6-06D12A0227FB}"/>
+              </a:ext>
+            </a:extLst>
+          </p:cNvPr>
+          <p:cNvSpPr>
+            <a:spLocks noGrp="1"/>
+          </p:cNvSpPr>
+          <p:nvPr>
+            <p:ph sz="half" idx="2"/>
+          </p:nvPr>
+        </p:nvSpPr>
+        <p:spPr>
+          <a:xfrm>
+            <a:off x="1424066" y="2041750"/>
+            <a:ext cx="9249475" cy="3906109"/>
+          </a:xfrm>
+        </p:spPr>
+        <p:txBody>
+          <a:bodyPr/>
+          <a:lstStyle/>
+          <a:p>
+            <a:r>
+              <a:rPr lang="en-US" sz="2400" b="1" dirty="0">
+                <a:latin typeface="Times New Roman" panose="02020603050405020304" pitchFamily="18" charset="0"/>
+                <a:cs typeface="Times New Roman" panose="02020603050405020304" pitchFamily="18" charset="0"/>
+              </a:rPr>
+              <a:t>While job of Decoder is decode information from Encode and generate target word base on before words. </a:t>
+            </a:r>
+          </a:p>
+          <a:p>
+            <a:r>
+              <a:rPr lang="en-US" sz="2400" b="1" dirty="0">
+                <a:latin typeface="Times New Roman" panose="02020603050405020304" pitchFamily="18" charset="0"/>
+                <a:cs typeface="Times New Roman" panose="02020603050405020304" pitchFamily="18" charset="0"/>
+              </a:rPr>
+              <a:t>Using Multi-head like Encoder, Decoder will see all next word that it need to translate.</a:t>
+            </a:r>
+          </a:p>
+          <a:p>
+            <a:r>
+              <a:rPr lang="en-US" sz="2400" b="1" dirty="0">
+                <a:latin typeface="Times New Roman" panose="02020603050405020304" pitchFamily="18" charset="0"/>
+                <a:cs typeface="Times New Roman" panose="02020603050405020304" pitchFamily="18" charset="0"/>
+              </a:rPr>
+              <a:t>This step is to hide word, when Decoder translate to </a:t>
+            </a:r>
+            <a:r>
+              <a:rPr lang="en-US" sz="2400" b="1" dirty="0" err="1">
+                <a:latin typeface="Times New Roman" panose="02020603050405020304" pitchFamily="18" charset="0"/>
+                <a:cs typeface="Times New Roman" panose="02020603050405020304" pitchFamily="18" charset="0"/>
+              </a:rPr>
+              <a:t>i</a:t>
+            </a:r>
+            <a:r>
+              <a:rPr lang="en-US" sz="2400" b="1" dirty="0">
+                <a:latin typeface="Times New Roman" panose="02020603050405020304" pitchFamily="18" charset="0"/>
+                <a:cs typeface="Times New Roman" panose="02020603050405020304" pitchFamily="18" charset="0"/>
+              </a:rPr>
+              <a:t> position, all word behind will be mask(hide)</a:t>
+            </a:r>
+          </a:p>
+        </p:txBody>
+      </p:sp>
+    </p:spTree>
+    <p:extLst>
+      <p:ext uri="{BB962C8B-B14F-4D97-AF65-F5344CB8AC3E}">
+        <p14:creationId xmlns:p14="http://schemas.microsoft.com/office/powerpoint/2010/main" val="127623047"/>
+      </p:ext>
+    </p:extLst>
+  </p:cSld>
+  <p:clrMapOvr>
+    <a:masterClrMapping/>
+  </p:clrMapOvr>
+</p:sld>
+</file>
+
 <file path=ppt/slides/slide33.xml><?xml version="1.0" encoding="utf-8"?>
 <p:sld xmlns:a="http://schemas.openxmlformats.org/drawingml/2006/main" xmlns:r="http://schemas.openxmlformats.org/officeDocument/2006/relationships" xmlns:p="http://schemas.openxmlformats.org/presentationml/2006/main">
   <p:cSld>
@@ -29277,7 +30408,7 @@
                 <a:latin typeface="Times New Roman" panose="02020603050405020304" pitchFamily="18" charset="0"/>
                 <a:cs typeface="Times New Roman" panose="02020603050405020304" pitchFamily="18" charset="0"/>
               </a:rPr>
-              <a:t>1/ Mask Multi-head Attention</a:t>
+              <a:t>2/ How decoder work</a:t>
             </a:r>
           </a:p>
         </p:txBody>
@@ -29366,7 +30497,7 @@
                 <a:latin typeface="Times New Roman" panose="02020603050405020304" pitchFamily="18" charset="0"/>
                 <a:cs typeface="Times New Roman" panose="02020603050405020304" pitchFamily="18" charset="0"/>
               </a:rPr>
-              <a:t>While job of Decoder is decode information from Encode and generate target word base on before words. </a:t>
+              <a:t>Decoder is same as Encoder but the input of Decoder is masked.</a:t>
             </a:r>
           </a:p>
           <a:p>
@@ -29375,7 +30506,7 @@
                 <a:latin typeface="Times New Roman" panose="02020603050405020304" pitchFamily="18" charset="0"/>
                 <a:cs typeface="Times New Roman" panose="02020603050405020304" pitchFamily="18" charset="0"/>
               </a:rPr>
-              <a:t>Using Multi-head like Encoder, Decoder will see all next word that it need to translate.</a:t>
+              <a:t>After masked, input go to sub-layer #1. It don’t multiple 3 matrix to get Q, K, V like Encoder but only multiple only 1 matrix WQ.</a:t>
             </a:r>
           </a:p>
           <a:p>
@@ -29384,21 +30515,16 @@
                 <a:latin typeface="Times New Roman" panose="02020603050405020304" pitchFamily="18" charset="0"/>
                 <a:cs typeface="Times New Roman" panose="02020603050405020304" pitchFamily="18" charset="0"/>
               </a:rPr>
-              <a:t>This step is to hide word, when Decoder translate to </a:t>
-            </a:r>
-            <a:r>
-              <a:rPr lang="en-US" sz="2400" b="1" dirty="0" err="1">
-                <a:latin typeface="Times New Roman" panose="02020603050405020304" pitchFamily="18" charset="0"/>
-                <a:cs typeface="Times New Roman" panose="02020603050405020304" pitchFamily="18" charset="0"/>
-              </a:rPr>
-              <a:t>i</a:t>
-            </a:r>
+              <a:t>K and V get from Encoder and Q from Masked multi-head attention and go to sub-layer #2,..</a:t>
+            </a:r>
+          </a:p>
+          <a:p>
             <a:r>
               <a:rPr lang="en-US" sz="2400" b="1" dirty="0">
                 <a:latin typeface="Times New Roman" panose="02020603050405020304" pitchFamily="18" charset="0"/>
                 <a:cs typeface="Times New Roman" panose="02020603050405020304" pitchFamily="18" charset="0"/>
               </a:rPr>
-              <a:t> position, all word behind will be mask(hide)</a:t>
+              <a:t>Last step, vector go to Linear class( a fully Connected) added with SoftMax to find probability of next word.</a:t>
             </a:r>
           </a:p>
         </p:txBody>
@@ -29406,7 +30532,7 @@
     </p:spTree>
     <p:extLst>
       <p:ext uri="{BB962C8B-B14F-4D97-AF65-F5344CB8AC3E}">
-        <p14:creationId xmlns:p14="http://schemas.microsoft.com/office/powerpoint/2010/main" val="127623047"/>
+        <p14:creationId xmlns:p14="http://schemas.microsoft.com/office/powerpoint/2010/main" val="1864135627"/>
       </p:ext>
     </p:extLst>
   </p:cSld>
@@ -29435,6 +30561,1202 @@
       </p:grpSpPr>
       <p:sp>
         <p:nvSpPr>
+          <p:cNvPr id="34" name="Freeform: Shape 33">
+            <a:extLst>
+              <a:ext uri="{FF2B5EF4-FFF2-40B4-BE49-F238E27FC236}">
+                <a16:creationId xmlns:a16="http://schemas.microsoft.com/office/drawing/2014/main" id="{82184FF4-7029-4ED7-813A-192E60608764}"/>
+              </a:ext>
+              <a:ext uri="{C183D7F6-B498-43B3-948B-1728B52AA6E4}">
+                <adec:decorative xmlns:adec="http://schemas.microsoft.com/office/drawing/2017/decorative" val="1"/>
+              </a:ext>
+            </a:extLst>
+          </p:cNvPr>
+          <p:cNvSpPr>
+            <a:spLocks noGrp="1" noRot="1" noChangeAspect="1" noMove="1" noResize="1" noEditPoints="1" noAdjustHandles="1" noChangeArrowheads="1" noChangeShapeType="1" noTextEdit="1"/>
+          </p:cNvSpPr>
+          <p:nvPr>
+            <p:extLst>
+              <p:ext uri="{386F3935-93C4-4BCD-93E2-E3B085C9AB24}">
+                <p16:designElem xmlns:p16="http://schemas.microsoft.com/office/powerpoint/2015/main" val="1"/>
+              </p:ext>
+            </p:extLst>
+          </p:nvPr>
+        </p:nvSpPr>
+        <p:spPr>
+          <a:xfrm rot="2700000">
+            <a:off x="612445" y="481888"/>
+            <a:ext cx="1080000" cy="1262947"/>
+          </a:xfrm>
+          <a:custGeom>
+            <a:avLst/>
+            <a:gdLst/>
+            <a:ahLst/>
+            <a:cxnLst/>
+            <a:rect l="l" t="t" r="r" b="b"/>
+            <a:pathLst>
+              <a:path w="1080000" h="1262947">
+                <a:moveTo>
+                  <a:pt x="540000" y="0"/>
+                </a:moveTo>
+                <a:lnTo>
+                  <a:pt x="1064374" y="931034"/>
+                </a:lnTo>
+                <a:lnTo>
+                  <a:pt x="1069029" y="938533"/>
+                </a:lnTo>
+                <a:cubicBezTo>
+                  <a:pt x="1076223" y="956109"/>
+                  <a:pt x="1080000" y="974307"/>
+                  <a:pt x="1080000" y="992947"/>
+                </a:cubicBezTo>
+                <a:cubicBezTo>
+                  <a:pt x="1080000" y="1142064"/>
+                  <a:pt x="838234" y="1262947"/>
+                  <a:pt x="540000" y="1262947"/>
+                </a:cubicBezTo>
+                <a:cubicBezTo>
+                  <a:pt x="241766" y="1262947"/>
+                  <a:pt x="0" y="1142064"/>
+                  <a:pt x="0" y="992947"/>
+                </a:cubicBezTo>
+                <a:cubicBezTo>
+                  <a:pt x="0" y="974307"/>
+                  <a:pt x="3778" y="956109"/>
+                  <a:pt x="10971" y="938533"/>
+                </a:cubicBezTo>
+                <a:lnTo>
+                  <a:pt x="15626" y="931034"/>
+                </a:lnTo>
+                <a:lnTo>
+                  <a:pt x="540000" y="0"/>
+                </a:lnTo>
+                <a:close/>
+              </a:path>
+            </a:pathLst>
+          </a:custGeom>
+          <a:gradFill>
+            <a:gsLst>
+              <a:gs pos="60000">
+                <a:schemeClr val="bg2">
+                  <a:lumMod val="90000"/>
+                  <a:lumOff val="10000"/>
+                </a:schemeClr>
+              </a:gs>
+              <a:gs pos="30000">
+                <a:schemeClr val="bg2">
+                  <a:lumMod val="90000"/>
+                  <a:lumOff val="10000"/>
+                </a:schemeClr>
+              </a:gs>
+              <a:gs pos="40000">
+                <a:schemeClr val="bg2">
+                  <a:lumMod val="75000"/>
+                  <a:lumOff val="25000"/>
+                </a:schemeClr>
+              </a:gs>
+              <a:gs pos="100000">
+                <a:schemeClr val="bg2"/>
+              </a:gs>
+            </a:gsLst>
+            <a:lin ang="600000" scaled="0"/>
+          </a:gradFill>
+          <a:ln>
+            <a:noFill/>
+          </a:ln>
+          <a:effectLst>
+            <a:innerShdw blurRad="254000" dist="101600" dir="2700000">
+              <a:schemeClr val="accent1">
+                <a:lumMod val="60000"/>
+                <a:lumOff val="40000"/>
+                <a:alpha val="40000"/>
+              </a:schemeClr>
+            </a:innerShdw>
+          </a:effectLst>
+        </p:spPr>
+        <p:style>
+          <a:lnRef idx="2">
+            <a:schemeClr val="accent1">
+              <a:shade val="50000"/>
+            </a:schemeClr>
+          </a:lnRef>
+          <a:fillRef idx="1">
+            <a:schemeClr val="accent1"/>
+          </a:fillRef>
+          <a:effectRef idx="0">
+            <a:schemeClr val="accent1"/>
+          </a:effectRef>
+          <a:fontRef idx="minor">
+            <a:schemeClr val="lt1"/>
+          </a:fontRef>
+        </p:style>
+        <p:txBody>
+          <a:bodyPr rot="0" spcFirstLastPara="0" vertOverflow="overflow" horzOverflow="overflow" vert="horz" wrap="square" lIns="91440" tIns="45720" rIns="91440" bIns="45720" numCol="1" spcCol="0" rtlCol="0" fromWordArt="0" anchor="ctr" anchorCtr="0" forceAA="0" compatLnSpc="1">
+            <a:prstTxWarp prst="textNoShape">
+              <a:avLst/>
+            </a:prstTxWarp>
+            <a:noAutofit/>
+          </a:bodyPr>
+          <a:lstStyle/>
+          <a:p>
+            <a:pPr algn="ctr"/>
+            <a:endParaRPr lang="en-US"/>
+          </a:p>
+        </p:txBody>
+      </p:sp>
+      <p:sp>
+        <p:nvSpPr>
+          <p:cNvPr id="36" name="Oval 35">
+            <a:extLst>
+              <a:ext uri="{FF2B5EF4-FFF2-40B4-BE49-F238E27FC236}">
+                <a16:creationId xmlns:a16="http://schemas.microsoft.com/office/drawing/2014/main" id="{AAA7AB09-557C-41AD-9113-FF9F68FA1035}"/>
+              </a:ext>
+              <a:ext uri="{C183D7F6-B498-43B3-948B-1728B52AA6E4}">
+                <adec:decorative xmlns:adec="http://schemas.microsoft.com/office/drawing/2017/decorative" val="1"/>
+              </a:ext>
+            </a:extLst>
+          </p:cNvPr>
+          <p:cNvSpPr>
+            <a:spLocks noGrp="1" noRot="1" noChangeAspect="1" noMove="1" noResize="1" noEditPoints="1" noAdjustHandles="1" noChangeArrowheads="1" noChangeShapeType="1" noTextEdit="1"/>
+          </p:cNvSpPr>
+          <p:nvPr>
+            <p:extLst>
+              <p:ext uri="{386F3935-93C4-4BCD-93E2-E3B085C9AB24}">
+                <p16:designElem xmlns:p16="http://schemas.microsoft.com/office/powerpoint/2015/main" val="1"/>
+              </p:ext>
+            </p:extLst>
+          </p:nvPr>
+        </p:nvSpPr>
+        <p:spPr>
+          <a:xfrm rot="8100000">
+            <a:off x="626845" y="828962"/>
+            <a:ext cx="540000" cy="1080000"/>
+          </a:xfrm>
+          <a:prstGeom prst="ellipse">
+            <a:avLst/>
+          </a:prstGeom>
+          <a:gradFill>
+            <a:gsLst>
+              <a:gs pos="100000">
+                <a:schemeClr val="bg2">
+                  <a:lumMod val="90000"/>
+                  <a:lumOff val="10000"/>
+                </a:schemeClr>
+              </a:gs>
+              <a:gs pos="50000">
+                <a:schemeClr val="bg2">
+                  <a:lumMod val="95000"/>
+                  <a:lumOff val="5000"/>
+                </a:schemeClr>
+              </a:gs>
+            </a:gsLst>
+            <a:lin ang="5400000" scaled="0"/>
+          </a:gradFill>
+          <a:ln>
+            <a:noFill/>
+          </a:ln>
+          <a:effectLst>
+            <a:innerShdw blurRad="1270000" dist="2540000">
+              <a:schemeClr val="accent1">
+                <a:lumMod val="60000"/>
+                <a:lumOff val="40000"/>
+                <a:alpha val="0"/>
+              </a:schemeClr>
+            </a:innerShdw>
+          </a:effectLst>
+        </p:spPr>
+        <p:style>
+          <a:lnRef idx="2">
+            <a:schemeClr val="accent1">
+              <a:shade val="50000"/>
+            </a:schemeClr>
+          </a:lnRef>
+          <a:fillRef idx="1">
+            <a:schemeClr val="accent1"/>
+          </a:fillRef>
+          <a:effectRef idx="0">
+            <a:schemeClr val="accent1"/>
+          </a:effectRef>
+          <a:fontRef idx="minor">
+            <a:schemeClr val="lt1"/>
+          </a:fontRef>
+        </p:style>
+        <p:txBody>
+          <a:bodyPr rot="0" spcFirstLastPara="0" vertOverflow="overflow" horzOverflow="overflow" vert="horz" wrap="square" lIns="91440" tIns="45720" rIns="91440" bIns="45720" numCol="1" spcCol="0" rtlCol="0" fromWordArt="0" anchor="ctr" anchorCtr="0" forceAA="0" compatLnSpc="1">
+            <a:prstTxWarp prst="textNoShape">
+              <a:avLst/>
+            </a:prstTxWarp>
+            <a:noAutofit/>
+          </a:bodyPr>
+          <a:lstStyle/>
+          <a:p>
+            <a:pPr algn="ctr"/>
+            <a:endParaRPr lang="en-US"/>
+          </a:p>
+        </p:txBody>
+      </p:sp>
+      <p:sp>
+        <p:nvSpPr>
+          <p:cNvPr id="38" name="Oval 37">
+            <a:extLst>
+              <a:ext uri="{FF2B5EF4-FFF2-40B4-BE49-F238E27FC236}">
+                <a16:creationId xmlns:a16="http://schemas.microsoft.com/office/drawing/2014/main" id="{EF99ECAA-1F11-4937-BBA6-51935AB44C9D}"/>
+              </a:ext>
+              <a:ext uri="{C183D7F6-B498-43B3-948B-1728B52AA6E4}">
+                <adec:decorative xmlns:adec="http://schemas.microsoft.com/office/drawing/2017/decorative" val="1"/>
+              </a:ext>
+            </a:extLst>
+          </p:cNvPr>
+          <p:cNvSpPr>
+            <a:spLocks noGrp="1" noRot="1" noChangeAspect="1" noMove="1" noResize="1" noEditPoints="1" noAdjustHandles="1" noChangeArrowheads="1" noChangeShapeType="1" noTextEdit="1"/>
+          </p:cNvSpPr>
+          <p:nvPr>
+            <p:extLst>
+              <p:ext uri="{386F3935-93C4-4BCD-93E2-E3B085C9AB24}">
+                <p16:designElem xmlns:p16="http://schemas.microsoft.com/office/powerpoint/2015/main" val="1"/>
+              </p:ext>
+            </p:extLst>
+          </p:nvPr>
+        </p:nvSpPr>
+        <p:spPr>
+          <a:xfrm>
+            <a:off x="1800802" y="2472855"/>
+            <a:ext cx="360000" cy="360000"/>
+          </a:xfrm>
+          <a:prstGeom prst="ellipse">
+            <a:avLst/>
+          </a:prstGeom>
+          <a:gradFill flip="none" rotWithShape="1">
+            <a:gsLst>
+              <a:gs pos="100000">
+                <a:schemeClr val="bg2">
+                  <a:lumMod val="50000"/>
+                  <a:lumOff val="50000"/>
+                </a:schemeClr>
+              </a:gs>
+              <a:gs pos="60000">
+                <a:schemeClr val="bg2"/>
+              </a:gs>
+            </a:gsLst>
+            <a:path path="circle">
+              <a:fillToRect l="100000" b="100000"/>
+            </a:path>
+            <a:tileRect t="-100000" r="-100000"/>
+          </a:gradFill>
+          <a:ln>
+            <a:noFill/>
+          </a:ln>
+          <a:effectLst>
+            <a:innerShdw blurRad="127000" dist="63500" dir="2700000">
+              <a:schemeClr val="accent1">
+                <a:lumMod val="60000"/>
+                <a:lumOff val="40000"/>
+                <a:alpha val="20000"/>
+              </a:schemeClr>
+            </a:innerShdw>
+            <a:softEdge rad="0"/>
+          </a:effectLst>
+        </p:spPr>
+        <p:style>
+          <a:lnRef idx="2">
+            <a:schemeClr val="accent1">
+              <a:shade val="50000"/>
+            </a:schemeClr>
+          </a:lnRef>
+          <a:fillRef idx="1">
+            <a:schemeClr val="accent1"/>
+          </a:fillRef>
+          <a:effectRef idx="0">
+            <a:schemeClr val="accent1"/>
+          </a:effectRef>
+          <a:fontRef idx="minor">
+            <a:schemeClr val="lt1"/>
+          </a:fontRef>
+        </p:style>
+        <p:txBody>
+          <a:bodyPr rot="0" spcFirstLastPara="0" vertOverflow="overflow" horzOverflow="overflow" vert="horz" wrap="square" lIns="91440" tIns="45720" rIns="91440" bIns="45720" numCol="1" spcCol="0" rtlCol="0" fromWordArt="0" anchor="ctr" anchorCtr="0" forceAA="0" compatLnSpc="1">
+            <a:prstTxWarp prst="textNoShape">
+              <a:avLst/>
+            </a:prstTxWarp>
+            <a:noAutofit/>
+          </a:bodyPr>
+          <a:lstStyle/>
+          <a:p>
+            <a:pPr algn="ctr"/>
+            <a:endParaRPr lang="en-US"/>
+          </a:p>
+        </p:txBody>
+      </p:sp>
+      <p:grpSp>
+        <p:nvGrpSpPr>
+          <p:cNvPr id="40" name="Group 39">
+            <a:extLst>
+              <a:ext uri="{FF2B5EF4-FFF2-40B4-BE49-F238E27FC236}">
+                <a16:creationId xmlns:a16="http://schemas.microsoft.com/office/drawing/2014/main" id="{79DE9FAB-6BBA-4CFE-B67D-77B47F01ECA4}"/>
+              </a:ext>
+              <a:ext uri="{C183D7F6-B498-43B3-948B-1728B52AA6E4}">
+                <adec:decorative xmlns:adec="http://schemas.microsoft.com/office/drawing/2017/decorative" val="1"/>
+              </a:ext>
+            </a:extLst>
+          </p:cNvPr>
+          <p:cNvGrpSpPr>
+            <a:grpSpLocks noGrp="1" noUngrp="1" noRot="1" noChangeAspect="1" noMove="1" noResize="1"/>
+          </p:cNvGrpSpPr>
+          <p:nvPr>
+            <p:extLst>
+              <p:ext uri="{386F3935-93C4-4BCD-93E2-E3B085C9AB24}">
+                <p16:designElem xmlns:p16="http://schemas.microsoft.com/office/powerpoint/2015/main" val="1"/>
+              </p:ext>
+            </p:extLst>
+          </p:nvPr>
+        </p:nvGrpSpPr>
+        <p:grpSpPr>
+          <a:xfrm>
+            <a:off x="1329952" y="4524379"/>
+            <a:ext cx="1980001" cy="1363916"/>
+            <a:chOff x="4879602" y="3781429"/>
+            <a:chExt cx="1980001" cy="1363916"/>
+          </a:xfrm>
+        </p:grpSpPr>
+        <p:sp>
+          <p:nvSpPr>
+            <p:cNvPr id="41" name="Freeform: Shape 40">
+              <a:extLst>
+                <a:ext uri="{FF2B5EF4-FFF2-40B4-BE49-F238E27FC236}">
+                  <a16:creationId xmlns:a16="http://schemas.microsoft.com/office/drawing/2014/main" id="{79FAC916-D9BB-4794-81B4-7C47C67E850D}"/>
+                </a:ext>
+                <a:ext uri="{C183D7F6-B498-43B3-948B-1728B52AA6E4}">
+                  <adec:decorative xmlns:adec="http://schemas.microsoft.com/office/drawing/2017/decorative" val="1"/>
+                </a:ext>
+              </a:extLst>
+            </p:cNvPr>
+            <p:cNvSpPr>
+              <a:spLocks noChangeAspect="1"/>
+            </p:cNvSpPr>
+            <p:nvPr>
+              <p:extLst>
+                <p:ext uri="{386F3935-93C4-4BCD-93E2-E3B085C9AB24}">
+                  <p16:designElem xmlns:p16="http://schemas.microsoft.com/office/powerpoint/2015/main" val="1"/>
+                </p:ext>
+              </p:extLst>
+            </p:nvPr>
+          </p:nvSpPr>
+          <p:spPr>
+            <a:xfrm rot="18900000" flipV="1">
+              <a:off x="5005634" y="4191206"/>
+              <a:ext cx="1853969" cy="926985"/>
+            </a:xfrm>
+            <a:custGeom>
+              <a:avLst/>
+              <a:gdLst>
+                <a:gd name="connsiteX0" fmla="*/ 1329373 w 2658746"/>
+                <a:gd name="connsiteY0" fmla="*/ 0 h 1329373"/>
+                <a:gd name="connsiteX1" fmla="*/ 2658746 w 2658746"/>
+                <a:gd name="connsiteY1" fmla="*/ 1329373 h 1329373"/>
+                <a:gd name="connsiteX2" fmla="*/ 1994059 w 2658746"/>
+                <a:gd name="connsiteY2" fmla="*/ 1329373 h 1329373"/>
+                <a:gd name="connsiteX3" fmla="*/ 1329373 w 2658746"/>
+                <a:gd name="connsiteY3" fmla="*/ 664687 h 1329373"/>
+                <a:gd name="connsiteX4" fmla="*/ 664687 w 2658746"/>
+                <a:gd name="connsiteY4" fmla="*/ 1329373 h 1329373"/>
+                <a:gd name="connsiteX5" fmla="*/ 0 w 2658746"/>
+                <a:gd name="connsiteY5" fmla="*/ 1329373 h 1329373"/>
+                <a:gd name="connsiteX6" fmla="*/ 1329373 w 2658746"/>
+                <a:gd name="connsiteY6" fmla="*/ 0 h 1329373"/>
+              </a:gdLst>
+              <a:ahLst/>
+              <a:cxnLst>
+                <a:cxn ang="0">
+                  <a:pos x="connsiteX0" y="connsiteY0"/>
+                </a:cxn>
+                <a:cxn ang="0">
+                  <a:pos x="connsiteX1" y="connsiteY1"/>
+                </a:cxn>
+                <a:cxn ang="0">
+                  <a:pos x="connsiteX2" y="connsiteY2"/>
+                </a:cxn>
+                <a:cxn ang="0">
+                  <a:pos x="connsiteX3" y="connsiteY3"/>
+                </a:cxn>
+                <a:cxn ang="0">
+                  <a:pos x="connsiteX4" y="connsiteY4"/>
+                </a:cxn>
+                <a:cxn ang="0">
+                  <a:pos x="connsiteX5" y="connsiteY5"/>
+                </a:cxn>
+                <a:cxn ang="0">
+                  <a:pos x="connsiteX6" y="connsiteY6"/>
+                </a:cxn>
+              </a:cxnLst>
+              <a:rect l="l" t="t" r="r" b="b"/>
+              <a:pathLst>
+                <a:path w="2658746" h="1329373">
+                  <a:moveTo>
+                    <a:pt x="1329373" y="0"/>
+                  </a:moveTo>
+                  <a:cubicBezTo>
+                    <a:pt x="2063565" y="0"/>
+                    <a:pt x="2658746" y="595181"/>
+                    <a:pt x="2658746" y="1329373"/>
+                  </a:cubicBezTo>
+                  <a:lnTo>
+                    <a:pt x="1994059" y="1329373"/>
+                  </a:lnTo>
+                  <a:cubicBezTo>
+                    <a:pt x="1994059" y="962277"/>
+                    <a:pt x="1696469" y="664687"/>
+                    <a:pt x="1329373" y="664687"/>
+                  </a:cubicBezTo>
+                  <a:cubicBezTo>
+                    <a:pt x="962277" y="664687"/>
+                    <a:pt x="664687" y="962277"/>
+                    <a:pt x="664687" y="1329373"/>
+                  </a:cubicBezTo>
+                  <a:lnTo>
+                    <a:pt x="0" y="1329373"/>
+                  </a:lnTo>
+                  <a:cubicBezTo>
+                    <a:pt x="0" y="595181"/>
+                    <a:pt x="595181" y="0"/>
+                    <a:pt x="1329373" y="0"/>
+                  </a:cubicBezTo>
+                  <a:close/>
+                </a:path>
+              </a:pathLst>
+            </a:custGeom>
+            <a:solidFill>
+              <a:schemeClr val="bg2"/>
+            </a:solidFill>
+            <a:ln>
+              <a:noFill/>
+            </a:ln>
+            <a:effectLst>
+              <a:innerShdw blurRad="254000" dist="50800" dir="16200000">
+                <a:schemeClr val="accent1">
+                  <a:lumMod val="40000"/>
+                  <a:lumOff val="60000"/>
+                  <a:alpha val="40000"/>
+                </a:schemeClr>
+              </a:innerShdw>
+            </a:effectLst>
+          </p:spPr>
+          <p:style>
+            <a:lnRef idx="2">
+              <a:schemeClr val="accent1">
+                <a:shade val="50000"/>
+              </a:schemeClr>
+            </a:lnRef>
+            <a:fillRef idx="1">
+              <a:schemeClr val="accent1"/>
+            </a:fillRef>
+            <a:effectRef idx="0">
+              <a:schemeClr val="accent1"/>
+            </a:effectRef>
+            <a:fontRef idx="minor">
+              <a:schemeClr val="lt1"/>
+            </a:fontRef>
+          </p:style>
+          <p:txBody>
+            <a:bodyPr rtlCol="0" anchor="ctr"/>
+            <a:lstStyle/>
+            <a:p>
+              <a:pPr algn="ctr"/>
+              <a:endParaRPr lang="en-US"/>
+            </a:p>
+          </p:txBody>
+        </p:sp>
+        <p:sp>
+          <p:nvSpPr>
+            <p:cNvPr id="42" name="Freeform: Shape 41">
+              <a:extLst>
+                <a:ext uri="{FF2B5EF4-FFF2-40B4-BE49-F238E27FC236}">
+                  <a16:creationId xmlns:a16="http://schemas.microsoft.com/office/drawing/2014/main" id="{B5CA2231-7A65-4D16-8400-A210CC41DB73}"/>
+                </a:ext>
+                <a:ext uri="{C183D7F6-B498-43B3-948B-1728B52AA6E4}">
+                  <adec:decorative xmlns:adec="http://schemas.microsoft.com/office/drawing/2017/decorative" val="1"/>
+                </a:ext>
+              </a:extLst>
+            </p:cNvPr>
+            <p:cNvSpPr>
+              <a:spLocks noChangeAspect="1"/>
+            </p:cNvSpPr>
+            <p:nvPr>
+              <p:extLst>
+                <p:ext uri="{386F3935-93C4-4BCD-93E2-E3B085C9AB24}">
+                  <p16:designElem xmlns:p16="http://schemas.microsoft.com/office/powerpoint/2015/main" val="1"/>
+                </p:ext>
+              </p:extLst>
+            </p:nvPr>
+          </p:nvSpPr>
+          <p:spPr>
+            <a:xfrm rot="18900000" flipV="1">
+              <a:off x="4957101" y="4052255"/>
+              <a:ext cx="1853969" cy="1093090"/>
+            </a:xfrm>
+            <a:custGeom>
+              <a:avLst/>
+              <a:gdLst>
+                <a:gd name="connsiteX0" fmla="*/ 1329373 w 2658746"/>
+                <a:gd name="connsiteY0" fmla="*/ 0 h 1329373"/>
+                <a:gd name="connsiteX1" fmla="*/ 2658746 w 2658746"/>
+                <a:gd name="connsiteY1" fmla="*/ 1329373 h 1329373"/>
+                <a:gd name="connsiteX2" fmla="*/ 1994059 w 2658746"/>
+                <a:gd name="connsiteY2" fmla="*/ 1329373 h 1329373"/>
+                <a:gd name="connsiteX3" fmla="*/ 1329373 w 2658746"/>
+                <a:gd name="connsiteY3" fmla="*/ 664687 h 1329373"/>
+                <a:gd name="connsiteX4" fmla="*/ 664687 w 2658746"/>
+                <a:gd name="connsiteY4" fmla="*/ 1329373 h 1329373"/>
+                <a:gd name="connsiteX5" fmla="*/ 0 w 2658746"/>
+                <a:gd name="connsiteY5" fmla="*/ 1329373 h 1329373"/>
+                <a:gd name="connsiteX6" fmla="*/ 1329373 w 2658746"/>
+                <a:gd name="connsiteY6" fmla="*/ 0 h 1329373"/>
+              </a:gdLst>
+              <a:ahLst/>
+              <a:cxnLst>
+                <a:cxn ang="0">
+                  <a:pos x="connsiteX0" y="connsiteY0"/>
+                </a:cxn>
+                <a:cxn ang="0">
+                  <a:pos x="connsiteX1" y="connsiteY1"/>
+                </a:cxn>
+                <a:cxn ang="0">
+                  <a:pos x="connsiteX2" y="connsiteY2"/>
+                </a:cxn>
+                <a:cxn ang="0">
+                  <a:pos x="connsiteX3" y="connsiteY3"/>
+                </a:cxn>
+                <a:cxn ang="0">
+                  <a:pos x="connsiteX4" y="connsiteY4"/>
+                </a:cxn>
+                <a:cxn ang="0">
+                  <a:pos x="connsiteX5" y="connsiteY5"/>
+                </a:cxn>
+                <a:cxn ang="0">
+                  <a:pos x="connsiteX6" y="connsiteY6"/>
+                </a:cxn>
+              </a:cxnLst>
+              <a:rect l="l" t="t" r="r" b="b"/>
+              <a:pathLst>
+                <a:path w="2658746" h="1329373">
+                  <a:moveTo>
+                    <a:pt x="1329373" y="0"/>
+                  </a:moveTo>
+                  <a:cubicBezTo>
+                    <a:pt x="2063565" y="0"/>
+                    <a:pt x="2658746" y="595181"/>
+                    <a:pt x="2658746" y="1329373"/>
+                  </a:cubicBezTo>
+                  <a:lnTo>
+                    <a:pt x="1994059" y="1329373"/>
+                  </a:lnTo>
+                  <a:cubicBezTo>
+                    <a:pt x="1994059" y="962277"/>
+                    <a:pt x="1696469" y="664687"/>
+                    <a:pt x="1329373" y="664687"/>
+                  </a:cubicBezTo>
+                  <a:cubicBezTo>
+                    <a:pt x="962277" y="664687"/>
+                    <a:pt x="664687" y="962277"/>
+                    <a:pt x="664687" y="1329373"/>
+                  </a:cubicBezTo>
+                  <a:lnTo>
+                    <a:pt x="0" y="1329373"/>
+                  </a:lnTo>
+                  <a:cubicBezTo>
+                    <a:pt x="0" y="595181"/>
+                    <a:pt x="595181" y="0"/>
+                    <a:pt x="1329373" y="0"/>
+                  </a:cubicBezTo>
+                  <a:close/>
+                </a:path>
+              </a:pathLst>
+            </a:custGeom>
+            <a:solidFill>
+              <a:schemeClr val="bg2">
+                <a:lumMod val="50000"/>
+                <a:lumOff val="50000"/>
+                <a:alpha val="40000"/>
+              </a:schemeClr>
+            </a:solidFill>
+            <a:ln>
+              <a:noFill/>
+            </a:ln>
+            <a:effectLst>
+              <a:softEdge rad="190500"/>
+            </a:effectLst>
+          </p:spPr>
+          <p:style>
+            <a:lnRef idx="2">
+              <a:schemeClr val="accent1">
+                <a:shade val="50000"/>
+              </a:schemeClr>
+            </a:lnRef>
+            <a:fillRef idx="1">
+              <a:schemeClr val="accent1"/>
+            </a:fillRef>
+            <a:effectRef idx="0">
+              <a:schemeClr val="accent1"/>
+            </a:effectRef>
+            <a:fontRef idx="minor">
+              <a:schemeClr val="lt1"/>
+            </a:fontRef>
+          </p:style>
+          <p:txBody>
+            <a:bodyPr rtlCol="0" anchor="ctr"/>
+            <a:lstStyle/>
+            <a:p>
+              <a:pPr algn="ctr"/>
+              <a:endParaRPr lang="en-US">
+                <a:solidFill>
+                  <a:schemeClr val="tx1"/>
+                </a:solidFill>
+              </a:endParaRPr>
+            </a:p>
+          </p:txBody>
+        </p:sp>
+        <p:sp>
+          <p:nvSpPr>
+            <p:cNvPr id="43" name="Oval 42">
+              <a:extLst>
+                <a:ext uri="{FF2B5EF4-FFF2-40B4-BE49-F238E27FC236}">
+                  <a16:creationId xmlns:a16="http://schemas.microsoft.com/office/drawing/2014/main" id="{4B089C8C-B82B-4704-88E2-E857A5E21529}"/>
+                </a:ext>
+                <a:ext uri="{C183D7F6-B498-43B3-948B-1728B52AA6E4}">
+                  <adec:decorative xmlns:adec="http://schemas.microsoft.com/office/drawing/2017/decorative" val="1"/>
+                </a:ext>
+              </a:extLst>
+            </p:cNvPr>
+            <p:cNvSpPr/>
+            <p:nvPr>
+              <p:extLst>
+                <p:ext uri="{386F3935-93C4-4BCD-93E2-E3B085C9AB24}">
+                  <p16:designElem xmlns:p16="http://schemas.microsoft.com/office/powerpoint/2015/main" val="1"/>
+                </p:ext>
+              </p:extLst>
+            </p:nvPr>
+          </p:nvSpPr>
+          <p:spPr>
+            <a:xfrm rot="13500000" flipV="1">
+              <a:off x="6040374" y="3601683"/>
+              <a:ext cx="107098" cy="466589"/>
+            </a:xfrm>
+            <a:prstGeom prst="ellipse">
+              <a:avLst/>
+            </a:prstGeom>
+            <a:solidFill>
+              <a:schemeClr val="bg2">
+                <a:lumMod val="90000"/>
+                <a:lumOff val="10000"/>
+              </a:schemeClr>
+            </a:solidFill>
+            <a:ln>
+              <a:noFill/>
+            </a:ln>
+            <a:effectLst>
+              <a:innerShdw blurRad="63500" dist="2540000">
+                <a:schemeClr val="accent1">
+                  <a:lumMod val="60000"/>
+                  <a:lumOff val="40000"/>
+                  <a:alpha val="0"/>
+                </a:schemeClr>
+              </a:innerShdw>
+            </a:effectLst>
+          </p:spPr>
+          <p:style>
+            <a:lnRef idx="2">
+              <a:schemeClr val="accent1">
+                <a:shade val="50000"/>
+              </a:schemeClr>
+            </a:lnRef>
+            <a:fillRef idx="1">
+              <a:schemeClr val="accent1"/>
+            </a:fillRef>
+            <a:effectRef idx="0">
+              <a:schemeClr val="accent1"/>
+            </a:effectRef>
+            <a:fontRef idx="minor">
+              <a:schemeClr val="lt1"/>
+            </a:fontRef>
+          </p:style>
+          <p:txBody>
+            <a:bodyPr rot="0" spcFirstLastPara="0" vertOverflow="overflow" horzOverflow="overflow" vert="horz" wrap="square" lIns="91440" tIns="45720" rIns="91440" bIns="45720" numCol="1" spcCol="0" rtlCol="0" fromWordArt="0" anchor="ctr" anchorCtr="0" forceAA="0" compatLnSpc="1">
+              <a:prstTxWarp prst="textNoShape">
+                <a:avLst/>
+              </a:prstTxWarp>
+              <a:noAutofit/>
+            </a:bodyPr>
+            <a:lstStyle/>
+            <a:p>
+              <a:pPr algn="ctr"/>
+              <a:endParaRPr lang="en-US"/>
+            </a:p>
+          </p:txBody>
+        </p:sp>
+        <p:sp>
+          <p:nvSpPr>
+            <p:cNvPr id="44" name="Oval 43">
+              <a:extLst>
+                <a:ext uri="{FF2B5EF4-FFF2-40B4-BE49-F238E27FC236}">
+                  <a16:creationId xmlns:a16="http://schemas.microsoft.com/office/drawing/2014/main" id="{434B90C8-5B4D-456E-AD99-80EF748FDD72}"/>
+                </a:ext>
+                <a:ext uri="{C183D7F6-B498-43B3-948B-1728B52AA6E4}">
+                  <adec:decorative xmlns:adec="http://schemas.microsoft.com/office/drawing/2017/decorative" val="1"/>
+                </a:ext>
+              </a:extLst>
+            </p:cNvPr>
+            <p:cNvSpPr/>
+            <p:nvPr>
+              <p:extLst>
+                <p:ext uri="{386F3935-93C4-4BCD-93E2-E3B085C9AB24}">
+                  <p16:designElem xmlns:p16="http://schemas.microsoft.com/office/powerpoint/2015/main" val="1"/>
+                </p:ext>
+              </p:extLst>
+            </p:nvPr>
+          </p:nvSpPr>
+          <p:spPr>
+            <a:xfrm rot="13500000" flipV="1">
+              <a:off x="5059348" y="4582709"/>
+              <a:ext cx="107098" cy="466589"/>
+            </a:xfrm>
+            <a:prstGeom prst="ellipse">
+              <a:avLst/>
+            </a:prstGeom>
+            <a:solidFill>
+              <a:schemeClr val="bg2">
+                <a:lumMod val="90000"/>
+                <a:lumOff val="10000"/>
+              </a:schemeClr>
+            </a:solidFill>
+            <a:ln>
+              <a:noFill/>
+            </a:ln>
+            <a:effectLst>
+              <a:innerShdw blurRad="63500" dist="2540000">
+                <a:schemeClr val="accent1">
+                  <a:lumMod val="60000"/>
+                  <a:lumOff val="40000"/>
+                  <a:alpha val="0"/>
+                </a:schemeClr>
+              </a:innerShdw>
+            </a:effectLst>
+          </p:spPr>
+          <p:style>
+            <a:lnRef idx="2">
+              <a:schemeClr val="accent1">
+                <a:shade val="50000"/>
+              </a:schemeClr>
+            </a:lnRef>
+            <a:fillRef idx="1">
+              <a:schemeClr val="accent1"/>
+            </a:fillRef>
+            <a:effectRef idx="0">
+              <a:schemeClr val="accent1"/>
+            </a:effectRef>
+            <a:fontRef idx="minor">
+              <a:schemeClr val="lt1"/>
+            </a:fontRef>
+          </p:style>
+          <p:txBody>
+            <a:bodyPr rot="0" spcFirstLastPara="0" vertOverflow="overflow" horzOverflow="overflow" vert="horz" wrap="square" lIns="91440" tIns="45720" rIns="91440" bIns="45720" numCol="1" spcCol="0" rtlCol="0" fromWordArt="0" anchor="ctr" anchorCtr="0" forceAA="0" compatLnSpc="1">
+              <a:prstTxWarp prst="textNoShape">
+                <a:avLst/>
+              </a:prstTxWarp>
+              <a:noAutofit/>
+            </a:bodyPr>
+            <a:lstStyle/>
+            <a:p>
+              <a:pPr algn="ctr"/>
+              <a:endParaRPr lang="en-US"/>
+            </a:p>
+          </p:txBody>
+        </p:sp>
+      </p:grpSp>
+      <p:sp useBgFill="1">
+        <p:nvSpPr>
+          <p:cNvPr id="46" name="Rectangle 45">
+            <a:extLst>
+              <a:ext uri="{FF2B5EF4-FFF2-40B4-BE49-F238E27FC236}">
+                <a16:creationId xmlns:a16="http://schemas.microsoft.com/office/drawing/2014/main" id="{1DB043B4-68C6-45B9-82AC-A5800EADB8DB}"/>
+              </a:ext>
+              <a:ext uri="{C183D7F6-B498-43B3-948B-1728B52AA6E4}">
+                <adec:decorative xmlns:adec="http://schemas.microsoft.com/office/drawing/2017/decorative" val="1"/>
+              </a:ext>
+            </a:extLst>
+          </p:cNvPr>
+          <p:cNvSpPr>
+            <a:spLocks noGrp="1" noRot="1" noChangeAspect="1" noMove="1" noResize="1" noEditPoints="1" noAdjustHandles="1" noChangeArrowheads="1" noChangeShapeType="1" noTextEdit="1"/>
+          </p:cNvSpPr>
+          <p:nvPr>
+            <p:extLst>
+              <p:ext uri="{386F3935-93C4-4BCD-93E2-E3B085C9AB24}">
+                <p16:designElem xmlns:p16="http://schemas.microsoft.com/office/powerpoint/2015/main" val="1"/>
+              </p:ext>
+            </p:extLst>
+          </p:nvPr>
+        </p:nvSpPr>
+        <p:spPr>
+          <a:xfrm>
+            <a:off x="0" y="0"/>
+            <a:ext cx="12192000" cy="6858000"/>
+          </a:xfrm>
+          <a:prstGeom prst="rect">
+            <a:avLst/>
+          </a:prstGeom>
+          <a:ln w="12700" cap="flat" cmpd="sng" algn="ctr">
+            <a:noFill/>
+            <a:prstDash val="solid"/>
+            <a:miter lim="800000"/>
+          </a:ln>
+          <a:effectLst/>
+          <a:extLst>
+            <a:ext uri="{91240B29-F687-4F45-9708-019B960494DF}">
+              <a14:hiddenLine xmlns:a14="http://schemas.microsoft.com/office/drawing/2010/main" w="12700" cap="flat" cmpd="sng" algn="ctr">
+                <a:solidFill>
+                  <a:schemeClr val="accent1">
+                    <a:shade val="50000"/>
+                  </a:schemeClr>
+                </a:solidFill>
+                <a:prstDash val="solid"/>
+                <a:miter lim="800000"/>
+              </a14:hiddenLine>
+            </a:ext>
+          </a:extLst>
+        </p:spPr>
+        <p:style>
+          <a:lnRef idx="2">
+            <a:schemeClr val="accent1">
+              <a:shade val="50000"/>
+            </a:schemeClr>
+          </a:lnRef>
+          <a:fillRef idx="1">
+            <a:schemeClr val="accent1"/>
+          </a:fillRef>
+          <a:effectRef idx="0">
+            <a:schemeClr val="accent1"/>
+          </a:effectRef>
+          <a:fontRef idx="minor">
+            <a:schemeClr val="lt1"/>
+          </a:fontRef>
+        </p:style>
+        <p:txBody>
+          <a:bodyPr rtlCol="0" anchor="ctr"/>
+          <a:lstStyle/>
+          <a:p>
+            <a:pPr algn="ctr"/>
+            <a:endParaRPr lang="en-US"/>
+          </a:p>
+        </p:txBody>
+      </p:sp>
+      <p:pic>
+        <p:nvPicPr>
+          <p:cNvPr id="8" name="Picture Placeholder 7" descr="Data Points Digital background">
+            <a:extLst>
+              <a:ext uri="{FF2B5EF4-FFF2-40B4-BE49-F238E27FC236}">
+                <a16:creationId xmlns:a16="http://schemas.microsoft.com/office/drawing/2014/main" id="{5FED7C55-F545-49A1-90FD-D853A25AB453}"/>
+              </a:ext>
+            </a:extLst>
+          </p:cNvPr>
+          <p:cNvPicPr>
+            <a:picLocks noGrp="1" noChangeAspect="1"/>
+          </p:cNvPicPr>
+          <p:nvPr>
+            <p:ph type="pic" sz="quarter" idx="13"/>
+          </p:nvPr>
+        </p:nvPicPr>
+        <p:blipFill>
+          <a:blip r:embed="rId3">
+            <a:extLst>
+              <a:ext uri="{28A0092B-C50C-407E-A947-70E740481C1C}">
+                <a14:useLocalDpi xmlns:a14="http://schemas.microsoft.com/office/drawing/2010/main" val="0"/>
+              </a:ext>
+            </a:extLst>
+          </a:blip>
+          <a:srcRect/>
+          <a:stretch>
+            <a:fillRect/>
+          </a:stretch>
+        </p:blipFill>
+        <p:spPr/>
+      </p:pic>
+      <p:sp>
+        <p:nvSpPr>
+          <p:cNvPr id="48" name="Rectangle 47">
+            <a:extLst>
+              <a:ext uri="{FF2B5EF4-FFF2-40B4-BE49-F238E27FC236}">
+                <a16:creationId xmlns:a16="http://schemas.microsoft.com/office/drawing/2014/main" id="{3C64A91D-E535-4C24-A0E3-96A3810E3FDC}"/>
+              </a:ext>
+              <a:ext uri="{C183D7F6-B498-43B3-948B-1728B52AA6E4}">
+                <adec:decorative xmlns:adec="http://schemas.microsoft.com/office/drawing/2017/decorative" val="1"/>
+              </a:ext>
+            </a:extLst>
+          </p:cNvPr>
+          <p:cNvSpPr>
+            <a:spLocks noGrp="1" noRot="1" noChangeAspect="1" noMove="1" noResize="1" noEditPoints="1" noAdjustHandles="1" noChangeArrowheads="1" noChangeShapeType="1" noTextEdit="1"/>
+          </p:cNvSpPr>
+          <p:nvPr>
+            <p:extLst>
+              <p:ext uri="{386F3935-93C4-4BCD-93E2-E3B085C9AB24}">
+                <p16:designElem xmlns:p16="http://schemas.microsoft.com/office/powerpoint/2015/main" val="1"/>
+              </p:ext>
+            </p:extLst>
+          </p:nvPr>
+        </p:nvSpPr>
+        <p:spPr>
+          <a:xfrm>
+            <a:off x="0" y="5773729"/>
+            <a:ext cx="12192000" cy="1084271"/>
+          </a:xfrm>
+          <a:prstGeom prst="rect">
+            <a:avLst/>
+          </a:prstGeom>
+          <a:gradFill flip="none" rotWithShape="1">
+            <a:gsLst>
+              <a:gs pos="90000">
+                <a:schemeClr val="bg2">
+                  <a:alpha val="60000"/>
+                </a:schemeClr>
+              </a:gs>
+              <a:gs pos="28000">
+                <a:schemeClr val="bg2">
+                  <a:alpha val="0"/>
+                </a:schemeClr>
+              </a:gs>
+            </a:gsLst>
+            <a:lin ang="5400000" scaled="0"/>
+            <a:tileRect/>
+          </a:gradFill>
+          <a:ln>
+            <a:noFill/>
+          </a:ln>
+        </p:spPr>
+        <p:style>
+          <a:lnRef idx="2">
+            <a:schemeClr val="accent1">
+              <a:shade val="50000"/>
+            </a:schemeClr>
+          </a:lnRef>
+          <a:fillRef idx="1">
+            <a:schemeClr val="accent1"/>
+          </a:fillRef>
+          <a:effectRef idx="0">
+            <a:schemeClr val="accent1"/>
+          </a:effectRef>
+          <a:fontRef idx="minor">
+            <a:schemeClr val="lt1"/>
+          </a:fontRef>
+        </p:style>
+        <p:txBody>
+          <a:bodyPr rtlCol="0" anchor="ctr"/>
+          <a:lstStyle/>
+          <a:p>
+            <a:pPr algn="ctr"/>
+            <a:endParaRPr lang="en-US"/>
+          </a:p>
+        </p:txBody>
+      </p:sp>
+      <p:sp>
+        <p:nvSpPr>
+          <p:cNvPr id="50" name="Rectangle 49">
+            <a:extLst>
+              <a:ext uri="{FF2B5EF4-FFF2-40B4-BE49-F238E27FC236}">
+                <a16:creationId xmlns:a16="http://schemas.microsoft.com/office/drawing/2014/main" id="{26FC4867-BA3E-4F8E-AB23-684F34DF3D31}"/>
+              </a:ext>
+              <a:ext uri="{C183D7F6-B498-43B3-948B-1728B52AA6E4}">
+                <adec:decorative xmlns:adec="http://schemas.microsoft.com/office/drawing/2017/decorative" val="1"/>
+              </a:ext>
+            </a:extLst>
+          </p:cNvPr>
+          <p:cNvSpPr>
+            <a:spLocks noGrp="1" noRot="1" noChangeAspect="1" noMove="1" noResize="1" noEditPoints="1" noAdjustHandles="1" noChangeArrowheads="1" noChangeShapeType="1" noTextEdit="1"/>
+          </p:cNvSpPr>
+          <p:nvPr>
+            <p:extLst>
+              <p:ext uri="{386F3935-93C4-4BCD-93E2-E3B085C9AB24}">
+                <p16:designElem xmlns:p16="http://schemas.microsoft.com/office/powerpoint/2015/main" val="1"/>
+              </p:ext>
+            </p:extLst>
+          </p:nvPr>
+        </p:nvSpPr>
+        <p:spPr>
+          <a:xfrm rot="10800000">
+            <a:off x="0" y="-3"/>
+            <a:ext cx="9000000" cy="6857998"/>
+          </a:xfrm>
+          <a:prstGeom prst="rect">
+            <a:avLst/>
+          </a:prstGeom>
+          <a:gradFill flip="none" rotWithShape="1">
+            <a:gsLst>
+              <a:gs pos="50000">
+                <a:schemeClr val="bg2">
+                  <a:alpha val="60000"/>
+                </a:schemeClr>
+              </a:gs>
+              <a:gs pos="0">
+                <a:schemeClr val="bg2">
+                  <a:alpha val="0"/>
+                </a:schemeClr>
+              </a:gs>
+            </a:gsLst>
+            <a:lin ang="0" scaled="0"/>
+            <a:tileRect/>
+          </a:gradFill>
+          <a:ln>
+            <a:noFill/>
+          </a:ln>
+        </p:spPr>
+        <p:style>
+          <a:lnRef idx="2">
+            <a:schemeClr val="accent1">
+              <a:shade val="50000"/>
+            </a:schemeClr>
+          </a:lnRef>
+          <a:fillRef idx="1">
+            <a:schemeClr val="accent1"/>
+          </a:fillRef>
+          <a:effectRef idx="0">
+            <a:schemeClr val="accent1"/>
+          </a:effectRef>
+          <a:fontRef idx="minor">
+            <a:schemeClr val="lt1"/>
+          </a:fontRef>
+        </p:style>
+        <p:txBody>
+          <a:bodyPr rtlCol="0" anchor="ctr"/>
+          <a:lstStyle/>
+          <a:p>
+            <a:pPr algn="ctr"/>
+            <a:endParaRPr lang="en-US"/>
+          </a:p>
+        </p:txBody>
+      </p:sp>
+      <p:sp>
+        <p:nvSpPr>
+          <p:cNvPr id="15" name="Title 14">
+            <a:extLst>
+              <a:ext uri="{FF2B5EF4-FFF2-40B4-BE49-F238E27FC236}">
+                <a16:creationId xmlns:a16="http://schemas.microsoft.com/office/drawing/2014/main" id="{40F1DF5B-353A-4270-8C10-6A1509441174}"/>
+              </a:ext>
+            </a:extLst>
+          </p:cNvPr>
+          <p:cNvSpPr>
+            <a:spLocks noGrp="1"/>
+          </p:cNvSpPr>
+          <p:nvPr>
+            <p:ph type="ctrTitle"/>
+          </p:nvPr>
+        </p:nvSpPr>
+        <p:spPr>
+          <a:xfrm>
+            <a:off x="440504" y="1537729"/>
+            <a:ext cx="11557055" cy="2565178"/>
+          </a:xfrm>
+        </p:spPr>
+        <p:txBody>
+          <a:bodyPr vert="horz" wrap="square" lIns="0" tIns="0" rIns="0" bIns="0" rtlCol="0" anchor="b" anchorCtr="0">
+            <a:normAutofit/>
+          </a:bodyPr>
+          <a:lstStyle/>
+          <a:p>
+            <a:pPr algn="ctr">
+              <a:lnSpc>
+                <a:spcPct val="100000"/>
+              </a:lnSpc>
+            </a:pPr>
+            <a:r>
+              <a:rPr lang="en-US" sz="6400" kern="1200" dirty="0" err="1">
+                <a:solidFill>
+                  <a:schemeClr val="tx1"/>
+                </a:solidFill>
+                <a:latin typeface="Times New Roman" panose="02020603050405020304" pitchFamily="18" charset="0"/>
+                <a:cs typeface="Times New Roman" panose="02020603050405020304" pitchFamily="18" charset="0"/>
+              </a:rPr>
+              <a:t>P</a:t>
+            </a:r>
+            <a:r>
+              <a:rPr lang="en-US" dirty="0" err="1">
+                <a:latin typeface="Times New Roman" panose="02020603050405020304" pitchFamily="18" charset="0"/>
+                <a:cs typeface="Times New Roman" panose="02020603050405020304" pitchFamily="18" charset="0"/>
+              </a:rPr>
+              <a:t>hoBert</a:t>
+            </a:r>
+            <a:br>
+              <a:rPr lang="en-US" dirty="0">
+                <a:latin typeface="Times New Roman" panose="02020603050405020304" pitchFamily="18" charset="0"/>
+                <a:cs typeface="Times New Roman" panose="02020603050405020304" pitchFamily="18" charset="0"/>
+              </a:rPr>
+            </a:br>
+            <a:endParaRPr lang="en-US" sz="6400" kern="1200" dirty="0">
+              <a:solidFill>
+                <a:schemeClr val="tx1"/>
+              </a:solidFill>
+              <a:latin typeface="Times New Roman" panose="02020603050405020304" pitchFamily="18" charset="0"/>
+              <a:cs typeface="Times New Roman" panose="02020603050405020304" pitchFamily="18" charset="0"/>
+            </a:endParaRPr>
+          </a:p>
+        </p:txBody>
+      </p:sp>
+      <p:pic>
+        <p:nvPicPr>
+          <p:cNvPr id="5" name="Picture 4"/>
+          <p:cNvPicPr>
+            <a:picLocks noChangeAspect="1"/>
+          </p:cNvPicPr>
+          <p:nvPr/>
+        </p:nvPicPr>
+        <p:blipFill>
+          <a:blip r:embed="rId4">
+            <a:extLst>
+              <a:ext uri="{28A0092B-C50C-407E-A947-70E740481C1C}">
+                <a14:useLocalDpi xmlns:a14="http://schemas.microsoft.com/office/drawing/2010/main" val="0"/>
+              </a:ext>
+            </a:extLst>
+          </a:blip>
+          <a:stretch>
+            <a:fillRect/>
+          </a:stretch>
+        </p:blipFill>
+        <p:spPr>
+          <a:xfrm>
+            <a:off x="-4612" y="-6922"/>
+            <a:ext cx="1428679" cy="791181"/>
+          </a:xfrm>
+          <a:prstGeom prst="rect">
+            <a:avLst/>
+          </a:prstGeom>
+        </p:spPr>
+      </p:pic>
+    </p:spTree>
+    <p:extLst>
+      <p:ext uri="{BB962C8B-B14F-4D97-AF65-F5344CB8AC3E}">
+        <p14:creationId xmlns:p14="http://schemas.microsoft.com/office/powerpoint/2010/main" val="863594042"/>
+      </p:ext>
+    </p:extLst>
+  </p:cSld>
+  <p:clrMapOvr>
+    <a:masterClrMapping/>
+  </p:clrMapOvr>
+</p:sld>
+</file>
+
+<file path=ppt/slides/slide35.xml><?xml version="1.0" encoding="utf-8"?>
+<p:sld xmlns:a="http://schemas.openxmlformats.org/drawingml/2006/main" xmlns:r="http://schemas.openxmlformats.org/officeDocument/2006/relationships" xmlns:p="http://schemas.openxmlformats.org/presentationml/2006/main">
+  <p:cSld>
+    <p:spTree>
+      <p:nvGrpSpPr>
+        <p:cNvPr id="1" name=""/>
+        <p:cNvGrpSpPr/>
+        <p:nvPr/>
+      </p:nvGrpSpPr>
+      <p:grpSpPr>
+        <a:xfrm>
+          <a:off x="0" y="0"/>
+          <a:ext cx="0" cy="0"/>
+          <a:chOff x="0" y="0"/>
+          <a:chExt cx="0" cy="0"/>
+        </a:xfrm>
+      </p:grpSpPr>
+      <p:sp>
+        <p:nvSpPr>
           <p:cNvPr id="2" name="Title 1"/>
           <p:cNvSpPr>
             <a:spLocks noGrp="1"/>
@@ -29458,8 +31780,19 @@
                 <a:latin typeface="Times New Roman" panose="02020603050405020304" pitchFamily="18" charset="0"/>
                 <a:cs typeface="Times New Roman" panose="02020603050405020304" pitchFamily="18" charset="0"/>
               </a:rPr>
-              <a:t>2/ How decoder work</a:t>
-            </a:r>
+              <a:t>Introduction of </a:t>
+            </a:r>
+            <a:r>
+              <a:rPr lang="en-US" b="1" dirty="0" err="1">
+                <a:latin typeface="Times New Roman" panose="02020603050405020304" pitchFamily="18" charset="0"/>
+                <a:cs typeface="Times New Roman" panose="02020603050405020304" pitchFamily="18" charset="0"/>
+              </a:rPr>
+              <a:t>PhoBert</a:t>
+            </a:r>
+            <a:endParaRPr lang="en-US" b="1" dirty="0">
+              <a:latin typeface="Times New Roman" panose="02020603050405020304" pitchFamily="18" charset="0"/>
+              <a:cs typeface="Times New Roman" panose="02020603050405020304" pitchFamily="18" charset="0"/>
+            </a:endParaRPr>
           </a:p>
         </p:txBody>
       </p:sp>
@@ -29480,7 +31813,7 @@
           <a:p>
             <a:fld id="{DBA1B0FB-D917-4C8C-928F-313BD683BF39}" type="slidenum">
               <a:rPr lang="en-US" smtClean="0"/>
-              <a:t>34</a:t>
+              <a:t>35</a:t>
             </a:fld>
             <a:endParaRPr lang="en-US"/>
           </a:p>
@@ -29547,7 +31880,7 @@
                 <a:latin typeface="Times New Roman" panose="02020603050405020304" pitchFamily="18" charset="0"/>
                 <a:cs typeface="Times New Roman" panose="02020603050405020304" pitchFamily="18" charset="0"/>
               </a:rPr>
-              <a:t>Decoder is same as Encoder but the input of Decoder is masked.</a:t>
+              <a:t>While most pre-trained Bert-based models were learn using English or data combined from different languages. Its not aware of the different between Vietnamese syllables and word tokens.</a:t>
             </a:r>
           </a:p>
           <a:p>
@@ -29556,7 +31889,7 @@
                 <a:latin typeface="Times New Roman" panose="02020603050405020304" pitchFamily="18" charset="0"/>
                 <a:cs typeface="Times New Roman" panose="02020603050405020304" pitchFamily="18" charset="0"/>
               </a:rPr>
-              <a:t>After masked, input go to sub-layer #1. It don’t multiple 3 matrix to get Q, K, V like Encoder but only multiple only 1 matrix WQ.</a:t>
+              <a:t>Around 85% of Vietnamese word types are composed of at least 2 syllables.</a:t>
             </a:r>
           </a:p>
           <a:p>
@@ -29565,24 +31898,597 @@
                 <a:latin typeface="Times New Roman" panose="02020603050405020304" pitchFamily="18" charset="0"/>
                 <a:cs typeface="Times New Roman" panose="02020603050405020304" pitchFamily="18" charset="0"/>
               </a:rPr>
-              <a:t>K and V get from Encoder and Q from Masked multi-head attention and go to sub-layer #2,..</a:t>
-            </a:r>
-          </a:p>
-          <a:p>
+              <a:t>Ex: +Syllable-level: </a:t>
+            </a:r>
+            <a:r>
+              <a:rPr lang="en-US" sz="2400" b="1" dirty="0" err="1">
+                <a:latin typeface="Times New Roman" panose="02020603050405020304" pitchFamily="18" charset="0"/>
+                <a:cs typeface="Times New Roman" panose="02020603050405020304" pitchFamily="18" charset="0"/>
+              </a:rPr>
+              <a:t>Tôi</a:t>
+            </a:r>
             <a:r>
               <a:rPr lang="en-US" sz="2400" b="1" dirty="0">
                 <a:latin typeface="Times New Roman" panose="02020603050405020304" pitchFamily="18" charset="0"/>
                 <a:cs typeface="Times New Roman" panose="02020603050405020304" pitchFamily="18" charset="0"/>
               </a:rPr>
-              <a:t>Last step, vector go to Linear class( a fully Connected) added with SoftMax to find probability of next word.</a:t>
-            </a:r>
+              <a:t> </a:t>
+            </a:r>
+            <a:r>
+              <a:rPr lang="en-US" sz="2400" b="1" dirty="0" err="1">
+                <a:latin typeface="Times New Roman" panose="02020603050405020304" pitchFamily="18" charset="0"/>
+                <a:cs typeface="Times New Roman" panose="02020603050405020304" pitchFamily="18" charset="0"/>
+              </a:rPr>
+              <a:t>là</a:t>
+            </a:r>
+            <a:r>
+              <a:rPr lang="en-US" sz="2400" b="1" dirty="0">
+                <a:latin typeface="Times New Roman" panose="02020603050405020304" pitchFamily="18" charset="0"/>
+                <a:cs typeface="Times New Roman" panose="02020603050405020304" pitchFamily="18" charset="0"/>
+              </a:rPr>
+              <a:t> </a:t>
+            </a:r>
+            <a:r>
+              <a:rPr lang="en-US" sz="2400" b="1" dirty="0" err="1">
+                <a:latin typeface="Times New Roman" panose="02020603050405020304" pitchFamily="18" charset="0"/>
+                <a:cs typeface="Times New Roman" panose="02020603050405020304" pitchFamily="18" charset="0"/>
+              </a:rPr>
+              <a:t>sinh</a:t>
+            </a:r>
+            <a:r>
+              <a:rPr lang="en-US" sz="2400" b="1" dirty="0">
+                <a:latin typeface="Times New Roman" panose="02020603050405020304" pitchFamily="18" charset="0"/>
+                <a:cs typeface="Times New Roman" panose="02020603050405020304" pitchFamily="18" charset="0"/>
+              </a:rPr>
+              <a:t> </a:t>
+            </a:r>
+            <a:r>
+              <a:rPr lang="en-US" sz="2400" b="1" dirty="0" err="1">
+                <a:latin typeface="Times New Roman" panose="02020603050405020304" pitchFamily="18" charset="0"/>
+                <a:cs typeface="Times New Roman" panose="02020603050405020304" pitchFamily="18" charset="0"/>
+              </a:rPr>
+              <a:t>viên</a:t>
+            </a:r>
+            <a:r>
+              <a:rPr lang="en-US" sz="2400" b="1" dirty="0">
+                <a:latin typeface="Times New Roman" panose="02020603050405020304" pitchFamily="18" charset="0"/>
+                <a:cs typeface="Times New Roman" panose="02020603050405020304" pitchFamily="18" charset="0"/>
+              </a:rPr>
+              <a:t> </a:t>
+            </a:r>
+            <a:r>
+              <a:rPr lang="en-US" sz="2400" b="1" dirty="0" err="1">
+                <a:latin typeface="Times New Roman" panose="02020603050405020304" pitchFamily="18" charset="0"/>
+                <a:cs typeface="Times New Roman" panose="02020603050405020304" pitchFamily="18" charset="0"/>
+              </a:rPr>
+              <a:t>Đại</a:t>
+            </a:r>
+            <a:r>
+              <a:rPr lang="en-US" sz="2400" b="1" dirty="0">
+                <a:latin typeface="Times New Roman" panose="02020603050405020304" pitchFamily="18" charset="0"/>
+                <a:cs typeface="Times New Roman" panose="02020603050405020304" pitchFamily="18" charset="0"/>
+              </a:rPr>
+              <a:t> </a:t>
+            </a:r>
+            <a:r>
+              <a:rPr lang="en-US" sz="2400" b="1" dirty="0" err="1">
+                <a:latin typeface="Times New Roman" panose="02020603050405020304" pitchFamily="18" charset="0"/>
+                <a:cs typeface="Times New Roman" panose="02020603050405020304" pitchFamily="18" charset="0"/>
+              </a:rPr>
+              <a:t>học</a:t>
+            </a:r>
+            <a:endParaRPr lang="en-US" sz="2400" b="1" dirty="0">
+              <a:latin typeface="Times New Roman" panose="02020603050405020304" pitchFamily="18" charset="0"/>
+              <a:cs typeface="Times New Roman" panose="02020603050405020304" pitchFamily="18" charset="0"/>
+            </a:endParaRPr>
+          </a:p>
+          <a:p>
+            <a:pPr marL="457200" lvl="1" indent="0">
+              <a:buNone/>
+            </a:pPr>
+            <a:r>
+              <a:rPr lang="en-US" sz="2400" b="1" dirty="0">
+                <a:latin typeface="Times New Roman" panose="02020603050405020304" pitchFamily="18" charset="0"/>
+                <a:cs typeface="Times New Roman" panose="02020603050405020304" pitchFamily="18" charset="0"/>
+              </a:rPr>
+              <a:t>    +Word-level: </a:t>
+            </a:r>
+            <a:r>
+              <a:rPr lang="en-US" sz="2400" b="1" dirty="0" err="1">
+                <a:latin typeface="Times New Roman" panose="02020603050405020304" pitchFamily="18" charset="0"/>
+                <a:cs typeface="Times New Roman" panose="02020603050405020304" pitchFamily="18" charset="0"/>
+              </a:rPr>
+              <a:t>Tôi</a:t>
+            </a:r>
+            <a:r>
+              <a:rPr lang="en-US" sz="2400" b="1" dirty="0">
+                <a:latin typeface="Times New Roman" panose="02020603050405020304" pitchFamily="18" charset="0"/>
+                <a:cs typeface="Times New Roman" panose="02020603050405020304" pitchFamily="18" charset="0"/>
+              </a:rPr>
+              <a:t> </a:t>
+            </a:r>
+            <a:r>
+              <a:rPr lang="en-US" sz="2400" b="1" dirty="0" err="1">
+                <a:latin typeface="Times New Roman" panose="02020603050405020304" pitchFamily="18" charset="0"/>
+                <a:cs typeface="Times New Roman" panose="02020603050405020304" pitchFamily="18" charset="0"/>
+              </a:rPr>
+              <a:t>là</a:t>
+            </a:r>
+            <a:r>
+              <a:rPr lang="en-US" sz="2400" b="1" dirty="0">
+                <a:latin typeface="Times New Roman" panose="02020603050405020304" pitchFamily="18" charset="0"/>
+                <a:cs typeface="Times New Roman" panose="02020603050405020304" pitchFamily="18" charset="0"/>
+              </a:rPr>
+              <a:t> </a:t>
+            </a:r>
+            <a:r>
+              <a:rPr lang="en-US" sz="2400" b="1" dirty="0" err="1">
+                <a:latin typeface="Times New Roman" panose="02020603050405020304" pitchFamily="18" charset="0"/>
+                <a:cs typeface="Times New Roman" panose="02020603050405020304" pitchFamily="18" charset="0"/>
+              </a:rPr>
+              <a:t>sinh_viên</a:t>
+            </a:r>
+            <a:r>
+              <a:rPr lang="en-US" sz="2400" b="1" dirty="0">
+                <a:latin typeface="Times New Roman" panose="02020603050405020304" pitchFamily="18" charset="0"/>
+                <a:cs typeface="Times New Roman" panose="02020603050405020304" pitchFamily="18" charset="0"/>
+              </a:rPr>
+              <a:t> </a:t>
+            </a:r>
+            <a:r>
+              <a:rPr lang="en-US" sz="2400" b="1" dirty="0" err="1">
+                <a:latin typeface="Times New Roman" panose="02020603050405020304" pitchFamily="18" charset="0"/>
+                <a:cs typeface="Times New Roman" panose="02020603050405020304" pitchFamily="18" charset="0"/>
+              </a:rPr>
+              <a:t>Đại_học</a:t>
+            </a:r>
+            <a:endParaRPr lang="en-US" sz="2400" b="1" dirty="0">
+              <a:latin typeface="Times New Roman" panose="02020603050405020304" pitchFamily="18" charset="0"/>
+              <a:cs typeface="Times New Roman" panose="02020603050405020304" pitchFamily="18" charset="0"/>
+            </a:endParaRPr>
           </a:p>
         </p:txBody>
       </p:sp>
     </p:spTree>
     <p:extLst>
       <p:ext uri="{BB962C8B-B14F-4D97-AF65-F5344CB8AC3E}">
-        <p14:creationId xmlns:p14="http://schemas.microsoft.com/office/powerpoint/2010/main" val="1864135627"/>
+        <p14:creationId xmlns:p14="http://schemas.microsoft.com/office/powerpoint/2010/main" val="1928333706"/>
+      </p:ext>
+    </p:extLst>
+  </p:cSld>
+  <p:clrMapOvr>
+    <a:masterClrMapping/>
+  </p:clrMapOvr>
+</p:sld>
+</file>
+
+<file path=ppt/slides/slide36.xml><?xml version="1.0" encoding="utf-8"?>
+<p:sld xmlns:a="http://schemas.openxmlformats.org/drawingml/2006/main" xmlns:r="http://schemas.openxmlformats.org/officeDocument/2006/relationships" xmlns:p="http://schemas.openxmlformats.org/presentationml/2006/main">
+  <p:cSld>
+    <p:spTree>
+      <p:nvGrpSpPr>
+        <p:cNvPr id="1" name=""/>
+        <p:cNvGrpSpPr/>
+        <p:nvPr/>
+      </p:nvGrpSpPr>
+      <p:grpSpPr>
+        <a:xfrm>
+          <a:off x="0" y="0"/>
+          <a:ext cx="0" cy="0"/>
+          <a:chOff x="0" y="0"/>
+          <a:chExt cx="0" cy="0"/>
+        </a:xfrm>
+      </p:grpSpPr>
+      <p:sp>
+        <p:nvSpPr>
+          <p:cNvPr id="11" name="Slide Number Placeholder 10"/>
+          <p:cNvSpPr>
+            <a:spLocks noGrp="1"/>
+          </p:cNvSpPr>
+          <p:nvPr>
+            <p:ph type="sldNum" sz="quarter" idx="12"/>
+          </p:nvPr>
+        </p:nvSpPr>
+        <p:spPr/>
+        <p:txBody>
+          <a:bodyPr/>
+          <a:lstStyle/>
+          <a:p>
+            <a:fld id="{DBA1B0FB-D917-4C8C-928F-313BD683BF39}" type="slidenum">
+              <a:rPr lang="en-US" smtClean="0"/>
+              <a:t>36</a:t>
+            </a:fld>
+            <a:endParaRPr lang="en-US"/>
+          </a:p>
+        </p:txBody>
+      </p:sp>
+      <p:sp>
+        <p:nvSpPr>
+          <p:cNvPr id="8" name="Content Placeholder 7">
+            <a:extLst>
+              <a:ext uri="{FF2B5EF4-FFF2-40B4-BE49-F238E27FC236}">
+                <a16:creationId xmlns:a16="http://schemas.microsoft.com/office/drawing/2014/main" id="{A27F6175-C901-DD27-A3B6-06D12A0227FB}"/>
+              </a:ext>
+            </a:extLst>
+          </p:cNvPr>
+          <p:cNvSpPr>
+            <a:spLocks noGrp="1"/>
+          </p:cNvSpPr>
+          <p:nvPr>
+            <p:ph sz="half" idx="4294967295"/>
+          </p:nvPr>
+        </p:nvSpPr>
+        <p:spPr>
+          <a:xfrm>
+            <a:off x="1424067" y="1576786"/>
+            <a:ext cx="9615640" cy="4930426"/>
+          </a:xfrm>
+        </p:spPr>
+        <p:txBody>
+          <a:bodyPr/>
+          <a:lstStyle/>
+          <a:p>
+            <a:r>
+              <a:rPr lang="en-US" sz="2400" b="1" dirty="0" err="1">
+                <a:latin typeface="Times New Roman" panose="02020603050405020304" pitchFamily="18" charset="0"/>
+                <a:cs typeface="Times New Roman" panose="02020603050405020304" pitchFamily="18" charset="0"/>
+              </a:rPr>
+              <a:t>PhoBert</a:t>
+            </a:r>
+            <a:r>
+              <a:rPr lang="en-US" sz="2400" b="1" dirty="0">
+                <a:latin typeface="Times New Roman" panose="02020603050405020304" pitchFamily="18" charset="0"/>
+                <a:cs typeface="Times New Roman" panose="02020603050405020304" pitchFamily="18" charset="0"/>
+              </a:rPr>
+              <a:t> is base on </a:t>
+            </a:r>
+            <a:r>
+              <a:rPr lang="en-US" sz="2400" b="1" dirty="0" err="1">
+                <a:latin typeface="Times New Roman" panose="02020603050405020304" pitchFamily="18" charset="0"/>
+                <a:cs typeface="Times New Roman" panose="02020603050405020304" pitchFamily="18" charset="0"/>
+              </a:rPr>
+              <a:t>RpBERTa</a:t>
+            </a:r>
+            <a:r>
+              <a:rPr lang="en-US" sz="2400" b="1" dirty="0">
+                <a:latin typeface="Times New Roman" panose="02020603050405020304" pitchFamily="18" charset="0"/>
+                <a:cs typeface="Times New Roman" panose="02020603050405020304" pitchFamily="18" charset="0"/>
+              </a:rPr>
+              <a:t> and optimizes the BERT pre-training for higher performance. </a:t>
+            </a:r>
+          </a:p>
+          <a:p>
+            <a:r>
+              <a:rPr lang="en-US" sz="2400" b="1" dirty="0">
+                <a:latin typeface="Times New Roman" panose="02020603050405020304" pitchFamily="18" charset="0"/>
+                <a:cs typeface="Times New Roman" panose="02020603050405020304" pitchFamily="18" charset="0"/>
+              </a:rPr>
+              <a:t>Monolingual Language (Vietnamese)</a:t>
+            </a:r>
+          </a:p>
+          <a:p>
+            <a:r>
+              <a:rPr lang="en-US" sz="2400" b="1" dirty="0">
+                <a:latin typeface="Times New Roman" panose="02020603050405020304" pitchFamily="18" charset="0"/>
+                <a:cs typeface="Times New Roman" panose="02020603050405020304" pitchFamily="18" charset="0"/>
+              </a:rPr>
+              <a:t>Have 2 version “base” and “large” like BERT</a:t>
+            </a:r>
+          </a:p>
+          <a:p>
+            <a:r>
+              <a:rPr lang="en-US" sz="2400" b="1" dirty="0">
+                <a:latin typeface="Times New Roman" panose="02020603050405020304" pitchFamily="18" charset="0"/>
+                <a:cs typeface="Times New Roman" panose="02020603050405020304" pitchFamily="18" charset="0"/>
+              </a:rPr>
+              <a:t>Training in 20GB data (1GB on Wikipedia and 19GB from Vietnamese news corpus)</a:t>
+            </a:r>
+          </a:p>
+        </p:txBody>
+      </p:sp>
+      <p:pic>
+        <p:nvPicPr>
+          <p:cNvPr id="12" name="Picture 11"/>
+          <p:cNvPicPr>
+            <a:picLocks noChangeAspect="1"/>
+          </p:cNvPicPr>
+          <p:nvPr/>
+        </p:nvPicPr>
+        <p:blipFill>
+          <a:blip r:embed="rId3">
+            <a:extLst>
+              <a:ext uri="{28A0092B-C50C-407E-A947-70E740481C1C}">
+                <a14:useLocalDpi xmlns:a14="http://schemas.microsoft.com/office/drawing/2010/main" val="0"/>
+              </a:ext>
+            </a:extLst>
+          </a:blip>
+          <a:stretch>
+            <a:fillRect/>
+          </a:stretch>
+        </p:blipFill>
+        <p:spPr>
+          <a:xfrm>
+            <a:off x="-4612" y="-6922"/>
+            <a:ext cx="1428679" cy="791181"/>
+          </a:xfrm>
+          <a:prstGeom prst="rect">
+            <a:avLst/>
+          </a:prstGeom>
+        </p:spPr>
+      </p:pic>
+    </p:spTree>
+    <p:extLst>
+      <p:ext uri="{BB962C8B-B14F-4D97-AF65-F5344CB8AC3E}">
+        <p14:creationId xmlns:p14="http://schemas.microsoft.com/office/powerpoint/2010/main" val="3271046112"/>
+      </p:ext>
+    </p:extLst>
+  </p:cSld>
+  <p:clrMapOvr>
+    <a:masterClrMapping/>
+  </p:clrMapOvr>
+</p:sld>
+</file>
+
+<file path=ppt/slides/slide37.xml><?xml version="1.0" encoding="utf-8"?>
+<p:sld xmlns:a="http://schemas.openxmlformats.org/drawingml/2006/main" xmlns:r="http://schemas.openxmlformats.org/officeDocument/2006/relationships" xmlns:p="http://schemas.openxmlformats.org/presentationml/2006/main">
+  <p:cSld>
+    <p:spTree>
+      <p:nvGrpSpPr>
+        <p:cNvPr id="1" name=""/>
+        <p:cNvGrpSpPr/>
+        <p:nvPr/>
+      </p:nvGrpSpPr>
+      <p:grpSpPr>
+        <a:xfrm>
+          <a:off x="0" y="0"/>
+          <a:ext cx="0" cy="0"/>
+          <a:chOff x="0" y="0"/>
+          <a:chExt cx="0" cy="0"/>
+        </a:xfrm>
+      </p:grpSpPr>
+      <p:sp>
+        <p:nvSpPr>
+          <p:cNvPr id="11" name="Slide Number Placeholder 10"/>
+          <p:cNvSpPr>
+            <a:spLocks noGrp="1"/>
+          </p:cNvSpPr>
+          <p:nvPr>
+            <p:ph type="sldNum" sz="quarter" idx="12"/>
+          </p:nvPr>
+        </p:nvSpPr>
+        <p:spPr/>
+        <p:txBody>
+          <a:bodyPr/>
+          <a:lstStyle/>
+          <a:p>
+            <a:fld id="{DBA1B0FB-D917-4C8C-928F-313BD683BF39}" type="slidenum">
+              <a:rPr lang="en-US" smtClean="0"/>
+              <a:t>37</a:t>
+            </a:fld>
+            <a:endParaRPr lang="en-US"/>
+          </a:p>
+        </p:txBody>
+      </p:sp>
+      <p:sp>
+        <p:nvSpPr>
+          <p:cNvPr id="8" name="Content Placeholder 7">
+            <a:extLst>
+              <a:ext uri="{FF2B5EF4-FFF2-40B4-BE49-F238E27FC236}">
+                <a16:creationId xmlns:a16="http://schemas.microsoft.com/office/drawing/2014/main" id="{A27F6175-C901-DD27-A3B6-06D12A0227FB}"/>
+              </a:ext>
+            </a:extLst>
+          </p:cNvPr>
+          <p:cNvSpPr>
+            <a:spLocks noGrp="1"/>
+          </p:cNvSpPr>
+          <p:nvPr>
+            <p:ph sz="half" idx="4294967295"/>
+          </p:nvPr>
+        </p:nvSpPr>
+        <p:spPr>
+          <a:xfrm>
+            <a:off x="1424067" y="1576786"/>
+            <a:ext cx="9615640" cy="4930426"/>
+          </a:xfrm>
+        </p:spPr>
+        <p:txBody>
+          <a:bodyPr/>
+          <a:lstStyle/>
+          <a:p>
+            <a:r>
+              <a:rPr lang="en-US" sz="2400" b="1" dirty="0">
+                <a:latin typeface="Times New Roman" panose="02020603050405020304" pitchFamily="18" charset="0"/>
+                <a:cs typeface="Times New Roman" panose="02020603050405020304" pitchFamily="18" charset="0"/>
+              </a:rPr>
+              <a:t>Use </a:t>
+            </a:r>
+            <a:r>
+              <a:rPr lang="en-US" sz="2400" b="1" dirty="0" err="1">
+                <a:latin typeface="Times New Roman" panose="02020603050405020304" pitchFamily="18" charset="0"/>
+                <a:cs typeface="Times New Roman" panose="02020603050405020304" pitchFamily="18" charset="0"/>
+              </a:rPr>
+              <a:t>RDRSegmenter</a:t>
+            </a:r>
+            <a:r>
+              <a:rPr lang="en-US" sz="2400" b="1" dirty="0">
+                <a:latin typeface="Times New Roman" panose="02020603050405020304" pitchFamily="18" charset="0"/>
+                <a:cs typeface="Times New Roman" panose="02020603050405020304" pitchFamily="18" charset="0"/>
+              </a:rPr>
+              <a:t> from </a:t>
+            </a:r>
+            <a:r>
+              <a:rPr lang="en-US" sz="2400" b="1" dirty="0" err="1">
+                <a:latin typeface="Times New Roman" panose="02020603050405020304" pitchFamily="18" charset="0"/>
+                <a:cs typeface="Times New Roman" panose="02020603050405020304" pitchFamily="18" charset="0"/>
+              </a:rPr>
+              <a:t>VnCoreNLP</a:t>
+            </a:r>
+            <a:r>
+              <a:rPr lang="en-US" sz="2400" b="1" dirty="0">
+                <a:latin typeface="Times New Roman" panose="02020603050405020304" pitchFamily="18" charset="0"/>
+                <a:cs typeface="Times New Roman" panose="02020603050405020304" pitchFamily="18" charset="0"/>
+              </a:rPr>
+              <a:t> to perform word and sentence segmentation on the pre-training dataset.</a:t>
+            </a:r>
+          </a:p>
+          <a:p>
+            <a:r>
+              <a:rPr lang="en-US" sz="2400" b="1" dirty="0">
+                <a:latin typeface="Times New Roman" panose="02020603050405020304" pitchFamily="18" charset="0"/>
+                <a:cs typeface="Times New Roman" panose="02020603050405020304" pitchFamily="18" charset="0"/>
+              </a:rPr>
+              <a:t>Different from </a:t>
+            </a:r>
+            <a:r>
+              <a:rPr lang="en-US" sz="2400" b="1" dirty="0" err="1">
+                <a:latin typeface="Times New Roman" panose="02020603050405020304" pitchFamily="18" charset="0"/>
+                <a:cs typeface="Times New Roman" panose="02020603050405020304" pitchFamily="18" charset="0"/>
+              </a:rPr>
+              <a:t>RoBERTa</a:t>
+            </a:r>
+            <a:r>
+              <a:rPr lang="en-US" sz="2400" b="1" dirty="0">
+                <a:latin typeface="Times New Roman" panose="02020603050405020304" pitchFamily="18" charset="0"/>
+                <a:cs typeface="Times New Roman" panose="02020603050405020304" pitchFamily="18" charset="0"/>
+              </a:rPr>
+              <a:t>, </a:t>
+            </a:r>
+            <a:r>
+              <a:rPr lang="en-US" sz="2400" b="1" dirty="0" err="1">
+                <a:latin typeface="Times New Roman" panose="02020603050405020304" pitchFamily="18" charset="0"/>
+                <a:cs typeface="Times New Roman" panose="02020603050405020304" pitchFamily="18" charset="0"/>
+              </a:rPr>
+              <a:t>PhoBert</a:t>
+            </a:r>
+            <a:r>
+              <a:rPr lang="en-US" sz="2400" b="1" dirty="0">
+                <a:latin typeface="Times New Roman" panose="02020603050405020304" pitchFamily="18" charset="0"/>
+                <a:cs typeface="Times New Roman" panose="02020603050405020304" pitchFamily="18" charset="0"/>
+              </a:rPr>
+              <a:t> then apply </a:t>
+            </a:r>
+            <a:r>
+              <a:rPr lang="en-US" sz="2400" b="1" dirty="0" err="1">
+                <a:latin typeface="Times New Roman" panose="02020603050405020304" pitchFamily="18" charset="0"/>
+                <a:cs typeface="Times New Roman" panose="02020603050405020304" pitchFamily="18" charset="0"/>
+              </a:rPr>
+              <a:t>fastBPE</a:t>
+            </a:r>
+            <a:r>
+              <a:rPr lang="en-US" sz="2400" b="1" dirty="0">
+                <a:latin typeface="Times New Roman" panose="02020603050405020304" pitchFamily="18" charset="0"/>
+                <a:cs typeface="Times New Roman" panose="02020603050405020304" pitchFamily="18" charset="0"/>
+              </a:rPr>
+              <a:t> to segment sentences with </a:t>
+            </a:r>
+            <a:r>
+              <a:rPr lang="en-US" sz="2400" b="1" dirty="0" err="1">
+                <a:latin typeface="Times New Roman" panose="02020603050405020304" pitchFamily="18" charset="0"/>
+                <a:cs typeface="Times New Roman" panose="02020603050405020304" pitchFamily="18" charset="0"/>
+              </a:rPr>
+              <a:t>subword</a:t>
+            </a:r>
+            <a:r>
+              <a:rPr lang="en-US" sz="2400" b="1" dirty="0">
+                <a:latin typeface="Times New Roman" panose="02020603050405020304" pitchFamily="18" charset="0"/>
+                <a:cs typeface="Times New Roman" panose="02020603050405020304" pitchFamily="18" charset="0"/>
+              </a:rPr>
+              <a:t> units, using vocabulary of 64K </a:t>
+            </a:r>
+            <a:r>
+              <a:rPr lang="en-US" sz="2400" b="1" dirty="0" err="1">
+                <a:latin typeface="Times New Roman" panose="02020603050405020304" pitchFamily="18" charset="0"/>
+                <a:cs typeface="Times New Roman" panose="02020603050405020304" pitchFamily="18" charset="0"/>
+              </a:rPr>
+              <a:t>subword</a:t>
+            </a:r>
+            <a:r>
+              <a:rPr lang="en-US" sz="2400" b="1" dirty="0">
+                <a:latin typeface="Times New Roman" panose="02020603050405020304" pitchFamily="18" charset="0"/>
+                <a:cs typeface="Times New Roman" panose="02020603050405020304" pitchFamily="18" charset="0"/>
+              </a:rPr>
+              <a:t> types. There are 24.4 </a:t>
+            </a:r>
+            <a:r>
+              <a:rPr lang="en-US" sz="2400" b="1" dirty="0" err="1">
+                <a:latin typeface="Times New Roman" panose="02020603050405020304" pitchFamily="18" charset="0"/>
+                <a:cs typeface="Times New Roman" panose="02020603050405020304" pitchFamily="18" charset="0"/>
+              </a:rPr>
+              <a:t>subword</a:t>
+            </a:r>
+            <a:r>
+              <a:rPr lang="en-US" sz="2400" b="1" dirty="0">
+                <a:latin typeface="Times New Roman" panose="02020603050405020304" pitchFamily="18" charset="0"/>
+                <a:cs typeface="Times New Roman" panose="02020603050405020304" pitchFamily="18" charset="0"/>
+              </a:rPr>
+              <a:t> tokens per each sentence.</a:t>
+            </a:r>
+          </a:p>
+          <a:p>
+            <a:r>
+              <a:rPr lang="en-US" sz="2400" b="1" dirty="0">
+                <a:latin typeface="Times New Roman" panose="02020603050405020304" pitchFamily="18" charset="0"/>
+                <a:cs typeface="Times New Roman" panose="02020603050405020304" pitchFamily="18" charset="0"/>
+              </a:rPr>
+              <a:t>Same as </a:t>
+            </a:r>
+            <a:r>
+              <a:rPr lang="en-US" sz="2400" b="1" dirty="0" err="1">
+                <a:latin typeface="Times New Roman" panose="02020603050405020304" pitchFamily="18" charset="0"/>
+                <a:cs typeface="Times New Roman" panose="02020603050405020304" pitchFamily="18" charset="0"/>
+              </a:rPr>
+              <a:t>RoBERTa</a:t>
+            </a:r>
+            <a:r>
+              <a:rPr lang="en-US" sz="2400" b="1" dirty="0">
+                <a:latin typeface="Times New Roman" panose="02020603050405020304" pitchFamily="18" charset="0"/>
+                <a:cs typeface="Times New Roman" panose="02020603050405020304" pitchFamily="18" charset="0"/>
+              </a:rPr>
+              <a:t>, it only use Masked Language Model and don’t use Next Sentence Prediction like BERT.</a:t>
+            </a:r>
+          </a:p>
+          <a:p>
+            <a:endParaRPr lang="en-US" sz="2400" b="1" dirty="0">
+              <a:latin typeface="Times New Roman" panose="02020603050405020304" pitchFamily="18" charset="0"/>
+              <a:cs typeface="Times New Roman" panose="02020603050405020304" pitchFamily="18" charset="0"/>
+            </a:endParaRPr>
+          </a:p>
+        </p:txBody>
+      </p:sp>
+      <p:pic>
+        <p:nvPicPr>
+          <p:cNvPr id="12" name="Picture 11"/>
+          <p:cNvPicPr>
+            <a:picLocks noChangeAspect="1"/>
+          </p:cNvPicPr>
+          <p:nvPr/>
+        </p:nvPicPr>
+        <p:blipFill>
+          <a:blip r:embed="rId3">
+            <a:extLst>
+              <a:ext uri="{28A0092B-C50C-407E-A947-70E740481C1C}">
+                <a14:useLocalDpi xmlns:a14="http://schemas.microsoft.com/office/drawing/2010/main" val="0"/>
+              </a:ext>
+            </a:extLst>
+          </a:blip>
+          <a:stretch>
+            <a:fillRect/>
+          </a:stretch>
+        </p:blipFill>
+        <p:spPr>
+          <a:xfrm>
+            <a:off x="-4612" y="-6922"/>
+            <a:ext cx="1428679" cy="791181"/>
+          </a:xfrm>
+          <a:prstGeom prst="rect">
+            <a:avLst/>
+          </a:prstGeom>
+        </p:spPr>
+      </p:pic>
+    </p:spTree>
+    <p:extLst>
+      <p:ext uri="{BB962C8B-B14F-4D97-AF65-F5344CB8AC3E}">
+        <p14:creationId xmlns:p14="http://schemas.microsoft.com/office/powerpoint/2010/main" val="178896191"/>
       </p:ext>
     </p:extLst>
   </p:cSld>
